--- a/presentation/ERG3010 Group 10 Presentation.pptx
+++ b/presentation/ERG3010 Group 10 Presentation.pptx
@@ -5116,6 +5116,176 @@
           </a:p>
         </p:txBody>
       </p:sp>
+      <p:pic>
+        <p:nvPicPr>
+          <p:cNvPr id="28" name="Picture 27">
+            <a:extLst>
+              <a:ext uri="{FF2B5EF4-FFF2-40B4-BE49-F238E27FC236}">
+                <a16:creationId xmlns:a16="http://schemas.microsoft.com/office/drawing/2014/main" id="{DFFB11EF-1498-4171-94FB-A97CD026D23C}"/>
+              </a:ext>
+            </a:extLst>
+          </p:cNvPr>
+          <p:cNvPicPr>
+            <a:picLocks noChangeAspect="1"/>
+          </p:cNvPicPr>
+          <p:nvPr/>
+        </p:nvPicPr>
+        <p:blipFill>
+          <a:blip r:embed="rId3">
+            <a:duotone>
+              <a:prstClr val="black"/>
+              <a:schemeClr val="accent2">
+                <a:tint val="45000"/>
+                <a:satMod val="400000"/>
+              </a:schemeClr>
+            </a:duotone>
+            <a:extLst>
+              <a:ext uri="{BEBA8EAE-BF5A-486C-A8C5-ECC9F3942E4B}">
+                <a14:imgProps xmlns:a14="http://schemas.microsoft.com/office/drawing/2010/main">
+                  <a14:imgLayer r:embed="rId4">
+                    <a14:imgEffect>
+                      <a14:artisticLineDrawing/>
+                    </a14:imgEffect>
+                  </a14:imgLayer>
+                </a14:imgProps>
+              </a:ext>
+            </a:extLst>
+          </a:blip>
+          <a:stretch>
+            <a:fillRect/>
+          </a:stretch>
+        </p:blipFill>
+        <p:spPr>
+          <a:xfrm>
+            <a:off x="3080970" y="-33964"/>
+            <a:ext cx="6036093" cy="1642346"/>
+          </a:xfrm>
+          <a:prstGeom prst="rect">
+            <a:avLst/>
+          </a:prstGeom>
+        </p:spPr>
+      </p:pic>
+      <p:sp>
+        <p:nvSpPr>
+          <p:cNvPr id="4" name="TextBox 3">
+            <a:extLst>
+              <a:ext uri="{FF2B5EF4-FFF2-40B4-BE49-F238E27FC236}">
+                <a16:creationId xmlns:a16="http://schemas.microsoft.com/office/drawing/2014/main" id="{2B8C63BA-1E09-4FA2-8C47-90AF449ECB3C}"/>
+              </a:ext>
+            </a:extLst>
+          </p:cNvPr>
+          <p:cNvSpPr txBox="1"/>
+          <p:nvPr/>
+        </p:nvSpPr>
+        <p:spPr>
+          <a:xfrm>
+            <a:off x="3857636" y="4172334"/>
+            <a:ext cx="3971082" cy="461665"/>
+          </a:xfrm>
+          <a:prstGeom prst="rect">
+            <a:avLst/>
+          </a:prstGeom>
+          <a:noFill/>
+        </p:spPr>
+        <p:txBody>
+          <a:bodyPr wrap="square" rtlCol="0">
+            <a:spAutoFit/>
+          </a:bodyPr>
+          <a:lstStyle/>
+          <a:p>
+            <a:r>
+              <a:rPr lang="en-US" altLang="zh-CN" sz="2400" b="1" dirty="0">
+                <a:latin typeface="Calibri" panose="020F0502020204030204" pitchFamily="34" charset="0"/>
+                <a:cs typeface="Calibri" panose="020F0502020204030204" pitchFamily="34" charset="0"/>
+              </a:rPr>
+              <a:t>Group 10 – Division Subgroup</a:t>
+            </a:r>
+            <a:endParaRPr lang="zh-CN" altLang="en-US" sz="2400" b="1" dirty="0">
+              <a:latin typeface="Calibri" panose="020F0502020204030204" pitchFamily="34" charset="0"/>
+              <a:cs typeface="Calibri" panose="020F0502020204030204" pitchFamily="34" charset="0"/>
+            </a:endParaRPr>
+          </a:p>
+        </p:txBody>
+      </p:sp>
+      <p:grpSp>
+        <p:nvGrpSpPr>
+          <p:cNvPr id="8" name="Group 7">
+            <a:extLst>
+              <a:ext uri="{FF2B5EF4-FFF2-40B4-BE49-F238E27FC236}">
+                <a16:creationId xmlns:a16="http://schemas.microsoft.com/office/drawing/2014/main" id="{ACBEB415-EDF2-4A15-A5B8-6D044D4D6E9B}"/>
+              </a:ext>
+            </a:extLst>
+          </p:cNvPr>
+          <p:cNvGrpSpPr/>
+          <p:nvPr/>
+        </p:nvGrpSpPr>
+        <p:grpSpPr>
+          <a:xfrm>
+            <a:off x="-509577" y="179544"/>
+            <a:ext cx="13825194" cy="3340513"/>
+            <a:chOff x="-1553286" y="437405"/>
+            <a:chExt cx="13825194" cy="3340513"/>
+          </a:xfrm>
+        </p:grpSpPr>
+        <p:pic>
+          <p:nvPicPr>
+            <p:cNvPr id="7" name="Picture 6">
+              <a:extLst>
+                <a:ext uri="{FF2B5EF4-FFF2-40B4-BE49-F238E27FC236}">
+                  <a16:creationId xmlns:a16="http://schemas.microsoft.com/office/drawing/2014/main" id="{9F43CBBD-C8A1-4977-B989-22CCF810ADFF}"/>
+                </a:ext>
+              </a:extLst>
+            </p:cNvPr>
+            <p:cNvPicPr>
+              <a:picLocks noChangeAspect="1"/>
+            </p:cNvPicPr>
+            <p:nvPr/>
+          </p:nvPicPr>
+          <p:blipFill rotWithShape="1">
+            <a:blip r:embed="rId5"/>
+            <a:srcRect r="61314"/>
+            <a:stretch/>
+          </p:blipFill>
+          <p:spPr>
+            <a:xfrm>
+              <a:off x="-1553286" y="437405"/>
+              <a:ext cx="4712862" cy="3314700"/>
+            </a:xfrm>
+            <a:prstGeom prst="rect">
+              <a:avLst/>
+            </a:prstGeom>
+          </p:spPr>
+        </p:pic>
+        <p:pic>
+          <p:nvPicPr>
+            <p:cNvPr id="29" name="Picture 28">
+              <a:extLst>
+                <a:ext uri="{FF2B5EF4-FFF2-40B4-BE49-F238E27FC236}">
+                  <a16:creationId xmlns:a16="http://schemas.microsoft.com/office/drawing/2014/main" id="{E24E8D00-7D77-4984-BA5E-BE5C440DAE37}"/>
+                </a:ext>
+              </a:extLst>
+            </p:cNvPr>
+            <p:cNvPicPr>
+              <a:picLocks noChangeAspect="1"/>
+            </p:cNvPicPr>
+            <p:nvPr/>
+          </p:nvPicPr>
+          <p:blipFill rotWithShape="1">
+            <a:blip r:embed="rId5"/>
+            <a:srcRect l="39386"/>
+            <a:stretch/>
+          </p:blipFill>
+          <p:spPr>
+            <a:xfrm>
+              <a:off x="4887479" y="463218"/>
+              <a:ext cx="7384429" cy="3314700"/>
+            </a:xfrm>
+            <a:prstGeom prst="rect">
+              <a:avLst/>
+            </a:prstGeom>
+          </p:spPr>
+        </p:pic>
+      </p:grpSp>
     </p:spTree>
     <p:extLst>
       <p:ext uri="{BB962C8B-B14F-4D97-AF65-F5344CB8AC3E}">

--- a/presentation/ERG3010 Group 10 Presentation.pptx
+++ b/presentation/ERG3010 Group 10 Presentation.pptx
@@ -5,16 +5,18 @@
     <p:sldMasterId id="2147483648" r:id="rId1"/>
   </p:sldMasterIdLst>
   <p:notesMasterIdLst>
-    <p:notesMasterId r:id="rId9"/>
+    <p:notesMasterId r:id="rId11"/>
   </p:notesMasterIdLst>
   <p:sldIdLst>
     <p:sldId id="256" r:id="rId2"/>
     <p:sldId id="290" r:id="rId3"/>
-    <p:sldId id="289" r:id="rId4"/>
-    <p:sldId id="287" r:id="rId5"/>
-    <p:sldId id="288" r:id="rId6"/>
-    <p:sldId id="291" r:id="rId7"/>
-    <p:sldId id="286" r:id="rId8"/>
+    <p:sldId id="292" r:id="rId4"/>
+    <p:sldId id="293" r:id="rId5"/>
+    <p:sldId id="294" r:id="rId6"/>
+    <p:sldId id="295" r:id="rId7"/>
+    <p:sldId id="289" r:id="rId8"/>
+    <p:sldId id="291" r:id="rId9"/>
+    <p:sldId id="286" r:id="rId10"/>
   </p:sldIdLst>
   <p:sldSz cx="12190413" cy="6858000"/>
   <p:notesSz cx="6858000" cy="9144000"/>
@@ -693,7 +695,7 @@
           <a:bodyPr/>
           <a:lstStyle/>
           <a:p>
-            <a:endParaRPr lang="zh-CN" altLang="en-US"/>
+            <a:endParaRPr lang="zh-CN" altLang="en-US" dirty="0"/>
           </a:p>
         </p:txBody>
       </p:sp>
@@ -723,7 +725,7 @@
     </p:spTree>
     <p:extLst>
       <p:ext uri="{BB962C8B-B14F-4D97-AF65-F5344CB8AC3E}">
-        <p14:creationId xmlns:p14="http://schemas.microsoft.com/office/powerpoint/2010/main" val="1978851968"/>
+        <p14:creationId xmlns:p14="http://schemas.microsoft.com/office/powerpoint/2010/main" val="2703499904"/>
       </p:ext>
     </p:extLst>
   </p:cSld>
@@ -777,7 +779,7 @@
           <a:bodyPr/>
           <a:lstStyle/>
           <a:p>
-            <a:endParaRPr lang="zh-CN" altLang="en-US"/>
+            <a:endParaRPr lang="zh-CN" altLang="en-US" dirty="0"/>
           </a:p>
         </p:txBody>
       </p:sp>
@@ -807,7 +809,7 @@
     </p:spTree>
     <p:extLst>
       <p:ext uri="{BB962C8B-B14F-4D97-AF65-F5344CB8AC3E}">
-        <p14:creationId xmlns:p14="http://schemas.microsoft.com/office/powerpoint/2010/main" val="492095556"/>
+        <p14:creationId xmlns:p14="http://schemas.microsoft.com/office/powerpoint/2010/main" val="305722097"/>
       </p:ext>
     </p:extLst>
   </p:cSld>
@@ -861,7 +863,7 @@
           <a:bodyPr/>
           <a:lstStyle/>
           <a:p>
-            <a:endParaRPr lang="zh-CN" altLang="en-US"/>
+            <a:endParaRPr lang="zh-CN" altLang="en-US" dirty="0"/>
           </a:p>
         </p:txBody>
       </p:sp>
@@ -891,7 +893,7 @@
     </p:spTree>
     <p:extLst>
       <p:ext uri="{BB962C8B-B14F-4D97-AF65-F5344CB8AC3E}">
-        <p14:creationId xmlns:p14="http://schemas.microsoft.com/office/powerpoint/2010/main" val="2072143231"/>
+        <p14:creationId xmlns:p14="http://schemas.microsoft.com/office/powerpoint/2010/main" val="1715970975"/>
       </p:ext>
     </p:extLst>
   </p:cSld>
@@ -945,7 +947,7 @@
           <a:bodyPr/>
           <a:lstStyle/>
           <a:p>
-            <a:endParaRPr lang="zh-CN" altLang="en-US"/>
+            <a:endParaRPr lang="zh-CN" altLang="en-US" dirty="0"/>
           </a:p>
         </p:txBody>
       </p:sp>
@@ -975,7 +977,7 @@
     </p:spTree>
     <p:extLst>
       <p:ext uri="{BB962C8B-B14F-4D97-AF65-F5344CB8AC3E}">
-        <p14:creationId xmlns:p14="http://schemas.microsoft.com/office/powerpoint/2010/main" val="841292379"/>
+        <p14:creationId xmlns:p14="http://schemas.microsoft.com/office/powerpoint/2010/main" val="3832459797"/>
       </p:ext>
     </p:extLst>
   </p:cSld>
@@ -1051,6 +1053,174 @@
             <a:fld id="{6473F681-7291-41D2-A146-1FB28A7F6200}" type="slidenum">
               <a:rPr lang="zh-CN" altLang="en-US" smtClean="0"/>
               <a:t>7</a:t>
+            </a:fld>
+            <a:endParaRPr lang="zh-CN" altLang="en-US"/>
+          </a:p>
+        </p:txBody>
+      </p:sp>
+    </p:spTree>
+    <p:extLst>
+      <p:ext uri="{BB962C8B-B14F-4D97-AF65-F5344CB8AC3E}">
+        <p14:creationId xmlns:p14="http://schemas.microsoft.com/office/powerpoint/2010/main" val="1978851968"/>
+      </p:ext>
+    </p:extLst>
+  </p:cSld>
+  <p:clrMapOvr>
+    <a:masterClrMapping/>
+  </p:clrMapOvr>
+</p:notes>
+</file>
+
+<file path=ppt/notesSlides/notesSlide8.xml><?xml version="1.0" encoding="utf-8"?>
+<p:notes xmlns:a="http://schemas.openxmlformats.org/drawingml/2006/main" xmlns:r="http://schemas.openxmlformats.org/officeDocument/2006/relationships" xmlns:p="http://schemas.openxmlformats.org/presentationml/2006/main">
+  <p:cSld>
+    <p:spTree>
+      <p:nvGrpSpPr>
+        <p:cNvPr id="1" name=""/>
+        <p:cNvGrpSpPr/>
+        <p:nvPr/>
+      </p:nvGrpSpPr>
+      <p:grpSpPr>
+        <a:xfrm>
+          <a:off x="0" y="0"/>
+          <a:ext cx="0" cy="0"/>
+          <a:chOff x="0" y="0"/>
+          <a:chExt cx="0" cy="0"/>
+        </a:xfrm>
+      </p:grpSpPr>
+      <p:sp>
+        <p:nvSpPr>
+          <p:cNvPr id="2" name="幻灯片图像占位符 1"/>
+          <p:cNvSpPr>
+            <a:spLocks noGrp="1" noRot="1" noChangeAspect="1"/>
+          </p:cNvSpPr>
+          <p:nvPr>
+            <p:ph type="sldImg"/>
+          </p:nvPr>
+        </p:nvSpPr>
+        <p:spPr/>
+      </p:sp>
+      <p:sp>
+        <p:nvSpPr>
+          <p:cNvPr id="3" name="备注占位符 2"/>
+          <p:cNvSpPr>
+            <a:spLocks noGrp="1"/>
+          </p:cNvSpPr>
+          <p:nvPr>
+            <p:ph type="body" idx="1"/>
+          </p:nvPr>
+        </p:nvSpPr>
+        <p:spPr/>
+        <p:txBody>
+          <a:bodyPr/>
+          <a:lstStyle/>
+          <a:p>
+            <a:endParaRPr lang="zh-CN" altLang="en-US"/>
+          </a:p>
+        </p:txBody>
+      </p:sp>
+      <p:sp>
+        <p:nvSpPr>
+          <p:cNvPr id="4" name="灯片编号占位符 3"/>
+          <p:cNvSpPr>
+            <a:spLocks noGrp="1"/>
+          </p:cNvSpPr>
+          <p:nvPr>
+            <p:ph type="sldNum" sz="quarter" idx="10"/>
+          </p:nvPr>
+        </p:nvSpPr>
+        <p:spPr/>
+        <p:txBody>
+          <a:bodyPr/>
+          <a:lstStyle/>
+          <a:p>
+            <a:fld id="{6473F681-7291-41D2-A146-1FB28A7F6200}" type="slidenum">
+              <a:rPr lang="zh-CN" altLang="en-US" smtClean="0"/>
+              <a:t>8</a:t>
+            </a:fld>
+            <a:endParaRPr lang="zh-CN" altLang="en-US"/>
+          </a:p>
+        </p:txBody>
+      </p:sp>
+    </p:spTree>
+    <p:extLst>
+      <p:ext uri="{BB962C8B-B14F-4D97-AF65-F5344CB8AC3E}">
+        <p14:creationId xmlns:p14="http://schemas.microsoft.com/office/powerpoint/2010/main" val="841292379"/>
+      </p:ext>
+    </p:extLst>
+  </p:cSld>
+  <p:clrMapOvr>
+    <a:masterClrMapping/>
+  </p:clrMapOvr>
+</p:notes>
+</file>
+
+<file path=ppt/notesSlides/notesSlide9.xml><?xml version="1.0" encoding="utf-8"?>
+<p:notes xmlns:a="http://schemas.openxmlformats.org/drawingml/2006/main" xmlns:r="http://schemas.openxmlformats.org/officeDocument/2006/relationships" xmlns:p="http://schemas.openxmlformats.org/presentationml/2006/main">
+  <p:cSld>
+    <p:spTree>
+      <p:nvGrpSpPr>
+        <p:cNvPr id="1" name=""/>
+        <p:cNvGrpSpPr/>
+        <p:nvPr/>
+      </p:nvGrpSpPr>
+      <p:grpSpPr>
+        <a:xfrm>
+          <a:off x="0" y="0"/>
+          <a:ext cx="0" cy="0"/>
+          <a:chOff x="0" y="0"/>
+          <a:chExt cx="0" cy="0"/>
+        </a:xfrm>
+      </p:grpSpPr>
+      <p:sp>
+        <p:nvSpPr>
+          <p:cNvPr id="2" name="幻灯片图像占位符 1"/>
+          <p:cNvSpPr>
+            <a:spLocks noGrp="1" noRot="1" noChangeAspect="1"/>
+          </p:cNvSpPr>
+          <p:nvPr>
+            <p:ph type="sldImg"/>
+          </p:nvPr>
+        </p:nvSpPr>
+        <p:spPr/>
+      </p:sp>
+      <p:sp>
+        <p:nvSpPr>
+          <p:cNvPr id="3" name="备注占位符 2"/>
+          <p:cNvSpPr>
+            <a:spLocks noGrp="1"/>
+          </p:cNvSpPr>
+          <p:nvPr>
+            <p:ph type="body" idx="1"/>
+          </p:nvPr>
+        </p:nvSpPr>
+        <p:spPr/>
+        <p:txBody>
+          <a:bodyPr/>
+          <a:lstStyle/>
+          <a:p>
+            <a:endParaRPr lang="zh-CN" altLang="en-US"/>
+          </a:p>
+        </p:txBody>
+      </p:sp>
+      <p:sp>
+        <p:nvSpPr>
+          <p:cNvPr id="4" name="灯片编号占位符 3"/>
+          <p:cNvSpPr>
+            <a:spLocks noGrp="1"/>
+          </p:cNvSpPr>
+          <p:nvPr>
+            <p:ph type="sldNum" sz="quarter" idx="10"/>
+          </p:nvPr>
+        </p:nvSpPr>
+        <p:spPr/>
+        <p:txBody>
+          <a:bodyPr/>
+          <a:lstStyle/>
+          <a:p>
+            <a:fld id="{6473F681-7291-41D2-A146-1FB28A7F6200}" type="slidenum">
+              <a:rPr lang="zh-CN" altLang="en-US" smtClean="0"/>
+              <a:t>9</a:t>
             </a:fld>
             <a:endParaRPr lang="zh-CN" altLang="en-US"/>
           </a:p>
@@ -1246,7 +1416,7 @@
           <a:bodyPr/>
           <a:lstStyle/>
           <a:p>
-            <a:fld id="{530820CF-B880-4189-942D-D702A7CBA730}" type="datetimeFigureOut">
+            <a:fld id="{B6315B6B-D624-4206-99FC-7A562C5CBE5A}" type="datetime1">
               <a:rPr lang="zh-CN" altLang="en-US" smtClean="0"/>
               <a:t>2019/12/7</a:t>
             </a:fld>
@@ -1421,7 +1591,7 @@
           <a:bodyPr/>
           <a:lstStyle/>
           <a:p>
-            <a:fld id="{530820CF-B880-4189-942D-D702A7CBA730}" type="datetimeFigureOut">
+            <a:fld id="{5AADB964-6AA2-48FE-BC08-521762BB4235}" type="datetime1">
               <a:rPr lang="zh-CN" altLang="en-US" smtClean="0"/>
               <a:t>2019/12/7</a:t>
             </a:fld>
@@ -1606,7 +1776,7 @@
           <a:bodyPr/>
           <a:lstStyle/>
           <a:p>
-            <a:fld id="{530820CF-B880-4189-942D-D702A7CBA730}" type="datetimeFigureOut">
+            <a:fld id="{B6E1A1F9-2A30-4C1B-A58D-9C0DAA9E340F}" type="datetime1">
               <a:rPr lang="zh-CN" altLang="en-US" smtClean="0"/>
               <a:t>2019/12/7</a:t>
             </a:fld>
@@ -1781,7 +1951,7 @@
           <a:bodyPr/>
           <a:lstStyle/>
           <a:p>
-            <a:fld id="{530820CF-B880-4189-942D-D702A7CBA730}" type="datetimeFigureOut">
+            <a:fld id="{A0709147-3A8A-4263-AD13-ED165A071101}" type="datetime1">
               <a:rPr lang="zh-CN" altLang="en-US" smtClean="0"/>
               <a:t>2019/12/7</a:t>
             </a:fld>
@@ -2033,7 +2203,7 @@
           <a:bodyPr/>
           <a:lstStyle/>
           <a:p>
-            <a:fld id="{530820CF-B880-4189-942D-D702A7CBA730}" type="datetimeFigureOut">
+            <a:fld id="{F70359E9-CA46-4932-BCA0-A38C9BC1F88B}" type="datetime1">
               <a:rPr lang="zh-CN" altLang="en-US" smtClean="0"/>
               <a:t>2019/12/7</a:t>
             </a:fld>
@@ -2325,7 +2495,7 @@
           <a:bodyPr/>
           <a:lstStyle/>
           <a:p>
-            <a:fld id="{530820CF-B880-4189-942D-D702A7CBA730}" type="datetimeFigureOut">
+            <a:fld id="{A20812E8-D766-4E30-87D6-D7CD1DCF9B38}" type="datetime1">
               <a:rPr lang="zh-CN" altLang="en-US" smtClean="0"/>
               <a:t>2019/12/7</a:t>
             </a:fld>
@@ -2751,7 +2921,7 @@
           <a:bodyPr/>
           <a:lstStyle/>
           <a:p>
-            <a:fld id="{530820CF-B880-4189-942D-D702A7CBA730}" type="datetimeFigureOut">
+            <a:fld id="{05A8E46D-A945-439F-84F0-0B1C846DCCC9}" type="datetime1">
               <a:rPr lang="zh-CN" altLang="en-US" smtClean="0"/>
               <a:t>2019/12/7</a:t>
             </a:fld>
@@ -2875,7 +3045,7 @@
           <a:bodyPr/>
           <a:lstStyle/>
           <a:p>
-            <a:fld id="{530820CF-B880-4189-942D-D702A7CBA730}" type="datetimeFigureOut">
+            <a:fld id="{AA69B525-1073-447B-8036-7222B05F5A09}" type="datetime1">
               <a:rPr lang="zh-CN" altLang="en-US" smtClean="0"/>
               <a:t>2019/12/7</a:t>
             </a:fld>
@@ -2977,7 +3147,7 @@
           <a:bodyPr/>
           <a:lstStyle/>
           <a:p>
-            <a:fld id="{530820CF-B880-4189-942D-D702A7CBA730}" type="datetimeFigureOut">
+            <a:fld id="{67D341EA-D6F8-44B2-B782-EB5AC09B6B20}" type="datetime1">
               <a:rPr lang="zh-CN" altLang="en-US" smtClean="0"/>
               <a:t>2019/12/7</a:t>
             </a:fld>
@@ -3259,7 +3429,7 @@
           <a:bodyPr/>
           <a:lstStyle/>
           <a:p>
-            <a:fld id="{530820CF-B880-4189-942D-D702A7CBA730}" type="datetimeFigureOut">
+            <a:fld id="{6E4AC9F0-993D-40F4-BE54-09DE8DD33D0A}" type="datetime1">
               <a:rPr lang="zh-CN" altLang="en-US" smtClean="0"/>
               <a:t>2019/12/7</a:t>
             </a:fld>
@@ -3518,7 +3688,7 @@
           <a:bodyPr/>
           <a:lstStyle/>
           <a:p>
-            <a:fld id="{530820CF-B880-4189-942D-D702A7CBA730}" type="datetimeFigureOut">
+            <a:fld id="{3A7FBECF-2BF8-4FD0-B416-6C45D2840FA5}" type="datetime1">
               <a:rPr lang="zh-CN" altLang="en-US" smtClean="0"/>
               <a:t>2019/12/7</a:t>
             </a:fld>
@@ -3736,7 +3906,7 @@
             </a:lvl1pPr>
           </a:lstStyle>
           <a:p>
-            <a:fld id="{530820CF-B880-4189-942D-D702A7CBA730}" type="datetimeFigureOut">
+            <a:fld id="{C4945E73-E9A7-42D5-A164-E88DFAB7F6BE}" type="datetime1">
               <a:rPr lang="zh-CN" altLang="en-US" smtClean="0"/>
               <a:t>2019/12/7</a:t>
             </a:fld>
@@ -3850,6 +4020,7 @@
       </p:transition>
     </mc:Fallback>
   </mc:AlternateContent>
+  <p:hf hdr="0" ftr="0" dt="0"/>
   <p:txStyles>
     <p:titleStyle>
       <a:lvl1pPr algn="ctr" defTabSz="914400" rtl="0" eaLnBrk="1" latinLnBrk="0" hangingPunct="1">
@@ -5116,55 +5287,6 @@
           </a:p>
         </p:txBody>
       </p:sp>
-      <p:pic>
-        <p:nvPicPr>
-          <p:cNvPr id="28" name="Picture 27">
-            <a:extLst>
-              <a:ext uri="{FF2B5EF4-FFF2-40B4-BE49-F238E27FC236}">
-                <a16:creationId xmlns:a16="http://schemas.microsoft.com/office/drawing/2014/main" id="{DFFB11EF-1498-4171-94FB-A97CD026D23C}"/>
-              </a:ext>
-            </a:extLst>
-          </p:cNvPr>
-          <p:cNvPicPr>
-            <a:picLocks noChangeAspect="1"/>
-          </p:cNvPicPr>
-          <p:nvPr/>
-        </p:nvPicPr>
-        <p:blipFill>
-          <a:blip r:embed="rId3">
-            <a:duotone>
-              <a:prstClr val="black"/>
-              <a:schemeClr val="accent2">
-                <a:tint val="45000"/>
-                <a:satMod val="400000"/>
-              </a:schemeClr>
-            </a:duotone>
-            <a:extLst>
-              <a:ext uri="{BEBA8EAE-BF5A-486C-A8C5-ECC9F3942E4B}">
-                <a14:imgProps xmlns:a14="http://schemas.microsoft.com/office/drawing/2010/main">
-                  <a14:imgLayer r:embed="rId4">
-                    <a14:imgEffect>
-                      <a14:artisticLineDrawing/>
-                    </a14:imgEffect>
-                  </a14:imgLayer>
-                </a14:imgProps>
-              </a:ext>
-            </a:extLst>
-          </a:blip>
-          <a:stretch>
-            <a:fillRect/>
-          </a:stretch>
-        </p:blipFill>
-        <p:spPr>
-          <a:xfrm>
-            <a:off x="3080970" y="-33964"/>
-            <a:ext cx="6036093" cy="1642346"/>
-          </a:xfrm>
-          <a:prstGeom prst="rect">
-            <a:avLst/>
-          </a:prstGeom>
-        </p:spPr>
-      </p:pic>
       <p:sp>
         <p:nvSpPr>
           <p:cNvPr id="4" name="TextBox 3">
@@ -5179,8 +5301,8 @@
         </p:nvSpPr>
         <p:spPr>
           <a:xfrm>
-            <a:off x="3857636" y="4172334"/>
-            <a:ext cx="3971082" cy="461665"/>
+            <a:off x="3546910" y="4263348"/>
+            <a:ext cx="4884794" cy="430887"/>
           </a:xfrm>
           <a:prstGeom prst="rect">
             <a:avLst/>
@@ -5194,13 +5316,13 @@
           <a:lstStyle/>
           <a:p>
             <a:r>
-              <a:rPr lang="en-US" altLang="zh-CN" sz="2400" b="1" dirty="0">
+              <a:rPr lang="en-US" altLang="zh-CN" sz="2200" b="1" dirty="0">
                 <a:latin typeface="Calibri" panose="020F0502020204030204" pitchFamily="34" charset="0"/>
                 <a:cs typeface="Calibri" panose="020F0502020204030204" pitchFamily="34" charset="0"/>
               </a:rPr>
-              <a:t>Group 10 – Division Subgroup</a:t>
+              <a:t>ERG 3010 Group 10 – Division Subgroup</a:t>
             </a:r>
-            <a:endParaRPr lang="zh-CN" altLang="en-US" sz="2400" b="1" dirty="0">
+            <a:endParaRPr lang="zh-CN" altLang="en-US" sz="2200" b="1" dirty="0">
               <a:latin typeface="Calibri" panose="020F0502020204030204" pitchFamily="34" charset="0"/>
               <a:cs typeface="Calibri" panose="020F0502020204030204" pitchFamily="34" charset="0"/>
             </a:endParaRPr>
@@ -5221,8 +5343,8 @@
         </p:nvGrpSpPr>
         <p:grpSpPr>
           <a:xfrm>
-            <a:off x="-509577" y="179544"/>
-            <a:ext cx="13825194" cy="3340513"/>
+            <a:off x="2594383" y="142178"/>
+            <a:ext cx="6434524" cy="1554742"/>
             <a:chOff x="-1553286" y="437405"/>
             <a:chExt cx="13825194" cy="3340513"/>
           </a:xfrm>
@@ -5242,7 +5364,26 @@
             <p:nvPr/>
           </p:nvPicPr>
           <p:blipFill rotWithShape="1">
-            <a:blip r:embed="rId5"/>
+            <a:blip r:embed="rId3">
+              <a:duotone>
+                <a:prstClr val="black"/>
+                <a:schemeClr val="accent2">
+                  <a:tint val="45000"/>
+                  <a:satMod val="400000"/>
+                </a:schemeClr>
+              </a:duotone>
+              <a:extLst>
+                <a:ext uri="{BEBA8EAE-BF5A-486C-A8C5-ECC9F3942E4B}">
+                  <a14:imgProps xmlns:a14="http://schemas.microsoft.com/office/drawing/2010/main">
+                    <a14:imgLayer r:embed="rId4">
+                      <a14:imgEffect>
+                        <a14:artisticLineDrawing/>
+                      </a14:imgEffect>
+                    </a14:imgLayer>
+                  </a14:imgProps>
+                </a:ext>
+              </a:extLst>
+            </a:blip>
             <a:srcRect r="61314"/>
             <a:stretch/>
           </p:blipFill>
@@ -5271,7 +5412,29 @@
             <p:nvPr/>
           </p:nvPicPr>
           <p:blipFill rotWithShape="1">
-            <a:blip r:embed="rId5"/>
+            <a:blip r:embed="rId5">
+              <a:duotone>
+                <a:prstClr val="black"/>
+                <a:schemeClr val="accent2">
+                  <a:tint val="45000"/>
+                  <a:satMod val="400000"/>
+                </a:schemeClr>
+              </a:duotone>
+              <a:extLst>
+                <a:ext uri="{BEBA8EAE-BF5A-486C-A8C5-ECC9F3942E4B}">
+                  <a14:imgProps xmlns:a14="http://schemas.microsoft.com/office/drawing/2010/main">
+                    <a14:imgLayer r:embed="rId4">
+                      <a14:imgEffect>
+                        <a14:artisticLineDrawing/>
+                      </a14:imgEffect>
+                      <a14:imgEffect>
+                        <a14:saturation sat="400000"/>
+                      </a14:imgEffect>
+                    </a14:imgLayer>
+                  </a14:imgProps>
+                </a:ext>
+              </a:extLst>
+            </a:blip>
             <a:srcRect l="39386"/>
             <a:stretch/>
           </p:blipFill>
@@ -5286,6 +5449,35 @@
           </p:spPr>
         </p:pic>
       </p:grpSp>
+      <p:sp>
+        <p:nvSpPr>
+          <p:cNvPr id="5" name="Slide Number Placeholder 4">
+            <a:extLst>
+              <a:ext uri="{FF2B5EF4-FFF2-40B4-BE49-F238E27FC236}">
+                <a16:creationId xmlns:a16="http://schemas.microsoft.com/office/drawing/2014/main" id="{EDE595CE-903B-4F15-A093-50890BB9FE9E}"/>
+              </a:ext>
+            </a:extLst>
+          </p:cNvPr>
+          <p:cNvSpPr>
+            <a:spLocks noGrp="1"/>
+          </p:cNvSpPr>
+          <p:nvPr>
+            <p:ph type="sldNum" sz="quarter" idx="12"/>
+          </p:nvPr>
+        </p:nvSpPr>
+        <p:spPr/>
+        <p:txBody>
+          <a:bodyPr/>
+          <a:lstStyle/>
+          <a:p>
+            <a:fld id="{0C913308-F349-4B6D-A68A-DD1791B4A57B}" type="slidenum">
+              <a:rPr lang="zh-CN" altLang="en-US" smtClean="0"/>
+              <a:t>1</a:t>
+            </a:fld>
+            <a:endParaRPr lang="zh-CN" altLang="en-US"/>
+          </a:p>
+        </p:txBody>
+      </p:sp>
     </p:spTree>
     <p:extLst>
       <p:ext uri="{BB962C8B-B14F-4D97-AF65-F5344CB8AC3E}">
@@ -5755,7 +5947,7 @@
         </p:nvSpPr>
         <p:spPr>
           <a:xfrm>
-            <a:off x="668333" y="1720722"/>
+            <a:off x="1576705" y="1827296"/>
             <a:ext cx="198021" cy="170708"/>
           </a:xfrm>
           <a:prstGeom prst="triangle">
@@ -5801,8 +5993,8 @@
         </p:nvSpPr>
         <p:spPr>
           <a:xfrm>
-            <a:off x="2854846" y="3165068"/>
-            <a:ext cx="7632848" cy="589072"/>
+            <a:off x="1774726" y="1519075"/>
+            <a:ext cx="8280920" cy="671851"/>
           </a:xfrm>
           <a:prstGeom prst="rect">
             <a:avLst/>
@@ -5821,14 +6013,14 @@
               </a:lnSpc>
             </a:pPr>
             <a:r>
-              <a:rPr lang="en-US" altLang="zh-CN" sz="2400" b="1" dirty="0">
+              <a:rPr lang="en-US" altLang="zh-CN" sz="2800" b="1" dirty="0">
                 <a:latin typeface="Calibri" charset="0"/>
                 <a:ea typeface="Calibri" charset="0"/>
                 <a:cs typeface="Calibri" charset="0"/>
               </a:rPr>
               <a:t>FIFA: International Football Association &amp; Video Game </a:t>
             </a:r>
-            <a:endParaRPr lang="en-US" altLang="zh-CN" sz="2400" b="1" spc="300" dirty="0">
+            <a:endParaRPr lang="en-US" altLang="zh-CN" sz="2800" b="1" spc="300" dirty="0">
               <a:solidFill>
                 <a:schemeClr val="tx1">
                   <a:lumMod val="65000"/>
@@ -5850,7 +6042,7 @@
         </p:nvSpPr>
         <p:spPr>
           <a:xfrm>
-            <a:off x="668333" y="2138503"/>
+            <a:off x="1576704" y="2748223"/>
             <a:ext cx="198021" cy="170708"/>
           </a:xfrm>
           <a:prstGeom prst="triangle">
@@ -5890,204 +6082,13 @@
       </p:sp>
       <p:sp>
         <p:nvSpPr>
-          <p:cNvPr id="36" name="TextBox 15"/>
-          <p:cNvSpPr txBox="1"/>
-          <p:nvPr/>
-        </p:nvSpPr>
-        <p:spPr>
-          <a:xfrm>
-            <a:off x="882233" y="2413585"/>
-            <a:ext cx="4032758" cy="464871"/>
-          </a:xfrm>
-          <a:prstGeom prst="rect">
-            <a:avLst/>
-          </a:prstGeom>
-          <a:noFill/>
-        </p:spPr>
-        <p:txBody>
-          <a:bodyPr wrap="square" rtlCol="0">
-            <a:spAutoFit/>
-          </a:bodyPr>
-          <a:lstStyle>
-            <a:defPPr>
-              <a:defRPr lang="zh-CN"/>
-            </a:defPPr>
-            <a:lvl1pPr marL="0" algn="l" defTabSz="914400" rtl="0" eaLnBrk="1" latinLnBrk="0" hangingPunct="1">
-              <a:defRPr sz="1800" kern="1200">
-                <a:solidFill>
-                  <a:schemeClr val="tx1"/>
-                </a:solidFill>
-                <a:latin typeface="+mn-lt"/>
-                <a:ea typeface="+mn-ea"/>
-                <a:cs typeface="+mn-cs"/>
-              </a:defRPr>
-            </a:lvl1pPr>
-            <a:lvl2pPr marL="457200" algn="l" defTabSz="914400" rtl="0" eaLnBrk="1" latinLnBrk="0" hangingPunct="1">
-              <a:defRPr sz="1800" kern="1200">
-                <a:solidFill>
-                  <a:schemeClr val="tx1"/>
-                </a:solidFill>
-                <a:latin typeface="+mn-lt"/>
-                <a:ea typeface="+mn-ea"/>
-                <a:cs typeface="+mn-cs"/>
-              </a:defRPr>
-            </a:lvl2pPr>
-            <a:lvl3pPr marL="914400" algn="l" defTabSz="914400" rtl="0" eaLnBrk="1" latinLnBrk="0" hangingPunct="1">
-              <a:defRPr sz="1800" kern="1200">
-                <a:solidFill>
-                  <a:schemeClr val="tx1"/>
-                </a:solidFill>
-                <a:latin typeface="+mn-lt"/>
-                <a:ea typeface="+mn-ea"/>
-                <a:cs typeface="+mn-cs"/>
-              </a:defRPr>
-            </a:lvl3pPr>
-            <a:lvl4pPr marL="1371600" algn="l" defTabSz="914400" rtl="0" eaLnBrk="1" latinLnBrk="0" hangingPunct="1">
-              <a:defRPr sz="1800" kern="1200">
-                <a:solidFill>
-                  <a:schemeClr val="tx1"/>
-                </a:solidFill>
-                <a:latin typeface="+mn-lt"/>
-                <a:ea typeface="+mn-ea"/>
-                <a:cs typeface="+mn-cs"/>
-              </a:defRPr>
-            </a:lvl4pPr>
-            <a:lvl5pPr marL="1828800" algn="l" defTabSz="914400" rtl="0" eaLnBrk="1" latinLnBrk="0" hangingPunct="1">
-              <a:defRPr sz="1800" kern="1200">
-                <a:solidFill>
-                  <a:schemeClr val="tx1"/>
-                </a:solidFill>
-                <a:latin typeface="+mn-lt"/>
-                <a:ea typeface="+mn-ea"/>
-                <a:cs typeface="+mn-cs"/>
-              </a:defRPr>
-            </a:lvl5pPr>
-            <a:lvl6pPr marL="2286000" algn="l" defTabSz="914400" rtl="0" eaLnBrk="1" latinLnBrk="0" hangingPunct="1">
-              <a:defRPr sz="1800" kern="1200">
-                <a:solidFill>
-                  <a:schemeClr val="tx1"/>
-                </a:solidFill>
-                <a:latin typeface="+mn-lt"/>
-                <a:ea typeface="+mn-ea"/>
-                <a:cs typeface="+mn-cs"/>
-              </a:defRPr>
-            </a:lvl6pPr>
-            <a:lvl7pPr marL="2743200" algn="l" defTabSz="914400" rtl="0" eaLnBrk="1" latinLnBrk="0" hangingPunct="1">
-              <a:defRPr sz="1800" kern="1200">
-                <a:solidFill>
-                  <a:schemeClr val="tx1"/>
-                </a:solidFill>
-                <a:latin typeface="+mn-lt"/>
-                <a:ea typeface="+mn-ea"/>
-                <a:cs typeface="+mn-cs"/>
-              </a:defRPr>
-            </a:lvl7pPr>
-            <a:lvl8pPr marL="3200400" algn="l" defTabSz="914400" rtl="0" eaLnBrk="1" latinLnBrk="0" hangingPunct="1">
-              <a:defRPr sz="1800" kern="1200">
-                <a:solidFill>
-                  <a:schemeClr val="tx1"/>
-                </a:solidFill>
-                <a:latin typeface="+mn-lt"/>
-                <a:ea typeface="+mn-ea"/>
-                <a:cs typeface="+mn-cs"/>
-              </a:defRPr>
-            </a:lvl8pPr>
-            <a:lvl9pPr marL="3657600" algn="l" defTabSz="914400" rtl="0" eaLnBrk="1" latinLnBrk="0" hangingPunct="1">
-              <a:defRPr sz="1800" kern="1200">
-                <a:solidFill>
-                  <a:schemeClr val="tx1"/>
-                </a:solidFill>
-                <a:latin typeface="+mn-lt"/>
-                <a:ea typeface="+mn-ea"/>
-                <a:cs typeface="+mn-cs"/>
-              </a:defRPr>
-            </a:lvl9pPr>
-          </a:lstStyle>
-          <a:p>
-            <a:pPr>
-              <a:lnSpc>
-                <a:spcPct val="150000"/>
-              </a:lnSpc>
-            </a:pPr>
-            <a:r>
-              <a:rPr lang="en-US" altLang="zh-CN" b="1" dirty="0">
-                <a:latin typeface="Calibri" charset="0"/>
-                <a:ea typeface="Calibri" charset="0"/>
-                <a:cs typeface="Calibri" charset="0"/>
-              </a:rPr>
-              <a:t>Inefficient</a:t>
-            </a:r>
-            <a:r>
-              <a:rPr lang="zh-CN" altLang="en-US" b="1" dirty="0">
-                <a:latin typeface="Calibri" charset="0"/>
-                <a:ea typeface="Calibri" charset="0"/>
-                <a:cs typeface="Calibri" charset="0"/>
-              </a:rPr>
-              <a:t> </a:t>
-            </a:r>
-            <a:r>
-              <a:rPr lang="en-US" altLang="zh-CN" b="1" dirty="0">
-                <a:latin typeface="Calibri" charset="0"/>
-                <a:ea typeface="Calibri" charset="0"/>
-                <a:cs typeface="Calibri" charset="0"/>
-              </a:rPr>
-              <a:t>&amp;</a:t>
-            </a:r>
-            <a:r>
-              <a:rPr lang="zh-CN" altLang="en-US" b="1" dirty="0">
-                <a:latin typeface="Calibri" charset="0"/>
-                <a:ea typeface="Calibri" charset="0"/>
-                <a:cs typeface="Calibri" charset="0"/>
-              </a:rPr>
-              <a:t> </a:t>
-            </a:r>
-            <a:r>
-              <a:rPr lang="en-US" altLang="zh-CN" b="1" dirty="0">
-                <a:latin typeface="Calibri" charset="0"/>
-                <a:ea typeface="Calibri" charset="0"/>
-                <a:cs typeface="Calibri" charset="0"/>
-              </a:rPr>
-              <a:t>not</a:t>
-            </a:r>
-            <a:r>
-              <a:rPr lang="zh-CN" altLang="en-US" b="1" dirty="0">
-                <a:latin typeface="Calibri" charset="0"/>
-                <a:ea typeface="Calibri" charset="0"/>
-                <a:cs typeface="Calibri" charset="0"/>
-              </a:rPr>
-              <a:t> </a:t>
-            </a:r>
-            <a:r>
-              <a:rPr lang="en-US" altLang="zh-CN" b="1" dirty="0">
-                <a:latin typeface="Calibri" charset="0"/>
-                <a:ea typeface="Calibri" charset="0"/>
-                <a:cs typeface="Calibri" charset="0"/>
-              </a:rPr>
-              <a:t>user-friendly</a:t>
-            </a:r>
-            <a:endParaRPr lang="en-US" altLang="zh-CN" b="1" spc="300" dirty="0">
-              <a:solidFill>
-                <a:schemeClr val="tx1">
-                  <a:lumMod val="65000"/>
-                  <a:lumOff val="35000"/>
-                </a:schemeClr>
-              </a:solidFill>
-              <a:latin typeface="Calibri" charset="0"/>
-              <a:ea typeface="Calibri" charset="0"/>
-              <a:cs typeface="Calibri" charset="0"/>
-            </a:endParaRPr>
-          </a:p>
-        </p:txBody>
-      </p:sp>
-      <p:sp>
-        <p:nvSpPr>
           <p:cNvPr id="38" name="等腰三角形 14"/>
           <p:cNvSpPr/>
           <p:nvPr/>
         </p:nvSpPr>
         <p:spPr>
           <a:xfrm>
-            <a:off x="668333" y="2577515"/>
+            <a:off x="1580476" y="3644161"/>
             <a:ext cx="198021" cy="170708"/>
           </a:xfrm>
           <a:prstGeom prst="triangle">
@@ -6233,8 +6234,8 @@
         </p:nvSpPr>
         <p:spPr>
           <a:xfrm>
-            <a:off x="2870765" y="3979545"/>
-            <a:ext cx="3860468" cy="464871"/>
+            <a:off x="1774726" y="3341538"/>
+            <a:ext cx="9361040" cy="671851"/>
           </a:xfrm>
           <a:prstGeom prst="rect">
             <a:avLst/>
@@ -6253,46 +6254,14 @@
               </a:lnSpc>
             </a:pPr>
             <a:r>
-              <a:rPr lang="en-US" altLang="zh-CN" b="1" dirty="0">
+              <a:rPr lang="en-US" altLang="zh-CN" sz="2800" b="1" dirty="0">
                 <a:latin typeface="Calibri" charset="0"/>
                 <a:ea typeface="Calibri" charset="0"/>
                 <a:cs typeface="Calibri" charset="0"/>
               </a:rPr>
-              <a:t>Traditional</a:t>
+              <a:t>Football Player Information Demonstration &amp; Management </a:t>
             </a:r>
-            <a:r>
-              <a:rPr lang="zh-CN" altLang="en-US" b="1" dirty="0">
-                <a:latin typeface="Calibri" charset="0"/>
-                <a:ea typeface="Calibri" charset="0"/>
-                <a:cs typeface="Calibri" charset="0"/>
-              </a:rPr>
-              <a:t> </a:t>
-            </a:r>
-            <a:r>
-              <a:rPr lang="en-US" altLang="zh-CN" b="1" dirty="0">
-                <a:latin typeface="Calibri" charset="0"/>
-                <a:ea typeface="Calibri" charset="0"/>
-                <a:cs typeface="Calibri" charset="0"/>
-              </a:rPr>
-              <a:t>managing</a:t>
-            </a:r>
-            <a:r>
-              <a:rPr lang="zh-CN" altLang="en-US" b="1" dirty="0">
-                <a:latin typeface="Calibri" charset="0"/>
-                <a:ea typeface="Calibri" charset="0"/>
-                <a:cs typeface="Calibri" charset="0"/>
-              </a:rPr>
-              <a:t> </a:t>
-            </a:r>
-            <a:r>
-              <a:rPr lang="en-US" altLang="zh-CN" b="1" dirty="0">
-                <a:latin typeface="Calibri" charset="0"/>
-                <a:ea typeface="Calibri" charset="0"/>
-                <a:cs typeface="Calibri" charset="0"/>
-              </a:rPr>
-              <a:t>methods</a:t>
-            </a:r>
-            <a:endParaRPr lang="en-US" altLang="zh-CN" b="1" spc="300" dirty="0">
+            <a:endParaRPr lang="en-US" altLang="zh-CN" sz="2800" b="1" spc="300" dirty="0">
               <a:solidFill>
                 <a:schemeClr val="tx1">
                   <a:lumMod val="65000"/>
@@ -6306,35 +6275,210 @@
           </a:p>
         </p:txBody>
       </p:sp>
-      <p:pic>
-        <p:nvPicPr>
-          <p:cNvPr id="6" name="Picture 5">
+      <p:sp>
+        <p:nvSpPr>
+          <p:cNvPr id="2" name="Slide Number Placeholder 1">
             <a:extLst>
               <a:ext uri="{FF2B5EF4-FFF2-40B4-BE49-F238E27FC236}">
-                <a16:creationId xmlns:a16="http://schemas.microsoft.com/office/drawing/2014/main" id="{D1C698C5-3FED-4CE2-8961-C83A6ADF1877}"/>
+                <a16:creationId xmlns:a16="http://schemas.microsoft.com/office/drawing/2014/main" id="{3FEF94DA-C6A5-4FAC-970B-55961153B0AB}"/>
               </a:ext>
             </a:extLst>
           </p:cNvPr>
-          <p:cNvPicPr>
-            <a:picLocks/>
-          </p:cNvPicPr>
+          <p:cNvSpPr>
+            <a:spLocks noGrp="1"/>
+          </p:cNvSpPr>
+          <p:nvPr>
+            <p:ph type="sldNum" sz="quarter" idx="12"/>
+          </p:nvPr>
+        </p:nvSpPr>
+        <p:spPr/>
+        <p:txBody>
+          <a:bodyPr/>
+          <a:lstStyle/>
+          <a:p>
+            <a:fld id="{0C913308-F349-4B6D-A68A-DD1791B4A57B}" type="slidenum">
+              <a:rPr lang="zh-CN" altLang="en-US" smtClean="0"/>
+              <a:t>2</a:t>
+            </a:fld>
+            <a:endParaRPr lang="zh-CN" altLang="en-US" dirty="0"/>
+          </a:p>
+        </p:txBody>
+      </p:sp>
+      <p:grpSp>
+        <p:nvGrpSpPr>
+          <p:cNvPr id="19" name="Group 18">
+            <a:extLst>
+              <a:ext uri="{FF2B5EF4-FFF2-40B4-BE49-F238E27FC236}">
+                <a16:creationId xmlns:a16="http://schemas.microsoft.com/office/drawing/2014/main" id="{B98E63E6-D018-45A6-BCAA-8494AF86A160}"/>
+              </a:ext>
+            </a:extLst>
+          </p:cNvPr>
+          <p:cNvGrpSpPr/>
           <p:nvPr/>
-        </p:nvPicPr>
-        <p:blipFill rotWithShape="1">
-          <a:blip r:embed="rId3"/>
-          <a:srcRect l="2129" t="-9063" r="63137" b="-9307"/>
-          <a:stretch/>
-        </p:blipFill>
-        <p:spPr>
+        </p:nvGrpSpPr>
+        <p:grpSpPr>
           <a:xfrm>
-            <a:off x="3574926" y="1314076"/>
-            <a:ext cx="4104456" cy="4104456"/>
+            <a:off x="8462019" y="6120730"/>
+            <a:ext cx="2486273" cy="600746"/>
+            <a:chOff x="-1553286" y="437405"/>
+            <a:chExt cx="13825194" cy="3340513"/>
+          </a:xfrm>
+        </p:grpSpPr>
+        <p:pic>
+          <p:nvPicPr>
+            <p:cNvPr id="20" name="Picture 19">
+              <a:extLst>
+                <a:ext uri="{FF2B5EF4-FFF2-40B4-BE49-F238E27FC236}">
+                  <a16:creationId xmlns:a16="http://schemas.microsoft.com/office/drawing/2014/main" id="{D5D60ABC-DF29-46C4-8370-2F93D21ED24D}"/>
+                </a:ext>
+              </a:extLst>
+            </p:cNvPr>
+            <p:cNvPicPr>
+              <a:picLocks noChangeAspect="1"/>
+            </p:cNvPicPr>
+            <p:nvPr/>
+          </p:nvPicPr>
+          <p:blipFill rotWithShape="1">
+            <a:blip r:embed="rId3">
+              <a:duotone>
+                <a:prstClr val="black"/>
+                <a:schemeClr val="accent2">
+                  <a:tint val="45000"/>
+                  <a:satMod val="400000"/>
+                </a:schemeClr>
+              </a:duotone>
+              <a:extLst>
+                <a:ext uri="{BEBA8EAE-BF5A-486C-A8C5-ECC9F3942E4B}">
+                  <a14:imgProps xmlns:a14="http://schemas.microsoft.com/office/drawing/2010/main">
+                    <a14:imgLayer r:embed="rId4">
+                      <a14:imgEffect>
+                        <a14:artisticLineDrawing/>
+                      </a14:imgEffect>
+                    </a14:imgLayer>
+                  </a14:imgProps>
+                </a:ext>
+              </a:extLst>
+            </a:blip>
+            <a:srcRect r="61314"/>
+            <a:stretch/>
+          </p:blipFill>
+          <p:spPr>
+            <a:xfrm>
+              <a:off x="-1553286" y="437405"/>
+              <a:ext cx="4712862" cy="3314700"/>
+            </a:xfrm>
+            <a:prstGeom prst="rect">
+              <a:avLst/>
+            </a:prstGeom>
+          </p:spPr>
+        </p:pic>
+        <p:pic>
+          <p:nvPicPr>
+            <p:cNvPr id="21" name="Picture 20">
+              <a:extLst>
+                <a:ext uri="{FF2B5EF4-FFF2-40B4-BE49-F238E27FC236}">
+                  <a16:creationId xmlns:a16="http://schemas.microsoft.com/office/drawing/2014/main" id="{711532A2-88BE-4715-AD75-297309281406}"/>
+                </a:ext>
+              </a:extLst>
+            </p:cNvPr>
+            <p:cNvPicPr>
+              <a:picLocks noChangeAspect="1"/>
+            </p:cNvPicPr>
+            <p:nvPr/>
+          </p:nvPicPr>
+          <p:blipFill rotWithShape="1">
+            <a:blip r:embed="rId5">
+              <a:duotone>
+                <a:prstClr val="black"/>
+                <a:schemeClr val="accent2">
+                  <a:tint val="45000"/>
+                  <a:satMod val="400000"/>
+                </a:schemeClr>
+              </a:duotone>
+              <a:extLst>
+                <a:ext uri="{BEBA8EAE-BF5A-486C-A8C5-ECC9F3942E4B}">
+                  <a14:imgProps xmlns:a14="http://schemas.microsoft.com/office/drawing/2010/main">
+                    <a14:imgLayer r:embed="rId4">
+                      <a14:imgEffect>
+                        <a14:artisticLineDrawing/>
+                      </a14:imgEffect>
+                      <a14:imgEffect>
+                        <a14:saturation sat="400000"/>
+                      </a14:imgEffect>
+                    </a14:imgLayer>
+                  </a14:imgProps>
+                </a:ext>
+              </a:extLst>
+            </a:blip>
+            <a:srcRect l="39386"/>
+            <a:stretch/>
+          </p:blipFill>
+          <p:spPr>
+            <a:xfrm>
+              <a:off x="4887479" y="463218"/>
+              <a:ext cx="7384429" cy="3314700"/>
+            </a:xfrm>
+            <a:prstGeom prst="rect">
+              <a:avLst/>
+            </a:prstGeom>
+          </p:spPr>
+        </p:pic>
+      </p:grpSp>
+      <p:sp>
+        <p:nvSpPr>
+          <p:cNvPr id="31" name="TextBox 15">
+            <a:extLst>
+              <a:ext uri="{FF2B5EF4-FFF2-40B4-BE49-F238E27FC236}">
+                <a16:creationId xmlns:a16="http://schemas.microsoft.com/office/drawing/2014/main" id="{D98B73F2-82AD-4F97-9F9D-A65AC66D568C}"/>
+              </a:ext>
+            </a:extLst>
+          </p:cNvPr>
+          <p:cNvSpPr txBox="1"/>
+          <p:nvPr/>
+        </p:nvSpPr>
+        <p:spPr>
+          <a:xfrm>
+            <a:off x="1774726" y="2442495"/>
+            <a:ext cx="9361040" cy="671851"/>
           </a:xfrm>
           <a:prstGeom prst="rect">
             <a:avLst/>
           </a:prstGeom>
-        </p:spPr>
-      </p:pic>
+          <a:noFill/>
+        </p:spPr>
+        <p:txBody>
+          <a:bodyPr wrap="square" rtlCol="0">
+            <a:spAutoFit/>
+          </a:bodyPr>
+          <a:lstStyle/>
+          <a:p>
+            <a:pPr>
+              <a:lnSpc>
+                <a:spcPct val="150000"/>
+              </a:lnSpc>
+            </a:pPr>
+            <a:r>
+              <a:rPr lang="en-US" altLang="zh-CN" sz="2800" b="1" dirty="0">
+                <a:latin typeface="Calibri" charset="0"/>
+                <a:ea typeface="Calibri" charset="0"/>
+                <a:cs typeface="Calibri" charset="0"/>
+              </a:rPr>
+              <a:t>18000+ Players; 600+ Clubs </a:t>
+            </a:r>
+            <a:endParaRPr lang="en-US" altLang="zh-CN" sz="2800" b="1" spc="300" dirty="0">
+              <a:solidFill>
+                <a:schemeClr val="tx1">
+                  <a:lumMod val="65000"/>
+                  <a:lumOff val="35000"/>
+                </a:schemeClr>
+              </a:solidFill>
+              <a:latin typeface="Calibri" charset="0"/>
+              <a:ea typeface="Calibri" charset="0"/>
+              <a:cs typeface="Calibri" charset="0"/>
+            </a:endParaRPr>
+          </a:p>
+        </p:txBody>
+      </p:sp>
     </p:spTree>
     <p:extLst>
       <p:ext uri="{BB962C8B-B14F-4D97-AF65-F5344CB8AC3E}">
@@ -6373,39 +6517,9 @@
           <a:chExt cx="0" cy="0"/>
         </a:xfrm>
       </p:grpSpPr>
-      <p:pic>
-        <p:nvPicPr>
-          <p:cNvPr id="6" name="图片 5"/>
-          <p:cNvPicPr>
-            <a:picLocks noChangeAspect="1"/>
-          </p:cNvPicPr>
-          <p:nvPr/>
-        </p:nvPicPr>
-        <p:blipFill>
-          <a:blip r:embed="rId3">
-            <a:extLst>
-              <a:ext uri="{28A0092B-C50C-407E-A947-70E740481C1C}">
-                <a14:useLocalDpi xmlns:a14="http://schemas.microsoft.com/office/drawing/2010/main"/>
-              </a:ext>
-            </a:extLst>
-          </a:blip>
-          <a:stretch>
-            <a:fillRect/>
-          </a:stretch>
-        </p:blipFill>
-        <p:spPr>
-          <a:xfrm>
-            <a:off x="9832186" y="3604392"/>
-            <a:ext cx="2099933" cy="2803518"/>
-          </a:xfrm>
-          <a:prstGeom prst="rect">
-            <a:avLst/>
-          </a:prstGeom>
-        </p:spPr>
-      </p:pic>
       <p:cxnSp>
         <p:nvCxnSpPr>
-          <p:cNvPr id="2" name="直接连接符 1"/>
+          <p:cNvPr id="22" name="直接连接符 1"/>
           <p:cNvCxnSpPr/>
           <p:nvPr/>
         </p:nvCxnSpPr>
@@ -6443,7 +6557,7 @@
       </p:cxnSp>
       <p:cxnSp>
         <p:nvCxnSpPr>
-          <p:cNvPr id="3" name="直接连接符 2"/>
+          <p:cNvPr id="23" name="直接连接符 2"/>
           <p:cNvCxnSpPr/>
           <p:nvPr/>
         </p:nvCxnSpPr>
@@ -6478,780 +6592,14 @@
       </p:cxnSp>
       <p:sp>
         <p:nvSpPr>
-          <p:cNvPr id="10" name="Rectangle 80"/>
+          <p:cNvPr id="24" name="矩形 23"/>
           <p:cNvSpPr/>
           <p:nvPr/>
         </p:nvSpPr>
         <p:spPr>
           <a:xfrm>
-            <a:off x="4442108" y="1307974"/>
-            <a:ext cx="2587750" cy="590895"/>
-          </a:xfrm>
-          <a:prstGeom prst="rect">
-            <a:avLst/>
-          </a:prstGeom>
-        </p:spPr>
-        <p:txBody>
-          <a:bodyPr wrap="none" lIns="219419" tIns="109710" rIns="219419" bIns="109710">
-            <a:spAutoFit/>
-          </a:bodyPr>
-          <a:lstStyle/>
-          <a:p>
-            <a:r>
-              <a:rPr lang="en-US" altLang="zh-CN" sz="2400" b="1" dirty="0">
-                <a:solidFill>
-                  <a:schemeClr val="tx1">
-                    <a:lumMod val="85000"/>
-                    <a:lumOff val="15000"/>
-                  </a:schemeClr>
-                </a:solidFill>
-                <a:latin typeface="Calibri" charset="0"/>
-                <a:ea typeface="Calibri" charset="0"/>
-                <a:cs typeface="Calibri" charset="0"/>
-              </a:rPr>
-              <a:t>Register</a:t>
-            </a:r>
-            <a:r>
-              <a:rPr lang="zh-CN" altLang="en-US" sz="2400" b="1" dirty="0">
-                <a:solidFill>
-                  <a:schemeClr val="tx1">
-                    <a:lumMod val="85000"/>
-                    <a:lumOff val="15000"/>
-                  </a:schemeClr>
-                </a:solidFill>
-                <a:latin typeface="Calibri" charset="0"/>
-                <a:ea typeface="Calibri" charset="0"/>
-                <a:cs typeface="Calibri" charset="0"/>
-              </a:rPr>
-              <a:t> </a:t>
-            </a:r>
-            <a:r>
-              <a:rPr lang="en-US" altLang="zh-CN" sz="2400" b="1" dirty="0">
-                <a:solidFill>
-                  <a:schemeClr val="tx1">
-                    <a:lumMod val="85000"/>
-                    <a:lumOff val="15000"/>
-                  </a:schemeClr>
-                </a:solidFill>
-                <a:latin typeface="Calibri" charset="0"/>
-                <a:ea typeface="Calibri" charset="0"/>
-                <a:cs typeface="Calibri" charset="0"/>
-              </a:rPr>
-              <a:t>&amp;</a:t>
-            </a:r>
-            <a:r>
-              <a:rPr lang="zh-CN" altLang="en-US" sz="2400" b="1" dirty="0">
-                <a:solidFill>
-                  <a:schemeClr val="tx1">
-                    <a:lumMod val="85000"/>
-                    <a:lumOff val="15000"/>
-                  </a:schemeClr>
-                </a:solidFill>
-                <a:latin typeface="Calibri" charset="0"/>
-                <a:ea typeface="Calibri" charset="0"/>
-                <a:cs typeface="Calibri" charset="0"/>
-              </a:rPr>
-              <a:t> </a:t>
-            </a:r>
-            <a:r>
-              <a:rPr lang="en-US" altLang="zh-CN" sz="2400" b="1" dirty="0">
-                <a:solidFill>
-                  <a:schemeClr val="tx1">
-                    <a:lumMod val="85000"/>
-                    <a:lumOff val="15000"/>
-                  </a:schemeClr>
-                </a:solidFill>
-                <a:latin typeface="Calibri" charset="0"/>
-                <a:ea typeface="Calibri" charset="0"/>
-                <a:cs typeface="Calibri" charset="0"/>
-              </a:rPr>
-              <a:t>Log</a:t>
-            </a:r>
-            <a:r>
-              <a:rPr lang="zh-CN" altLang="en-US" sz="2400" b="1" dirty="0">
-                <a:solidFill>
-                  <a:schemeClr val="tx1">
-                    <a:lumMod val="85000"/>
-                    <a:lumOff val="15000"/>
-                  </a:schemeClr>
-                </a:solidFill>
-                <a:latin typeface="Calibri" charset="0"/>
-                <a:ea typeface="Calibri" charset="0"/>
-                <a:cs typeface="Calibri" charset="0"/>
-              </a:rPr>
-              <a:t> </a:t>
-            </a:r>
-            <a:r>
-              <a:rPr lang="en-US" altLang="zh-CN" sz="2400" b="1" dirty="0">
-                <a:solidFill>
-                  <a:schemeClr val="tx1">
-                    <a:lumMod val="85000"/>
-                    <a:lumOff val="15000"/>
-                  </a:schemeClr>
-                </a:solidFill>
-                <a:latin typeface="Calibri" charset="0"/>
-                <a:ea typeface="Calibri" charset="0"/>
-                <a:cs typeface="Calibri" charset="0"/>
-              </a:rPr>
-              <a:t>in</a:t>
-            </a:r>
-            <a:endParaRPr lang="en-US" sz="2400" b="1" dirty="0">
-              <a:solidFill>
-                <a:schemeClr val="tx1">
-                  <a:lumMod val="85000"/>
-                  <a:lumOff val="15000"/>
-                </a:schemeClr>
-              </a:solidFill>
-              <a:latin typeface="Calibri" charset="0"/>
-              <a:ea typeface="Calibri" charset="0"/>
-              <a:cs typeface="Calibri" charset="0"/>
-            </a:endParaRPr>
-          </a:p>
-        </p:txBody>
-      </p:sp>
-      <p:grpSp>
-        <p:nvGrpSpPr>
-          <p:cNvPr id="18" name="Group 20"/>
-          <p:cNvGrpSpPr/>
-          <p:nvPr/>
-        </p:nvGrpSpPr>
-        <p:grpSpPr>
-          <a:xfrm>
-            <a:off x="330659" y="1088487"/>
-            <a:ext cx="4183603" cy="4330210"/>
-            <a:chOff x="7683929" y="2978422"/>
-            <a:chExt cx="8677039" cy="8670987"/>
-          </a:xfrm>
-        </p:grpSpPr>
-        <p:grpSp>
-          <p:nvGrpSpPr>
-            <p:cNvPr id="36" name="Group 45"/>
-            <p:cNvGrpSpPr/>
-            <p:nvPr/>
-          </p:nvGrpSpPr>
-          <p:grpSpPr>
-            <a:xfrm rot="21316916">
-              <a:off x="7683929" y="9649658"/>
-              <a:ext cx="1999231" cy="1999751"/>
-              <a:chOff x="5013110" y="5059616"/>
-              <a:chExt cx="3378533" cy="3379413"/>
-            </a:xfrm>
-          </p:grpSpPr>
-          <p:sp>
-            <p:nvSpPr>
-              <p:cNvPr id="38" name="Oval 46"/>
-              <p:cNvSpPr/>
-              <p:nvPr/>
-            </p:nvSpPr>
-            <p:spPr>
-              <a:xfrm>
-                <a:off x="5013110" y="5059616"/>
-                <a:ext cx="3378533" cy="3379413"/>
-              </a:xfrm>
-              <a:prstGeom prst="ellipse">
-                <a:avLst/>
-              </a:prstGeom>
-              <a:solidFill>
-                <a:schemeClr val="accent1">
-                  <a:lumMod val="60000"/>
-                  <a:lumOff val="40000"/>
-                  <a:alpha val="30000"/>
-                </a:schemeClr>
-              </a:solidFill>
-              <a:ln>
-                <a:noFill/>
-              </a:ln>
-            </p:spPr>
-            <p:style>
-              <a:lnRef idx="2">
-                <a:schemeClr val="accent1">
-                  <a:shade val="50000"/>
-                </a:schemeClr>
-              </a:lnRef>
-              <a:fillRef idx="1">
-                <a:schemeClr val="accent1"/>
-              </a:fillRef>
-              <a:effectRef idx="0">
-                <a:schemeClr val="accent1"/>
-              </a:effectRef>
-              <a:fontRef idx="minor">
-                <a:schemeClr val="lt1"/>
-              </a:fontRef>
-            </p:style>
-            <p:txBody>
-              <a:bodyPr lIns="219419" tIns="109710" rIns="219419" bIns="109710" rtlCol="0" anchor="ctr"/>
-              <a:lstStyle/>
-              <a:p>
-                <a:pPr algn="ctr"/>
-                <a:endParaRPr lang="bg-BG" sz="1400" dirty="0"/>
-              </a:p>
-            </p:txBody>
-          </p:sp>
-          <p:sp>
-            <p:nvSpPr>
-              <p:cNvPr id="39" name="Oval 47"/>
-              <p:cNvSpPr/>
-              <p:nvPr/>
-            </p:nvSpPr>
-            <p:spPr>
-              <a:xfrm>
-                <a:off x="5286107" y="5332685"/>
-                <a:ext cx="2832537" cy="2833275"/>
-              </a:xfrm>
-              <a:prstGeom prst="ellipse">
-                <a:avLst/>
-              </a:prstGeom>
-              <a:solidFill>
-                <a:schemeClr val="tx1">
-                  <a:lumMod val="85000"/>
-                  <a:lumOff val="15000"/>
-                </a:schemeClr>
-              </a:solidFill>
-              <a:ln>
-                <a:noFill/>
-              </a:ln>
-            </p:spPr>
-            <p:style>
-              <a:lnRef idx="2">
-                <a:schemeClr val="accent1">
-                  <a:shade val="50000"/>
-                </a:schemeClr>
-              </a:lnRef>
-              <a:fillRef idx="1">
-                <a:schemeClr val="accent1"/>
-              </a:fillRef>
-              <a:effectRef idx="0">
-                <a:schemeClr val="accent1"/>
-              </a:effectRef>
-              <a:fontRef idx="minor">
-                <a:schemeClr val="lt1"/>
-              </a:fontRef>
-            </p:style>
-            <p:txBody>
-              <a:bodyPr lIns="219419" tIns="109710" rIns="219419" bIns="109710" rtlCol="0" anchor="ctr"/>
-              <a:lstStyle/>
-              <a:p>
-                <a:pPr algn="ctr"/>
-                <a:endParaRPr lang="bg-BG" sz="1400" dirty="0"/>
-              </a:p>
-            </p:txBody>
-          </p:sp>
-        </p:grpSp>
-        <p:grpSp>
-          <p:nvGrpSpPr>
-            <p:cNvPr id="32" name="Group 70"/>
-            <p:cNvGrpSpPr/>
-            <p:nvPr/>
-          </p:nvGrpSpPr>
-          <p:grpSpPr>
-            <a:xfrm rot="21316916">
-              <a:off x="14361737" y="2978422"/>
-              <a:ext cx="1999231" cy="1999751"/>
-              <a:chOff x="5013110" y="5059616"/>
-              <a:chExt cx="3378533" cy="3379413"/>
-            </a:xfrm>
-          </p:grpSpPr>
-          <p:sp>
-            <p:nvSpPr>
-              <p:cNvPr id="34" name="Oval 71"/>
-              <p:cNvSpPr/>
-              <p:nvPr/>
-            </p:nvSpPr>
-            <p:spPr>
-              <a:xfrm>
-                <a:off x="5013110" y="5059616"/>
-                <a:ext cx="3378533" cy="3379413"/>
-              </a:xfrm>
-              <a:prstGeom prst="ellipse">
-                <a:avLst/>
-              </a:prstGeom>
-              <a:solidFill>
-                <a:schemeClr val="accent4">
-                  <a:lumMod val="60000"/>
-                  <a:lumOff val="40000"/>
-                  <a:alpha val="30000"/>
-                </a:schemeClr>
-              </a:solidFill>
-              <a:ln>
-                <a:noFill/>
-              </a:ln>
-            </p:spPr>
-            <p:style>
-              <a:lnRef idx="2">
-                <a:schemeClr val="accent1">
-                  <a:shade val="50000"/>
-                </a:schemeClr>
-              </a:lnRef>
-              <a:fillRef idx="1">
-                <a:schemeClr val="accent1"/>
-              </a:fillRef>
-              <a:effectRef idx="0">
-                <a:schemeClr val="accent1"/>
-              </a:effectRef>
-              <a:fontRef idx="minor">
-                <a:schemeClr val="lt1"/>
-              </a:fontRef>
-            </p:style>
-            <p:txBody>
-              <a:bodyPr lIns="219419" tIns="109710" rIns="219419" bIns="109710" rtlCol="0" anchor="ctr"/>
-              <a:lstStyle/>
-              <a:p>
-                <a:pPr algn="ctr"/>
-                <a:endParaRPr lang="bg-BG" sz="1400" dirty="0"/>
-              </a:p>
-            </p:txBody>
-          </p:sp>
-          <p:sp>
-            <p:nvSpPr>
-              <p:cNvPr id="35" name="Oval 72"/>
-              <p:cNvSpPr/>
-              <p:nvPr/>
-            </p:nvSpPr>
-            <p:spPr>
-              <a:xfrm>
-                <a:off x="5286107" y="5332685"/>
-                <a:ext cx="2832537" cy="2833275"/>
-              </a:xfrm>
-              <a:prstGeom prst="ellipse">
-                <a:avLst/>
-              </a:prstGeom>
-              <a:solidFill>
-                <a:schemeClr val="tx1">
-                  <a:lumMod val="65000"/>
-                  <a:lumOff val="35000"/>
-                </a:schemeClr>
-              </a:solidFill>
-              <a:ln>
-                <a:noFill/>
-              </a:ln>
-            </p:spPr>
-            <p:style>
-              <a:lnRef idx="2">
-                <a:schemeClr val="accent1">
-                  <a:shade val="50000"/>
-                </a:schemeClr>
-              </a:lnRef>
-              <a:fillRef idx="1">
-                <a:schemeClr val="accent1"/>
-              </a:fillRef>
-              <a:effectRef idx="0">
-                <a:schemeClr val="accent1"/>
-              </a:effectRef>
-              <a:fontRef idx="minor">
-                <a:schemeClr val="lt1"/>
-              </a:fontRef>
-            </p:style>
-            <p:txBody>
-              <a:bodyPr lIns="219419" tIns="109710" rIns="219419" bIns="109710" rtlCol="0" anchor="ctr"/>
-              <a:lstStyle/>
-              <a:p>
-                <a:pPr algn="ctr"/>
-                <a:endParaRPr lang="bg-BG" sz="1400" dirty="0"/>
-              </a:p>
-            </p:txBody>
-          </p:sp>
-        </p:grpSp>
-        <p:grpSp>
-          <p:nvGrpSpPr>
-            <p:cNvPr id="28" name="Group 67"/>
-            <p:cNvGrpSpPr/>
-            <p:nvPr/>
-          </p:nvGrpSpPr>
-          <p:grpSpPr>
-            <a:xfrm rot="21316916">
-              <a:off x="12208442" y="5274468"/>
-              <a:ext cx="1999231" cy="1999751"/>
-              <a:chOff x="5013110" y="5059616"/>
-              <a:chExt cx="3378533" cy="3379413"/>
-            </a:xfrm>
-          </p:grpSpPr>
-          <p:sp>
-            <p:nvSpPr>
-              <p:cNvPr id="30" name="Oval 68"/>
-              <p:cNvSpPr/>
-              <p:nvPr/>
-            </p:nvSpPr>
-            <p:spPr>
-              <a:xfrm>
-                <a:off x="5013110" y="5059616"/>
-                <a:ext cx="3378533" cy="3379413"/>
-              </a:xfrm>
-              <a:prstGeom prst="ellipse">
-                <a:avLst/>
-              </a:prstGeom>
-              <a:solidFill>
-                <a:schemeClr val="accent3">
-                  <a:lumMod val="60000"/>
-                  <a:lumOff val="40000"/>
-                  <a:alpha val="30000"/>
-                </a:schemeClr>
-              </a:solidFill>
-              <a:ln>
-                <a:noFill/>
-              </a:ln>
-            </p:spPr>
-            <p:style>
-              <a:lnRef idx="2">
-                <a:schemeClr val="accent1">
-                  <a:shade val="50000"/>
-                </a:schemeClr>
-              </a:lnRef>
-              <a:fillRef idx="1">
-                <a:schemeClr val="accent1"/>
-              </a:fillRef>
-              <a:effectRef idx="0">
-                <a:schemeClr val="accent1"/>
-              </a:effectRef>
-              <a:fontRef idx="minor">
-                <a:schemeClr val="lt1"/>
-              </a:fontRef>
-            </p:style>
-            <p:txBody>
-              <a:bodyPr lIns="219419" tIns="109710" rIns="219419" bIns="109710" rtlCol="0" anchor="ctr"/>
-              <a:lstStyle/>
-              <a:p>
-                <a:pPr algn="ctr"/>
-                <a:endParaRPr lang="bg-BG" sz="1400" dirty="0"/>
-              </a:p>
-            </p:txBody>
-          </p:sp>
-          <p:sp>
-            <p:nvSpPr>
-              <p:cNvPr id="31" name="Oval 69"/>
-              <p:cNvSpPr/>
-              <p:nvPr/>
-            </p:nvSpPr>
-            <p:spPr>
-              <a:xfrm>
-                <a:off x="5286107" y="5332685"/>
-                <a:ext cx="2832537" cy="2833275"/>
-              </a:xfrm>
-              <a:prstGeom prst="ellipse">
-                <a:avLst/>
-              </a:prstGeom>
-              <a:solidFill>
-                <a:srgbClr val="C00000"/>
-              </a:solidFill>
-              <a:ln>
-                <a:noFill/>
-              </a:ln>
-            </p:spPr>
-            <p:style>
-              <a:lnRef idx="2">
-                <a:schemeClr val="accent1">
-                  <a:shade val="50000"/>
-                </a:schemeClr>
-              </a:lnRef>
-              <a:fillRef idx="1">
-                <a:schemeClr val="accent1"/>
-              </a:fillRef>
-              <a:effectRef idx="0">
-                <a:schemeClr val="accent1"/>
-              </a:effectRef>
-              <a:fontRef idx="minor">
-                <a:schemeClr val="lt1"/>
-              </a:fontRef>
-            </p:style>
-            <p:txBody>
-              <a:bodyPr lIns="219419" tIns="109710" rIns="219419" bIns="109710" rtlCol="0" anchor="ctr"/>
-              <a:lstStyle/>
-              <a:p>
-                <a:pPr algn="ctr"/>
-                <a:endParaRPr lang="bg-BG" sz="1400" dirty="0"/>
-              </a:p>
-            </p:txBody>
-          </p:sp>
-        </p:grpSp>
-        <p:grpSp>
-          <p:nvGrpSpPr>
-            <p:cNvPr id="24" name="Group 64"/>
-            <p:cNvGrpSpPr/>
-            <p:nvPr/>
-          </p:nvGrpSpPr>
-          <p:grpSpPr>
-            <a:xfrm rot="21316916">
-              <a:off x="9907711" y="7463572"/>
-              <a:ext cx="1999231" cy="1999751"/>
-              <a:chOff x="5013110" y="5059616"/>
-              <a:chExt cx="3378533" cy="3379413"/>
-            </a:xfrm>
-          </p:grpSpPr>
-          <p:sp>
-            <p:nvSpPr>
-              <p:cNvPr id="26" name="Oval 65"/>
-              <p:cNvSpPr/>
-              <p:nvPr/>
-            </p:nvSpPr>
-            <p:spPr>
-              <a:xfrm>
-                <a:off x="5013110" y="5059616"/>
-                <a:ext cx="3378533" cy="3379413"/>
-              </a:xfrm>
-              <a:prstGeom prst="ellipse">
-                <a:avLst/>
-              </a:prstGeom>
-              <a:solidFill>
-                <a:schemeClr val="accent2">
-                  <a:lumMod val="60000"/>
-                  <a:lumOff val="40000"/>
-                  <a:alpha val="30000"/>
-                </a:schemeClr>
-              </a:solidFill>
-              <a:ln>
-                <a:noFill/>
-              </a:ln>
-            </p:spPr>
-            <p:style>
-              <a:lnRef idx="2">
-                <a:schemeClr val="accent1">
-                  <a:shade val="50000"/>
-                </a:schemeClr>
-              </a:lnRef>
-              <a:fillRef idx="1">
-                <a:schemeClr val="accent1"/>
-              </a:fillRef>
-              <a:effectRef idx="0">
-                <a:schemeClr val="accent1"/>
-              </a:effectRef>
-              <a:fontRef idx="minor">
-                <a:schemeClr val="lt1"/>
-              </a:fontRef>
-            </p:style>
-            <p:txBody>
-              <a:bodyPr lIns="219419" tIns="109710" rIns="219419" bIns="109710" rtlCol="0" anchor="ctr"/>
-              <a:lstStyle/>
-              <a:p>
-                <a:pPr algn="ctr"/>
-                <a:endParaRPr lang="bg-BG" sz="1400" dirty="0"/>
-              </a:p>
-            </p:txBody>
-          </p:sp>
-          <p:sp>
-            <p:nvSpPr>
-              <p:cNvPr id="27" name="Oval 66"/>
-              <p:cNvSpPr/>
-              <p:nvPr/>
-            </p:nvSpPr>
-            <p:spPr>
-              <a:xfrm>
-                <a:off x="5286108" y="5332684"/>
-                <a:ext cx="2832536" cy="2833274"/>
-              </a:xfrm>
-              <a:prstGeom prst="ellipse">
-                <a:avLst/>
-              </a:prstGeom>
-              <a:solidFill>
-                <a:schemeClr val="accent2"/>
-              </a:solidFill>
-              <a:ln>
-                <a:noFill/>
-              </a:ln>
-            </p:spPr>
-            <p:style>
-              <a:lnRef idx="2">
-                <a:schemeClr val="accent1">
-                  <a:shade val="50000"/>
-                </a:schemeClr>
-              </a:lnRef>
-              <a:fillRef idx="1">
-                <a:schemeClr val="accent1"/>
-              </a:fillRef>
-              <a:effectRef idx="0">
-                <a:schemeClr val="accent1"/>
-              </a:effectRef>
-              <a:fontRef idx="minor">
-                <a:schemeClr val="lt1"/>
-              </a:fontRef>
-            </p:style>
-            <p:txBody>
-              <a:bodyPr lIns="219419" tIns="109710" rIns="219419" bIns="109710" rtlCol="0" anchor="ctr"/>
-              <a:lstStyle/>
-              <a:p>
-                <a:pPr algn="ctr"/>
-                <a:endParaRPr lang="bg-BG" sz="1400" dirty="0"/>
-              </a:p>
-            </p:txBody>
-          </p:sp>
-        </p:grpSp>
-      </p:grpSp>
-      <p:sp>
-        <p:nvSpPr>
-          <p:cNvPr id="41" name="TextBox 40"/>
-          <p:cNvSpPr txBox="1"/>
-          <p:nvPr/>
-        </p:nvSpPr>
-        <p:spPr>
-          <a:xfrm>
-            <a:off x="3859051" y="1335622"/>
-            <a:ext cx="583057" cy="523220"/>
-          </a:xfrm>
-          <a:prstGeom prst="rect">
-            <a:avLst/>
-          </a:prstGeom>
-          <a:noFill/>
-        </p:spPr>
-        <p:txBody>
-          <a:bodyPr wrap="square" rtlCol="0">
-            <a:spAutoFit/>
-          </a:bodyPr>
-          <a:lstStyle/>
-          <a:p>
-            <a:r>
-              <a:rPr lang="en-US" altLang="zh-CN" sz="2800" dirty="0">
-                <a:solidFill>
-                  <a:schemeClr val="bg1"/>
-                </a:solidFill>
-                <a:latin typeface="造字工房尚雅体演示版常规体" pitchFamily="50" charset="-122"/>
-                <a:ea typeface="造字工房尚雅体演示版常规体" pitchFamily="50" charset="-122"/>
-              </a:rPr>
-              <a:t>1</a:t>
-            </a:r>
-            <a:endParaRPr lang="zh-CN" altLang="en-US" sz="2800" dirty="0">
-              <a:solidFill>
-                <a:schemeClr val="bg1"/>
-              </a:solidFill>
-              <a:latin typeface="造字工房尚雅体演示版常规体" pitchFamily="50" charset="-122"/>
-              <a:ea typeface="造字工房尚雅体演示版常规体" pitchFamily="50" charset="-122"/>
-            </a:endParaRPr>
-          </a:p>
-        </p:txBody>
-      </p:sp>
-      <p:sp>
-        <p:nvSpPr>
-          <p:cNvPr id="42" name="TextBox 41"/>
-          <p:cNvSpPr txBox="1"/>
-          <p:nvPr/>
-        </p:nvSpPr>
-        <p:spPr>
-          <a:xfrm>
-            <a:off x="2801815" y="2492458"/>
-            <a:ext cx="583057" cy="523220"/>
-          </a:xfrm>
-          <a:prstGeom prst="rect">
-            <a:avLst/>
-          </a:prstGeom>
-          <a:noFill/>
-        </p:spPr>
-        <p:txBody>
-          <a:bodyPr wrap="square" rtlCol="0">
-            <a:spAutoFit/>
-          </a:bodyPr>
-          <a:lstStyle/>
-          <a:p>
-            <a:r>
-              <a:rPr lang="en-US" altLang="zh-CN" sz="2800" dirty="0">
-                <a:solidFill>
-                  <a:schemeClr val="bg1"/>
-                </a:solidFill>
-                <a:latin typeface="造字工房尚雅体演示版常规体" pitchFamily="50" charset="-122"/>
-                <a:ea typeface="造字工房尚雅体演示版常规体" pitchFamily="50" charset="-122"/>
-              </a:rPr>
-              <a:t>2</a:t>
-            </a:r>
-            <a:endParaRPr lang="zh-CN" altLang="en-US" sz="2800" dirty="0">
-              <a:solidFill>
-                <a:schemeClr val="bg1"/>
-              </a:solidFill>
-              <a:latin typeface="造字工房尚雅体演示版常规体" pitchFamily="50" charset="-122"/>
-              <a:ea typeface="造字工房尚雅体演示版常规体" pitchFamily="50" charset="-122"/>
-            </a:endParaRPr>
-          </a:p>
-        </p:txBody>
-      </p:sp>
-      <p:sp>
-        <p:nvSpPr>
-          <p:cNvPr id="43" name="TextBox 42"/>
-          <p:cNvSpPr txBox="1"/>
-          <p:nvPr/>
-        </p:nvSpPr>
-        <p:spPr>
-          <a:xfrm>
-            <a:off x="1706987" y="3566047"/>
-            <a:ext cx="583057" cy="523220"/>
-          </a:xfrm>
-          <a:prstGeom prst="rect">
-            <a:avLst/>
-          </a:prstGeom>
-          <a:noFill/>
-        </p:spPr>
-        <p:txBody>
-          <a:bodyPr wrap="square" rtlCol="0">
-            <a:spAutoFit/>
-          </a:bodyPr>
-          <a:lstStyle/>
-          <a:p>
-            <a:r>
-              <a:rPr lang="en-US" altLang="zh-CN" sz="2800" dirty="0">
-                <a:solidFill>
-                  <a:schemeClr val="bg1"/>
-                </a:solidFill>
-                <a:latin typeface="造字工房尚雅体演示版常规体" pitchFamily="50" charset="-122"/>
-                <a:ea typeface="造字工房尚雅体演示版常规体" pitchFamily="50" charset="-122"/>
-              </a:rPr>
-              <a:t>3</a:t>
-            </a:r>
-            <a:endParaRPr lang="zh-CN" altLang="en-US" sz="2800" dirty="0">
-              <a:solidFill>
-                <a:schemeClr val="bg1"/>
-              </a:solidFill>
-              <a:latin typeface="造字工房尚雅体演示版常规体" pitchFamily="50" charset="-122"/>
-              <a:ea typeface="造字工房尚雅体演示版常规体" pitchFamily="50" charset="-122"/>
-            </a:endParaRPr>
-          </a:p>
-        </p:txBody>
-      </p:sp>
-      <p:sp>
-        <p:nvSpPr>
-          <p:cNvPr id="44" name="TextBox 43"/>
-          <p:cNvSpPr txBox="1"/>
-          <p:nvPr/>
-        </p:nvSpPr>
-        <p:spPr>
-          <a:xfrm>
-            <a:off x="615194" y="4670976"/>
-            <a:ext cx="291529" cy="523220"/>
-          </a:xfrm>
-          <a:prstGeom prst="rect">
-            <a:avLst/>
-          </a:prstGeom>
-          <a:noFill/>
-        </p:spPr>
-        <p:txBody>
-          <a:bodyPr wrap="square" rtlCol="0">
-            <a:spAutoFit/>
-          </a:bodyPr>
-          <a:lstStyle/>
-          <a:p>
-            <a:r>
-              <a:rPr lang="en-US" altLang="zh-CN" sz="2800" dirty="0">
-                <a:solidFill>
-                  <a:schemeClr val="bg1"/>
-                </a:solidFill>
-                <a:latin typeface="造字工房尚雅体演示版常规体" pitchFamily="50" charset="-122"/>
-                <a:ea typeface="造字工房尚雅体演示版常规体" pitchFamily="50" charset="-122"/>
-              </a:rPr>
-              <a:t>4</a:t>
-            </a:r>
-            <a:endParaRPr lang="zh-CN" altLang="en-US" sz="2800" dirty="0">
-              <a:solidFill>
-                <a:schemeClr val="bg1"/>
-              </a:solidFill>
-              <a:latin typeface="造字工房尚雅体演示版常规体" pitchFamily="50" charset="-122"/>
-              <a:ea typeface="造字工房尚雅体演示版常规体" pitchFamily="50" charset="-122"/>
-            </a:endParaRPr>
-          </a:p>
-        </p:txBody>
-      </p:sp>
-      <p:sp>
-        <p:nvSpPr>
-          <p:cNvPr id="40" name="矩形 39"/>
-          <p:cNvSpPr/>
-          <p:nvPr/>
-        </p:nvSpPr>
-        <p:spPr>
-          <a:xfrm>
             <a:off x="694606" y="183740"/>
-            <a:ext cx="1972015" cy="523220"/>
+            <a:ext cx="2725426" cy="523220"/>
           </a:xfrm>
           <a:prstGeom prst="rect">
             <a:avLst/>
@@ -7280,7 +6628,7 @@
                 <a:ea typeface="Calibri" charset="0"/>
                 <a:cs typeface="Calibri" charset="0"/>
               </a:rPr>
-              <a:t>  Functions</a:t>
+              <a:t>  Labor Division </a:t>
             </a:r>
             <a:endParaRPr lang="zh-CN" altLang="en-US" sz="2800" b="1" dirty="0">
               <a:latin typeface="Calibri" charset="0"/>
@@ -7292,7 +6640,7 @@
       </p:sp>
       <p:sp>
         <p:nvSpPr>
-          <p:cNvPr id="51" name="左中括号 50"/>
+          <p:cNvPr id="25" name="左中括号 24"/>
           <p:cNvSpPr/>
           <p:nvPr/>
         </p:nvSpPr>
@@ -7335,642 +6683,7 @@
       </p:sp>
       <p:sp>
         <p:nvSpPr>
-          <p:cNvPr id="52" name="Rectangle 80"/>
-          <p:cNvSpPr/>
-          <p:nvPr/>
-        </p:nvSpPr>
-        <p:spPr>
-          <a:xfrm>
-            <a:off x="3384872" y="2458217"/>
-            <a:ext cx="7721013" cy="960227"/>
-          </a:xfrm>
-          <a:prstGeom prst="rect">
-            <a:avLst/>
-          </a:prstGeom>
-        </p:spPr>
-        <p:txBody>
-          <a:bodyPr wrap="none" lIns="219419" tIns="109710" rIns="219419" bIns="109710">
-            <a:spAutoFit/>
-          </a:bodyPr>
-          <a:lstStyle/>
-          <a:p>
-            <a:r>
-              <a:rPr lang="en-US" altLang="zh-CN" sz="2400" b="1" dirty="0">
-                <a:solidFill>
-                  <a:schemeClr val="tx1">
-                    <a:lumMod val="85000"/>
-                    <a:lumOff val="15000"/>
-                  </a:schemeClr>
-                </a:solidFill>
-                <a:latin typeface="Calibri" charset="0"/>
-                <a:ea typeface="Calibri" charset="0"/>
-                <a:cs typeface="Calibri" charset="0"/>
-              </a:rPr>
-              <a:t>View</a:t>
-            </a:r>
-            <a:r>
-              <a:rPr lang="zh-CN" altLang="en-US" sz="2400" b="1" dirty="0">
-                <a:solidFill>
-                  <a:schemeClr val="tx1">
-                    <a:lumMod val="85000"/>
-                    <a:lumOff val="15000"/>
-                  </a:schemeClr>
-                </a:solidFill>
-                <a:latin typeface="Calibri" charset="0"/>
-                <a:ea typeface="Calibri" charset="0"/>
-                <a:cs typeface="Calibri" charset="0"/>
-              </a:rPr>
-              <a:t> </a:t>
-            </a:r>
-            <a:r>
-              <a:rPr lang="en-US" altLang="zh-CN" sz="2400" b="1" dirty="0">
-                <a:solidFill>
-                  <a:schemeClr val="tx1">
-                    <a:lumMod val="85000"/>
-                    <a:lumOff val="15000"/>
-                  </a:schemeClr>
-                </a:solidFill>
-                <a:latin typeface="Calibri" charset="0"/>
-                <a:ea typeface="Calibri" charset="0"/>
-                <a:cs typeface="Calibri" charset="0"/>
-              </a:rPr>
-              <a:t>all</a:t>
-            </a:r>
-            <a:r>
-              <a:rPr lang="zh-CN" altLang="en-US" sz="2400" b="1" dirty="0">
-                <a:solidFill>
-                  <a:schemeClr val="tx1">
-                    <a:lumMod val="85000"/>
-                    <a:lumOff val="15000"/>
-                  </a:schemeClr>
-                </a:solidFill>
-                <a:latin typeface="Calibri" charset="0"/>
-                <a:ea typeface="Calibri" charset="0"/>
-                <a:cs typeface="Calibri" charset="0"/>
-              </a:rPr>
-              <a:t> </a:t>
-            </a:r>
-            <a:r>
-              <a:rPr lang="en-US" altLang="zh-CN" sz="2400" b="1" dirty="0">
-                <a:solidFill>
-                  <a:schemeClr val="tx1">
-                    <a:lumMod val="85000"/>
-                    <a:lumOff val="15000"/>
-                  </a:schemeClr>
-                </a:solidFill>
-                <a:latin typeface="Calibri" charset="0"/>
-                <a:ea typeface="Calibri" charset="0"/>
-                <a:cs typeface="Calibri" charset="0"/>
-              </a:rPr>
-              <a:t>orders</a:t>
-            </a:r>
-            <a:r>
-              <a:rPr lang="zh-CN" altLang="en-US" sz="2400" b="1" dirty="0">
-                <a:solidFill>
-                  <a:schemeClr val="tx1">
-                    <a:lumMod val="85000"/>
-                    <a:lumOff val="15000"/>
-                  </a:schemeClr>
-                </a:solidFill>
-                <a:latin typeface="Calibri" charset="0"/>
-                <a:ea typeface="Calibri" charset="0"/>
-                <a:cs typeface="Calibri" charset="0"/>
-              </a:rPr>
-              <a:t> </a:t>
-            </a:r>
-            <a:r>
-              <a:rPr lang="en-US" altLang="zh-CN" sz="2400" b="1" dirty="0">
-                <a:solidFill>
-                  <a:schemeClr val="tx1">
-                    <a:lumMod val="85000"/>
-                    <a:lumOff val="15000"/>
-                  </a:schemeClr>
-                </a:solidFill>
-                <a:latin typeface="Calibri" charset="0"/>
-                <a:ea typeface="Calibri" charset="0"/>
-                <a:cs typeface="Calibri" charset="0"/>
-              </a:rPr>
-              <a:t>&amp;</a:t>
-            </a:r>
-            <a:r>
-              <a:rPr lang="zh-CN" altLang="en-US" sz="2400" b="1" dirty="0">
-                <a:solidFill>
-                  <a:schemeClr val="tx1">
-                    <a:lumMod val="85000"/>
-                    <a:lumOff val="15000"/>
-                  </a:schemeClr>
-                </a:solidFill>
-                <a:latin typeface="Calibri" charset="0"/>
-                <a:ea typeface="Calibri" charset="0"/>
-                <a:cs typeface="Calibri" charset="0"/>
-              </a:rPr>
-              <a:t> </a:t>
-            </a:r>
-            <a:r>
-              <a:rPr lang="en-US" altLang="zh-CN" sz="2400" b="1" dirty="0">
-                <a:solidFill>
-                  <a:schemeClr val="tx1">
-                    <a:lumMod val="85000"/>
-                    <a:lumOff val="15000"/>
-                  </a:schemeClr>
-                </a:solidFill>
-                <a:latin typeface="Calibri" charset="0"/>
-                <a:ea typeface="Calibri" charset="0"/>
-                <a:cs typeface="Calibri" charset="0"/>
-              </a:rPr>
-              <a:t>Create</a:t>
-            </a:r>
-            <a:r>
-              <a:rPr lang="zh-CN" altLang="en-US" sz="2400" b="1" dirty="0">
-                <a:solidFill>
-                  <a:schemeClr val="tx1">
-                    <a:lumMod val="85000"/>
-                    <a:lumOff val="15000"/>
-                  </a:schemeClr>
-                </a:solidFill>
-                <a:latin typeface="Calibri" charset="0"/>
-                <a:ea typeface="Calibri" charset="0"/>
-                <a:cs typeface="Calibri" charset="0"/>
-              </a:rPr>
-              <a:t> </a:t>
-            </a:r>
-            <a:r>
-              <a:rPr lang="en-US" altLang="zh-CN" sz="2400" b="1" dirty="0">
-                <a:solidFill>
-                  <a:schemeClr val="tx1">
-                    <a:lumMod val="85000"/>
-                    <a:lumOff val="15000"/>
-                  </a:schemeClr>
-                </a:solidFill>
-                <a:latin typeface="Calibri" charset="0"/>
-                <a:ea typeface="Calibri" charset="0"/>
-                <a:cs typeface="Calibri" charset="0"/>
-              </a:rPr>
-              <a:t>new</a:t>
-            </a:r>
-            <a:r>
-              <a:rPr lang="zh-CN" altLang="en-US" sz="2400" b="1" dirty="0">
-                <a:solidFill>
-                  <a:schemeClr val="tx1">
-                    <a:lumMod val="85000"/>
-                    <a:lumOff val="15000"/>
-                  </a:schemeClr>
-                </a:solidFill>
-                <a:latin typeface="Calibri" charset="0"/>
-                <a:ea typeface="Calibri" charset="0"/>
-                <a:cs typeface="Calibri" charset="0"/>
-              </a:rPr>
-              <a:t> </a:t>
-            </a:r>
-            <a:r>
-              <a:rPr lang="en-US" altLang="zh-CN" sz="2400" b="1" dirty="0">
-                <a:solidFill>
-                  <a:schemeClr val="tx1">
-                    <a:lumMod val="85000"/>
-                    <a:lumOff val="15000"/>
-                  </a:schemeClr>
-                </a:solidFill>
-                <a:latin typeface="Calibri" charset="0"/>
-                <a:ea typeface="Calibri" charset="0"/>
-                <a:cs typeface="Calibri" charset="0"/>
-              </a:rPr>
-              <a:t>order</a:t>
-            </a:r>
-            <a:r>
-              <a:rPr lang="zh-CN" altLang="en-US" sz="2400" b="1" dirty="0">
-                <a:solidFill>
-                  <a:schemeClr val="tx1">
-                    <a:lumMod val="85000"/>
-                    <a:lumOff val="15000"/>
-                  </a:schemeClr>
-                </a:solidFill>
-                <a:latin typeface="Calibri" charset="0"/>
-                <a:ea typeface="Calibri" charset="0"/>
-                <a:cs typeface="Calibri" charset="0"/>
-              </a:rPr>
-              <a:t> </a:t>
-            </a:r>
-            <a:r>
-              <a:rPr lang="en-US" altLang="zh-CN" sz="2400" b="1" dirty="0">
-                <a:solidFill>
-                  <a:schemeClr val="tx1">
-                    <a:lumMod val="85000"/>
-                    <a:lumOff val="15000"/>
-                  </a:schemeClr>
-                </a:solidFill>
-                <a:latin typeface="Calibri" charset="0"/>
-                <a:ea typeface="Calibri" charset="0"/>
-                <a:cs typeface="Calibri" charset="0"/>
-              </a:rPr>
-              <a:t>&amp;</a:t>
-            </a:r>
-            <a:r>
-              <a:rPr lang="zh-CN" altLang="en-US" sz="2400" b="1" dirty="0">
-                <a:solidFill>
-                  <a:schemeClr val="tx1">
-                    <a:lumMod val="85000"/>
-                    <a:lumOff val="15000"/>
-                  </a:schemeClr>
-                </a:solidFill>
-                <a:latin typeface="Calibri" charset="0"/>
-                <a:ea typeface="Calibri" charset="0"/>
-                <a:cs typeface="Calibri" charset="0"/>
-              </a:rPr>
-              <a:t> </a:t>
-            </a:r>
-            <a:r>
-              <a:rPr lang="en-US" altLang="zh-CN" sz="2400" b="1" dirty="0">
-                <a:solidFill>
-                  <a:schemeClr val="tx1">
-                    <a:lumMod val="85000"/>
-                    <a:lumOff val="15000"/>
-                  </a:schemeClr>
-                </a:solidFill>
-                <a:latin typeface="Calibri" charset="0"/>
-                <a:ea typeface="Calibri" charset="0"/>
-                <a:cs typeface="Calibri" charset="0"/>
-              </a:rPr>
-              <a:t>Check</a:t>
-            </a:r>
-            <a:r>
-              <a:rPr lang="zh-CN" altLang="en-US" sz="2400" b="1" dirty="0">
-                <a:solidFill>
-                  <a:schemeClr val="tx1">
-                    <a:lumMod val="85000"/>
-                    <a:lumOff val="15000"/>
-                  </a:schemeClr>
-                </a:solidFill>
-                <a:latin typeface="Calibri" charset="0"/>
-                <a:ea typeface="Calibri" charset="0"/>
-                <a:cs typeface="Calibri" charset="0"/>
-              </a:rPr>
-              <a:t> </a:t>
-            </a:r>
-            <a:r>
-              <a:rPr lang="en-US" altLang="zh-CN" sz="2400" b="1" dirty="0">
-                <a:solidFill>
-                  <a:schemeClr val="tx1">
-                    <a:lumMod val="85000"/>
-                    <a:lumOff val="15000"/>
-                  </a:schemeClr>
-                </a:solidFill>
-                <a:latin typeface="Calibri" charset="0"/>
-                <a:ea typeface="Calibri" charset="0"/>
-                <a:cs typeface="Calibri" charset="0"/>
-              </a:rPr>
-              <a:t>order</a:t>
-            </a:r>
-            <a:r>
-              <a:rPr lang="zh-CN" altLang="en-US" sz="2400" b="1" dirty="0">
-                <a:solidFill>
-                  <a:schemeClr val="tx1">
-                    <a:lumMod val="85000"/>
-                    <a:lumOff val="15000"/>
-                  </a:schemeClr>
-                </a:solidFill>
-                <a:latin typeface="Calibri" charset="0"/>
-                <a:ea typeface="Calibri" charset="0"/>
-                <a:cs typeface="Calibri" charset="0"/>
-              </a:rPr>
-              <a:t> </a:t>
-            </a:r>
-            <a:r>
-              <a:rPr lang="en-US" altLang="zh-CN" sz="2400" b="1" dirty="0">
-                <a:solidFill>
-                  <a:schemeClr val="tx1">
-                    <a:lumMod val="85000"/>
-                    <a:lumOff val="15000"/>
-                  </a:schemeClr>
-                </a:solidFill>
-                <a:latin typeface="Calibri" charset="0"/>
-                <a:ea typeface="Calibri" charset="0"/>
-                <a:cs typeface="Calibri" charset="0"/>
-              </a:rPr>
-              <a:t>details</a:t>
-            </a:r>
-          </a:p>
-          <a:p>
-            <a:endParaRPr lang="en-US" sz="2400" b="1" dirty="0">
-              <a:solidFill>
-                <a:schemeClr val="tx1">
-                  <a:lumMod val="85000"/>
-                  <a:lumOff val="15000"/>
-                </a:schemeClr>
-              </a:solidFill>
-              <a:latin typeface="Calibri" charset="0"/>
-              <a:ea typeface="Calibri" charset="0"/>
-              <a:cs typeface="Calibri" charset="0"/>
-            </a:endParaRPr>
-          </a:p>
-        </p:txBody>
-      </p:sp>
-      <p:sp>
-        <p:nvSpPr>
-          <p:cNvPr id="53" name="Rectangle 80"/>
-          <p:cNvSpPr/>
-          <p:nvPr/>
-        </p:nvSpPr>
-        <p:spPr>
-          <a:xfrm>
-            <a:off x="2290044" y="3538294"/>
-            <a:ext cx="2912774" cy="590895"/>
-          </a:xfrm>
-          <a:prstGeom prst="rect">
-            <a:avLst/>
-          </a:prstGeom>
-        </p:spPr>
-        <p:txBody>
-          <a:bodyPr wrap="none" lIns="219419" tIns="109710" rIns="219419" bIns="109710">
-            <a:spAutoFit/>
-          </a:bodyPr>
-          <a:lstStyle/>
-          <a:p>
-            <a:r>
-              <a:rPr lang="en-US" altLang="zh-CN" sz="2400" b="1" dirty="0">
-                <a:solidFill>
-                  <a:schemeClr val="tx1">
-                    <a:lumMod val="85000"/>
-                    <a:lumOff val="15000"/>
-                  </a:schemeClr>
-                </a:solidFill>
-                <a:latin typeface="Calibri" charset="0"/>
-                <a:ea typeface="Calibri" charset="0"/>
-                <a:cs typeface="Calibri" charset="0"/>
-              </a:rPr>
-              <a:t>Update</a:t>
-            </a:r>
-            <a:r>
-              <a:rPr lang="zh-CN" altLang="en-US" sz="2400" b="1" dirty="0">
-                <a:solidFill>
-                  <a:schemeClr val="tx1">
-                    <a:lumMod val="85000"/>
-                    <a:lumOff val="15000"/>
-                  </a:schemeClr>
-                </a:solidFill>
-                <a:latin typeface="Calibri" charset="0"/>
-                <a:ea typeface="Calibri" charset="0"/>
-                <a:cs typeface="Calibri" charset="0"/>
-              </a:rPr>
-              <a:t> </a:t>
-            </a:r>
-            <a:r>
-              <a:rPr lang="en-US" altLang="zh-CN" sz="2400" b="1" dirty="0">
-                <a:solidFill>
-                  <a:schemeClr val="tx1">
-                    <a:lumMod val="85000"/>
-                    <a:lumOff val="15000"/>
-                  </a:schemeClr>
-                </a:solidFill>
-                <a:latin typeface="Calibri" charset="0"/>
-                <a:ea typeface="Calibri" charset="0"/>
-                <a:cs typeface="Calibri" charset="0"/>
-              </a:rPr>
-              <a:t>user</a:t>
-            </a:r>
-            <a:r>
-              <a:rPr lang="zh-CN" altLang="en-US" sz="2400" b="1" dirty="0">
-                <a:solidFill>
-                  <a:schemeClr val="tx1">
-                    <a:lumMod val="85000"/>
-                    <a:lumOff val="15000"/>
-                  </a:schemeClr>
-                </a:solidFill>
-                <a:latin typeface="Calibri" charset="0"/>
-                <a:ea typeface="Calibri" charset="0"/>
-                <a:cs typeface="Calibri" charset="0"/>
-              </a:rPr>
-              <a:t> </a:t>
-            </a:r>
-            <a:r>
-              <a:rPr lang="en-US" altLang="zh-CN" sz="2400" b="1" dirty="0">
-                <a:solidFill>
-                  <a:schemeClr val="tx1">
-                    <a:lumMod val="85000"/>
-                    <a:lumOff val="15000"/>
-                  </a:schemeClr>
-                </a:solidFill>
-                <a:latin typeface="Calibri" charset="0"/>
-                <a:ea typeface="Calibri" charset="0"/>
-                <a:cs typeface="Calibri" charset="0"/>
-              </a:rPr>
-              <a:t>profile</a:t>
-            </a:r>
-            <a:endParaRPr lang="en-US" sz="2400" b="1" dirty="0">
-              <a:solidFill>
-                <a:schemeClr val="tx1">
-                  <a:lumMod val="85000"/>
-                  <a:lumOff val="15000"/>
-                </a:schemeClr>
-              </a:solidFill>
-              <a:latin typeface="Calibri" charset="0"/>
-              <a:ea typeface="Calibri" charset="0"/>
-              <a:cs typeface="Calibri" charset="0"/>
-            </a:endParaRPr>
-          </a:p>
-        </p:txBody>
-      </p:sp>
-      <p:sp>
-        <p:nvSpPr>
-          <p:cNvPr id="54" name="Rectangle 80"/>
-          <p:cNvSpPr/>
-          <p:nvPr/>
-        </p:nvSpPr>
-        <p:spPr>
-          <a:xfrm>
-            <a:off x="1249757" y="4621376"/>
-            <a:ext cx="3447857" cy="590895"/>
-          </a:xfrm>
-          <a:prstGeom prst="rect">
-            <a:avLst/>
-          </a:prstGeom>
-        </p:spPr>
-        <p:txBody>
-          <a:bodyPr wrap="none" lIns="219419" tIns="109710" rIns="219419" bIns="109710">
-            <a:spAutoFit/>
-          </a:bodyPr>
-          <a:lstStyle>
-            <a:defPPr>
-              <a:defRPr lang="zh-CN"/>
-            </a:defPPr>
-            <a:lvl1pPr marL="0" algn="l" defTabSz="914400" rtl="0" eaLnBrk="1" latinLnBrk="0" hangingPunct="1">
-              <a:defRPr sz="1800" kern="1200">
-                <a:solidFill>
-                  <a:schemeClr val="tx1"/>
-                </a:solidFill>
-                <a:latin typeface="+mn-lt"/>
-                <a:ea typeface="+mn-ea"/>
-                <a:cs typeface="+mn-cs"/>
-              </a:defRPr>
-            </a:lvl1pPr>
-            <a:lvl2pPr marL="457200" algn="l" defTabSz="914400" rtl="0" eaLnBrk="1" latinLnBrk="0" hangingPunct="1">
-              <a:defRPr sz="1800" kern="1200">
-                <a:solidFill>
-                  <a:schemeClr val="tx1"/>
-                </a:solidFill>
-                <a:latin typeface="+mn-lt"/>
-                <a:ea typeface="+mn-ea"/>
-                <a:cs typeface="+mn-cs"/>
-              </a:defRPr>
-            </a:lvl2pPr>
-            <a:lvl3pPr marL="914400" algn="l" defTabSz="914400" rtl="0" eaLnBrk="1" latinLnBrk="0" hangingPunct="1">
-              <a:defRPr sz="1800" kern="1200">
-                <a:solidFill>
-                  <a:schemeClr val="tx1"/>
-                </a:solidFill>
-                <a:latin typeface="+mn-lt"/>
-                <a:ea typeface="+mn-ea"/>
-                <a:cs typeface="+mn-cs"/>
-              </a:defRPr>
-            </a:lvl3pPr>
-            <a:lvl4pPr marL="1371600" algn="l" defTabSz="914400" rtl="0" eaLnBrk="1" latinLnBrk="0" hangingPunct="1">
-              <a:defRPr sz="1800" kern="1200">
-                <a:solidFill>
-                  <a:schemeClr val="tx1"/>
-                </a:solidFill>
-                <a:latin typeface="+mn-lt"/>
-                <a:ea typeface="+mn-ea"/>
-                <a:cs typeface="+mn-cs"/>
-              </a:defRPr>
-            </a:lvl4pPr>
-            <a:lvl5pPr marL="1828800" algn="l" defTabSz="914400" rtl="0" eaLnBrk="1" latinLnBrk="0" hangingPunct="1">
-              <a:defRPr sz="1800" kern="1200">
-                <a:solidFill>
-                  <a:schemeClr val="tx1"/>
-                </a:solidFill>
-                <a:latin typeface="+mn-lt"/>
-                <a:ea typeface="+mn-ea"/>
-                <a:cs typeface="+mn-cs"/>
-              </a:defRPr>
-            </a:lvl5pPr>
-            <a:lvl6pPr marL="2286000" algn="l" defTabSz="914400" rtl="0" eaLnBrk="1" latinLnBrk="0" hangingPunct="1">
-              <a:defRPr sz="1800" kern="1200">
-                <a:solidFill>
-                  <a:schemeClr val="tx1"/>
-                </a:solidFill>
-                <a:latin typeface="+mn-lt"/>
-                <a:ea typeface="+mn-ea"/>
-                <a:cs typeface="+mn-cs"/>
-              </a:defRPr>
-            </a:lvl6pPr>
-            <a:lvl7pPr marL="2743200" algn="l" defTabSz="914400" rtl="0" eaLnBrk="1" latinLnBrk="0" hangingPunct="1">
-              <a:defRPr sz="1800" kern="1200">
-                <a:solidFill>
-                  <a:schemeClr val="tx1"/>
-                </a:solidFill>
-                <a:latin typeface="+mn-lt"/>
-                <a:ea typeface="+mn-ea"/>
-                <a:cs typeface="+mn-cs"/>
-              </a:defRPr>
-            </a:lvl7pPr>
-            <a:lvl8pPr marL="3200400" algn="l" defTabSz="914400" rtl="0" eaLnBrk="1" latinLnBrk="0" hangingPunct="1">
-              <a:defRPr sz="1800" kern="1200">
-                <a:solidFill>
-                  <a:schemeClr val="tx1"/>
-                </a:solidFill>
-                <a:latin typeface="+mn-lt"/>
-                <a:ea typeface="+mn-ea"/>
-                <a:cs typeface="+mn-cs"/>
-              </a:defRPr>
-            </a:lvl8pPr>
-            <a:lvl9pPr marL="3657600" algn="l" defTabSz="914400" rtl="0" eaLnBrk="1" latinLnBrk="0" hangingPunct="1">
-              <a:defRPr sz="1800" kern="1200">
-                <a:solidFill>
-                  <a:schemeClr val="tx1"/>
-                </a:solidFill>
-                <a:latin typeface="+mn-lt"/>
-                <a:ea typeface="+mn-ea"/>
-                <a:cs typeface="+mn-cs"/>
-              </a:defRPr>
-            </a:lvl9pPr>
-          </a:lstStyle>
-          <a:p>
-            <a:r>
-              <a:rPr lang="en-US" altLang="zh-CN" sz="2400" b="1" dirty="0">
-                <a:solidFill>
-                  <a:schemeClr val="tx1">
-                    <a:lumMod val="85000"/>
-                    <a:lumOff val="15000"/>
-                  </a:schemeClr>
-                </a:solidFill>
-                <a:latin typeface="Calibri" charset="0"/>
-                <a:ea typeface="Calibri" charset="0"/>
-                <a:cs typeface="Calibri" charset="0"/>
-              </a:rPr>
-              <a:t>View</a:t>
-            </a:r>
-            <a:r>
-              <a:rPr lang="zh-CN" altLang="en-US" sz="2400" b="1" dirty="0">
-                <a:solidFill>
-                  <a:schemeClr val="tx1">
-                    <a:lumMod val="85000"/>
-                    <a:lumOff val="15000"/>
-                  </a:schemeClr>
-                </a:solidFill>
-                <a:latin typeface="Calibri" charset="0"/>
-                <a:ea typeface="Calibri" charset="0"/>
-                <a:cs typeface="Calibri" charset="0"/>
-              </a:rPr>
-              <a:t> </a:t>
-            </a:r>
-            <a:r>
-              <a:rPr lang="en-US" altLang="zh-CN" sz="2400" b="1" dirty="0">
-                <a:solidFill>
-                  <a:schemeClr val="tx1">
-                    <a:lumMod val="85000"/>
-                    <a:lumOff val="15000"/>
-                  </a:schemeClr>
-                </a:solidFill>
-                <a:latin typeface="Calibri" charset="0"/>
-                <a:ea typeface="Calibri" charset="0"/>
-                <a:cs typeface="Calibri" charset="0"/>
-              </a:rPr>
-              <a:t>statistical</a:t>
-            </a:r>
-            <a:r>
-              <a:rPr lang="zh-CN" altLang="en-US" sz="2400" b="1" dirty="0">
-                <a:solidFill>
-                  <a:schemeClr val="tx1">
-                    <a:lumMod val="85000"/>
-                    <a:lumOff val="15000"/>
-                  </a:schemeClr>
-                </a:solidFill>
-                <a:latin typeface="Calibri" charset="0"/>
-                <a:ea typeface="Calibri" charset="0"/>
-                <a:cs typeface="Calibri" charset="0"/>
-              </a:rPr>
-              <a:t> </a:t>
-            </a:r>
-            <a:r>
-              <a:rPr lang="en-US" altLang="zh-CN" sz="2400" b="1" dirty="0">
-                <a:solidFill>
-                  <a:schemeClr val="tx1">
-                    <a:lumMod val="85000"/>
-                    <a:lumOff val="15000"/>
-                  </a:schemeClr>
-                </a:solidFill>
-                <a:latin typeface="Calibri" charset="0"/>
-                <a:ea typeface="Calibri" charset="0"/>
-                <a:cs typeface="Calibri" charset="0"/>
-              </a:rPr>
-              <a:t>analysis</a:t>
-            </a:r>
-            <a:endParaRPr lang="en-US" sz="2400" b="1" dirty="0">
-              <a:solidFill>
-                <a:schemeClr val="tx1">
-                  <a:lumMod val="85000"/>
-                  <a:lumOff val="15000"/>
-                </a:schemeClr>
-              </a:solidFill>
-              <a:latin typeface="Calibri" charset="0"/>
-              <a:ea typeface="Calibri" charset="0"/>
-              <a:cs typeface="Calibri" charset="0"/>
-            </a:endParaRPr>
-          </a:p>
-        </p:txBody>
-      </p:sp>
-      <p:sp>
-        <p:nvSpPr>
-          <p:cNvPr id="55" name="等腰三角形 14"/>
+          <p:cNvPr id="26" name="等腰三角形 14"/>
           <p:cNvSpPr/>
           <p:nvPr/>
         </p:nvSpPr>
@@ -8016,7 +6729,7 @@
       </p:sp>
       <p:sp>
         <p:nvSpPr>
-          <p:cNvPr id="56" name="等腰三角形 20"/>
+          <p:cNvPr id="27" name="等腰三角形 20"/>
           <p:cNvSpPr/>
           <p:nvPr/>
         </p:nvSpPr>
@@ -8065,7 +6778,7 @@
       </p:sp>
       <p:sp>
         <p:nvSpPr>
-          <p:cNvPr id="57" name="等腰三角形 25"/>
+          <p:cNvPr id="28" name="等腰三角形 25"/>
           <p:cNvSpPr/>
           <p:nvPr/>
         </p:nvSpPr>
@@ -8119,7 +6832,7 @@
       </p:sp>
       <p:sp>
         <p:nvSpPr>
-          <p:cNvPr id="58" name="等腰三角形 21"/>
+          <p:cNvPr id="29" name="等腰三角形 21"/>
           <p:cNvSpPr/>
           <p:nvPr/>
         </p:nvSpPr>
@@ -8173,7 +6886,7 @@
       </p:sp>
       <p:sp>
         <p:nvSpPr>
-          <p:cNvPr id="59" name="等腰三角形 22"/>
+          <p:cNvPr id="30" name="等腰三角形 22"/>
           <p:cNvSpPr/>
           <p:nvPr/>
         </p:nvSpPr>
@@ -8220,666 +6933,596 @@
           </a:p>
         </p:txBody>
       </p:sp>
+      <p:sp>
+        <p:nvSpPr>
+          <p:cNvPr id="2" name="Slide Number Placeholder 1">
+            <a:extLst>
+              <a:ext uri="{FF2B5EF4-FFF2-40B4-BE49-F238E27FC236}">
+                <a16:creationId xmlns:a16="http://schemas.microsoft.com/office/drawing/2014/main" id="{3FEF94DA-C6A5-4FAC-970B-55961153B0AB}"/>
+              </a:ext>
+            </a:extLst>
+          </p:cNvPr>
+          <p:cNvSpPr>
+            <a:spLocks noGrp="1"/>
+          </p:cNvSpPr>
+          <p:nvPr>
+            <p:ph type="sldNum" sz="quarter" idx="12"/>
+          </p:nvPr>
+        </p:nvSpPr>
+        <p:spPr/>
+        <p:txBody>
+          <a:bodyPr/>
+          <a:lstStyle/>
+          <a:p>
+            <a:fld id="{0C913308-F349-4B6D-A68A-DD1791B4A57B}" type="slidenum">
+              <a:rPr lang="zh-CN" altLang="en-US" smtClean="0"/>
+              <a:t>3</a:t>
+            </a:fld>
+            <a:endParaRPr lang="zh-CN" altLang="en-US" dirty="0"/>
+          </a:p>
+        </p:txBody>
+      </p:sp>
       <p:grpSp>
         <p:nvGrpSpPr>
-          <p:cNvPr id="67" name="Group 20"/>
+          <p:cNvPr id="19" name="Group 18">
+            <a:extLst>
+              <a:ext uri="{FF2B5EF4-FFF2-40B4-BE49-F238E27FC236}">
+                <a16:creationId xmlns:a16="http://schemas.microsoft.com/office/drawing/2014/main" id="{B98E63E6-D018-45A6-BCAA-8494AF86A160}"/>
+              </a:ext>
+            </a:extLst>
+          </p:cNvPr>
           <p:cNvGrpSpPr/>
           <p:nvPr/>
         </p:nvGrpSpPr>
         <p:grpSpPr>
           <a:xfrm>
-            <a:off x="5190688" y="3305548"/>
-            <a:ext cx="2002125" cy="2145281"/>
-            <a:chOff x="12208442" y="2978422"/>
-            <a:chExt cx="4152526" cy="4295797"/>
+            <a:off x="8462019" y="6120730"/>
+            <a:ext cx="2486273" cy="600746"/>
+            <a:chOff x="-1553286" y="437405"/>
+            <a:chExt cx="13825194" cy="3340513"/>
           </a:xfrm>
         </p:grpSpPr>
-        <p:grpSp>
-          <p:nvGrpSpPr>
-            <p:cNvPr id="70" name="Group 70"/>
-            <p:cNvGrpSpPr/>
+        <p:pic>
+          <p:nvPicPr>
+            <p:cNvPr id="20" name="Picture 19">
+              <a:extLst>
+                <a:ext uri="{FF2B5EF4-FFF2-40B4-BE49-F238E27FC236}">
+                  <a16:creationId xmlns:a16="http://schemas.microsoft.com/office/drawing/2014/main" id="{D5D60ABC-DF29-46C4-8370-2F93D21ED24D}"/>
+                </a:ext>
+              </a:extLst>
+            </p:cNvPr>
+            <p:cNvPicPr>
+              <a:picLocks noChangeAspect="1"/>
+            </p:cNvPicPr>
             <p:nvPr/>
-          </p:nvGrpSpPr>
-          <p:grpSpPr>
-            <a:xfrm rot="21316916">
-              <a:off x="14361737" y="2978422"/>
-              <a:ext cx="1999231" cy="1999751"/>
-              <a:chOff x="5013110" y="5059616"/>
-              <a:chExt cx="3378533" cy="3379413"/>
+          </p:nvPicPr>
+          <p:blipFill rotWithShape="1">
+            <a:blip r:embed="rId3">
+              <a:duotone>
+                <a:prstClr val="black"/>
+                <a:schemeClr val="accent2">
+                  <a:tint val="45000"/>
+                  <a:satMod val="400000"/>
+                </a:schemeClr>
+              </a:duotone>
+              <a:extLst>
+                <a:ext uri="{BEBA8EAE-BF5A-486C-A8C5-ECC9F3942E4B}">
+                  <a14:imgProps xmlns:a14="http://schemas.microsoft.com/office/drawing/2010/main">
+                    <a14:imgLayer r:embed="rId4">
+                      <a14:imgEffect>
+                        <a14:artisticLineDrawing/>
+                      </a14:imgEffect>
+                    </a14:imgLayer>
+                  </a14:imgProps>
+                </a:ext>
+              </a:extLst>
+            </a:blip>
+            <a:srcRect r="61314"/>
+            <a:stretch/>
+          </p:blipFill>
+          <p:spPr>
+            <a:xfrm>
+              <a:off x="-1553286" y="437405"/>
+              <a:ext cx="4712862" cy="3314700"/>
             </a:xfrm>
-          </p:grpSpPr>
-          <p:sp>
-            <p:nvSpPr>
-              <p:cNvPr id="77" name="Oval 71"/>
-              <p:cNvSpPr/>
-              <p:nvPr/>
-            </p:nvSpPr>
-            <p:spPr>
-              <a:xfrm>
-                <a:off x="5013110" y="5059616"/>
-                <a:ext cx="3378533" cy="3379413"/>
-              </a:xfrm>
-              <a:prstGeom prst="ellipse">
-                <a:avLst/>
-              </a:prstGeom>
-              <a:solidFill>
-                <a:schemeClr val="accent4">
-                  <a:lumMod val="60000"/>
-                  <a:lumOff val="40000"/>
-                  <a:alpha val="30000"/>
+            <a:prstGeom prst="rect">
+              <a:avLst/>
+            </a:prstGeom>
+          </p:spPr>
+        </p:pic>
+        <p:pic>
+          <p:nvPicPr>
+            <p:cNvPr id="21" name="Picture 20">
+              <a:extLst>
+                <a:ext uri="{FF2B5EF4-FFF2-40B4-BE49-F238E27FC236}">
+                  <a16:creationId xmlns:a16="http://schemas.microsoft.com/office/drawing/2014/main" id="{711532A2-88BE-4715-AD75-297309281406}"/>
+                </a:ext>
+              </a:extLst>
+            </p:cNvPr>
+            <p:cNvPicPr>
+              <a:picLocks noChangeAspect="1"/>
+            </p:cNvPicPr>
+            <p:nvPr/>
+          </p:nvPicPr>
+          <p:blipFill rotWithShape="1">
+            <a:blip r:embed="rId5">
+              <a:duotone>
+                <a:prstClr val="black"/>
+                <a:schemeClr val="accent2">
+                  <a:tint val="45000"/>
+                  <a:satMod val="400000"/>
                 </a:schemeClr>
-              </a:solidFill>
-              <a:ln>
-                <a:noFill/>
-              </a:ln>
-            </p:spPr>
-            <p:style>
-              <a:lnRef idx="2">
-                <a:schemeClr val="accent1">
-                  <a:shade val="50000"/>
-                </a:schemeClr>
-              </a:lnRef>
-              <a:fillRef idx="1">
-                <a:schemeClr val="accent1"/>
-              </a:fillRef>
-              <a:effectRef idx="0">
-                <a:schemeClr val="accent1"/>
-              </a:effectRef>
-              <a:fontRef idx="minor">
-                <a:schemeClr val="lt1"/>
-              </a:fontRef>
-            </p:style>
-            <p:txBody>
-              <a:bodyPr lIns="219419" tIns="109710" rIns="219419" bIns="109710" rtlCol="0" anchor="ctr"/>
-              <a:lstStyle/>
-              <a:p>
-                <a:pPr algn="ctr"/>
-                <a:endParaRPr lang="bg-BG" sz="1400" dirty="0"/>
-              </a:p>
-            </p:txBody>
-          </p:sp>
-          <p:sp>
-            <p:nvSpPr>
-              <p:cNvPr id="78" name="Oval 72"/>
-              <p:cNvSpPr/>
-              <p:nvPr/>
-            </p:nvSpPr>
-            <p:spPr>
-              <a:xfrm>
-                <a:off x="5286107" y="5332685"/>
-                <a:ext cx="2832537" cy="2833275"/>
-              </a:xfrm>
-              <a:prstGeom prst="ellipse">
-                <a:avLst/>
-              </a:prstGeom>
-              <a:solidFill>
-                <a:schemeClr val="tx1">
-                  <a:lumMod val="65000"/>
-                  <a:lumOff val="35000"/>
-                </a:schemeClr>
-              </a:solidFill>
-              <a:ln>
-                <a:noFill/>
-              </a:ln>
-            </p:spPr>
-            <p:style>
-              <a:lnRef idx="2">
-                <a:schemeClr val="accent1">
-                  <a:shade val="50000"/>
-                </a:schemeClr>
-              </a:lnRef>
-              <a:fillRef idx="1">
-                <a:schemeClr val="accent1"/>
-              </a:fillRef>
-              <a:effectRef idx="0">
-                <a:schemeClr val="accent1"/>
-              </a:effectRef>
-              <a:fontRef idx="minor">
-                <a:schemeClr val="lt1"/>
-              </a:fontRef>
-            </p:style>
-            <p:txBody>
-              <a:bodyPr lIns="219419" tIns="109710" rIns="219419" bIns="109710" rtlCol="0" anchor="ctr"/>
-              <a:lstStyle/>
-              <a:p>
-                <a:pPr algn="ctr"/>
-                <a:endParaRPr lang="bg-BG" sz="1400" dirty="0"/>
-              </a:p>
-            </p:txBody>
-          </p:sp>
-        </p:grpSp>
-        <p:grpSp>
-          <p:nvGrpSpPr>
-            <p:cNvPr id="71" name="Group 67"/>
-            <p:cNvGrpSpPr/>
-            <p:nvPr/>
-          </p:nvGrpSpPr>
-          <p:grpSpPr>
-            <a:xfrm rot="21316916">
-              <a:off x="12208442" y="5274468"/>
-              <a:ext cx="1999231" cy="1999751"/>
-              <a:chOff x="5013110" y="5059616"/>
-              <a:chExt cx="3378533" cy="3379413"/>
+              </a:duotone>
+              <a:extLst>
+                <a:ext uri="{BEBA8EAE-BF5A-486C-A8C5-ECC9F3942E4B}">
+                  <a14:imgProps xmlns:a14="http://schemas.microsoft.com/office/drawing/2010/main">
+                    <a14:imgLayer r:embed="rId4">
+                      <a14:imgEffect>
+                        <a14:artisticLineDrawing/>
+                      </a14:imgEffect>
+                      <a14:imgEffect>
+                        <a14:saturation sat="400000"/>
+                      </a14:imgEffect>
+                    </a14:imgLayer>
+                  </a14:imgProps>
+                </a:ext>
+              </a:extLst>
+            </a:blip>
+            <a:srcRect l="39386"/>
+            <a:stretch/>
+          </p:blipFill>
+          <p:spPr>
+            <a:xfrm>
+              <a:off x="4887479" y="463218"/>
+              <a:ext cx="7384429" cy="3314700"/>
             </a:xfrm>
-          </p:grpSpPr>
-          <p:sp>
-            <p:nvSpPr>
-              <p:cNvPr id="75" name="Oval 68"/>
-              <p:cNvSpPr/>
-              <p:nvPr/>
-            </p:nvSpPr>
-            <p:spPr>
-              <a:xfrm>
-                <a:off x="5013110" y="5059616"/>
-                <a:ext cx="3378533" cy="3379413"/>
-              </a:xfrm>
-              <a:prstGeom prst="ellipse">
-                <a:avLst/>
-              </a:prstGeom>
-              <a:solidFill>
-                <a:schemeClr val="accent3">
-                  <a:lumMod val="60000"/>
-                  <a:lumOff val="40000"/>
-                  <a:alpha val="30000"/>
-                </a:schemeClr>
-              </a:solidFill>
-              <a:ln>
-                <a:noFill/>
-              </a:ln>
-            </p:spPr>
-            <p:style>
-              <a:lnRef idx="2">
-                <a:schemeClr val="accent1">
-                  <a:shade val="50000"/>
-                </a:schemeClr>
-              </a:lnRef>
-              <a:fillRef idx="1">
-                <a:schemeClr val="accent1"/>
-              </a:fillRef>
-              <a:effectRef idx="0">
-                <a:schemeClr val="accent1"/>
-              </a:effectRef>
-              <a:fontRef idx="minor">
-                <a:schemeClr val="lt1"/>
-              </a:fontRef>
-            </p:style>
-            <p:txBody>
-              <a:bodyPr lIns="219419" tIns="109710" rIns="219419" bIns="109710" rtlCol="0" anchor="ctr"/>
-              <a:lstStyle/>
-              <a:p>
-                <a:pPr algn="ctr"/>
-                <a:endParaRPr lang="bg-BG" sz="1400" dirty="0"/>
-              </a:p>
-            </p:txBody>
-          </p:sp>
-          <p:sp>
-            <p:nvSpPr>
-              <p:cNvPr id="76" name="Oval 69"/>
-              <p:cNvSpPr/>
-              <p:nvPr/>
-            </p:nvSpPr>
-            <p:spPr>
-              <a:xfrm>
-                <a:off x="5286107" y="5332685"/>
-                <a:ext cx="2832537" cy="2833275"/>
-              </a:xfrm>
-              <a:prstGeom prst="ellipse">
-                <a:avLst/>
-              </a:prstGeom>
-              <a:solidFill>
-                <a:srgbClr val="C00000"/>
-              </a:solidFill>
-              <a:ln>
-                <a:noFill/>
-              </a:ln>
-            </p:spPr>
-            <p:style>
-              <a:lnRef idx="2">
-                <a:schemeClr val="accent1">
-                  <a:shade val="50000"/>
-                </a:schemeClr>
-              </a:lnRef>
-              <a:fillRef idx="1">
-                <a:schemeClr val="accent1"/>
-              </a:fillRef>
-              <a:effectRef idx="0">
-                <a:schemeClr val="accent1"/>
-              </a:effectRef>
-              <a:fontRef idx="minor">
-                <a:schemeClr val="lt1"/>
-              </a:fontRef>
-            </p:style>
-            <p:txBody>
-              <a:bodyPr lIns="219419" tIns="109710" rIns="219419" bIns="109710" rtlCol="0" anchor="ctr"/>
-              <a:lstStyle/>
-              <a:p>
-                <a:pPr algn="ctr"/>
-                <a:endParaRPr lang="bg-BG" sz="1400" dirty="0"/>
-              </a:p>
-            </p:txBody>
-          </p:sp>
-        </p:grpSp>
+            <a:prstGeom prst="rect">
+              <a:avLst/>
+            </a:prstGeom>
+          </p:spPr>
+        </p:pic>
       </p:grpSp>
-      <p:sp>
-        <p:nvSpPr>
-          <p:cNvPr id="81" name="TextBox 42"/>
-          <p:cNvSpPr txBox="1"/>
-          <p:nvPr/>
-        </p:nvSpPr>
-        <p:spPr>
-          <a:xfrm>
-            <a:off x="5497767" y="4677576"/>
-            <a:ext cx="583057" cy="523220"/>
-          </a:xfrm>
-          <a:prstGeom prst="rect">
-            <a:avLst/>
-          </a:prstGeom>
-          <a:noFill/>
-        </p:spPr>
-        <p:txBody>
-          <a:bodyPr wrap="square" rtlCol="0">
-            <a:spAutoFit/>
-          </a:bodyPr>
-          <a:lstStyle/>
-          <a:p>
-            <a:r>
-              <a:rPr lang="en-US" altLang="zh-CN" sz="2800" dirty="0">
-                <a:solidFill>
-                  <a:schemeClr val="bg1"/>
-                </a:solidFill>
-                <a:latin typeface="造字工房尚雅体演示版常规体" pitchFamily="50" charset="-122"/>
-                <a:ea typeface="造字工房尚雅体演示版常规体" pitchFamily="50" charset="-122"/>
-              </a:rPr>
-              <a:t>6</a:t>
-            </a:r>
-            <a:endParaRPr lang="zh-CN" altLang="en-US" sz="2800" dirty="0">
-              <a:solidFill>
-                <a:schemeClr val="bg1"/>
-              </a:solidFill>
-              <a:latin typeface="造字工房尚雅体演示版常规体" pitchFamily="50" charset="-122"/>
-              <a:ea typeface="造字工房尚雅体演示版常规体" pitchFamily="50" charset="-122"/>
-            </a:endParaRPr>
-          </a:p>
-        </p:txBody>
-      </p:sp>
-      <p:sp>
-        <p:nvSpPr>
-          <p:cNvPr id="82" name="TextBox 42"/>
-          <p:cNvSpPr txBox="1"/>
-          <p:nvPr/>
-        </p:nvSpPr>
-        <p:spPr>
-          <a:xfrm>
-            <a:off x="6548320" y="3543266"/>
-            <a:ext cx="583057" cy="523220"/>
-          </a:xfrm>
-          <a:prstGeom prst="rect">
-            <a:avLst/>
-          </a:prstGeom>
-          <a:noFill/>
-        </p:spPr>
-        <p:txBody>
-          <a:bodyPr wrap="square" rtlCol="0">
-            <a:spAutoFit/>
-          </a:bodyPr>
-          <a:lstStyle/>
-          <a:p>
-            <a:r>
-              <a:rPr lang="en-US" altLang="zh-CN" sz="2800" dirty="0">
-                <a:solidFill>
-                  <a:schemeClr val="bg1"/>
-                </a:solidFill>
-                <a:latin typeface="造字工房尚雅体演示版常规体" pitchFamily="50" charset="-122"/>
-                <a:ea typeface="造字工房尚雅体演示版常规体" pitchFamily="50" charset="-122"/>
-              </a:rPr>
-              <a:t>5</a:t>
-            </a:r>
-            <a:endParaRPr lang="zh-CN" altLang="en-US" sz="2800" dirty="0">
-              <a:solidFill>
-                <a:schemeClr val="bg1"/>
-              </a:solidFill>
-              <a:latin typeface="造字工房尚雅体演示版常规体" pitchFamily="50" charset="-122"/>
-              <a:ea typeface="造字工房尚雅体演示版常规体" pitchFamily="50" charset="-122"/>
-            </a:endParaRPr>
-          </a:p>
-        </p:txBody>
-      </p:sp>
-      <p:sp>
-        <p:nvSpPr>
-          <p:cNvPr id="83" name="Rectangle 80"/>
-          <p:cNvSpPr/>
-          <p:nvPr/>
-        </p:nvSpPr>
-        <p:spPr>
-          <a:xfrm>
-            <a:off x="6080824" y="4656052"/>
-            <a:ext cx="3621879" cy="590895"/>
-          </a:xfrm>
-          <a:prstGeom prst="rect">
-            <a:avLst/>
-          </a:prstGeom>
-        </p:spPr>
-        <p:txBody>
-          <a:bodyPr wrap="none" lIns="219419" tIns="109710" rIns="219419" bIns="109710">
-            <a:spAutoFit/>
-          </a:bodyPr>
-          <a:lstStyle/>
-          <a:p>
-            <a:r>
-              <a:rPr lang="en-US" altLang="zh-CN" sz="2400" b="1" dirty="0">
-                <a:solidFill>
-                  <a:schemeClr val="tx1">
-                    <a:lumMod val="85000"/>
-                    <a:lumOff val="15000"/>
-                  </a:schemeClr>
-                </a:solidFill>
-                <a:latin typeface="Calibri" charset="0"/>
-                <a:ea typeface="Calibri" charset="0"/>
-                <a:cs typeface="Calibri" charset="0"/>
-              </a:rPr>
-              <a:t>Support</a:t>
-            </a:r>
-            <a:r>
-              <a:rPr lang="zh-CN" altLang="en-US" sz="2400" b="1" dirty="0">
-                <a:solidFill>
-                  <a:schemeClr val="tx1">
-                    <a:lumMod val="85000"/>
-                    <a:lumOff val="15000"/>
-                  </a:schemeClr>
-                </a:solidFill>
-                <a:latin typeface="Calibri" charset="0"/>
-                <a:ea typeface="Calibri" charset="0"/>
-                <a:cs typeface="Calibri" charset="0"/>
-              </a:rPr>
-              <a:t> </a:t>
-            </a:r>
-            <a:r>
-              <a:rPr lang="en-US" altLang="zh-CN" sz="2400" b="1" dirty="0">
-                <a:solidFill>
-                  <a:schemeClr val="tx1">
-                    <a:lumMod val="85000"/>
-                    <a:lumOff val="15000"/>
-                  </a:schemeClr>
-                </a:solidFill>
-                <a:latin typeface="Calibri" charset="0"/>
-                <a:ea typeface="Calibri" charset="0"/>
-                <a:cs typeface="Calibri" charset="0"/>
-              </a:rPr>
-              <a:t>quick</a:t>
-            </a:r>
-            <a:r>
-              <a:rPr lang="zh-CN" altLang="en-US" sz="2400" b="1" dirty="0">
-                <a:solidFill>
-                  <a:schemeClr val="tx1">
-                    <a:lumMod val="85000"/>
-                    <a:lumOff val="15000"/>
-                  </a:schemeClr>
-                </a:solidFill>
-                <a:latin typeface="Calibri" charset="0"/>
-                <a:ea typeface="Calibri" charset="0"/>
-                <a:cs typeface="Calibri" charset="0"/>
-              </a:rPr>
-              <a:t> </a:t>
-            </a:r>
-            <a:r>
-              <a:rPr lang="en-US" altLang="zh-CN" sz="2400" b="1" dirty="0">
-                <a:solidFill>
-                  <a:schemeClr val="tx1">
-                    <a:lumMod val="85000"/>
-                    <a:lumOff val="15000"/>
-                  </a:schemeClr>
-                </a:solidFill>
-                <a:latin typeface="Calibri" charset="0"/>
-                <a:ea typeface="Calibri" charset="0"/>
-                <a:cs typeface="Calibri" charset="0"/>
-              </a:rPr>
-              <a:t>messaging</a:t>
-            </a:r>
-            <a:endParaRPr lang="en-US" sz="2400" b="1" dirty="0">
-              <a:solidFill>
-                <a:schemeClr val="tx1">
-                  <a:lumMod val="85000"/>
-                  <a:lumOff val="15000"/>
-                </a:schemeClr>
-              </a:solidFill>
-              <a:latin typeface="Calibri" charset="0"/>
-              <a:ea typeface="Calibri" charset="0"/>
-              <a:cs typeface="Calibri" charset="0"/>
-            </a:endParaRPr>
-          </a:p>
-        </p:txBody>
-      </p:sp>
-      <p:sp>
-        <p:nvSpPr>
-          <p:cNvPr id="84" name="Rectangle 80"/>
-          <p:cNvSpPr/>
-          <p:nvPr/>
-        </p:nvSpPr>
-        <p:spPr>
-          <a:xfrm>
-            <a:off x="7130739" y="3505479"/>
-            <a:ext cx="3502744" cy="590895"/>
-          </a:xfrm>
-          <a:prstGeom prst="rect">
-            <a:avLst/>
-          </a:prstGeom>
-        </p:spPr>
-        <p:txBody>
-          <a:bodyPr wrap="none" lIns="219419" tIns="109710" rIns="219419" bIns="109710">
-            <a:spAutoFit/>
-          </a:bodyPr>
-          <a:lstStyle>
-            <a:defPPr>
-              <a:defRPr lang="zh-CN"/>
-            </a:defPPr>
-            <a:lvl1pPr marL="0" algn="l" defTabSz="914400" rtl="0" eaLnBrk="1" latinLnBrk="0" hangingPunct="1">
-              <a:defRPr sz="1800" kern="1200">
-                <a:solidFill>
-                  <a:schemeClr val="tx1"/>
-                </a:solidFill>
-                <a:latin typeface="+mn-lt"/>
-                <a:ea typeface="+mn-ea"/>
-                <a:cs typeface="+mn-cs"/>
-              </a:defRPr>
-            </a:lvl1pPr>
-            <a:lvl2pPr marL="457200" algn="l" defTabSz="914400" rtl="0" eaLnBrk="1" latinLnBrk="0" hangingPunct="1">
-              <a:defRPr sz="1800" kern="1200">
-                <a:solidFill>
-                  <a:schemeClr val="tx1"/>
-                </a:solidFill>
-                <a:latin typeface="+mn-lt"/>
-                <a:ea typeface="+mn-ea"/>
-                <a:cs typeface="+mn-cs"/>
-              </a:defRPr>
-            </a:lvl2pPr>
-            <a:lvl3pPr marL="914400" algn="l" defTabSz="914400" rtl="0" eaLnBrk="1" latinLnBrk="0" hangingPunct="1">
-              <a:defRPr sz="1800" kern="1200">
-                <a:solidFill>
-                  <a:schemeClr val="tx1"/>
-                </a:solidFill>
-                <a:latin typeface="+mn-lt"/>
-                <a:ea typeface="+mn-ea"/>
-                <a:cs typeface="+mn-cs"/>
-              </a:defRPr>
-            </a:lvl3pPr>
-            <a:lvl4pPr marL="1371600" algn="l" defTabSz="914400" rtl="0" eaLnBrk="1" latinLnBrk="0" hangingPunct="1">
-              <a:defRPr sz="1800" kern="1200">
-                <a:solidFill>
-                  <a:schemeClr val="tx1"/>
-                </a:solidFill>
-                <a:latin typeface="+mn-lt"/>
-                <a:ea typeface="+mn-ea"/>
-                <a:cs typeface="+mn-cs"/>
-              </a:defRPr>
-            </a:lvl4pPr>
-            <a:lvl5pPr marL="1828800" algn="l" defTabSz="914400" rtl="0" eaLnBrk="1" latinLnBrk="0" hangingPunct="1">
-              <a:defRPr sz="1800" kern="1200">
-                <a:solidFill>
-                  <a:schemeClr val="tx1"/>
-                </a:solidFill>
-                <a:latin typeface="+mn-lt"/>
-                <a:ea typeface="+mn-ea"/>
-                <a:cs typeface="+mn-cs"/>
-              </a:defRPr>
-            </a:lvl5pPr>
-            <a:lvl6pPr marL="2286000" algn="l" defTabSz="914400" rtl="0" eaLnBrk="1" latinLnBrk="0" hangingPunct="1">
-              <a:defRPr sz="1800" kern="1200">
-                <a:solidFill>
-                  <a:schemeClr val="tx1"/>
-                </a:solidFill>
-                <a:latin typeface="+mn-lt"/>
-                <a:ea typeface="+mn-ea"/>
-                <a:cs typeface="+mn-cs"/>
-              </a:defRPr>
-            </a:lvl6pPr>
-            <a:lvl7pPr marL="2743200" algn="l" defTabSz="914400" rtl="0" eaLnBrk="1" latinLnBrk="0" hangingPunct="1">
-              <a:defRPr sz="1800" kern="1200">
-                <a:solidFill>
-                  <a:schemeClr val="tx1"/>
-                </a:solidFill>
-                <a:latin typeface="+mn-lt"/>
-                <a:ea typeface="+mn-ea"/>
-                <a:cs typeface="+mn-cs"/>
-              </a:defRPr>
-            </a:lvl7pPr>
-            <a:lvl8pPr marL="3200400" algn="l" defTabSz="914400" rtl="0" eaLnBrk="1" latinLnBrk="0" hangingPunct="1">
-              <a:defRPr sz="1800" kern="1200">
-                <a:solidFill>
-                  <a:schemeClr val="tx1"/>
-                </a:solidFill>
-                <a:latin typeface="+mn-lt"/>
-                <a:ea typeface="+mn-ea"/>
-                <a:cs typeface="+mn-cs"/>
-              </a:defRPr>
-            </a:lvl8pPr>
-            <a:lvl9pPr marL="3657600" algn="l" defTabSz="914400" rtl="0" eaLnBrk="1" latinLnBrk="0" hangingPunct="1">
-              <a:defRPr sz="1800" kern="1200">
-                <a:solidFill>
-                  <a:schemeClr val="tx1"/>
-                </a:solidFill>
-                <a:latin typeface="+mn-lt"/>
-                <a:ea typeface="+mn-ea"/>
-                <a:cs typeface="+mn-cs"/>
-              </a:defRPr>
-            </a:lvl9pPr>
-          </a:lstStyle>
-          <a:p>
-            <a:r>
-              <a:rPr lang="en-US" altLang="zh-CN" sz="2400" b="1" dirty="0">
-                <a:solidFill>
-                  <a:schemeClr val="tx1">
-                    <a:lumMod val="85000"/>
-                    <a:lumOff val="15000"/>
-                  </a:schemeClr>
-                </a:solidFill>
-                <a:latin typeface="Calibri" charset="0"/>
-                <a:ea typeface="Calibri" charset="0"/>
-                <a:cs typeface="Calibri" charset="0"/>
-              </a:rPr>
-              <a:t>Track</a:t>
-            </a:r>
-            <a:r>
-              <a:rPr lang="zh-CN" altLang="en-US" sz="2400" b="1" dirty="0">
-                <a:solidFill>
-                  <a:schemeClr val="tx1">
-                    <a:lumMod val="85000"/>
-                    <a:lumOff val="15000"/>
-                  </a:schemeClr>
-                </a:solidFill>
-                <a:latin typeface="Calibri" charset="0"/>
-                <a:ea typeface="Calibri" charset="0"/>
-                <a:cs typeface="Calibri" charset="0"/>
-              </a:rPr>
-              <a:t> </a:t>
-            </a:r>
-            <a:r>
-              <a:rPr lang="en-US" altLang="zh-CN" sz="2400" b="1" dirty="0">
-                <a:solidFill>
-                  <a:schemeClr val="tx1">
-                    <a:lumMod val="85000"/>
-                    <a:lumOff val="15000"/>
-                  </a:schemeClr>
-                </a:solidFill>
-                <a:latin typeface="Calibri" charset="0"/>
-                <a:ea typeface="Calibri" charset="0"/>
-                <a:cs typeface="Calibri" charset="0"/>
-              </a:rPr>
-              <a:t>vehicles</a:t>
-            </a:r>
-            <a:r>
-              <a:rPr lang="zh-CN" altLang="en-US" sz="2400" b="1" dirty="0">
-                <a:solidFill>
-                  <a:schemeClr val="tx1">
-                    <a:lumMod val="85000"/>
-                    <a:lumOff val="15000"/>
-                  </a:schemeClr>
-                </a:solidFill>
-                <a:latin typeface="Calibri" charset="0"/>
-                <a:ea typeface="Calibri" charset="0"/>
-                <a:cs typeface="Calibri" charset="0"/>
-              </a:rPr>
-              <a:t> </a:t>
-            </a:r>
-            <a:r>
-              <a:rPr lang="en-US" altLang="zh-CN" sz="2400" b="1" dirty="0">
-                <a:solidFill>
-                  <a:schemeClr val="tx1">
-                    <a:lumMod val="85000"/>
-                    <a:lumOff val="15000"/>
-                  </a:schemeClr>
-                </a:solidFill>
-                <a:latin typeface="Calibri" charset="0"/>
-                <a:ea typeface="Calibri" charset="0"/>
-                <a:cs typeface="Calibri" charset="0"/>
-              </a:rPr>
-              <a:t>&amp;</a:t>
-            </a:r>
-            <a:r>
-              <a:rPr lang="zh-CN" altLang="en-US" sz="2400" b="1" dirty="0">
-                <a:solidFill>
-                  <a:schemeClr val="tx1">
-                    <a:lumMod val="85000"/>
-                    <a:lumOff val="15000"/>
-                  </a:schemeClr>
-                </a:solidFill>
-                <a:latin typeface="Calibri" charset="0"/>
-                <a:ea typeface="Calibri" charset="0"/>
-                <a:cs typeface="Calibri" charset="0"/>
-              </a:rPr>
-              <a:t> </a:t>
-            </a:r>
-            <a:r>
-              <a:rPr lang="en-US" altLang="zh-CN" sz="2400" b="1" dirty="0">
-                <a:solidFill>
-                  <a:schemeClr val="tx1">
-                    <a:lumMod val="85000"/>
-                    <a:lumOff val="15000"/>
-                  </a:schemeClr>
-                </a:solidFill>
-                <a:latin typeface="Calibri" charset="0"/>
-                <a:ea typeface="Calibri" charset="0"/>
-                <a:cs typeface="Calibri" charset="0"/>
-              </a:rPr>
-              <a:t>devices</a:t>
-            </a:r>
-            <a:endParaRPr lang="en-US" sz="2400" b="1" dirty="0">
-              <a:solidFill>
-                <a:schemeClr val="tx1">
-                  <a:lumMod val="85000"/>
-                  <a:lumOff val="15000"/>
-                </a:schemeClr>
-              </a:solidFill>
-              <a:latin typeface="Calibri" charset="0"/>
-              <a:ea typeface="Calibri" charset="0"/>
-              <a:cs typeface="Calibri" charset="0"/>
-            </a:endParaRPr>
-          </a:p>
-        </p:txBody>
-      </p:sp>
+      <p:graphicFrame>
+        <p:nvGraphicFramePr>
+          <p:cNvPr id="3" name="Table 3">
+            <a:extLst>
+              <a:ext uri="{FF2B5EF4-FFF2-40B4-BE49-F238E27FC236}">
+                <a16:creationId xmlns:a16="http://schemas.microsoft.com/office/drawing/2014/main" id="{98DF0495-5997-49F9-93C0-59A0572970CC}"/>
+              </a:ext>
+            </a:extLst>
+          </p:cNvPr>
+          <p:cNvGraphicFramePr>
+            <a:graphicFrameLocks noGrp="1"/>
+          </p:cNvGraphicFramePr>
+          <p:nvPr>
+            <p:extLst>
+              <p:ext uri="{D42A27DB-BD31-4B8C-83A1-F6EECF244321}">
+                <p14:modId xmlns:p14="http://schemas.microsoft.com/office/powerpoint/2010/main" val="1468900014"/>
+              </p:ext>
+            </p:extLst>
+          </p:nvPr>
+        </p:nvGraphicFramePr>
+        <p:xfrm>
+          <a:off x="947357" y="1478280"/>
+          <a:ext cx="10295697" cy="3901440"/>
+        </p:xfrm>
+        <a:graphic>
+          <a:graphicData uri="http://schemas.openxmlformats.org/drawingml/2006/table">
+            <a:tbl>
+              <a:tblPr firstRow="1" bandRow="1">
+                <a:tableStyleId>{21E4AEA4-8DFA-4A89-87EB-49C32662AFE0}</a:tableStyleId>
+              </a:tblPr>
+              <a:tblGrid>
+                <a:gridCol w="1908358">
+                  <a:extLst>
+                    <a:ext uri="{9D8B030D-6E8A-4147-A177-3AD203B41FA5}">
+                      <a16:colId xmlns:a16="http://schemas.microsoft.com/office/drawing/2014/main" val="3266029152"/>
+                    </a:ext>
+                  </a:extLst>
+                </a:gridCol>
+                <a:gridCol w="1522730">
+                  <a:extLst>
+                    <a:ext uri="{9D8B030D-6E8A-4147-A177-3AD203B41FA5}">
+                      <a16:colId xmlns:a16="http://schemas.microsoft.com/office/drawing/2014/main" val="1757360963"/>
+                    </a:ext>
+                  </a:extLst>
+                </a:gridCol>
+                <a:gridCol w="6864609">
+                  <a:extLst>
+                    <a:ext uri="{9D8B030D-6E8A-4147-A177-3AD203B41FA5}">
+                      <a16:colId xmlns:a16="http://schemas.microsoft.com/office/drawing/2014/main" val="1142216279"/>
+                    </a:ext>
+                  </a:extLst>
+                </a:gridCol>
+              </a:tblGrid>
+              <a:tr h="370840">
+                <a:tc>
+                  <a:txBody>
+                    <a:bodyPr/>
+                    <a:lstStyle/>
+                    <a:p>
+                      <a:pPr algn="ctr"/>
+                      <a:r>
+                        <a:rPr lang="en-US" altLang="zh-CN" sz="2000" dirty="0"/>
+                        <a:t>Name </a:t>
+                      </a:r>
+                      <a:endParaRPr lang="zh-CN" altLang="en-US" sz="2000" dirty="0"/>
+                    </a:p>
+                  </a:txBody>
+                  <a:tcPr anchor="ctr"/>
+                </a:tc>
+                <a:tc>
+                  <a:txBody>
+                    <a:bodyPr/>
+                    <a:lstStyle/>
+                    <a:p>
+                      <a:pPr algn="ctr"/>
+                      <a:r>
+                        <a:rPr lang="en-US" altLang="zh-CN" sz="2000" dirty="0"/>
+                        <a:t>Student ID</a:t>
+                      </a:r>
+                      <a:endParaRPr lang="zh-CN" altLang="en-US" sz="2000" dirty="0"/>
+                    </a:p>
+                  </a:txBody>
+                  <a:tcPr anchor="ctr"/>
+                </a:tc>
+                <a:tc>
+                  <a:txBody>
+                    <a:bodyPr/>
+                    <a:lstStyle/>
+                    <a:p>
+                      <a:pPr algn="ctr"/>
+                      <a:r>
+                        <a:rPr lang="en-US" altLang="zh-CN" sz="2000" dirty="0"/>
+                        <a:t>Task Assignment </a:t>
+                      </a:r>
+                      <a:endParaRPr lang="zh-CN" altLang="en-US" sz="2000" dirty="0"/>
+                    </a:p>
+                  </a:txBody>
+                  <a:tcPr anchor="ctr"/>
+                </a:tc>
+                <a:extLst>
+                  <a:ext uri="{0D108BD9-81ED-4DB2-BD59-A6C34878D82A}">
+                    <a16:rowId xmlns:a16="http://schemas.microsoft.com/office/drawing/2014/main" val="2331196201"/>
+                  </a:ext>
+                </a:extLst>
+              </a:tr>
+              <a:tr h="370840">
+                <a:tc>
+                  <a:txBody>
+                    <a:bodyPr/>
+                    <a:lstStyle/>
+                    <a:p>
+                      <a:pPr algn="ctr"/>
+                      <a:r>
+                        <a:rPr lang="is-IS" altLang="zh-CN" sz="2000" dirty="0"/>
+                        <a:t>Wenjing CAI </a:t>
+                      </a:r>
+                      <a:r>
+                        <a:rPr lang="zh-CN" altLang="en-US" sz="2000" dirty="0"/>
+                        <a:t>蔡文婧</a:t>
+                      </a:r>
+                    </a:p>
+                  </a:txBody>
+                  <a:tcPr anchor="ctr"/>
+                </a:tc>
+                <a:tc>
+                  <a:txBody>
+                    <a:bodyPr/>
+                    <a:lstStyle/>
+                    <a:p>
+                      <a:pPr algn="ctr"/>
+                      <a:r>
+                        <a:rPr lang="is-IS" altLang="zh-CN" sz="2000" dirty="0"/>
+                        <a:t>116010004</a:t>
+                      </a:r>
+                      <a:endParaRPr lang="zh-CN" altLang="en-US" sz="2000" dirty="0"/>
+                    </a:p>
+                  </a:txBody>
+                  <a:tcPr anchor="ctr"/>
+                </a:tc>
+                <a:tc>
+                  <a:txBody>
+                    <a:bodyPr/>
+                    <a:lstStyle/>
+                    <a:p>
+                      <a:pPr algn="ctr"/>
+                      <a:r>
+                        <a:rPr lang="en-US" altLang="zh-CN" sz="2000" dirty="0"/>
+                        <a:t>Web interface design; Front-end. Front- and back-end frame construction </a:t>
+                      </a:r>
+                      <a:endParaRPr lang="zh-CN" altLang="en-US" sz="2000" dirty="0"/>
+                    </a:p>
+                  </a:txBody>
+                  <a:tcPr anchor="ctr"/>
+                </a:tc>
+                <a:extLst>
+                  <a:ext uri="{0D108BD9-81ED-4DB2-BD59-A6C34878D82A}">
+                    <a16:rowId xmlns:a16="http://schemas.microsoft.com/office/drawing/2014/main" val="3205060092"/>
+                  </a:ext>
+                </a:extLst>
+              </a:tr>
+              <a:tr h="370840">
+                <a:tc>
+                  <a:txBody>
+                    <a:bodyPr/>
+                    <a:lstStyle/>
+                    <a:p>
+                      <a:pPr algn="ctr"/>
+                      <a:r>
+                        <a:rPr lang="is-IS" altLang="zh-CN" sz="2000" dirty="0"/>
+                        <a:t>Yifan LAN</a:t>
+                      </a:r>
+                      <a:r>
+                        <a:rPr lang="zh-CN" altLang="en-US" sz="2000" dirty="0"/>
+                        <a:t> </a:t>
+                      </a:r>
+                      <a:endParaRPr lang="en-US" altLang="zh-CN" sz="2000" dirty="0"/>
+                    </a:p>
+                    <a:p>
+                      <a:pPr algn="ctr"/>
+                      <a:r>
+                        <a:rPr lang="zh-CN" altLang="en-US" sz="2000" dirty="0"/>
+                        <a:t>兰一帆</a:t>
+                      </a:r>
+                    </a:p>
+                  </a:txBody>
+                  <a:tcPr anchor="ctr"/>
+                </a:tc>
+                <a:tc>
+                  <a:txBody>
+                    <a:bodyPr/>
+                    <a:lstStyle/>
+                    <a:p>
+                      <a:pPr algn="ctr"/>
+                      <a:r>
+                        <a:rPr lang="is-IS" altLang="zh-CN" sz="2000" dirty="0"/>
+                        <a:t>116010103</a:t>
+                      </a:r>
+                      <a:endParaRPr lang="zh-CN" altLang="en-US" sz="2000" dirty="0"/>
+                    </a:p>
+                  </a:txBody>
+                  <a:tcPr anchor="ctr"/>
+                </a:tc>
+                <a:tc>
+                  <a:txBody>
+                    <a:bodyPr/>
+                    <a:lstStyle/>
+                    <a:p>
+                      <a:pPr algn="ctr"/>
+                      <a:r>
+                        <a:rPr lang="en-US" altLang="zh-CN" sz="2000" dirty="0"/>
+                        <a:t>Functions implementation; Back-end. Front- and back-end frame construction </a:t>
+                      </a:r>
+                      <a:endParaRPr lang="zh-CN" altLang="en-US" sz="2000" dirty="0"/>
+                    </a:p>
+                  </a:txBody>
+                  <a:tcPr anchor="ctr"/>
+                </a:tc>
+                <a:extLst>
+                  <a:ext uri="{0D108BD9-81ED-4DB2-BD59-A6C34878D82A}">
+                    <a16:rowId xmlns:a16="http://schemas.microsoft.com/office/drawing/2014/main" val="1868116037"/>
+                  </a:ext>
+                </a:extLst>
+              </a:tr>
+              <a:tr h="370840">
+                <a:tc>
+                  <a:txBody>
+                    <a:bodyPr/>
+                    <a:lstStyle/>
+                    <a:p>
+                      <a:pPr algn="ctr"/>
+                      <a:r>
+                        <a:rPr lang="en-US" altLang="zh-CN" sz="2000" dirty="0" err="1"/>
+                        <a:t>Erdi</a:t>
+                      </a:r>
+                      <a:r>
+                        <a:rPr lang="en-US" altLang="zh-CN" sz="2000" dirty="0"/>
+                        <a:t> GAO </a:t>
+                      </a:r>
+                    </a:p>
+                    <a:p>
+                      <a:pPr algn="ctr"/>
+                      <a:r>
+                        <a:rPr lang="zh-CN" altLang="en-US" sz="2000" dirty="0"/>
+                        <a:t>高尔笛</a:t>
+                      </a:r>
+                    </a:p>
+                  </a:txBody>
+                  <a:tcPr anchor="ctr"/>
+                </a:tc>
+                <a:tc>
+                  <a:txBody>
+                    <a:bodyPr/>
+                    <a:lstStyle/>
+                    <a:p>
+                      <a:pPr algn="ctr"/>
+                      <a:r>
+                        <a:rPr lang="is-IS" altLang="zh-CN" sz="2000" dirty="0"/>
+                        <a:t>117010330</a:t>
+                      </a:r>
+                      <a:endParaRPr lang="zh-CN" altLang="en-US" sz="2000" dirty="0"/>
+                    </a:p>
+                  </a:txBody>
+                  <a:tcPr anchor="ctr"/>
+                </a:tc>
+                <a:tc>
+                  <a:txBody>
+                    <a:bodyPr/>
+                    <a:lstStyle/>
+                    <a:p>
+                      <a:pPr marL="0" marR="0" lvl="0" indent="0" algn="ctr" defTabSz="914400" rtl="0" eaLnBrk="1" fontAlgn="auto" latinLnBrk="0" hangingPunct="1">
+                        <a:lnSpc>
+                          <a:spcPct val="100000"/>
+                        </a:lnSpc>
+                        <a:spcBef>
+                          <a:spcPts val="0"/>
+                        </a:spcBef>
+                        <a:spcAft>
+                          <a:spcPts val="0"/>
+                        </a:spcAft>
+                        <a:buClrTx/>
+                        <a:buSzTx/>
+                        <a:buFontTx/>
+                        <a:buNone/>
+                        <a:tabLst/>
+                        <a:defRPr/>
+                      </a:pPr>
+                      <a:r>
+                        <a:rPr lang="en-US" altLang="zh-CN" sz="2000" dirty="0"/>
+                        <a:t>Functions implementation; Back-end;</a:t>
+                      </a:r>
+                      <a:r>
+                        <a:rPr lang="zh-CN" altLang="en-US" sz="2000" dirty="0"/>
+                        <a:t> </a:t>
+                      </a:r>
+                      <a:r>
+                        <a:rPr lang="en-US" altLang="zh-CN" sz="2000" dirty="0"/>
+                        <a:t>Assisting Front-end</a:t>
+                      </a:r>
+                      <a:endParaRPr lang="zh-CN" altLang="en-US" sz="2000" dirty="0"/>
+                    </a:p>
+                  </a:txBody>
+                  <a:tcPr anchor="ctr"/>
+                </a:tc>
+                <a:extLst>
+                  <a:ext uri="{0D108BD9-81ED-4DB2-BD59-A6C34878D82A}">
+                    <a16:rowId xmlns:a16="http://schemas.microsoft.com/office/drawing/2014/main" val="1500528452"/>
+                  </a:ext>
+                </a:extLst>
+              </a:tr>
+              <a:tr h="370840">
+                <a:tc>
+                  <a:txBody>
+                    <a:bodyPr/>
+                    <a:lstStyle/>
+                    <a:p>
+                      <a:pPr algn="ctr"/>
+                      <a:r>
+                        <a:rPr lang="en-US" altLang="zh-CN" sz="2000" dirty="0" err="1"/>
+                        <a:t>Zhihao</a:t>
+                      </a:r>
+                      <a:r>
+                        <a:rPr lang="en-US" altLang="zh-CN" sz="2000" dirty="0"/>
+                        <a:t> XU </a:t>
+                      </a:r>
+                    </a:p>
+                    <a:p>
+                      <a:pPr algn="ctr"/>
+                      <a:r>
+                        <a:rPr lang="zh-CN" altLang="en-US" sz="2000" dirty="0"/>
+                        <a:t>徐志豪</a:t>
+                      </a:r>
+                    </a:p>
+                  </a:txBody>
+                  <a:tcPr anchor="ctr"/>
+                </a:tc>
+                <a:tc>
+                  <a:txBody>
+                    <a:bodyPr/>
+                    <a:lstStyle/>
+                    <a:p>
+                      <a:pPr algn="ctr"/>
+                      <a:r>
+                        <a:rPr lang="is-IS" altLang="zh-CN" sz="2000" dirty="0"/>
+                        <a:t>117010066</a:t>
+                      </a:r>
+                      <a:endParaRPr lang="zh-CN" altLang="en-US" sz="2000" dirty="0"/>
+                    </a:p>
+                  </a:txBody>
+                  <a:tcPr anchor="ctr"/>
+                </a:tc>
+                <a:tc>
+                  <a:txBody>
+                    <a:bodyPr/>
+                    <a:lstStyle/>
+                    <a:p>
+                      <a:pPr algn="ctr"/>
+                      <a:r>
+                        <a:rPr lang="en-US" altLang="zh-CN" sz="2000" dirty="0"/>
+                        <a:t>Data collection and preprocessing; Database construction; Assisting Front-end</a:t>
+                      </a:r>
+                      <a:endParaRPr lang="zh-CN" altLang="en-US" sz="2000" dirty="0"/>
+                    </a:p>
+                  </a:txBody>
+                  <a:tcPr anchor="ctr"/>
+                </a:tc>
+                <a:extLst>
+                  <a:ext uri="{0D108BD9-81ED-4DB2-BD59-A6C34878D82A}">
+                    <a16:rowId xmlns:a16="http://schemas.microsoft.com/office/drawing/2014/main" val="510812697"/>
+                  </a:ext>
+                </a:extLst>
+              </a:tr>
+              <a:tr h="370840">
+                <a:tc>
+                  <a:txBody>
+                    <a:bodyPr/>
+                    <a:lstStyle/>
+                    <a:p>
+                      <a:pPr algn="ctr"/>
+                      <a:r>
+                        <a:rPr lang="en-US" altLang="zh-CN" sz="2000" dirty="0" err="1"/>
+                        <a:t>Yilei</a:t>
+                      </a:r>
+                      <a:r>
+                        <a:rPr lang="en-US" altLang="zh-CN" sz="2000" dirty="0"/>
+                        <a:t> TU </a:t>
+                      </a:r>
+                    </a:p>
+                    <a:p>
+                      <a:pPr algn="ctr"/>
+                      <a:r>
+                        <a:rPr lang="zh-CN" altLang="en-US" sz="2000" dirty="0"/>
+                        <a:t>涂毅磊</a:t>
+                      </a:r>
+                    </a:p>
+                  </a:txBody>
+                  <a:tcPr anchor="ctr"/>
+                </a:tc>
+                <a:tc>
+                  <a:txBody>
+                    <a:bodyPr/>
+                    <a:lstStyle/>
+                    <a:p>
+                      <a:pPr algn="ctr"/>
+                      <a:r>
+                        <a:rPr lang="en-US" altLang="zh-CN" sz="2000" dirty="0"/>
+                        <a:t>117010251</a:t>
+                      </a:r>
+                      <a:endParaRPr lang="zh-CN" altLang="en-US" sz="2000" dirty="0"/>
+                    </a:p>
+                  </a:txBody>
+                  <a:tcPr anchor="ctr"/>
+                </a:tc>
+                <a:tc>
+                  <a:txBody>
+                    <a:bodyPr/>
+                    <a:lstStyle/>
+                    <a:p>
+                      <a:pPr algn="ctr"/>
+                      <a:r>
+                        <a:rPr lang="en-US" altLang="zh-CN" sz="2000" dirty="0"/>
+                        <a:t>Schema design; Data analysis and visualization; Assisting Front-end; PPT Preparation</a:t>
+                      </a:r>
+                      <a:endParaRPr lang="zh-CN" altLang="en-US" sz="2000" dirty="0"/>
+                    </a:p>
+                  </a:txBody>
+                  <a:tcPr anchor="ctr"/>
+                </a:tc>
+                <a:extLst>
+                  <a:ext uri="{0D108BD9-81ED-4DB2-BD59-A6C34878D82A}">
+                    <a16:rowId xmlns:a16="http://schemas.microsoft.com/office/drawing/2014/main" val="1887682932"/>
+                  </a:ext>
+                </a:extLst>
+              </a:tr>
+            </a:tbl>
+          </a:graphicData>
+        </a:graphic>
+      </p:graphicFrame>
     </p:spTree>
     <p:extLst>
       <p:ext uri="{BB962C8B-B14F-4D97-AF65-F5344CB8AC3E}">
-        <p14:creationId xmlns:p14="http://schemas.microsoft.com/office/powerpoint/2010/main" val="66943107"/>
+        <p14:creationId xmlns:p14="http://schemas.microsoft.com/office/powerpoint/2010/main" val="306206069"/>
       </p:ext>
     </p:extLst>
   </p:cSld>
@@ -8916,7 +7559,7 @@
       </p:grpSpPr>
       <p:cxnSp>
         <p:nvCxnSpPr>
-          <p:cNvPr id="2" name="直接连接符 1"/>
+          <p:cNvPr id="22" name="直接连接符 1"/>
           <p:cNvCxnSpPr/>
           <p:nvPr/>
         </p:nvCxnSpPr>
@@ -8954,7 +7597,7 @@
       </p:cxnSp>
       <p:cxnSp>
         <p:nvCxnSpPr>
-          <p:cNvPr id="3" name="直接连接符 2"/>
+          <p:cNvPr id="23" name="直接连接符 2"/>
           <p:cNvCxnSpPr/>
           <p:nvPr/>
         </p:nvCxnSpPr>
@@ -8989,14 +7632,14 @@
       </p:cxnSp>
       <p:sp>
         <p:nvSpPr>
-          <p:cNvPr id="4" name="矩形 3"/>
+          <p:cNvPr id="24" name="矩形 23"/>
           <p:cNvSpPr/>
           <p:nvPr/>
         </p:nvSpPr>
         <p:spPr>
           <a:xfrm>
             <a:off x="694606" y="183740"/>
-            <a:ext cx="2241768" cy="523220"/>
+            <a:ext cx="3516732" cy="523220"/>
           </a:xfrm>
           <a:prstGeom prst="rect">
             <a:avLst/>
@@ -9025,23 +7668,7 @@
                 <a:ea typeface="Calibri" charset="0"/>
                 <a:cs typeface="Calibri" charset="0"/>
               </a:rPr>
-              <a:t>  ER</a:t>
-            </a:r>
-            <a:r>
-              <a:rPr lang="zh-CN" altLang="en-US" sz="2800" b="1" dirty="0">
-                <a:latin typeface="Calibri" charset="0"/>
-                <a:ea typeface="Calibri" charset="0"/>
-                <a:cs typeface="Calibri" charset="0"/>
-              </a:rPr>
-              <a:t> </a:t>
-            </a:r>
-            <a:r>
-              <a:rPr lang="en-US" altLang="zh-CN" sz="2800" b="1" dirty="0">
-                <a:latin typeface="Calibri" charset="0"/>
-                <a:ea typeface="Calibri" charset="0"/>
-                <a:cs typeface="Calibri" charset="0"/>
-              </a:rPr>
-              <a:t>Diagram</a:t>
+              <a:t>  Motivation &amp; Goals </a:t>
             </a:r>
             <a:endParaRPr lang="zh-CN" altLang="en-US" sz="2800" b="1" dirty="0">
               <a:latin typeface="Calibri" charset="0"/>
@@ -9053,7 +7680,7 @@
       </p:sp>
       <p:sp>
         <p:nvSpPr>
-          <p:cNvPr id="5" name="左中括号 4"/>
+          <p:cNvPr id="25" name="左中括号 24"/>
           <p:cNvSpPr/>
           <p:nvPr/>
         </p:nvSpPr>
@@ -9094,39 +7721,9 @@
           </a:p>
         </p:txBody>
       </p:sp>
-      <p:pic>
-        <p:nvPicPr>
-          <p:cNvPr id="9" name="图片 8"/>
-          <p:cNvPicPr>
-            <a:picLocks noChangeAspect="1"/>
-          </p:cNvPicPr>
-          <p:nvPr/>
-        </p:nvPicPr>
-        <p:blipFill>
-          <a:blip r:embed="rId3">
-            <a:extLst>
-              <a:ext uri="{28A0092B-C50C-407E-A947-70E740481C1C}">
-                <a14:useLocalDpi xmlns:a14="http://schemas.microsoft.com/office/drawing/2010/main"/>
-              </a:ext>
-            </a:extLst>
-          </a:blip>
-          <a:stretch>
-            <a:fillRect/>
-          </a:stretch>
-        </p:blipFill>
-        <p:spPr>
-          <a:xfrm>
-            <a:off x="807820" y="622805"/>
-            <a:ext cx="10571605" cy="6185075"/>
-          </a:xfrm>
-          <a:prstGeom prst="rect">
-            <a:avLst/>
-          </a:prstGeom>
-        </p:spPr>
-      </p:pic>
-      <p:sp>
-        <p:nvSpPr>
-          <p:cNvPr id="13" name="等腰三角形 14"/>
+      <p:sp>
+        <p:nvSpPr>
+          <p:cNvPr id="26" name="等腰三角形 14"/>
           <p:cNvSpPr/>
           <p:nvPr/>
         </p:nvSpPr>
@@ -9172,7 +7769,7 @@
       </p:sp>
       <p:sp>
         <p:nvSpPr>
-          <p:cNvPr id="14" name="等腰三角形 20"/>
+          <p:cNvPr id="27" name="等腰三角形 20"/>
           <p:cNvSpPr/>
           <p:nvPr/>
         </p:nvSpPr>
@@ -9221,13 +7818,13 @@
       </p:sp>
       <p:sp>
         <p:nvSpPr>
-          <p:cNvPr id="15" name="等腰三角形 21"/>
+          <p:cNvPr id="28" name="等腰三角形 25"/>
           <p:cNvSpPr/>
           <p:nvPr/>
         </p:nvSpPr>
         <p:spPr>
           <a:xfrm rot="20371609">
-            <a:off x="11651785" y="6388798"/>
+            <a:off x="11656874" y="386127"/>
             <a:ext cx="266490" cy="196271"/>
           </a:xfrm>
           <a:prstGeom prst="triangle">
@@ -9275,62 +7872,13 @@
       </p:sp>
       <p:sp>
         <p:nvSpPr>
-          <p:cNvPr id="16" name="等腰三角形 22"/>
+          <p:cNvPr id="29" name="等腰三角形 21"/>
           <p:cNvSpPr/>
           <p:nvPr/>
         </p:nvSpPr>
         <p:spPr>
-          <a:xfrm rot="3761573">
-            <a:off x="11018553" y="5996989"/>
-            <a:ext cx="741200" cy="508375"/>
-          </a:xfrm>
-          <a:prstGeom prst="triangle">
-            <a:avLst/>
-          </a:prstGeom>
-          <a:solidFill>
-            <a:schemeClr val="accent2">
-              <a:lumMod val="60000"/>
-              <a:lumOff val="40000"/>
-            </a:schemeClr>
-          </a:solidFill>
-          <a:ln>
-            <a:noFill/>
-          </a:ln>
-        </p:spPr>
-        <p:style>
-          <a:lnRef idx="2">
-            <a:schemeClr val="accent1">
-              <a:shade val="50000"/>
-            </a:schemeClr>
-          </a:lnRef>
-          <a:fillRef idx="1">
-            <a:schemeClr val="accent1"/>
-          </a:fillRef>
-          <a:effectRef idx="0">
-            <a:schemeClr val="accent1"/>
-          </a:effectRef>
-          <a:fontRef idx="minor">
-            <a:schemeClr val="lt1"/>
-          </a:fontRef>
-        </p:style>
-        <p:txBody>
-          <a:bodyPr rtlCol="0" anchor="ctr"/>
-          <a:lstStyle/>
-          <a:p>
-            <a:pPr algn="ctr"/>
-            <a:endParaRPr lang="zh-CN" altLang="en-US"/>
-          </a:p>
-        </p:txBody>
-      </p:sp>
-      <p:sp>
-        <p:nvSpPr>
-          <p:cNvPr id="17" name="等腰三角形 25"/>
-          <p:cNvSpPr/>
-          <p:nvPr/>
-        </p:nvSpPr>
-        <p:spPr>
           <a:xfrm rot="20371609">
-            <a:off x="11656874" y="386127"/>
+            <a:off x="11651785" y="6388798"/>
             <a:ext cx="266490" cy="196271"/>
           </a:xfrm>
           <a:prstGeom prst="triangle">
@@ -9376,10 +7924,824 @@
           </a:p>
         </p:txBody>
       </p:sp>
+      <p:sp>
+        <p:nvSpPr>
+          <p:cNvPr id="30" name="等腰三角形 22"/>
+          <p:cNvSpPr/>
+          <p:nvPr/>
+        </p:nvSpPr>
+        <p:spPr>
+          <a:xfrm rot="3761573">
+            <a:off x="11018553" y="5996989"/>
+            <a:ext cx="741200" cy="508375"/>
+          </a:xfrm>
+          <a:prstGeom prst="triangle">
+            <a:avLst/>
+          </a:prstGeom>
+          <a:solidFill>
+            <a:schemeClr val="accent2">
+              <a:lumMod val="60000"/>
+              <a:lumOff val="40000"/>
+            </a:schemeClr>
+          </a:solidFill>
+          <a:ln>
+            <a:noFill/>
+          </a:ln>
+        </p:spPr>
+        <p:style>
+          <a:lnRef idx="2">
+            <a:schemeClr val="accent1">
+              <a:shade val="50000"/>
+            </a:schemeClr>
+          </a:lnRef>
+          <a:fillRef idx="1">
+            <a:schemeClr val="accent1"/>
+          </a:fillRef>
+          <a:effectRef idx="0">
+            <a:schemeClr val="accent1"/>
+          </a:effectRef>
+          <a:fontRef idx="minor">
+            <a:schemeClr val="lt1"/>
+          </a:fontRef>
+        </p:style>
+        <p:txBody>
+          <a:bodyPr rtlCol="0" anchor="ctr"/>
+          <a:lstStyle/>
+          <a:p>
+            <a:pPr algn="ctr"/>
+            <a:endParaRPr lang="zh-CN" altLang="en-US"/>
+          </a:p>
+        </p:txBody>
+      </p:sp>
+      <p:sp>
+        <p:nvSpPr>
+          <p:cNvPr id="2" name="Slide Number Placeholder 1">
+            <a:extLst>
+              <a:ext uri="{FF2B5EF4-FFF2-40B4-BE49-F238E27FC236}">
+                <a16:creationId xmlns:a16="http://schemas.microsoft.com/office/drawing/2014/main" id="{3FEF94DA-C6A5-4FAC-970B-55961153B0AB}"/>
+              </a:ext>
+            </a:extLst>
+          </p:cNvPr>
+          <p:cNvSpPr>
+            <a:spLocks noGrp="1"/>
+          </p:cNvSpPr>
+          <p:nvPr>
+            <p:ph type="sldNum" sz="quarter" idx="12"/>
+          </p:nvPr>
+        </p:nvSpPr>
+        <p:spPr/>
+        <p:txBody>
+          <a:bodyPr/>
+          <a:lstStyle/>
+          <a:p>
+            <a:fld id="{0C913308-F349-4B6D-A68A-DD1791B4A57B}" type="slidenum">
+              <a:rPr lang="zh-CN" altLang="en-US" smtClean="0"/>
+              <a:t>4</a:t>
+            </a:fld>
+            <a:endParaRPr lang="zh-CN" altLang="en-US" dirty="0"/>
+          </a:p>
+        </p:txBody>
+      </p:sp>
+      <p:grpSp>
+        <p:nvGrpSpPr>
+          <p:cNvPr id="19" name="Group 18">
+            <a:extLst>
+              <a:ext uri="{FF2B5EF4-FFF2-40B4-BE49-F238E27FC236}">
+                <a16:creationId xmlns:a16="http://schemas.microsoft.com/office/drawing/2014/main" id="{B98E63E6-D018-45A6-BCAA-8494AF86A160}"/>
+              </a:ext>
+            </a:extLst>
+          </p:cNvPr>
+          <p:cNvGrpSpPr/>
+          <p:nvPr/>
+        </p:nvGrpSpPr>
+        <p:grpSpPr>
+          <a:xfrm>
+            <a:off x="8462019" y="6120730"/>
+            <a:ext cx="2486273" cy="600746"/>
+            <a:chOff x="-1553286" y="437405"/>
+            <a:chExt cx="13825194" cy="3340513"/>
+          </a:xfrm>
+        </p:grpSpPr>
+        <p:pic>
+          <p:nvPicPr>
+            <p:cNvPr id="20" name="Picture 19">
+              <a:extLst>
+                <a:ext uri="{FF2B5EF4-FFF2-40B4-BE49-F238E27FC236}">
+                  <a16:creationId xmlns:a16="http://schemas.microsoft.com/office/drawing/2014/main" id="{D5D60ABC-DF29-46C4-8370-2F93D21ED24D}"/>
+                </a:ext>
+              </a:extLst>
+            </p:cNvPr>
+            <p:cNvPicPr>
+              <a:picLocks noChangeAspect="1"/>
+            </p:cNvPicPr>
+            <p:nvPr/>
+          </p:nvPicPr>
+          <p:blipFill rotWithShape="1">
+            <a:blip r:embed="rId3">
+              <a:duotone>
+                <a:prstClr val="black"/>
+                <a:schemeClr val="accent2">
+                  <a:tint val="45000"/>
+                  <a:satMod val="400000"/>
+                </a:schemeClr>
+              </a:duotone>
+              <a:extLst>
+                <a:ext uri="{BEBA8EAE-BF5A-486C-A8C5-ECC9F3942E4B}">
+                  <a14:imgProps xmlns:a14="http://schemas.microsoft.com/office/drawing/2010/main">
+                    <a14:imgLayer r:embed="rId4">
+                      <a14:imgEffect>
+                        <a14:artisticLineDrawing/>
+                      </a14:imgEffect>
+                    </a14:imgLayer>
+                  </a14:imgProps>
+                </a:ext>
+              </a:extLst>
+            </a:blip>
+            <a:srcRect r="61314"/>
+            <a:stretch/>
+          </p:blipFill>
+          <p:spPr>
+            <a:xfrm>
+              <a:off x="-1553286" y="437405"/>
+              <a:ext cx="4712862" cy="3314700"/>
+            </a:xfrm>
+            <a:prstGeom prst="rect">
+              <a:avLst/>
+            </a:prstGeom>
+          </p:spPr>
+        </p:pic>
+        <p:pic>
+          <p:nvPicPr>
+            <p:cNvPr id="21" name="Picture 20">
+              <a:extLst>
+                <a:ext uri="{FF2B5EF4-FFF2-40B4-BE49-F238E27FC236}">
+                  <a16:creationId xmlns:a16="http://schemas.microsoft.com/office/drawing/2014/main" id="{711532A2-88BE-4715-AD75-297309281406}"/>
+                </a:ext>
+              </a:extLst>
+            </p:cNvPr>
+            <p:cNvPicPr>
+              <a:picLocks noChangeAspect="1"/>
+            </p:cNvPicPr>
+            <p:nvPr/>
+          </p:nvPicPr>
+          <p:blipFill rotWithShape="1">
+            <a:blip r:embed="rId5">
+              <a:duotone>
+                <a:prstClr val="black"/>
+                <a:schemeClr val="accent2">
+                  <a:tint val="45000"/>
+                  <a:satMod val="400000"/>
+                </a:schemeClr>
+              </a:duotone>
+              <a:extLst>
+                <a:ext uri="{BEBA8EAE-BF5A-486C-A8C5-ECC9F3942E4B}">
+                  <a14:imgProps xmlns:a14="http://schemas.microsoft.com/office/drawing/2010/main">
+                    <a14:imgLayer r:embed="rId4">
+                      <a14:imgEffect>
+                        <a14:artisticLineDrawing/>
+                      </a14:imgEffect>
+                      <a14:imgEffect>
+                        <a14:saturation sat="400000"/>
+                      </a14:imgEffect>
+                    </a14:imgLayer>
+                  </a14:imgProps>
+                </a:ext>
+              </a:extLst>
+            </a:blip>
+            <a:srcRect l="39386"/>
+            <a:stretch/>
+          </p:blipFill>
+          <p:spPr>
+            <a:xfrm>
+              <a:off x="4887479" y="463218"/>
+              <a:ext cx="7384429" cy="3314700"/>
+            </a:xfrm>
+            <a:prstGeom prst="rect">
+              <a:avLst/>
+            </a:prstGeom>
+          </p:spPr>
+        </p:pic>
+      </p:grpSp>
+      <p:sp>
+        <p:nvSpPr>
+          <p:cNvPr id="16" name="等腰三角形 14">
+            <a:extLst>
+              <a:ext uri="{FF2B5EF4-FFF2-40B4-BE49-F238E27FC236}">
+                <a16:creationId xmlns:a16="http://schemas.microsoft.com/office/drawing/2014/main" id="{55E9FBA9-C363-402D-99FB-2CE1593DE37A}"/>
+              </a:ext>
+            </a:extLst>
+          </p:cNvPr>
+          <p:cNvSpPr/>
+          <p:nvPr/>
+        </p:nvSpPr>
+        <p:spPr>
+          <a:xfrm>
+            <a:off x="1066271" y="1938144"/>
+            <a:ext cx="198021" cy="170708"/>
+          </a:xfrm>
+          <a:prstGeom prst="triangle">
+            <a:avLst/>
+          </a:prstGeom>
+          <a:solidFill>
+            <a:srgbClr val="C00000"/>
+          </a:solidFill>
+          <a:ln>
+            <a:noFill/>
+          </a:ln>
+        </p:spPr>
+        <p:style>
+          <a:lnRef idx="2">
+            <a:schemeClr val="accent1">
+              <a:shade val="50000"/>
+            </a:schemeClr>
+          </a:lnRef>
+          <a:fillRef idx="1">
+            <a:schemeClr val="accent1"/>
+          </a:fillRef>
+          <a:effectRef idx="0">
+            <a:schemeClr val="accent1"/>
+          </a:effectRef>
+          <a:fontRef idx="minor">
+            <a:schemeClr val="lt1"/>
+          </a:fontRef>
+        </p:style>
+        <p:txBody>
+          <a:bodyPr rtlCol="0" anchor="ctr"/>
+          <a:lstStyle/>
+          <a:p>
+            <a:pPr algn="ctr"/>
+            <a:endParaRPr lang="zh-CN" altLang="en-US"/>
+          </a:p>
+        </p:txBody>
+      </p:sp>
+      <p:sp>
+        <p:nvSpPr>
+          <p:cNvPr id="17" name="TextBox 15">
+            <a:extLst>
+              <a:ext uri="{FF2B5EF4-FFF2-40B4-BE49-F238E27FC236}">
+                <a16:creationId xmlns:a16="http://schemas.microsoft.com/office/drawing/2014/main" id="{B913A784-3761-4DCB-A9FE-4D548CB83C13}"/>
+              </a:ext>
+            </a:extLst>
+          </p:cNvPr>
+          <p:cNvSpPr txBox="1"/>
+          <p:nvPr/>
+        </p:nvSpPr>
+        <p:spPr>
+          <a:xfrm>
+            <a:off x="1264291" y="1629923"/>
+            <a:ext cx="9217005" cy="671851"/>
+          </a:xfrm>
+          <a:prstGeom prst="rect">
+            <a:avLst/>
+          </a:prstGeom>
+          <a:noFill/>
+        </p:spPr>
+        <p:txBody>
+          <a:bodyPr wrap="square" rtlCol="0">
+            <a:spAutoFit/>
+          </a:bodyPr>
+          <a:lstStyle/>
+          <a:p>
+            <a:pPr>
+              <a:lnSpc>
+                <a:spcPct val="150000"/>
+              </a:lnSpc>
+            </a:pPr>
+            <a:r>
+              <a:rPr lang="en-US" altLang="zh-CN" sz="2800" b="1" dirty="0">
+                <a:latin typeface="Calibri" charset="0"/>
+                <a:ea typeface="Calibri" charset="0"/>
+                <a:cs typeface="Calibri" charset="0"/>
+              </a:rPr>
+              <a:t>Integrate FIFA player information</a:t>
+            </a:r>
+            <a:endParaRPr lang="en-US" altLang="zh-CN" sz="2800" b="1" spc="300" dirty="0">
+              <a:solidFill>
+                <a:schemeClr val="tx1">
+                  <a:lumMod val="65000"/>
+                  <a:lumOff val="35000"/>
+                </a:schemeClr>
+              </a:solidFill>
+              <a:latin typeface="Calibri" charset="0"/>
+              <a:ea typeface="Calibri" charset="0"/>
+              <a:cs typeface="Calibri" charset="0"/>
+            </a:endParaRPr>
+          </a:p>
+        </p:txBody>
+      </p:sp>
+      <p:sp>
+        <p:nvSpPr>
+          <p:cNvPr id="18" name="等腰三角形 14">
+            <a:extLst>
+              <a:ext uri="{FF2B5EF4-FFF2-40B4-BE49-F238E27FC236}">
+                <a16:creationId xmlns:a16="http://schemas.microsoft.com/office/drawing/2014/main" id="{12FB6D4E-BD2D-4E38-A291-9BA6B8A68EC5}"/>
+              </a:ext>
+            </a:extLst>
+          </p:cNvPr>
+          <p:cNvSpPr/>
+          <p:nvPr/>
+        </p:nvSpPr>
+        <p:spPr>
+          <a:xfrm>
+            <a:off x="1066270" y="2859071"/>
+            <a:ext cx="198021" cy="170708"/>
+          </a:xfrm>
+          <a:prstGeom prst="triangle">
+            <a:avLst/>
+          </a:prstGeom>
+          <a:solidFill>
+            <a:srgbClr val="C00000"/>
+          </a:solidFill>
+          <a:ln>
+            <a:noFill/>
+          </a:ln>
+        </p:spPr>
+        <p:style>
+          <a:lnRef idx="2">
+            <a:schemeClr val="accent1">
+              <a:shade val="50000"/>
+            </a:schemeClr>
+          </a:lnRef>
+          <a:fillRef idx="1">
+            <a:schemeClr val="accent1"/>
+          </a:fillRef>
+          <a:effectRef idx="0">
+            <a:schemeClr val="accent1"/>
+          </a:effectRef>
+          <a:fontRef idx="minor">
+            <a:schemeClr val="lt1"/>
+          </a:fontRef>
+        </p:style>
+        <p:txBody>
+          <a:bodyPr rtlCol="0" anchor="ctr"/>
+          <a:lstStyle/>
+          <a:p>
+            <a:pPr algn="ctr"/>
+            <a:endParaRPr lang="zh-CN" altLang="en-US"/>
+          </a:p>
+        </p:txBody>
+      </p:sp>
+      <p:sp>
+        <p:nvSpPr>
+          <p:cNvPr id="31" name="等腰三角形 14">
+            <a:extLst>
+              <a:ext uri="{FF2B5EF4-FFF2-40B4-BE49-F238E27FC236}">
+                <a16:creationId xmlns:a16="http://schemas.microsoft.com/office/drawing/2014/main" id="{10CA9754-69BA-4002-834D-C3DA663B4C53}"/>
+              </a:ext>
+            </a:extLst>
+          </p:cNvPr>
+          <p:cNvSpPr/>
+          <p:nvPr/>
+        </p:nvSpPr>
+        <p:spPr>
+          <a:xfrm>
+            <a:off x="1082462" y="3764928"/>
+            <a:ext cx="198021" cy="170708"/>
+          </a:xfrm>
+          <a:prstGeom prst="triangle">
+            <a:avLst/>
+          </a:prstGeom>
+          <a:solidFill>
+            <a:srgbClr val="C00000"/>
+          </a:solidFill>
+          <a:ln>
+            <a:noFill/>
+          </a:ln>
+        </p:spPr>
+        <p:style>
+          <a:lnRef idx="2">
+            <a:schemeClr val="accent1">
+              <a:shade val="50000"/>
+            </a:schemeClr>
+          </a:lnRef>
+          <a:fillRef idx="1">
+            <a:schemeClr val="accent1"/>
+          </a:fillRef>
+          <a:effectRef idx="0">
+            <a:schemeClr val="accent1"/>
+          </a:effectRef>
+          <a:fontRef idx="minor">
+            <a:schemeClr val="lt1"/>
+          </a:fontRef>
+        </p:style>
+        <p:txBody>
+          <a:bodyPr rtlCol="0" anchor="ctr"/>
+          <a:lstStyle>
+            <a:defPPr>
+              <a:defRPr lang="zh-CN"/>
+            </a:defPPr>
+            <a:lvl1pPr marL="0" algn="l" defTabSz="914400" rtl="0" eaLnBrk="1" latinLnBrk="0" hangingPunct="1">
+              <a:defRPr sz="1800" kern="1200">
+                <a:solidFill>
+                  <a:schemeClr val="lt1"/>
+                </a:solidFill>
+                <a:latin typeface="+mn-lt"/>
+                <a:ea typeface="+mn-ea"/>
+                <a:cs typeface="+mn-cs"/>
+              </a:defRPr>
+            </a:lvl1pPr>
+            <a:lvl2pPr marL="457200" algn="l" defTabSz="914400" rtl="0" eaLnBrk="1" latinLnBrk="0" hangingPunct="1">
+              <a:defRPr sz="1800" kern="1200">
+                <a:solidFill>
+                  <a:schemeClr val="lt1"/>
+                </a:solidFill>
+                <a:latin typeface="+mn-lt"/>
+                <a:ea typeface="+mn-ea"/>
+                <a:cs typeface="+mn-cs"/>
+              </a:defRPr>
+            </a:lvl2pPr>
+            <a:lvl3pPr marL="914400" algn="l" defTabSz="914400" rtl="0" eaLnBrk="1" latinLnBrk="0" hangingPunct="1">
+              <a:defRPr sz="1800" kern="1200">
+                <a:solidFill>
+                  <a:schemeClr val="lt1"/>
+                </a:solidFill>
+                <a:latin typeface="+mn-lt"/>
+                <a:ea typeface="+mn-ea"/>
+                <a:cs typeface="+mn-cs"/>
+              </a:defRPr>
+            </a:lvl3pPr>
+            <a:lvl4pPr marL="1371600" algn="l" defTabSz="914400" rtl="0" eaLnBrk="1" latinLnBrk="0" hangingPunct="1">
+              <a:defRPr sz="1800" kern="1200">
+                <a:solidFill>
+                  <a:schemeClr val="lt1"/>
+                </a:solidFill>
+                <a:latin typeface="+mn-lt"/>
+                <a:ea typeface="+mn-ea"/>
+                <a:cs typeface="+mn-cs"/>
+              </a:defRPr>
+            </a:lvl4pPr>
+            <a:lvl5pPr marL="1828800" algn="l" defTabSz="914400" rtl="0" eaLnBrk="1" latinLnBrk="0" hangingPunct="1">
+              <a:defRPr sz="1800" kern="1200">
+                <a:solidFill>
+                  <a:schemeClr val="lt1"/>
+                </a:solidFill>
+                <a:latin typeface="+mn-lt"/>
+                <a:ea typeface="+mn-ea"/>
+                <a:cs typeface="+mn-cs"/>
+              </a:defRPr>
+            </a:lvl5pPr>
+            <a:lvl6pPr marL="2286000" algn="l" defTabSz="914400" rtl="0" eaLnBrk="1" latinLnBrk="0" hangingPunct="1">
+              <a:defRPr sz="1800" kern="1200">
+                <a:solidFill>
+                  <a:schemeClr val="lt1"/>
+                </a:solidFill>
+                <a:latin typeface="+mn-lt"/>
+                <a:ea typeface="+mn-ea"/>
+                <a:cs typeface="+mn-cs"/>
+              </a:defRPr>
+            </a:lvl6pPr>
+            <a:lvl7pPr marL="2743200" algn="l" defTabSz="914400" rtl="0" eaLnBrk="1" latinLnBrk="0" hangingPunct="1">
+              <a:defRPr sz="1800" kern="1200">
+                <a:solidFill>
+                  <a:schemeClr val="lt1"/>
+                </a:solidFill>
+                <a:latin typeface="+mn-lt"/>
+                <a:ea typeface="+mn-ea"/>
+                <a:cs typeface="+mn-cs"/>
+              </a:defRPr>
+            </a:lvl7pPr>
+            <a:lvl8pPr marL="3200400" algn="l" defTabSz="914400" rtl="0" eaLnBrk="1" latinLnBrk="0" hangingPunct="1">
+              <a:defRPr sz="1800" kern="1200">
+                <a:solidFill>
+                  <a:schemeClr val="lt1"/>
+                </a:solidFill>
+                <a:latin typeface="+mn-lt"/>
+                <a:ea typeface="+mn-ea"/>
+                <a:cs typeface="+mn-cs"/>
+              </a:defRPr>
+            </a:lvl8pPr>
+            <a:lvl9pPr marL="3657600" algn="l" defTabSz="914400" rtl="0" eaLnBrk="1" latinLnBrk="0" hangingPunct="1">
+              <a:defRPr sz="1800" kern="1200">
+                <a:solidFill>
+                  <a:schemeClr val="lt1"/>
+                </a:solidFill>
+                <a:latin typeface="+mn-lt"/>
+                <a:ea typeface="+mn-ea"/>
+                <a:cs typeface="+mn-cs"/>
+              </a:defRPr>
+            </a:lvl9pPr>
+          </a:lstStyle>
+          <a:p>
+            <a:pPr algn="ctr"/>
+            <a:endParaRPr lang="zh-CN" altLang="en-US"/>
+          </a:p>
+        </p:txBody>
+      </p:sp>
+      <p:sp>
+        <p:nvSpPr>
+          <p:cNvPr id="33" name="TextBox 15">
+            <a:extLst>
+              <a:ext uri="{FF2B5EF4-FFF2-40B4-BE49-F238E27FC236}">
+                <a16:creationId xmlns:a16="http://schemas.microsoft.com/office/drawing/2014/main" id="{179BD8B1-58A8-4D1F-B27C-3E9BF3FAB927}"/>
+              </a:ext>
+            </a:extLst>
+          </p:cNvPr>
+          <p:cNvSpPr txBox="1"/>
+          <p:nvPr/>
+        </p:nvSpPr>
+        <p:spPr>
+          <a:xfrm>
+            <a:off x="1264292" y="2553343"/>
+            <a:ext cx="10945216" cy="671851"/>
+          </a:xfrm>
+          <a:prstGeom prst="rect">
+            <a:avLst/>
+          </a:prstGeom>
+          <a:noFill/>
+        </p:spPr>
+        <p:txBody>
+          <a:bodyPr wrap="square" rtlCol="0">
+            <a:spAutoFit/>
+          </a:bodyPr>
+          <a:lstStyle/>
+          <a:p>
+            <a:pPr>
+              <a:lnSpc>
+                <a:spcPct val="150000"/>
+              </a:lnSpc>
+            </a:pPr>
+            <a:r>
+              <a:rPr lang="en-US" altLang="zh-CN" sz="2800" b="1" dirty="0">
+                <a:latin typeface="Calibri" charset="0"/>
+                <a:ea typeface="Calibri" charset="0"/>
+                <a:cs typeface="Calibri" charset="0"/>
+              </a:rPr>
+              <a:t>Build well-informed database and beautiful display interface</a:t>
+            </a:r>
+            <a:endParaRPr lang="en-US" altLang="zh-CN" sz="2800" b="1" spc="300" dirty="0">
+              <a:solidFill>
+                <a:schemeClr val="tx1">
+                  <a:lumMod val="65000"/>
+                  <a:lumOff val="35000"/>
+                </a:schemeClr>
+              </a:solidFill>
+              <a:latin typeface="Calibri" charset="0"/>
+              <a:ea typeface="Calibri" charset="0"/>
+              <a:cs typeface="Calibri" charset="0"/>
+            </a:endParaRPr>
+          </a:p>
+        </p:txBody>
+      </p:sp>
+      <p:sp>
+        <p:nvSpPr>
+          <p:cNvPr id="34" name="TextBox 15">
+            <a:extLst>
+              <a:ext uri="{FF2B5EF4-FFF2-40B4-BE49-F238E27FC236}">
+                <a16:creationId xmlns:a16="http://schemas.microsoft.com/office/drawing/2014/main" id="{FD4C98C4-3066-4C12-94C7-8DDA53ACDBFB}"/>
+              </a:ext>
+            </a:extLst>
+          </p:cNvPr>
+          <p:cNvSpPr txBox="1"/>
+          <p:nvPr/>
+        </p:nvSpPr>
+        <p:spPr>
+          <a:xfrm>
+            <a:off x="1350285" y="3476447"/>
+            <a:ext cx="9361040" cy="671851"/>
+          </a:xfrm>
+          <a:prstGeom prst="rect">
+            <a:avLst/>
+          </a:prstGeom>
+          <a:noFill/>
+        </p:spPr>
+        <p:txBody>
+          <a:bodyPr wrap="square" rtlCol="0">
+            <a:spAutoFit/>
+          </a:bodyPr>
+          <a:lstStyle/>
+          <a:p>
+            <a:pPr>
+              <a:lnSpc>
+                <a:spcPct val="150000"/>
+              </a:lnSpc>
+            </a:pPr>
+            <a:r>
+              <a:rPr lang="en-US" altLang="zh-CN" sz="2800" b="1" dirty="0">
+                <a:latin typeface="Calibri" charset="0"/>
+                <a:ea typeface="Calibri" charset="0"/>
+                <a:cs typeface="Calibri" charset="0"/>
+              </a:rPr>
+              <a:t>Recommend similar players; Predict positions; </a:t>
+            </a:r>
+            <a:endParaRPr lang="en-US" altLang="zh-CN" sz="2800" b="1" spc="300" dirty="0">
+              <a:solidFill>
+                <a:schemeClr val="tx1">
+                  <a:lumMod val="65000"/>
+                  <a:lumOff val="35000"/>
+                </a:schemeClr>
+              </a:solidFill>
+              <a:latin typeface="Calibri" charset="0"/>
+              <a:ea typeface="Calibri" charset="0"/>
+              <a:cs typeface="Calibri" charset="0"/>
+            </a:endParaRPr>
+          </a:p>
+        </p:txBody>
+      </p:sp>
+      <p:sp>
+        <p:nvSpPr>
+          <p:cNvPr id="35" name="等腰三角形 14">
+            <a:extLst>
+              <a:ext uri="{FF2B5EF4-FFF2-40B4-BE49-F238E27FC236}">
+                <a16:creationId xmlns:a16="http://schemas.microsoft.com/office/drawing/2014/main" id="{8C7E3A47-69EF-41FD-AFA1-4DC18547F0A9}"/>
+              </a:ext>
+            </a:extLst>
+          </p:cNvPr>
+          <p:cNvSpPr/>
+          <p:nvPr/>
+        </p:nvSpPr>
+        <p:spPr>
+          <a:xfrm>
+            <a:off x="1082462" y="4623340"/>
+            <a:ext cx="198021" cy="170708"/>
+          </a:xfrm>
+          <a:prstGeom prst="triangle">
+            <a:avLst/>
+          </a:prstGeom>
+          <a:solidFill>
+            <a:srgbClr val="C00000"/>
+          </a:solidFill>
+          <a:ln>
+            <a:noFill/>
+          </a:ln>
+        </p:spPr>
+        <p:style>
+          <a:lnRef idx="2">
+            <a:schemeClr val="accent1">
+              <a:shade val="50000"/>
+            </a:schemeClr>
+          </a:lnRef>
+          <a:fillRef idx="1">
+            <a:schemeClr val="accent1"/>
+          </a:fillRef>
+          <a:effectRef idx="0">
+            <a:schemeClr val="accent1"/>
+          </a:effectRef>
+          <a:fontRef idx="minor">
+            <a:schemeClr val="lt1"/>
+          </a:fontRef>
+        </p:style>
+        <p:txBody>
+          <a:bodyPr rtlCol="0" anchor="ctr"/>
+          <a:lstStyle>
+            <a:defPPr>
+              <a:defRPr lang="zh-CN"/>
+            </a:defPPr>
+            <a:lvl1pPr marL="0" algn="l" defTabSz="914400" rtl="0" eaLnBrk="1" latinLnBrk="0" hangingPunct="1">
+              <a:defRPr sz="1800" kern="1200">
+                <a:solidFill>
+                  <a:schemeClr val="lt1"/>
+                </a:solidFill>
+                <a:latin typeface="+mn-lt"/>
+                <a:ea typeface="+mn-ea"/>
+                <a:cs typeface="+mn-cs"/>
+              </a:defRPr>
+            </a:lvl1pPr>
+            <a:lvl2pPr marL="457200" algn="l" defTabSz="914400" rtl="0" eaLnBrk="1" latinLnBrk="0" hangingPunct="1">
+              <a:defRPr sz="1800" kern="1200">
+                <a:solidFill>
+                  <a:schemeClr val="lt1"/>
+                </a:solidFill>
+                <a:latin typeface="+mn-lt"/>
+                <a:ea typeface="+mn-ea"/>
+                <a:cs typeface="+mn-cs"/>
+              </a:defRPr>
+            </a:lvl2pPr>
+            <a:lvl3pPr marL="914400" algn="l" defTabSz="914400" rtl="0" eaLnBrk="1" latinLnBrk="0" hangingPunct="1">
+              <a:defRPr sz="1800" kern="1200">
+                <a:solidFill>
+                  <a:schemeClr val="lt1"/>
+                </a:solidFill>
+                <a:latin typeface="+mn-lt"/>
+                <a:ea typeface="+mn-ea"/>
+                <a:cs typeface="+mn-cs"/>
+              </a:defRPr>
+            </a:lvl3pPr>
+            <a:lvl4pPr marL="1371600" algn="l" defTabSz="914400" rtl="0" eaLnBrk="1" latinLnBrk="0" hangingPunct="1">
+              <a:defRPr sz="1800" kern="1200">
+                <a:solidFill>
+                  <a:schemeClr val="lt1"/>
+                </a:solidFill>
+                <a:latin typeface="+mn-lt"/>
+                <a:ea typeface="+mn-ea"/>
+                <a:cs typeface="+mn-cs"/>
+              </a:defRPr>
+            </a:lvl4pPr>
+            <a:lvl5pPr marL="1828800" algn="l" defTabSz="914400" rtl="0" eaLnBrk="1" latinLnBrk="0" hangingPunct="1">
+              <a:defRPr sz="1800" kern="1200">
+                <a:solidFill>
+                  <a:schemeClr val="lt1"/>
+                </a:solidFill>
+                <a:latin typeface="+mn-lt"/>
+                <a:ea typeface="+mn-ea"/>
+                <a:cs typeface="+mn-cs"/>
+              </a:defRPr>
+            </a:lvl5pPr>
+            <a:lvl6pPr marL="2286000" algn="l" defTabSz="914400" rtl="0" eaLnBrk="1" latinLnBrk="0" hangingPunct="1">
+              <a:defRPr sz="1800" kern="1200">
+                <a:solidFill>
+                  <a:schemeClr val="lt1"/>
+                </a:solidFill>
+                <a:latin typeface="+mn-lt"/>
+                <a:ea typeface="+mn-ea"/>
+                <a:cs typeface="+mn-cs"/>
+              </a:defRPr>
+            </a:lvl6pPr>
+            <a:lvl7pPr marL="2743200" algn="l" defTabSz="914400" rtl="0" eaLnBrk="1" latinLnBrk="0" hangingPunct="1">
+              <a:defRPr sz="1800" kern="1200">
+                <a:solidFill>
+                  <a:schemeClr val="lt1"/>
+                </a:solidFill>
+                <a:latin typeface="+mn-lt"/>
+                <a:ea typeface="+mn-ea"/>
+                <a:cs typeface="+mn-cs"/>
+              </a:defRPr>
+            </a:lvl7pPr>
+            <a:lvl8pPr marL="3200400" algn="l" defTabSz="914400" rtl="0" eaLnBrk="1" latinLnBrk="0" hangingPunct="1">
+              <a:defRPr sz="1800" kern="1200">
+                <a:solidFill>
+                  <a:schemeClr val="lt1"/>
+                </a:solidFill>
+                <a:latin typeface="+mn-lt"/>
+                <a:ea typeface="+mn-ea"/>
+                <a:cs typeface="+mn-cs"/>
+              </a:defRPr>
+            </a:lvl8pPr>
+            <a:lvl9pPr marL="3657600" algn="l" defTabSz="914400" rtl="0" eaLnBrk="1" latinLnBrk="0" hangingPunct="1">
+              <a:defRPr sz="1800" kern="1200">
+                <a:solidFill>
+                  <a:schemeClr val="lt1"/>
+                </a:solidFill>
+                <a:latin typeface="+mn-lt"/>
+                <a:ea typeface="+mn-ea"/>
+                <a:cs typeface="+mn-cs"/>
+              </a:defRPr>
+            </a:lvl9pPr>
+          </a:lstStyle>
+          <a:p>
+            <a:pPr algn="ctr"/>
+            <a:endParaRPr lang="zh-CN" altLang="en-US"/>
+          </a:p>
+        </p:txBody>
+      </p:sp>
+      <p:sp>
+        <p:nvSpPr>
+          <p:cNvPr id="36" name="TextBox 15">
+            <a:extLst>
+              <a:ext uri="{FF2B5EF4-FFF2-40B4-BE49-F238E27FC236}">
+                <a16:creationId xmlns:a16="http://schemas.microsoft.com/office/drawing/2014/main" id="{F5E7FEC6-F80C-4D5B-80C6-A10C913A061B}"/>
+              </a:ext>
+            </a:extLst>
+          </p:cNvPr>
+          <p:cNvSpPr txBox="1"/>
+          <p:nvPr/>
+        </p:nvSpPr>
+        <p:spPr>
+          <a:xfrm>
+            <a:off x="1350285" y="4334859"/>
+            <a:ext cx="9361040" cy="671851"/>
+          </a:xfrm>
+          <a:prstGeom prst="rect">
+            <a:avLst/>
+          </a:prstGeom>
+          <a:noFill/>
+        </p:spPr>
+        <p:txBody>
+          <a:bodyPr wrap="square" rtlCol="0">
+            <a:spAutoFit/>
+          </a:bodyPr>
+          <a:lstStyle/>
+          <a:p>
+            <a:pPr>
+              <a:lnSpc>
+                <a:spcPct val="150000"/>
+              </a:lnSpc>
+            </a:pPr>
+            <a:r>
+              <a:rPr lang="en-US" altLang="zh-CN" sz="2800" b="1" dirty="0">
+                <a:latin typeface="Calibri" charset="0"/>
+                <a:ea typeface="Calibri" charset="0"/>
+                <a:cs typeface="Calibri" charset="0"/>
+              </a:rPr>
+              <a:t>Better participate in online and offline football matches</a:t>
+            </a:r>
+            <a:endParaRPr lang="en-US" altLang="zh-CN" sz="2800" b="1" spc="300" dirty="0">
+              <a:solidFill>
+                <a:schemeClr val="tx1">
+                  <a:lumMod val="65000"/>
+                  <a:lumOff val="35000"/>
+                </a:schemeClr>
+              </a:solidFill>
+              <a:latin typeface="Calibri" charset="0"/>
+              <a:ea typeface="Calibri" charset="0"/>
+              <a:cs typeface="Calibri" charset="0"/>
+            </a:endParaRPr>
+          </a:p>
+        </p:txBody>
+      </p:sp>
     </p:spTree>
     <p:extLst>
       <p:ext uri="{BB962C8B-B14F-4D97-AF65-F5344CB8AC3E}">
-        <p14:creationId xmlns:p14="http://schemas.microsoft.com/office/powerpoint/2010/main" val="1436327469"/>
+        <p14:creationId xmlns:p14="http://schemas.microsoft.com/office/powerpoint/2010/main" val="2111485243"/>
       </p:ext>
     </p:extLst>
   </p:cSld>
@@ -9388,10 +8750,10 @@
   </p:clrMapOvr>
   <mc:AlternateContent xmlns:mc="http://schemas.openxmlformats.org/markup-compatibility/2006" xmlns:p14="http://schemas.microsoft.com/office/powerpoint/2010/main">
     <mc:Choice Requires="p14">
-      <p:transition p14:dur="0" advClick="0"/>
+      <p:transition p14:dur="0" advClick="0" advTm="3000"/>
     </mc:Choice>
     <mc:Fallback xmlns="">
-      <p:transition advClick="0"/>
+      <p:transition advClick="0" advTm="3000"/>
     </mc:Fallback>
   </mc:AlternateContent>
 </p:sld>
@@ -9416,7 +8778,7 @@
       </p:grpSpPr>
       <p:cxnSp>
         <p:nvCxnSpPr>
-          <p:cNvPr id="2" name="直接连接符 1"/>
+          <p:cNvPr id="22" name="直接连接符 1"/>
           <p:cNvCxnSpPr/>
           <p:nvPr/>
         </p:nvCxnSpPr>
@@ -9454,7 +8816,7 @@
       </p:cxnSp>
       <p:cxnSp>
         <p:nvCxnSpPr>
-          <p:cNvPr id="3" name="直接连接符 2"/>
+          <p:cNvPr id="23" name="直接连接符 2"/>
           <p:cNvCxnSpPr/>
           <p:nvPr/>
         </p:nvCxnSpPr>
@@ -9489,14 +8851,14 @@
       </p:cxnSp>
       <p:sp>
         <p:nvSpPr>
-          <p:cNvPr id="4" name="矩形 3"/>
+          <p:cNvPr id="24" name="矩形 23"/>
           <p:cNvSpPr/>
           <p:nvPr/>
         </p:nvSpPr>
         <p:spPr>
           <a:xfrm>
             <a:off x="694606" y="183740"/>
-            <a:ext cx="3363228" cy="523220"/>
+            <a:ext cx="4236673" cy="523220"/>
           </a:xfrm>
           <a:prstGeom prst="rect">
             <a:avLst/>
@@ -9525,23 +8887,7 @@
                 <a:ea typeface="Calibri" charset="0"/>
                 <a:cs typeface="Calibri" charset="0"/>
               </a:rPr>
-              <a:t>  Relational</a:t>
-            </a:r>
-            <a:r>
-              <a:rPr lang="zh-CN" altLang="en-US" sz="2800" b="1" dirty="0">
-                <a:latin typeface="Calibri" charset="0"/>
-                <a:ea typeface="Calibri" charset="0"/>
-                <a:cs typeface="Calibri" charset="0"/>
-              </a:rPr>
-              <a:t> </a:t>
-            </a:r>
-            <a:r>
-              <a:rPr lang="en-US" altLang="zh-CN" sz="2800" b="1" dirty="0">
-                <a:latin typeface="Calibri" charset="0"/>
-                <a:ea typeface="Calibri" charset="0"/>
-                <a:cs typeface="Calibri" charset="0"/>
-              </a:rPr>
-              <a:t>Schema</a:t>
+              <a:t>  Materials &amp; Data Source</a:t>
             </a:r>
             <a:endParaRPr lang="zh-CN" altLang="en-US" sz="2800" b="1" dirty="0">
               <a:latin typeface="Calibri" charset="0"/>
@@ -9553,7 +8899,7 @@
       </p:sp>
       <p:sp>
         <p:nvSpPr>
-          <p:cNvPr id="5" name="左中括号 4"/>
+          <p:cNvPr id="25" name="左中括号 24"/>
           <p:cNvSpPr/>
           <p:nvPr/>
         </p:nvSpPr>
@@ -9596,7 +8942,7 @@
       </p:sp>
       <p:sp>
         <p:nvSpPr>
-          <p:cNvPr id="13" name="等腰三角形 14"/>
+          <p:cNvPr id="26" name="等腰三角形 14"/>
           <p:cNvSpPr/>
           <p:nvPr/>
         </p:nvSpPr>
@@ -9642,7 +8988,7 @@
       </p:sp>
       <p:sp>
         <p:nvSpPr>
-          <p:cNvPr id="14" name="等腰三角形 20"/>
+          <p:cNvPr id="27" name="等腰三角形 20"/>
           <p:cNvSpPr/>
           <p:nvPr/>
         </p:nvSpPr>
@@ -9691,13 +9037,13 @@
       </p:sp>
       <p:sp>
         <p:nvSpPr>
-          <p:cNvPr id="15" name="等腰三角形 21"/>
+          <p:cNvPr id="28" name="等腰三角形 25"/>
           <p:cNvSpPr/>
           <p:nvPr/>
         </p:nvSpPr>
         <p:spPr>
           <a:xfrm rot="20371609">
-            <a:off x="11651785" y="6388798"/>
+            <a:off x="11656874" y="386127"/>
             <a:ext cx="266490" cy="196271"/>
           </a:xfrm>
           <a:prstGeom prst="triangle">
@@ -9745,62 +9091,13 @@
       </p:sp>
       <p:sp>
         <p:nvSpPr>
-          <p:cNvPr id="16" name="等腰三角形 22"/>
+          <p:cNvPr id="29" name="等腰三角形 21"/>
           <p:cNvSpPr/>
           <p:nvPr/>
         </p:nvSpPr>
         <p:spPr>
-          <a:xfrm rot="3761573">
-            <a:off x="11018553" y="5996989"/>
-            <a:ext cx="741200" cy="508375"/>
-          </a:xfrm>
-          <a:prstGeom prst="triangle">
-            <a:avLst/>
-          </a:prstGeom>
-          <a:solidFill>
-            <a:schemeClr val="accent2">
-              <a:lumMod val="60000"/>
-              <a:lumOff val="40000"/>
-            </a:schemeClr>
-          </a:solidFill>
-          <a:ln>
-            <a:noFill/>
-          </a:ln>
-        </p:spPr>
-        <p:style>
-          <a:lnRef idx="2">
-            <a:schemeClr val="accent1">
-              <a:shade val="50000"/>
-            </a:schemeClr>
-          </a:lnRef>
-          <a:fillRef idx="1">
-            <a:schemeClr val="accent1"/>
-          </a:fillRef>
-          <a:effectRef idx="0">
-            <a:schemeClr val="accent1"/>
-          </a:effectRef>
-          <a:fontRef idx="minor">
-            <a:schemeClr val="lt1"/>
-          </a:fontRef>
-        </p:style>
-        <p:txBody>
-          <a:bodyPr rtlCol="0" anchor="ctr"/>
-          <a:lstStyle/>
-          <a:p>
-            <a:pPr algn="ctr"/>
-            <a:endParaRPr lang="zh-CN" altLang="en-US"/>
-          </a:p>
-        </p:txBody>
-      </p:sp>
-      <p:sp>
-        <p:nvSpPr>
-          <p:cNvPr id="17" name="等腰三角形 25"/>
-          <p:cNvSpPr/>
-          <p:nvPr/>
-        </p:nvSpPr>
-        <p:spPr>
           <a:xfrm rot="20371609">
-            <a:off x="11656874" y="386127"/>
+            <a:off x="11651785" y="6388798"/>
             <a:ext cx="266490" cy="196271"/>
           </a:xfrm>
           <a:prstGeom prst="triangle">
@@ -9846,40 +9143,341 @@
           </a:p>
         </p:txBody>
       </p:sp>
+      <p:sp>
+        <p:nvSpPr>
+          <p:cNvPr id="30" name="等腰三角形 22"/>
+          <p:cNvSpPr/>
+          <p:nvPr/>
+        </p:nvSpPr>
+        <p:spPr>
+          <a:xfrm rot="3761573">
+            <a:off x="11018553" y="5996989"/>
+            <a:ext cx="741200" cy="508375"/>
+          </a:xfrm>
+          <a:prstGeom prst="triangle">
+            <a:avLst/>
+          </a:prstGeom>
+          <a:solidFill>
+            <a:schemeClr val="accent2">
+              <a:lumMod val="60000"/>
+              <a:lumOff val="40000"/>
+            </a:schemeClr>
+          </a:solidFill>
+          <a:ln>
+            <a:noFill/>
+          </a:ln>
+        </p:spPr>
+        <p:style>
+          <a:lnRef idx="2">
+            <a:schemeClr val="accent1">
+              <a:shade val="50000"/>
+            </a:schemeClr>
+          </a:lnRef>
+          <a:fillRef idx="1">
+            <a:schemeClr val="accent1"/>
+          </a:fillRef>
+          <a:effectRef idx="0">
+            <a:schemeClr val="accent1"/>
+          </a:effectRef>
+          <a:fontRef idx="minor">
+            <a:schemeClr val="lt1"/>
+          </a:fontRef>
+        </p:style>
+        <p:txBody>
+          <a:bodyPr rtlCol="0" anchor="ctr"/>
+          <a:lstStyle/>
+          <a:p>
+            <a:pPr algn="ctr"/>
+            <a:endParaRPr lang="zh-CN" altLang="en-US"/>
+          </a:p>
+        </p:txBody>
+      </p:sp>
+      <p:sp>
+        <p:nvSpPr>
+          <p:cNvPr id="2" name="Slide Number Placeholder 1">
+            <a:extLst>
+              <a:ext uri="{FF2B5EF4-FFF2-40B4-BE49-F238E27FC236}">
+                <a16:creationId xmlns:a16="http://schemas.microsoft.com/office/drawing/2014/main" id="{3FEF94DA-C6A5-4FAC-970B-55961153B0AB}"/>
+              </a:ext>
+            </a:extLst>
+          </p:cNvPr>
+          <p:cNvSpPr>
+            <a:spLocks noGrp="1"/>
+          </p:cNvSpPr>
+          <p:nvPr>
+            <p:ph type="sldNum" sz="quarter" idx="12"/>
+          </p:nvPr>
+        </p:nvSpPr>
+        <p:spPr/>
+        <p:txBody>
+          <a:bodyPr/>
+          <a:lstStyle/>
+          <a:p>
+            <a:fld id="{0C913308-F349-4B6D-A68A-DD1791B4A57B}" type="slidenum">
+              <a:rPr lang="zh-CN" altLang="en-US" smtClean="0"/>
+              <a:t>5</a:t>
+            </a:fld>
+            <a:endParaRPr lang="zh-CN" altLang="en-US" dirty="0"/>
+          </a:p>
+        </p:txBody>
+      </p:sp>
+      <p:grpSp>
+        <p:nvGrpSpPr>
+          <p:cNvPr id="19" name="Group 18">
+            <a:extLst>
+              <a:ext uri="{FF2B5EF4-FFF2-40B4-BE49-F238E27FC236}">
+                <a16:creationId xmlns:a16="http://schemas.microsoft.com/office/drawing/2014/main" id="{B98E63E6-D018-45A6-BCAA-8494AF86A160}"/>
+              </a:ext>
+            </a:extLst>
+          </p:cNvPr>
+          <p:cNvGrpSpPr/>
+          <p:nvPr/>
+        </p:nvGrpSpPr>
+        <p:grpSpPr>
+          <a:xfrm>
+            <a:off x="8462019" y="6120730"/>
+            <a:ext cx="2486273" cy="600746"/>
+            <a:chOff x="-1553286" y="437405"/>
+            <a:chExt cx="13825194" cy="3340513"/>
+          </a:xfrm>
+        </p:grpSpPr>
+        <p:pic>
+          <p:nvPicPr>
+            <p:cNvPr id="20" name="Picture 19">
+              <a:extLst>
+                <a:ext uri="{FF2B5EF4-FFF2-40B4-BE49-F238E27FC236}">
+                  <a16:creationId xmlns:a16="http://schemas.microsoft.com/office/drawing/2014/main" id="{D5D60ABC-DF29-46C4-8370-2F93D21ED24D}"/>
+                </a:ext>
+              </a:extLst>
+            </p:cNvPr>
+            <p:cNvPicPr>
+              <a:picLocks noChangeAspect="1"/>
+            </p:cNvPicPr>
+            <p:nvPr/>
+          </p:nvPicPr>
+          <p:blipFill rotWithShape="1">
+            <a:blip r:embed="rId3">
+              <a:duotone>
+                <a:prstClr val="black"/>
+                <a:schemeClr val="accent2">
+                  <a:tint val="45000"/>
+                  <a:satMod val="400000"/>
+                </a:schemeClr>
+              </a:duotone>
+              <a:extLst>
+                <a:ext uri="{BEBA8EAE-BF5A-486C-A8C5-ECC9F3942E4B}">
+                  <a14:imgProps xmlns:a14="http://schemas.microsoft.com/office/drawing/2010/main">
+                    <a14:imgLayer r:embed="rId4">
+                      <a14:imgEffect>
+                        <a14:artisticLineDrawing/>
+                      </a14:imgEffect>
+                    </a14:imgLayer>
+                  </a14:imgProps>
+                </a:ext>
+              </a:extLst>
+            </a:blip>
+            <a:srcRect r="61314"/>
+            <a:stretch/>
+          </p:blipFill>
+          <p:spPr>
+            <a:xfrm>
+              <a:off x="-1553286" y="437405"/>
+              <a:ext cx="4712862" cy="3314700"/>
+            </a:xfrm>
+            <a:prstGeom prst="rect">
+              <a:avLst/>
+            </a:prstGeom>
+          </p:spPr>
+        </p:pic>
+        <p:pic>
+          <p:nvPicPr>
+            <p:cNvPr id="21" name="Picture 20">
+              <a:extLst>
+                <a:ext uri="{FF2B5EF4-FFF2-40B4-BE49-F238E27FC236}">
+                  <a16:creationId xmlns:a16="http://schemas.microsoft.com/office/drawing/2014/main" id="{711532A2-88BE-4715-AD75-297309281406}"/>
+                </a:ext>
+              </a:extLst>
+            </p:cNvPr>
+            <p:cNvPicPr>
+              <a:picLocks noChangeAspect="1"/>
+            </p:cNvPicPr>
+            <p:nvPr/>
+          </p:nvPicPr>
+          <p:blipFill rotWithShape="1">
+            <a:blip r:embed="rId5">
+              <a:duotone>
+                <a:prstClr val="black"/>
+                <a:schemeClr val="accent2">
+                  <a:tint val="45000"/>
+                  <a:satMod val="400000"/>
+                </a:schemeClr>
+              </a:duotone>
+              <a:extLst>
+                <a:ext uri="{BEBA8EAE-BF5A-486C-A8C5-ECC9F3942E4B}">
+                  <a14:imgProps xmlns:a14="http://schemas.microsoft.com/office/drawing/2010/main">
+                    <a14:imgLayer r:embed="rId4">
+                      <a14:imgEffect>
+                        <a14:artisticLineDrawing/>
+                      </a14:imgEffect>
+                      <a14:imgEffect>
+                        <a14:saturation sat="400000"/>
+                      </a14:imgEffect>
+                    </a14:imgLayer>
+                  </a14:imgProps>
+                </a:ext>
+              </a:extLst>
+            </a:blip>
+            <a:srcRect l="39386"/>
+            <a:stretch/>
+          </p:blipFill>
+          <p:spPr>
+            <a:xfrm>
+              <a:off x="4887479" y="463218"/>
+              <a:ext cx="7384429" cy="3314700"/>
+            </a:xfrm>
+            <a:prstGeom prst="rect">
+              <a:avLst/>
+            </a:prstGeom>
+          </p:spPr>
+        </p:pic>
+      </p:grpSp>
+      <p:sp>
+        <p:nvSpPr>
+          <p:cNvPr id="32" name="TextBox 15">
+            <a:extLst>
+              <a:ext uri="{FF2B5EF4-FFF2-40B4-BE49-F238E27FC236}">
+                <a16:creationId xmlns:a16="http://schemas.microsoft.com/office/drawing/2014/main" id="{C5E60832-B95E-405B-A6F8-2DB3008CE97F}"/>
+              </a:ext>
+            </a:extLst>
+          </p:cNvPr>
+          <p:cNvSpPr txBox="1"/>
+          <p:nvPr/>
+        </p:nvSpPr>
+        <p:spPr>
+          <a:xfrm>
+            <a:off x="658602" y="759691"/>
+            <a:ext cx="7335365" cy="1318181"/>
+          </a:xfrm>
+          <a:prstGeom prst="rect">
+            <a:avLst/>
+          </a:prstGeom>
+          <a:noFill/>
+        </p:spPr>
+        <p:txBody>
+          <a:bodyPr wrap="square" rtlCol="0">
+            <a:spAutoFit/>
+          </a:bodyPr>
+          <a:lstStyle/>
+          <a:p>
+            <a:pPr>
+              <a:lnSpc>
+                <a:spcPct val="150000"/>
+              </a:lnSpc>
+            </a:pPr>
+            <a:r>
+              <a:rPr lang="en-US" altLang="zh-CN" sz="2800" b="1" dirty="0">
+                <a:latin typeface="Calibri" charset="0"/>
+                <a:ea typeface="Calibri" charset="0"/>
+                <a:cs typeface="Calibri" charset="0"/>
+              </a:rPr>
+              <a:t>Our data are crawled from https://sofifa.com/, which is a professional FIFA information website.</a:t>
+            </a:r>
+            <a:endParaRPr lang="en-US" altLang="zh-CN" sz="2800" b="1" spc="300" dirty="0">
+              <a:solidFill>
+                <a:schemeClr val="tx1">
+                  <a:lumMod val="65000"/>
+                  <a:lumOff val="35000"/>
+                </a:schemeClr>
+              </a:solidFill>
+              <a:latin typeface="Calibri" charset="0"/>
+              <a:ea typeface="Calibri" charset="0"/>
+              <a:cs typeface="Calibri" charset="0"/>
+            </a:endParaRPr>
+          </a:p>
+        </p:txBody>
+      </p:sp>
       <p:pic>
         <p:nvPicPr>
-          <p:cNvPr id="6" name="图片 5"/>
+          <p:cNvPr id="4" name="Picture 3">
+            <a:extLst>
+              <a:ext uri="{FF2B5EF4-FFF2-40B4-BE49-F238E27FC236}">
+                <a16:creationId xmlns:a16="http://schemas.microsoft.com/office/drawing/2014/main" id="{CA57A636-EF69-43B3-8025-007869A3AECB}"/>
+              </a:ext>
+            </a:extLst>
+          </p:cNvPr>
           <p:cNvPicPr>
             <a:picLocks noChangeAspect="1"/>
           </p:cNvPicPr>
           <p:nvPr/>
         </p:nvPicPr>
-        <p:blipFill>
-          <a:blip r:embed="rId3">
-            <a:extLst>
-              <a:ext uri="{28A0092B-C50C-407E-A947-70E740481C1C}">
-                <a14:useLocalDpi xmlns:a14="http://schemas.microsoft.com/office/drawing/2010/main"/>
-              </a:ext>
-            </a:extLst>
-          </a:blip>
-          <a:stretch>
-            <a:fillRect/>
-          </a:stretch>
+        <p:blipFill rotWithShape="1">
+          <a:blip r:embed="rId6"/>
+          <a:srcRect l="10780" t="9076" r="11138" b="7309"/>
+          <a:stretch/>
         </p:blipFill>
         <p:spPr>
           <a:xfrm>
-            <a:off x="1022130" y="672295"/>
-            <a:ext cx="9717186" cy="6187395"/>
+            <a:off x="661896" y="2106104"/>
+            <a:ext cx="7621644" cy="4590984"/>
           </a:xfrm>
           <a:prstGeom prst="rect">
             <a:avLst/>
           </a:prstGeom>
+          <a:ln>
+            <a:noFill/>
+          </a:ln>
+          <a:effectLst>
+            <a:outerShdw blurRad="292100" dist="139700" dir="2700000" algn="tl" rotWithShape="0">
+              <a:srgbClr val="333333">
+                <a:alpha val="65000"/>
+              </a:srgbClr>
+            </a:outerShdw>
+          </a:effectLst>
+        </p:spPr>
+      </p:pic>
+      <p:pic>
+        <p:nvPicPr>
+          <p:cNvPr id="5" name="Picture 4">
+            <a:extLst>
+              <a:ext uri="{FF2B5EF4-FFF2-40B4-BE49-F238E27FC236}">
+                <a16:creationId xmlns:a16="http://schemas.microsoft.com/office/drawing/2014/main" id="{399EAB39-F1EA-4284-9657-14BE20B422FA}"/>
+              </a:ext>
+            </a:extLst>
+          </p:cNvPr>
+          <p:cNvPicPr>
+            <a:picLocks noChangeAspect="1"/>
+          </p:cNvPicPr>
+          <p:nvPr/>
+        </p:nvPicPr>
+        <p:blipFill rotWithShape="1">
+          <a:blip r:embed="rId7"/>
+          <a:srcRect l="11015" t="44750" r="60632" b="9045"/>
+          <a:stretch/>
+        </p:blipFill>
+        <p:spPr>
+          <a:xfrm>
+            <a:off x="8615486" y="2106104"/>
+            <a:ext cx="3456384" cy="3168352"/>
+          </a:xfrm>
+          <a:prstGeom prst="rect">
+            <a:avLst/>
+          </a:prstGeom>
+          <a:ln>
+            <a:noFill/>
+          </a:ln>
+          <a:effectLst>
+            <a:outerShdw blurRad="292100" dist="139700" dir="2700000" algn="tl" rotWithShape="0">
+              <a:srgbClr val="333333">
+                <a:alpha val="65000"/>
+              </a:srgbClr>
+            </a:outerShdw>
+          </a:effectLst>
         </p:spPr>
       </p:pic>
     </p:spTree>
     <p:extLst>
       <p:ext uri="{BB962C8B-B14F-4D97-AF65-F5344CB8AC3E}">
-        <p14:creationId xmlns:p14="http://schemas.microsoft.com/office/powerpoint/2010/main" val="1634597665"/>
+        <p14:creationId xmlns:p14="http://schemas.microsoft.com/office/powerpoint/2010/main" val="3182983751"/>
       </p:ext>
     </p:extLst>
   </p:cSld>
@@ -9916,6 +9514,1368 @@
       </p:grpSpPr>
       <p:cxnSp>
         <p:nvCxnSpPr>
+          <p:cNvPr id="22" name="直接连接符 1"/>
+          <p:cNvCxnSpPr/>
+          <p:nvPr/>
+        </p:nvCxnSpPr>
+        <p:spPr>
+          <a:xfrm flipH="1">
+            <a:off x="-194358" y="217178"/>
+            <a:ext cx="777432" cy="653712"/>
+          </a:xfrm>
+          <a:prstGeom prst="line">
+            <a:avLst/>
+          </a:prstGeom>
+          <a:ln w="38100">
+            <a:solidFill>
+              <a:schemeClr val="tx1">
+                <a:lumMod val="85000"/>
+                <a:lumOff val="15000"/>
+              </a:schemeClr>
+            </a:solidFill>
+          </a:ln>
+        </p:spPr>
+        <p:style>
+          <a:lnRef idx="1">
+            <a:schemeClr val="accent1"/>
+          </a:lnRef>
+          <a:fillRef idx="0">
+            <a:schemeClr val="accent1"/>
+          </a:fillRef>
+          <a:effectRef idx="0">
+            <a:schemeClr val="accent1"/>
+          </a:effectRef>
+          <a:fontRef idx="minor">
+            <a:schemeClr val="tx1"/>
+          </a:fontRef>
+        </p:style>
+      </p:cxnSp>
+      <p:cxnSp>
+        <p:nvCxnSpPr>
+          <p:cNvPr id="23" name="直接连接符 2"/>
+          <p:cNvCxnSpPr/>
+          <p:nvPr/>
+        </p:nvCxnSpPr>
+        <p:spPr>
+          <a:xfrm flipH="1">
+            <a:off x="-58057" y="761631"/>
+            <a:ext cx="388716" cy="326856"/>
+          </a:xfrm>
+          <a:prstGeom prst="line">
+            <a:avLst/>
+          </a:prstGeom>
+          <a:ln w="12700">
+            <a:solidFill>
+              <a:srgbClr val="C00000"/>
+            </a:solidFill>
+          </a:ln>
+        </p:spPr>
+        <p:style>
+          <a:lnRef idx="1">
+            <a:schemeClr val="accent1"/>
+          </a:lnRef>
+          <a:fillRef idx="0">
+            <a:schemeClr val="accent1"/>
+          </a:fillRef>
+          <a:effectRef idx="0">
+            <a:schemeClr val="accent1"/>
+          </a:effectRef>
+          <a:fontRef idx="minor">
+            <a:schemeClr val="tx1"/>
+          </a:fontRef>
+        </p:style>
+      </p:cxnSp>
+      <p:sp>
+        <p:nvSpPr>
+          <p:cNvPr id="24" name="矩形 23"/>
+          <p:cNvSpPr/>
+          <p:nvPr/>
+        </p:nvSpPr>
+        <p:spPr>
+          <a:xfrm>
+            <a:off x="694606" y="183740"/>
+            <a:ext cx="4236673" cy="523220"/>
+          </a:xfrm>
+          <a:prstGeom prst="rect">
+            <a:avLst/>
+          </a:prstGeom>
+        </p:spPr>
+        <p:txBody>
+          <a:bodyPr wrap="none">
+            <a:spAutoFit/>
+          </a:bodyPr>
+          <a:lstStyle/>
+          <a:p>
+            <a:r>
+              <a:rPr lang="en-US" altLang="zh-CN" sz="2800" b="1" dirty="0">
+                <a:solidFill>
+                  <a:srgbClr val="C00000"/>
+                </a:solidFill>
+                <a:latin typeface="Calibri" charset="0"/>
+                <a:ea typeface="Calibri" charset="0"/>
+                <a:cs typeface="Calibri" charset="0"/>
+              </a:rPr>
+              <a:t>4</a:t>
+            </a:r>
+            <a:r>
+              <a:rPr lang="en-US" altLang="zh-CN" sz="2800" b="1" dirty="0">
+                <a:latin typeface="Calibri" charset="0"/>
+                <a:ea typeface="Calibri" charset="0"/>
+                <a:cs typeface="Calibri" charset="0"/>
+              </a:rPr>
+              <a:t>  Materials &amp; Data Source</a:t>
+            </a:r>
+            <a:endParaRPr lang="zh-CN" altLang="en-US" sz="2800" b="1" dirty="0">
+              <a:latin typeface="Calibri" charset="0"/>
+              <a:ea typeface="Calibri" charset="0"/>
+              <a:cs typeface="Calibri" charset="0"/>
+            </a:endParaRPr>
+          </a:p>
+        </p:txBody>
+      </p:sp>
+      <p:sp>
+        <p:nvSpPr>
+          <p:cNvPr id="25" name="左中括号 24"/>
+          <p:cNvSpPr/>
+          <p:nvPr/>
+        </p:nvSpPr>
+        <p:spPr>
+          <a:xfrm>
+            <a:off x="658602" y="202904"/>
+            <a:ext cx="72008" cy="504056"/>
+          </a:xfrm>
+          <a:prstGeom prst="leftBracket">
+            <a:avLst/>
+          </a:prstGeom>
+          <a:ln>
+            <a:solidFill>
+              <a:schemeClr val="tx1"/>
+            </a:solidFill>
+          </a:ln>
+        </p:spPr>
+        <p:style>
+          <a:lnRef idx="1">
+            <a:schemeClr val="accent1"/>
+          </a:lnRef>
+          <a:fillRef idx="0">
+            <a:schemeClr val="accent1"/>
+          </a:fillRef>
+          <a:effectRef idx="0">
+            <a:schemeClr val="accent1"/>
+          </a:effectRef>
+          <a:fontRef idx="minor">
+            <a:schemeClr val="tx1"/>
+          </a:fontRef>
+        </p:style>
+        <p:txBody>
+          <a:bodyPr rtlCol="0" anchor="ctr"/>
+          <a:lstStyle/>
+          <a:p>
+            <a:pPr algn="ctr"/>
+            <a:endParaRPr lang="zh-CN" altLang="en-US"/>
+          </a:p>
+        </p:txBody>
+      </p:sp>
+      <p:sp>
+        <p:nvSpPr>
+          <p:cNvPr id="26" name="等腰三角形 14"/>
+          <p:cNvSpPr/>
+          <p:nvPr/>
+        </p:nvSpPr>
+        <p:spPr>
+          <a:xfrm rot="512239">
+            <a:off x="11014880" y="501587"/>
+            <a:ext cx="396044" cy="341417"/>
+          </a:xfrm>
+          <a:prstGeom prst="triangle">
+            <a:avLst/>
+          </a:prstGeom>
+          <a:solidFill>
+            <a:srgbClr val="C00000"/>
+          </a:solidFill>
+          <a:ln>
+            <a:noFill/>
+          </a:ln>
+        </p:spPr>
+        <p:style>
+          <a:lnRef idx="2">
+            <a:schemeClr val="accent1">
+              <a:shade val="50000"/>
+            </a:schemeClr>
+          </a:lnRef>
+          <a:fillRef idx="1">
+            <a:schemeClr val="accent1"/>
+          </a:fillRef>
+          <a:effectRef idx="0">
+            <a:schemeClr val="accent1"/>
+          </a:effectRef>
+          <a:fontRef idx="minor">
+            <a:schemeClr val="lt1"/>
+          </a:fontRef>
+        </p:style>
+        <p:txBody>
+          <a:bodyPr rtlCol="0" anchor="ctr"/>
+          <a:lstStyle/>
+          <a:p>
+            <a:pPr algn="ctr"/>
+            <a:endParaRPr lang="zh-CN" altLang="en-US"/>
+          </a:p>
+        </p:txBody>
+      </p:sp>
+      <p:sp>
+        <p:nvSpPr>
+          <p:cNvPr id="27" name="等腰三角形 20"/>
+          <p:cNvSpPr/>
+          <p:nvPr/>
+        </p:nvSpPr>
+        <p:spPr>
+          <a:xfrm rot="20371609">
+            <a:off x="11666165" y="769672"/>
+            <a:ext cx="198022" cy="170708"/>
+          </a:xfrm>
+          <a:prstGeom prst="triangle">
+            <a:avLst/>
+          </a:prstGeom>
+          <a:solidFill>
+            <a:schemeClr val="tx1">
+              <a:lumMod val="50000"/>
+              <a:lumOff val="50000"/>
+            </a:schemeClr>
+          </a:solidFill>
+          <a:ln>
+            <a:noFill/>
+          </a:ln>
+        </p:spPr>
+        <p:style>
+          <a:lnRef idx="2">
+            <a:schemeClr val="accent1">
+              <a:shade val="50000"/>
+            </a:schemeClr>
+          </a:lnRef>
+          <a:fillRef idx="1">
+            <a:schemeClr val="accent1"/>
+          </a:fillRef>
+          <a:effectRef idx="0">
+            <a:schemeClr val="accent1"/>
+          </a:effectRef>
+          <a:fontRef idx="minor">
+            <a:schemeClr val="lt1"/>
+          </a:fontRef>
+        </p:style>
+        <p:txBody>
+          <a:bodyPr rtlCol="0" anchor="ctr"/>
+          <a:lstStyle/>
+          <a:p>
+            <a:pPr algn="ctr"/>
+            <a:endParaRPr lang="zh-CN" altLang="en-US"/>
+          </a:p>
+        </p:txBody>
+      </p:sp>
+      <p:sp>
+        <p:nvSpPr>
+          <p:cNvPr id="28" name="等腰三角形 25"/>
+          <p:cNvSpPr/>
+          <p:nvPr/>
+        </p:nvSpPr>
+        <p:spPr>
+          <a:xfrm rot="20371609">
+            <a:off x="11656874" y="386127"/>
+            <a:ext cx="266490" cy="196271"/>
+          </a:xfrm>
+          <a:prstGeom prst="triangle">
+            <a:avLst/>
+          </a:prstGeom>
+          <a:solidFill>
+            <a:schemeClr val="tx1">
+              <a:lumMod val="85000"/>
+              <a:lumOff val="15000"/>
+            </a:schemeClr>
+          </a:solidFill>
+          <a:ln>
+            <a:solidFill>
+              <a:schemeClr val="tx1">
+                <a:lumMod val="85000"/>
+                <a:lumOff val="15000"/>
+              </a:schemeClr>
+            </a:solidFill>
+          </a:ln>
+        </p:spPr>
+        <p:style>
+          <a:lnRef idx="2">
+            <a:schemeClr val="accent1">
+              <a:shade val="50000"/>
+            </a:schemeClr>
+          </a:lnRef>
+          <a:fillRef idx="1">
+            <a:schemeClr val="accent1"/>
+          </a:fillRef>
+          <a:effectRef idx="0">
+            <a:schemeClr val="accent1"/>
+          </a:effectRef>
+          <a:fontRef idx="minor">
+            <a:schemeClr val="lt1"/>
+          </a:fontRef>
+        </p:style>
+        <p:txBody>
+          <a:bodyPr rtlCol="0" anchor="ctr"/>
+          <a:lstStyle/>
+          <a:p>
+            <a:pPr algn="ctr"/>
+            <a:endParaRPr lang="zh-CN" altLang="en-US"/>
+          </a:p>
+        </p:txBody>
+      </p:sp>
+      <p:sp>
+        <p:nvSpPr>
+          <p:cNvPr id="29" name="等腰三角形 21"/>
+          <p:cNvSpPr/>
+          <p:nvPr/>
+        </p:nvSpPr>
+        <p:spPr>
+          <a:xfrm rot="20371609">
+            <a:off x="11651785" y="6388798"/>
+            <a:ext cx="266490" cy="196271"/>
+          </a:xfrm>
+          <a:prstGeom prst="triangle">
+            <a:avLst/>
+          </a:prstGeom>
+          <a:solidFill>
+            <a:schemeClr val="tx1">
+              <a:lumMod val="85000"/>
+              <a:lumOff val="15000"/>
+            </a:schemeClr>
+          </a:solidFill>
+          <a:ln>
+            <a:solidFill>
+              <a:schemeClr val="tx1">
+                <a:lumMod val="85000"/>
+                <a:lumOff val="15000"/>
+              </a:schemeClr>
+            </a:solidFill>
+          </a:ln>
+        </p:spPr>
+        <p:style>
+          <a:lnRef idx="2">
+            <a:schemeClr val="accent1">
+              <a:shade val="50000"/>
+            </a:schemeClr>
+          </a:lnRef>
+          <a:fillRef idx="1">
+            <a:schemeClr val="accent1"/>
+          </a:fillRef>
+          <a:effectRef idx="0">
+            <a:schemeClr val="accent1"/>
+          </a:effectRef>
+          <a:fontRef idx="minor">
+            <a:schemeClr val="lt1"/>
+          </a:fontRef>
+        </p:style>
+        <p:txBody>
+          <a:bodyPr rtlCol="0" anchor="ctr"/>
+          <a:lstStyle/>
+          <a:p>
+            <a:pPr algn="ctr"/>
+            <a:endParaRPr lang="zh-CN" altLang="en-US"/>
+          </a:p>
+        </p:txBody>
+      </p:sp>
+      <p:sp>
+        <p:nvSpPr>
+          <p:cNvPr id="30" name="等腰三角形 22"/>
+          <p:cNvSpPr/>
+          <p:nvPr/>
+        </p:nvSpPr>
+        <p:spPr>
+          <a:xfrm rot="3761573">
+            <a:off x="11018553" y="5996989"/>
+            <a:ext cx="741200" cy="508375"/>
+          </a:xfrm>
+          <a:prstGeom prst="triangle">
+            <a:avLst/>
+          </a:prstGeom>
+          <a:solidFill>
+            <a:schemeClr val="accent2">
+              <a:lumMod val="60000"/>
+              <a:lumOff val="40000"/>
+            </a:schemeClr>
+          </a:solidFill>
+          <a:ln>
+            <a:noFill/>
+          </a:ln>
+        </p:spPr>
+        <p:style>
+          <a:lnRef idx="2">
+            <a:schemeClr val="accent1">
+              <a:shade val="50000"/>
+            </a:schemeClr>
+          </a:lnRef>
+          <a:fillRef idx="1">
+            <a:schemeClr val="accent1"/>
+          </a:fillRef>
+          <a:effectRef idx="0">
+            <a:schemeClr val="accent1"/>
+          </a:effectRef>
+          <a:fontRef idx="minor">
+            <a:schemeClr val="lt1"/>
+          </a:fontRef>
+        </p:style>
+        <p:txBody>
+          <a:bodyPr rtlCol="0" anchor="ctr"/>
+          <a:lstStyle/>
+          <a:p>
+            <a:pPr algn="ctr"/>
+            <a:endParaRPr lang="zh-CN" altLang="en-US"/>
+          </a:p>
+        </p:txBody>
+      </p:sp>
+      <p:sp>
+        <p:nvSpPr>
+          <p:cNvPr id="2" name="Slide Number Placeholder 1">
+            <a:extLst>
+              <a:ext uri="{FF2B5EF4-FFF2-40B4-BE49-F238E27FC236}">
+                <a16:creationId xmlns:a16="http://schemas.microsoft.com/office/drawing/2014/main" id="{3FEF94DA-C6A5-4FAC-970B-55961153B0AB}"/>
+              </a:ext>
+            </a:extLst>
+          </p:cNvPr>
+          <p:cNvSpPr>
+            <a:spLocks noGrp="1"/>
+          </p:cNvSpPr>
+          <p:nvPr>
+            <p:ph type="sldNum" sz="quarter" idx="12"/>
+          </p:nvPr>
+        </p:nvSpPr>
+        <p:spPr/>
+        <p:txBody>
+          <a:bodyPr/>
+          <a:lstStyle/>
+          <a:p>
+            <a:fld id="{0C913308-F349-4B6D-A68A-DD1791B4A57B}" type="slidenum">
+              <a:rPr lang="zh-CN" altLang="en-US" smtClean="0"/>
+              <a:t>6</a:t>
+            </a:fld>
+            <a:endParaRPr lang="zh-CN" altLang="en-US" dirty="0"/>
+          </a:p>
+        </p:txBody>
+      </p:sp>
+      <p:grpSp>
+        <p:nvGrpSpPr>
+          <p:cNvPr id="19" name="Group 18">
+            <a:extLst>
+              <a:ext uri="{FF2B5EF4-FFF2-40B4-BE49-F238E27FC236}">
+                <a16:creationId xmlns:a16="http://schemas.microsoft.com/office/drawing/2014/main" id="{B98E63E6-D018-45A6-BCAA-8494AF86A160}"/>
+              </a:ext>
+            </a:extLst>
+          </p:cNvPr>
+          <p:cNvGrpSpPr/>
+          <p:nvPr/>
+        </p:nvGrpSpPr>
+        <p:grpSpPr>
+          <a:xfrm>
+            <a:off x="8462019" y="6120730"/>
+            <a:ext cx="2486273" cy="600746"/>
+            <a:chOff x="-1553286" y="437405"/>
+            <a:chExt cx="13825194" cy="3340513"/>
+          </a:xfrm>
+        </p:grpSpPr>
+        <p:pic>
+          <p:nvPicPr>
+            <p:cNvPr id="20" name="Picture 19">
+              <a:extLst>
+                <a:ext uri="{FF2B5EF4-FFF2-40B4-BE49-F238E27FC236}">
+                  <a16:creationId xmlns:a16="http://schemas.microsoft.com/office/drawing/2014/main" id="{D5D60ABC-DF29-46C4-8370-2F93D21ED24D}"/>
+                </a:ext>
+              </a:extLst>
+            </p:cNvPr>
+            <p:cNvPicPr>
+              <a:picLocks noChangeAspect="1"/>
+            </p:cNvPicPr>
+            <p:nvPr/>
+          </p:nvPicPr>
+          <p:blipFill rotWithShape="1">
+            <a:blip r:embed="rId3">
+              <a:duotone>
+                <a:prstClr val="black"/>
+                <a:schemeClr val="accent2">
+                  <a:tint val="45000"/>
+                  <a:satMod val="400000"/>
+                </a:schemeClr>
+              </a:duotone>
+              <a:extLst>
+                <a:ext uri="{BEBA8EAE-BF5A-486C-A8C5-ECC9F3942E4B}">
+                  <a14:imgProps xmlns:a14="http://schemas.microsoft.com/office/drawing/2010/main">
+                    <a14:imgLayer r:embed="rId4">
+                      <a14:imgEffect>
+                        <a14:artisticLineDrawing/>
+                      </a14:imgEffect>
+                    </a14:imgLayer>
+                  </a14:imgProps>
+                </a:ext>
+              </a:extLst>
+            </a:blip>
+            <a:srcRect r="61314"/>
+            <a:stretch/>
+          </p:blipFill>
+          <p:spPr>
+            <a:xfrm>
+              <a:off x="-1553286" y="437405"/>
+              <a:ext cx="4712862" cy="3314700"/>
+            </a:xfrm>
+            <a:prstGeom prst="rect">
+              <a:avLst/>
+            </a:prstGeom>
+          </p:spPr>
+        </p:pic>
+        <p:pic>
+          <p:nvPicPr>
+            <p:cNvPr id="21" name="Picture 20">
+              <a:extLst>
+                <a:ext uri="{FF2B5EF4-FFF2-40B4-BE49-F238E27FC236}">
+                  <a16:creationId xmlns:a16="http://schemas.microsoft.com/office/drawing/2014/main" id="{711532A2-88BE-4715-AD75-297309281406}"/>
+                </a:ext>
+              </a:extLst>
+            </p:cNvPr>
+            <p:cNvPicPr>
+              <a:picLocks noChangeAspect="1"/>
+            </p:cNvPicPr>
+            <p:nvPr/>
+          </p:nvPicPr>
+          <p:blipFill rotWithShape="1">
+            <a:blip r:embed="rId5">
+              <a:duotone>
+                <a:prstClr val="black"/>
+                <a:schemeClr val="accent2">
+                  <a:tint val="45000"/>
+                  <a:satMod val="400000"/>
+                </a:schemeClr>
+              </a:duotone>
+              <a:extLst>
+                <a:ext uri="{BEBA8EAE-BF5A-486C-A8C5-ECC9F3942E4B}">
+                  <a14:imgProps xmlns:a14="http://schemas.microsoft.com/office/drawing/2010/main">
+                    <a14:imgLayer r:embed="rId4">
+                      <a14:imgEffect>
+                        <a14:artisticLineDrawing/>
+                      </a14:imgEffect>
+                      <a14:imgEffect>
+                        <a14:saturation sat="400000"/>
+                      </a14:imgEffect>
+                    </a14:imgLayer>
+                  </a14:imgProps>
+                </a:ext>
+              </a:extLst>
+            </a:blip>
+            <a:srcRect l="39386"/>
+            <a:stretch/>
+          </p:blipFill>
+          <p:spPr>
+            <a:xfrm>
+              <a:off x="4887479" y="463218"/>
+              <a:ext cx="7384429" cy="3314700"/>
+            </a:xfrm>
+            <a:prstGeom prst="rect">
+              <a:avLst/>
+            </a:prstGeom>
+          </p:spPr>
+        </p:pic>
+      </p:grpSp>
+      <p:sp>
+        <p:nvSpPr>
+          <p:cNvPr id="32" name="TextBox 15">
+            <a:extLst>
+              <a:ext uri="{FF2B5EF4-FFF2-40B4-BE49-F238E27FC236}">
+                <a16:creationId xmlns:a16="http://schemas.microsoft.com/office/drawing/2014/main" id="{C5E60832-B95E-405B-A6F8-2DB3008CE97F}"/>
+              </a:ext>
+            </a:extLst>
+          </p:cNvPr>
+          <p:cNvSpPr txBox="1"/>
+          <p:nvPr/>
+        </p:nvSpPr>
+        <p:spPr>
+          <a:xfrm>
+            <a:off x="658602" y="759691"/>
+            <a:ext cx="7335365" cy="1318181"/>
+          </a:xfrm>
+          <a:prstGeom prst="rect">
+            <a:avLst/>
+          </a:prstGeom>
+          <a:noFill/>
+        </p:spPr>
+        <p:txBody>
+          <a:bodyPr wrap="square" rtlCol="0">
+            <a:spAutoFit/>
+          </a:bodyPr>
+          <a:lstStyle/>
+          <a:p>
+            <a:pPr>
+              <a:lnSpc>
+                <a:spcPct val="150000"/>
+              </a:lnSpc>
+            </a:pPr>
+            <a:r>
+              <a:rPr lang="en-US" altLang="zh-CN" sz="2800" b="1" dirty="0">
+                <a:latin typeface="Calibri" charset="0"/>
+                <a:ea typeface="Calibri" charset="0"/>
+                <a:cs typeface="Calibri" charset="0"/>
+              </a:rPr>
+              <a:t>Our data are crawled from https://sofifa.com/, which is a professional FIFA information website.</a:t>
+            </a:r>
+            <a:endParaRPr lang="en-US" altLang="zh-CN" sz="2800" b="1" spc="300" dirty="0">
+              <a:solidFill>
+                <a:schemeClr val="tx1">
+                  <a:lumMod val="65000"/>
+                  <a:lumOff val="35000"/>
+                </a:schemeClr>
+              </a:solidFill>
+              <a:latin typeface="Calibri" charset="0"/>
+              <a:ea typeface="Calibri" charset="0"/>
+              <a:cs typeface="Calibri" charset="0"/>
+            </a:endParaRPr>
+          </a:p>
+        </p:txBody>
+      </p:sp>
+      <p:pic>
+        <p:nvPicPr>
+          <p:cNvPr id="4" name="Picture 3">
+            <a:extLst>
+              <a:ext uri="{FF2B5EF4-FFF2-40B4-BE49-F238E27FC236}">
+                <a16:creationId xmlns:a16="http://schemas.microsoft.com/office/drawing/2014/main" id="{CA57A636-EF69-43B3-8025-007869A3AECB}"/>
+              </a:ext>
+            </a:extLst>
+          </p:cNvPr>
+          <p:cNvPicPr>
+            <a:picLocks noChangeAspect="1"/>
+          </p:cNvPicPr>
+          <p:nvPr/>
+        </p:nvPicPr>
+        <p:blipFill rotWithShape="1">
+          <a:blip r:embed="rId6"/>
+          <a:srcRect l="10780" t="9076" r="11138" b="7309"/>
+          <a:stretch/>
+        </p:blipFill>
+        <p:spPr>
+          <a:xfrm>
+            <a:off x="661896" y="2106104"/>
+            <a:ext cx="7621644" cy="4590984"/>
+          </a:xfrm>
+          <a:prstGeom prst="rect">
+            <a:avLst/>
+          </a:prstGeom>
+          <a:ln>
+            <a:noFill/>
+          </a:ln>
+          <a:effectLst>
+            <a:outerShdw blurRad="292100" dist="139700" dir="2700000" algn="tl" rotWithShape="0">
+              <a:srgbClr val="333333">
+                <a:alpha val="65000"/>
+              </a:srgbClr>
+            </a:outerShdw>
+          </a:effectLst>
+        </p:spPr>
+      </p:pic>
+      <p:pic>
+        <p:nvPicPr>
+          <p:cNvPr id="5" name="Picture 4">
+            <a:extLst>
+              <a:ext uri="{FF2B5EF4-FFF2-40B4-BE49-F238E27FC236}">
+                <a16:creationId xmlns:a16="http://schemas.microsoft.com/office/drawing/2014/main" id="{399EAB39-F1EA-4284-9657-14BE20B422FA}"/>
+              </a:ext>
+            </a:extLst>
+          </p:cNvPr>
+          <p:cNvPicPr>
+            <a:picLocks noChangeAspect="1"/>
+          </p:cNvPicPr>
+          <p:nvPr/>
+        </p:nvPicPr>
+        <p:blipFill rotWithShape="1">
+          <a:blip r:embed="rId7"/>
+          <a:srcRect l="11015" t="44750" r="60632" b="9045"/>
+          <a:stretch/>
+        </p:blipFill>
+        <p:spPr>
+          <a:xfrm>
+            <a:off x="8615486" y="2106104"/>
+            <a:ext cx="3456384" cy="3168352"/>
+          </a:xfrm>
+          <a:prstGeom prst="rect">
+            <a:avLst/>
+          </a:prstGeom>
+          <a:ln>
+            <a:noFill/>
+          </a:ln>
+          <a:effectLst>
+            <a:outerShdw blurRad="292100" dist="139700" dir="2700000" algn="tl" rotWithShape="0">
+              <a:srgbClr val="333333">
+                <a:alpha val="65000"/>
+              </a:srgbClr>
+            </a:outerShdw>
+          </a:effectLst>
+        </p:spPr>
+      </p:pic>
+    </p:spTree>
+    <p:extLst>
+      <p:ext uri="{BB962C8B-B14F-4D97-AF65-F5344CB8AC3E}">
+        <p14:creationId xmlns:p14="http://schemas.microsoft.com/office/powerpoint/2010/main" val="2386863078"/>
+      </p:ext>
+    </p:extLst>
+  </p:cSld>
+  <p:clrMapOvr>
+    <a:masterClrMapping/>
+  </p:clrMapOvr>
+  <mc:AlternateContent xmlns:mc="http://schemas.openxmlformats.org/markup-compatibility/2006" xmlns:p14="http://schemas.microsoft.com/office/powerpoint/2010/main">
+    <mc:Choice Requires="p14">
+      <p:transition p14:dur="0" advClick="0" advTm="3000"/>
+    </mc:Choice>
+    <mc:Fallback xmlns="">
+      <p:transition advClick="0" advTm="3000"/>
+    </mc:Fallback>
+  </mc:AlternateContent>
+</p:sld>
+</file>
+
+<file path=ppt/slides/slide7.xml><?xml version="1.0" encoding="utf-8"?>
+<p:sld xmlns:a="http://schemas.openxmlformats.org/drawingml/2006/main" xmlns:r="http://schemas.openxmlformats.org/officeDocument/2006/relationships" xmlns:p="http://schemas.openxmlformats.org/presentationml/2006/main">
+  <p:cSld>
+    <p:spTree>
+      <p:nvGrpSpPr>
+        <p:cNvPr id="1" name=""/>
+        <p:cNvGrpSpPr/>
+        <p:nvPr/>
+      </p:nvGrpSpPr>
+      <p:grpSpPr>
+        <a:xfrm>
+          <a:off x="0" y="0"/>
+          <a:ext cx="0" cy="0"/>
+          <a:chOff x="0" y="0"/>
+          <a:chExt cx="0" cy="0"/>
+        </a:xfrm>
+      </p:grpSpPr>
+      <p:cxnSp>
+        <p:nvCxnSpPr>
+          <p:cNvPr id="2" name="直接连接符 1"/>
+          <p:cNvCxnSpPr/>
+          <p:nvPr/>
+        </p:nvCxnSpPr>
+        <p:spPr>
+          <a:xfrm flipH="1">
+            <a:off x="-194358" y="217178"/>
+            <a:ext cx="777432" cy="653712"/>
+          </a:xfrm>
+          <a:prstGeom prst="line">
+            <a:avLst/>
+          </a:prstGeom>
+          <a:ln w="38100">
+            <a:solidFill>
+              <a:schemeClr val="tx1">
+                <a:lumMod val="85000"/>
+                <a:lumOff val="15000"/>
+              </a:schemeClr>
+            </a:solidFill>
+          </a:ln>
+        </p:spPr>
+        <p:style>
+          <a:lnRef idx="1">
+            <a:schemeClr val="accent1"/>
+          </a:lnRef>
+          <a:fillRef idx="0">
+            <a:schemeClr val="accent1"/>
+          </a:fillRef>
+          <a:effectRef idx="0">
+            <a:schemeClr val="accent1"/>
+          </a:effectRef>
+          <a:fontRef idx="minor">
+            <a:schemeClr val="tx1"/>
+          </a:fontRef>
+        </p:style>
+      </p:cxnSp>
+      <p:cxnSp>
+        <p:nvCxnSpPr>
+          <p:cNvPr id="3" name="直接连接符 2"/>
+          <p:cNvCxnSpPr/>
+          <p:nvPr/>
+        </p:nvCxnSpPr>
+        <p:spPr>
+          <a:xfrm flipH="1">
+            <a:off x="-58057" y="761631"/>
+            <a:ext cx="388716" cy="326856"/>
+          </a:xfrm>
+          <a:prstGeom prst="line">
+            <a:avLst/>
+          </a:prstGeom>
+          <a:ln w="12700">
+            <a:solidFill>
+              <a:srgbClr val="C00000"/>
+            </a:solidFill>
+          </a:ln>
+        </p:spPr>
+        <p:style>
+          <a:lnRef idx="1">
+            <a:schemeClr val="accent1"/>
+          </a:lnRef>
+          <a:fillRef idx="0">
+            <a:schemeClr val="accent1"/>
+          </a:fillRef>
+          <a:effectRef idx="0">
+            <a:schemeClr val="accent1"/>
+          </a:effectRef>
+          <a:fontRef idx="minor">
+            <a:schemeClr val="tx1"/>
+          </a:fontRef>
+        </p:style>
+      </p:cxnSp>
+      <p:sp>
+        <p:nvSpPr>
+          <p:cNvPr id="40" name="矩形 39"/>
+          <p:cNvSpPr/>
+          <p:nvPr/>
+        </p:nvSpPr>
+        <p:spPr>
+          <a:xfrm>
+            <a:off x="694606" y="183740"/>
+            <a:ext cx="3425490" cy="523220"/>
+          </a:xfrm>
+          <a:prstGeom prst="rect">
+            <a:avLst/>
+          </a:prstGeom>
+        </p:spPr>
+        <p:txBody>
+          <a:bodyPr wrap="none">
+            <a:spAutoFit/>
+          </a:bodyPr>
+          <a:lstStyle/>
+          <a:p>
+            <a:pPr marL="514350" indent="-514350">
+              <a:buAutoNum type="arabicPlain" startAt="5"/>
+            </a:pPr>
+            <a:r>
+              <a:rPr lang="en-US" altLang="zh-CN" sz="2800" b="1" dirty="0">
+                <a:latin typeface="Calibri" charset="0"/>
+                <a:ea typeface="Calibri" charset="0"/>
+                <a:cs typeface="Calibri" charset="0"/>
+              </a:rPr>
+              <a:t>Database Schema </a:t>
+            </a:r>
+          </a:p>
+        </p:txBody>
+      </p:sp>
+      <p:sp>
+        <p:nvSpPr>
+          <p:cNvPr id="51" name="左中括号 50"/>
+          <p:cNvSpPr/>
+          <p:nvPr/>
+        </p:nvSpPr>
+        <p:spPr>
+          <a:xfrm>
+            <a:off x="658602" y="202904"/>
+            <a:ext cx="72008" cy="504056"/>
+          </a:xfrm>
+          <a:prstGeom prst="leftBracket">
+            <a:avLst/>
+          </a:prstGeom>
+          <a:ln>
+            <a:solidFill>
+              <a:schemeClr val="tx1"/>
+            </a:solidFill>
+          </a:ln>
+        </p:spPr>
+        <p:style>
+          <a:lnRef idx="1">
+            <a:schemeClr val="accent1"/>
+          </a:lnRef>
+          <a:fillRef idx="0">
+            <a:schemeClr val="accent1"/>
+          </a:fillRef>
+          <a:effectRef idx="0">
+            <a:schemeClr val="accent1"/>
+          </a:effectRef>
+          <a:fontRef idx="minor">
+            <a:schemeClr val="tx1"/>
+          </a:fontRef>
+        </p:style>
+        <p:txBody>
+          <a:bodyPr rtlCol="0" anchor="ctr"/>
+          <a:lstStyle/>
+          <a:p>
+            <a:pPr algn="ctr"/>
+            <a:endParaRPr lang="zh-CN" altLang="en-US"/>
+          </a:p>
+        </p:txBody>
+      </p:sp>
+      <p:sp>
+        <p:nvSpPr>
+          <p:cNvPr id="55" name="等腰三角形 14"/>
+          <p:cNvSpPr/>
+          <p:nvPr/>
+        </p:nvSpPr>
+        <p:spPr>
+          <a:xfrm rot="512239">
+            <a:off x="11014880" y="501587"/>
+            <a:ext cx="396044" cy="341417"/>
+          </a:xfrm>
+          <a:prstGeom prst="triangle">
+            <a:avLst/>
+          </a:prstGeom>
+          <a:solidFill>
+            <a:srgbClr val="C00000"/>
+          </a:solidFill>
+          <a:ln>
+            <a:noFill/>
+          </a:ln>
+        </p:spPr>
+        <p:style>
+          <a:lnRef idx="2">
+            <a:schemeClr val="accent1">
+              <a:shade val="50000"/>
+            </a:schemeClr>
+          </a:lnRef>
+          <a:fillRef idx="1">
+            <a:schemeClr val="accent1"/>
+          </a:fillRef>
+          <a:effectRef idx="0">
+            <a:schemeClr val="accent1"/>
+          </a:effectRef>
+          <a:fontRef idx="minor">
+            <a:schemeClr val="lt1"/>
+          </a:fontRef>
+        </p:style>
+        <p:txBody>
+          <a:bodyPr rtlCol="0" anchor="ctr"/>
+          <a:lstStyle/>
+          <a:p>
+            <a:pPr algn="ctr"/>
+            <a:endParaRPr lang="zh-CN" altLang="en-US"/>
+          </a:p>
+        </p:txBody>
+      </p:sp>
+      <p:sp>
+        <p:nvSpPr>
+          <p:cNvPr id="56" name="等腰三角形 20"/>
+          <p:cNvSpPr/>
+          <p:nvPr/>
+        </p:nvSpPr>
+        <p:spPr>
+          <a:xfrm rot="20371609">
+            <a:off x="11666165" y="769672"/>
+            <a:ext cx="198022" cy="170708"/>
+          </a:xfrm>
+          <a:prstGeom prst="triangle">
+            <a:avLst/>
+          </a:prstGeom>
+          <a:solidFill>
+            <a:schemeClr val="tx1">
+              <a:lumMod val="50000"/>
+              <a:lumOff val="50000"/>
+            </a:schemeClr>
+          </a:solidFill>
+          <a:ln>
+            <a:noFill/>
+          </a:ln>
+        </p:spPr>
+        <p:style>
+          <a:lnRef idx="2">
+            <a:schemeClr val="accent1">
+              <a:shade val="50000"/>
+            </a:schemeClr>
+          </a:lnRef>
+          <a:fillRef idx="1">
+            <a:schemeClr val="accent1"/>
+          </a:fillRef>
+          <a:effectRef idx="0">
+            <a:schemeClr val="accent1"/>
+          </a:effectRef>
+          <a:fontRef idx="minor">
+            <a:schemeClr val="lt1"/>
+          </a:fontRef>
+        </p:style>
+        <p:txBody>
+          <a:bodyPr rtlCol="0" anchor="ctr"/>
+          <a:lstStyle/>
+          <a:p>
+            <a:pPr algn="ctr"/>
+            <a:endParaRPr lang="zh-CN" altLang="en-US"/>
+          </a:p>
+        </p:txBody>
+      </p:sp>
+      <p:sp>
+        <p:nvSpPr>
+          <p:cNvPr id="57" name="等腰三角形 25"/>
+          <p:cNvSpPr/>
+          <p:nvPr/>
+        </p:nvSpPr>
+        <p:spPr>
+          <a:xfrm rot="20371609">
+            <a:off x="11656874" y="386127"/>
+            <a:ext cx="266490" cy="196271"/>
+          </a:xfrm>
+          <a:prstGeom prst="triangle">
+            <a:avLst/>
+          </a:prstGeom>
+          <a:solidFill>
+            <a:schemeClr val="tx1">
+              <a:lumMod val="85000"/>
+              <a:lumOff val="15000"/>
+            </a:schemeClr>
+          </a:solidFill>
+          <a:ln>
+            <a:solidFill>
+              <a:schemeClr val="tx1">
+                <a:lumMod val="85000"/>
+                <a:lumOff val="15000"/>
+              </a:schemeClr>
+            </a:solidFill>
+          </a:ln>
+        </p:spPr>
+        <p:style>
+          <a:lnRef idx="2">
+            <a:schemeClr val="accent1">
+              <a:shade val="50000"/>
+            </a:schemeClr>
+          </a:lnRef>
+          <a:fillRef idx="1">
+            <a:schemeClr val="accent1"/>
+          </a:fillRef>
+          <a:effectRef idx="0">
+            <a:schemeClr val="accent1"/>
+          </a:effectRef>
+          <a:fontRef idx="minor">
+            <a:schemeClr val="lt1"/>
+          </a:fontRef>
+        </p:style>
+        <p:txBody>
+          <a:bodyPr rtlCol="0" anchor="ctr"/>
+          <a:lstStyle/>
+          <a:p>
+            <a:pPr algn="ctr"/>
+            <a:endParaRPr lang="zh-CN" altLang="en-US"/>
+          </a:p>
+        </p:txBody>
+      </p:sp>
+      <p:sp>
+        <p:nvSpPr>
+          <p:cNvPr id="58" name="等腰三角形 21"/>
+          <p:cNvSpPr/>
+          <p:nvPr/>
+        </p:nvSpPr>
+        <p:spPr>
+          <a:xfrm rot="20371609">
+            <a:off x="11651785" y="6388798"/>
+            <a:ext cx="266490" cy="196271"/>
+          </a:xfrm>
+          <a:prstGeom prst="triangle">
+            <a:avLst/>
+          </a:prstGeom>
+          <a:solidFill>
+            <a:schemeClr val="tx1">
+              <a:lumMod val="85000"/>
+              <a:lumOff val="15000"/>
+            </a:schemeClr>
+          </a:solidFill>
+          <a:ln>
+            <a:solidFill>
+              <a:schemeClr val="tx1">
+                <a:lumMod val="85000"/>
+                <a:lumOff val="15000"/>
+              </a:schemeClr>
+            </a:solidFill>
+          </a:ln>
+        </p:spPr>
+        <p:style>
+          <a:lnRef idx="2">
+            <a:schemeClr val="accent1">
+              <a:shade val="50000"/>
+            </a:schemeClr>
+          </a:lnRef>
+          <a:fillRef idx="1">
+            <a:schemeClr val="accent1"/>
+          </a:fillRef>
+          <a:effectRef idx="0">
+            <a:schemeClr val="accent1"/>
+          </a:effectRef>
+          <a:fontRef idx="minor">
+            <a:schemeClr val="lt1"/>
+          </a:fontRef>
+        </p:style>
+        <p:txBody>
+          <a:bodyPr rtlCol="0" anchor="ctr"/>
+          <a:lstStyle/>
+          <a:p>
+            <a:pPr algn="ctr"/>
+            <a:endParaRPr lang="zh-CN" altLang="en-US"/>
+          </a:p>
+        </p:txBody>
+      </p:sp>
+      <p:sp>
+        <p:nvSpPr>
+          <p:cNvPr id="59" name="等腰三角形 22"/>
+          <p:cNvSpPr/>
+          <p:nvPr/>
+        </p:nvSpPr>
+        <p:spPr>
+          <a:xfrm rot="3761573">
+            <a:off x="11018553" y="5996989"/>
+            <a:ext cx="741200" cy="508375"/>
+          </a:xfrm>
+          <a:prstGeom prst="triangle">
+            <a:avLst/>
+          </a:prstGeom>
+          <a:solidFill>
+            <a:schemeClr val="accent2">
+              <a:lumMod val="60000"/>
+              <a:lumOff val="40000"/>
+            </a:schemeClr>
+          </a:solidFill>
+          <a:ln>
+            <a:noFill/>
+          </a:ln>
+        </p:spPr>
+        <p:style>
+          <a:lnRef idx="2">
+            <a:schemeClr val="accent1">
+              <a:shade val="50000"/>
+            </a:schemeClr>
+          </a:lnRef>
+          <a:fillRef idx="1">
+            <a:schemeClr val="accent1"/>
+          </a:fillRef>
+          <a:effectRef idx="0">
+            <a:schemeClr val="accent1"/>
+          </a:effectRef>
+          <a:fontRef idx="minor">
+            <a:schemeClr val="lt1"/>
+          </a:fontRef>
+        </p:style>
+        <p:txBody>
+          <a:bodyPr rtlCol="0" anchor="ctr"/>
+          <a:lstStyle/>
+          <a:p>
+            <a:pPr algn="ctr"/>
+            <a:endParaRPr lang="zh-CN" altLang="en-US"/>
+          </a:p>
+        </p:txBody>
+      </p:sp>
+      <p:sp>
+        <p:nvSpPr>
+          <p:cNvPr id="4" name="Slide Number Placeholder 3">
+            <a:extLst>
+              <a:ext uri="{FF2B5EF4-FFF2-40B4-BE49-F238E27FC236}">
+                <a16:creationId xmlns:a16="http://schemas.microsoft.com/office/drawing/2014/main" id="{1268DBC8-D031-42E0-97F4-0C2CDEF6018D}"/>
+              </a:ext>
+            </a:extLst>
+          </p:cNvPr>
+          <p:cNvSpPr>
+            <a:spLocks noGrp="1"/>
+          </p:cNvSpPr>
+          <p:nvPr>
+            <p:ph type="sldNum" sz="quarter" idx="12"/>
+          </p:nvPr>
+        </p:nvSpPr>
+        <p:spPr/>
+        <p:txBody>
+          <a:bodyPr/>
+          <a:lstStyle/>
+          <a:p>
+            <a:fld id="{0C913308-F349-4B6D-A68A-DD1791B4A57B}" type="slidenum">
+              <a:rPr lang="zh-CN" altLang="en-US" smtClean="0"/>
+              <a:t>7</a:t>
+            </a:fld>
+            <a:endParaRPr lang="zh-CN" altLang="en-US"/>
+          </a:p>
+        </p:txBody>
+      </p:sp>
+      <p:grpSp>
+        <p:nvGrpSpPr>
+          <p:cNvPr id="45" name="Group 44">
+            <a:extLst>
+              <a:ext uri="{FF2B5EF4-FFF2-40B4-BE49-F238E27FC236}">
+                <a16:creationId xmlns:a16="http://schemas.microsoft.com/office/drawing/2014/main" id="{98992DF2-03BE-401F-A7FA-71D710BB2909}"/>
+              </a:ext>
+            </a:extLst>
+          </p:cNvPr>
+          <p:cNvGrpSpPr/>
+          <p:nvPr/>
+        </p:nvGrpSpPr>
+        <p:grpSpPr>
+          <a:xfrm>
+            <a:off x="8462019" y="6120730"/>
+            <a:ext cx="2486273" cy="600746"/>
+            <a:chOff x="-1553286" y="437405"/>
+            <a:chExt cx="13825194" cy="3340513"/>
+          </a:xfrm>
+        </p:grpSpPr>
+        <p:pic>
+          <p:nvPicPr>
+            <p:cNvPr id="46" name="Picture 45">
+              <a:extLst>
+                <a:ext uri="{FF2B5EF4-FFF2-40B4-BE49-F238E27FC236}">
+                  <a16:creationId xmlns:a16="http://schemas.microsoft.com/office/drawing/2014/main" id="{7306E99F-5EF1-4B26-AA07-9AD4890ADE0A}"/>
+                </a:ext>
+              </a:extLst>
+            </p:cNvPr>
+            <p:cNvPicPr>
+              <a:picLocks noChangeAspect="1"/>
+            </p:cNvPicPr>
+            <p:nvPr/>
+          </p:nvPicPr>
+          <p:blipFill rotWithShape="1">
+            <a:blip r:embed="rId3">
+              <a:duotone>
+                <a:prstClr val="black"/>
+                <a:schemeClr val="accent2">
+                  <a:tint val="45000"/>
+                  <a:satMod val="400000"/>
+                </a:schemeClr>
+              </a:duotone>
+              <a:extLst>
+                <a:ext uri="{BEBA8EAE-BF5A-486C-A8C5-ECC9F3942E4B}">
+                  <a14:imgProps xmlns:a14="http://schemas.microsoft.com/office/drawing/2010/main">
+                    <a14:imgLayer r:embed="rId4">
+                      <a14:imgEffect>
+                        <a14:artisticLineDrawing/>
+                      </a14:imgEffect>
+                    </a14:imgLayer>
+                  </a14:imgProps>
+                </a:ext>
+              </a:extLst>
+            </a:blip>
+            <a:srcRect r="61314"/>
+            <a:stretch/>
+          </p:blipFill>
+          <p:spPr>
+            <a:xfrm>
+              <a:off x="-1553286" y="437405"/>
+              <a:ext cx="4712862" cy="3314700"/>
+            </a:xfrm>
+            <a:prstGeom prst="rect">
+              <a:avLst/>
+            </a:prstGeom>
+          </p:spPr>
+        </p:pic>
+        <p:pic>
+          <p:nvPicPr>
+            <p:cNvPr id="47" name="Picture 46">
+              <a:extLst>
+                <a:ext uri="{FF2B5EF4-FFF2-40B4-BE49-F238E27FC236}">
+                  <a16:creationId xmlns:a16="http://schemas.microsoft.com/office/drawing/2014/main" id="{D1FA4709-E039-4B9B-9F73-D04EFCA6E92A}"/>
+                </a:ext>
+              </a:extLst>
+            </p:cNvPr>
+            <p:cNvPicPr>
+              <a:picLocks noChangeAspect="1"/>
+            </p:cNvPicPr>
+            <p:nvPr/>
+          </p:nvPicPr>
+          <p:blipFill rotWithShape="1">
+            <a:blip r:embed="rId5">
+              <a:duotone>
+                <a:prstClr val="black"/>
+                <a:schemeClr val="accent2">
+                  <a:tint val="45000"/>
+                  <a:satMod val="400000"/>
+                </a:schemeClr>
+              </a:duotone>
+              <a:extLst>
+                <a:ext uri="{BEBA8EAE-BF5A-486C-A8C5-ECC9F3942E4B}">
+                  <a14:imgProps xmlns:a14="http://schemas.microsoft.com/office/drawing/2010/main">
+                    <a14:imgLayer r:embed="rId4">
+                      <a14:imgEffect>
+                        <a14:artisticLineDrawing/>
+                      </a14:imgEffect>
+                      <a14:imgEffect>
+                        <a14:saturation sat="400000"/>
+                      </a14:imgEffect>
+                    </a14:imgLayer>
+                  </a14:imgProps>
+                </a:ext>
+              </a:extLst>
+            </a:blip>
+            <a:srcRect l="39386"/>
+            <a:stretch/>
+          </p:blipFill>
+          <p:spPr>
+            <a:xfrm>
+              <a:off x="4887479" y="463218"/>
+              <a:ext cx="7384429" cy="3314700"/>
+            </a:xfrm>
+            <a:prstGeom prst="rect">
+              <a:avLst/>
+            </a:prstGeom>
+          </p:spPr>
+        </p:pic>
+      </p:grpSp>
+      <p:pic>
+        <p:nvPicPr>
+          <p:cNvPr id="9" name="Graphic 8">
+            <a:extLst>
+              <a:ext uri="{FF2B5EF4-FFF2-40B4-BE49-F238E27FC236}">
+                <a16:creationId xmlns:a16="http://schemas.microsoft.com/office/drawing/2014/main" id="{AF642BD4-A860-4386-848D-A195FE601198}"/>
+              </a:ext>
+            </a:extLst>
+          </p:cNvPr>
+          <p:cNvPicPr>
+            <a:picLocks noChangeAspect="1"/>
+          </p:cNvPicPr>
+          <p:nvPr/>
+        </p:nvPicPr>
+        <p:blipFill>
+          <a:blip r:embed="rId6">
+            <a:extLst>
+              <a:ext uri="{96DAC541-7B7A-43D3-8B79-37D633B846F1}">
+                <asvg:svgBlip xmlns:asvg="http://schemas.microsoft.com/office/drawing/2016/SVG/main" r:embed="rId7"/>
+              </a:ext>
+            </a:extLst>
+          </a:blip>
+          <a:stretch>
+            <a:fillRect/>
+          </a:stretch>
+        </p:blipFill>
+        <p:spPr>
+          <a:xfrm>
+            <a:off x="700224" y="0"/>
+            <a:ext cx="10061408" cy="6858000"/>
+          </a:xfrm>
+          <a:prstGeom prst="rect">
+            <a:avLst/>
+          </a:prstGeom>
+        </p:spPr>
+      </p:pic>
+    </p:spTree>
+    <p:extLst>
+      <p:ext uri="{BB962C8B-B14F-4D97-AF65-F5344CB8AC3E}">
+        <p14:creationId xmlns:p14="http://schemas.microsoft.com/office/powerpoint/2010/main" val="66943107"/>
+      </p:ext>
+    </p:extLst>
+  </p:cSld>
+  <p:clrMapOvr>
+    <a:masterClrMapping/>
+  </p:clrMapOvr>
+  <mc:AlternateContent xmlns:mc="http://schemas.openxmlformats.org/markup-compatibility/2006" xmlns:p14="http://schemas.microsoft.com/office/powerpoint/2010/main">
+    <mc:Choice Requires="p14">
+      <p:transition p14:dur="0" advClick="0" advTm="3000"/>
+    </mc:Choice>
+    <mc:Fallback xmlns="">
+      <p:transition advClick="0" advTm="3000"/>
+    </mc:Fallback>
+  </mc:AlternateContent>
+</p:sld>
+</file>
+
+<file path=ppt/slides/slide8.xml><?xml version="1.0" encoding="utf-8"?>
+<p:sld xmlns:a="http://schemas.openxmlformats.org/drawingml/2006/main" xmlns:r="http://schemas.openxmlformats.org/officeDocument/2006/relationships" xmlns:p="http://schemas.openxmlformats.org/presentationml/2006/main">
+  <p:cSld>
+    <p:spTree>
+      <p:nvGrpSpPr>
+        <p:cNvPr id="1" name=""/>
+        <p:cNvGrpSpPr/>
+        <p:nvPr/>
+      </p:nvGrpSpPr>
+      <p:grpSpPr>
+        <a:xfrm>
+          <a:off x="0" y="0"/>
+          <a:ext cx="0" cy="0"/>
+          <a:chOff x="0" y="0"/>
+          <a:chExt cx="0" cy="0"/>
+        </a:xfrm>
+      </p:grpSpPr>
+      <p:cxnSp>
+        <p:nvCxnSpPr>
           <p:cNvPr id="2" name="直接连接符 1"/>
           <p:cNvCxnSpPr/>
           <p:nvPr/>
@@ -10372,6 +11332,35 @@
           </a:p>
         </p:txBody>
       </p:sp>
+      <p:sp>
+        <p:nvSpPr>
+          <p:cNvPr id="6" name="Slide Number Placeholder 5">
+            <a:extLst>
+              <a:ext uri="{FF2B5EF4-FFF2-40B4-BE49-F238E27FC236}">
+                <a16:creationId xmlns:a16="http://schemas.microsoft.com/office/drawing/2014/main" id="{5121E37C-A1B9-48F4-B45E-F2CBDC306A55}"/>
+              </a:ext>
+            </a:extLst>
+          </p:cNvPr>
+          <p:cNvSpPr>
+            <a:spLocks noGrp="1"/>
+          </p:cNvSpPr>
+          <p:nvPr>
+            <p:ph type="sldNum" sz="quarter" idx="12"/>
+          </p:nvPr>
+        </p:nvSpPr>
+        <p:spPr/>
+        <p:txBody>
+          <a:bodyPr/>
+          <a:lstStyle/>
+          <a:p>
+            <a:fld id="{0C913308-F349-4B6D-A68A-DD1791B4A57B}" type="slidenum">
+              <a:rPr lang="zh-CN" altLang="en-US" smtClean="0"/>
+              <a:t>8</a:t>
+            </a:fld>
+            <a:endParaRPr lang="zh-CN" altLang="en-US"/>
+          </a:p>
+        </p:txBody>
+      </p:sp>
     </p:spTree>
     <p:extLst>
       <p:ext uri="{BB962C8B-B14F-4D97-AF65-F5344CB8AC3E}">
@@ -10393,7 +11382,7 @@
 </p:sld>
 </file>
 
-<file path=ppt/slides/slide7.xml><?xml version="1.0" encoding="utf-8"?>
+<file path=ppt/slides/slide9.xml><?xml version="1.0" encoding="utf-8"?>
 <p:sld xmlns:a="http://schemas.openxmlformats.org/drawingml/2006/main" xmlns:r="http://schemas.openxmlformats.org/officeDocument/2006/relationships" xmlns:p="http://schemas.openxmlformats.org/presentationml/2006/main">
   <p:cSld>
     <p:spTree>
@@ -11130,6 +12119,35 @@
           </p:style>
         </p:cxnSp>
       </p:grpSp>
+      <p:sp>
+        <p:nvSpPr>
+          <p:cNvPr id="5" name="Slide Number Placeholder 4">
+            <a:extLst>
+              <a:ext uri="{FF2B5EF4-FFF2-40B4-BE49-F238E27FC236}">
+                <a16:creationId xmlns:a16="http://schemas.microsoft.com/office/drawing/2014/main" id="{F4C1F25E-B856-472A-8012-DEC7F294C75F}"/>
+              </a:ext>
+            </a:extLst>
+          </p:cNvPr>
+          <p:cNvSpPr>
+            <a:spLocks noGrp="1"/>
+          </p:cNvSpPr>
+          <p:nvPr>
+            <p:ph type="sldNum" sz="quarter" idx="12"/>
+          </p:nvPr>
+        </p:nvSpPr>
+        <p:spPr/>
+        <p:txBody>
+          <a:bodyPr/>
+          <a:lstStyle/>
+          <a:p>
+            <a:fld id="{0C913308-F349-4B6D-A68A-DD1791B4A57B}" type="slidenum">
+              <a:rPr lang="zh-CN" altLang="en-US" smtClean="0"/>
+              <a:t>9</a:t>
+            </a:fld>
+            <a:endParaRPr lang="zh-CN" altLang="en-US"/>
+          </a:p>
+        </p:txBody>
+      </p:sp>
     </p:spTree>
     <p:extLst>
       <p:ext uri="{BB962C8B-B14F-4D97-AF65-F5344CB8AC3E}">

--- a/presentation/ERG3010 Group 10 Presentation.pptx
+++ b/presentation/ERG3010 Group 10 Presentation.pptx
@@ -13,9 +13,9 @@
     <p:sldId id="292" r:id="rId4"/>
     <p:sldId id="293" r:id="rId5"/>
     <p:sldId id="294" r:id="rId6"/>
-    <p:sldId id="295" r:id="rId7"/>
-    <p:sldId id="289" r:id="rId8"/>
-    <p:sldId id="291" r:id="rId9"/>
+    <p:sldId id="289" r:id="rId7"/>
+    <p:sldId id="295" r:id="rId8"/>
+    <p:sldId id="296" r:id="rId9"/>
     <p:sldId id="286" r:id="rId10"/>
   </p:sldIdLst>
   <p:sldSz cx="12190413" cy="6858000"/>
@@ -947,7 +947,7 @@
           <a:bodyPr/>
           <a:lstStyle/>
           <a:p>
-            <a:endParaRPr lang="zh-CN" altLang="en-US" dirty="0"/>
+            <a:endParaRPr lang="zh-CN" altLang="en-US"/>
           </a:p>
         </p:txBody>
       </p:sp>
@@ -977,7 +977,7 @@
     </p:spTree>
     <p:extLst>
       <p:ext uri="{BB962C8B-B14F-4D97-AF65-F5344CB8AC3E}">
-        <p14:creationId xmlns:p14="http://schemas.microsoft.com/office/powerpoint/2010/main" val="3832459797"/>
+        <p14:creationId xmlns:p14="http://schemas.microsoft.com/office/powerpoint/2010/main" val="1978851968"/>
       </p:ext>
     </p:extLst>
   </p:cSld>
@@ -1061,7 +1061,7 @@
     </p:spTree>
     <p:extLst>
       <p:ext uri="{BB962C8B-B14F-4D97-AF65-F5344CB8AC3E}">
-        <p14:creationId xmlns:p14="http://schemas.microsoft.com/office/powerpoint/2010/main" val="1978851968"/>
+        <p14:creationId xmlns:p14="http://schemas.microsoft.com/office/powerpoint/2010/main" val="3442217058"/>
       </p:ext>
     </p:extLst>
   </p:cSld>
@@ -1145,7 +1145,7 @@
     </p:spTree>
     <p:extLst>
       <p:ext uri="{BB962C8B-B14F-4D97-AF65-F5344CB8AC3E}">
-        <p14:creationId xmlns:p14="http://schemas.microsoft.com/office/powerpoint/2010/main" val="841292379"/>
+        <p14:creationId xmlns:p14="http://schemas.microsoft.com/office/powerpoint/2010/main" val="2786086841"/>
       </p:ext>
     </p:extLst>
   </p:cSld>
@@ -4435,97 +4435,76 @@
           </a:p>
         </p:txBody>
       </p:sp>
-      <p:grpSp>
-        <p:nvGrpSpPr>
-          <p:cNvPr id="2" name="组合 1">
-            <a:extLst>
-              <a:ext uri="{FF2B5EF4-FFF2-40B4-BE49-F238E27FC236}">
-                <a16:creationId xmlns:a16="http://schemas.microsoft.com/office/drawing/2014/main" id="{191F2E83-7BC7-45DC-BB0A-725F129DBF2A}"/>
-              </a:ext>
-            </a:extLst>
-          </p:cNvPr>
-          <p:cNvGrpSpPr/>
+      <p:cxnSp>
+        <p:nvCxnSpPr>
+          <p:cNvPr id="34" name="直接连接符 33"/>
+          <p:cNvCxnSpPr/>
           <p:nvPr/>
-        </p:nvGrpSpPr>
-        <p:grpSpPr>
-          <a:xfrm>
-            <a:off x="-1604504" y="2147667"/>
-            <a:ext cx="3687215" cy="2719712"/>
-            <a:chOff x="-1604504" y="2147667"/>
-            <a:chExt cx="3687215" cy="2719712"/>
-          </a:xfrm>
-        </p:grpSpPr>
-        <p:cxnSp>
-          <p:nvCxnSpPr>
-            <p:cNvPr id="34" name="直接连接符 33"/>
-            <p:cNvCxnSpPr/>
-            <p:nvPr/>
-          </p:nvCxnSpPr>
-          <p:spPr>
-            <a:xfrm flipH="1">
-              <a:off x="-1604504" y="2687623"/>
-              <a:ext cx="2592288" cy="2179756"/>
-            </a:xfrm>
-            <a:prstGeom prst="line">
-              <a:avLst/>
-            </a:prstGeom>
-            <a:ln w="76200">
-              <a:solidFill>
-                <a:srgbClr val="C00000"/>
-              </a:solidFill>
-            </a:ln>
-          </p:spPr>
-          <p:style>
-            <a:lnRef idx="1">
-              <a:schemeClr val="accent1"/>
-            </a:lnRef>
-            <a:fillRef idx="0">
-              <a:schemeClr val="accent1"/>
-            </a:fillRef>
-            <a:effectRef idx="0">
-              <a:schemeClr val="accent1"/>
-            </a:effectRef>
-            <a:fontRef idx="minor">
-              <a:schemeClr val="tx1"/>
-            </a:fontRef>
-          </p:style>
-        </p:cxnSp>
-        <p:cxnSp>
-          <p:nvCxnSpPr>
-            <p:cNvPr id="35" name="直接连接符 34"/>
-            <p:cNvCxnSpPr/>
-            <p:nvPr/>
-          </p:nvCxnSpPr>
-          <p:spPr>
-            <a:xfrm flipH="1">
-              <a:off x="-509577" y="2147667"/>
-              <a:ext cx="2592288" cy="2179756"/>
-            </a:xfrm>
-            <a:prstGeom prst="line">
-              <a:avLst/>
-            </a:prstGeom>
-            <a:ln w="12700">
-              <a:solidFill>
-                <a:srgbClr val="C00000"/>
-              </a:solidFill>
-            </a:ln>
-          </p:spPr>
-          <p:style>
-            <a:lnRef idx="1">
-              <a:schemeClr val="accent1"/>
-            </a:lnRef>
-            <a:fillRef idx="0">
-              <a:schemeClr val="accent1"/>
-            </a:fillRef>
-            <a:effectRef idx="0">
-              <a:schemeClr val="accent1"/>
-            </a:effectRef>
-            <a:fontRef idx="minor">
-              <a:schemeClr val="tx1"/>
-            </a:fontRef>
-          </p:style>
-        </p:cxnSp>
-      </p:grpSp>
+        </p:nvCxnSpPr>
+        <p:spPr>
+          <a:xfrm flipH="1">
+            <a:off x="-1604504" y="2687623"/>
+            <a:ext cx="2592288" cy="2179756"/>
+          </a:xfrm>
+          <a:prstGeom prst="line">
+            <a:avLst/>
+          </a:prstGeom>
+          <a:ln w="76200">
+            <a:solidFill>
+              <a:srgbClr val="C00000"/>
+            </a:solidFill>
+          </a:ln>
+        </p:spPr>
+        <p:style>
+          <a:lnRef idx="1">
+            <a:schemeClr val="accent1"/>
+          </a:lnRef>
+          <a:fillRef idx="0">
+            <a:schemeClr val="accent1"/>
+          </a:fillRef>
+          <a:effectRef idx="0">
+            <a:schemeClr val="accent1"/>
+          </a:effectRef>
+          <a:fontRef idx="minor">
+            <a:schemeClr val="tx1"/>
+          </a:fontRef>
+        </p:style>
+      </p:cxnSp>
+      <p:cxnSp>
+        <p:nvCxnSpPr>
+          <p:cNvPr id="35" name="直接连接符 34"/>
+          <p:cNvCxnSpPr/>
+          <p:nvPr/>
+        </p:nvCxnSpPr>
+        <p:spPr>
+          <a:xfrm flipH="1">
+            <a:off x="-509577" y="2147667"/>
+            <a:ext cx="2592288" cy="2179756"/>
+          </a:xfrm>
+          <a:prstGeom prst="line">
+            <a:avLst/>
+          </a:prstGeom>
+          <a:ln w="12700">
+            <a:solidFill>
+              <a:srgbClr val="C00000"/>
+            </a:solidFill>
+          </a:ln>
+        </p:spPr>
+        <p:style>
+          <a:lnRef idx="1">
+            <a:schemeClr val="accent1"/>
+          </a:lnRef>
+          <a:fillRef idx="0">
+            <a:schemeClr val="accent1"/>
+          </a:fillRef>
+          <a:effectRef idx="0">
+            <a:schemeClr val="accent1"/>
+          </a:effectRef>
+          <a:fontRef idx="minor">
+            <a:schemeClr val="tx1"/>
+          </a:fontRef>
+        </p:style>
+      </p:cxnSp>
       <p:sp>
         <p:nvSpPr>
           <p:cNvPr id="6" name="TextBox 5"/>
@@ -5141,103 +5120,82 @@
           </p:txBody>
         </p:sp>
       </p:grpSp>
-      <p:grpSp>
-        <p:nvGrpSpPr>
-          <p:cNvPr id="3" name="组合 2">
-            <a:extLst>
-              <a:ext uri="{FF2B5EF4-FFF2-40B4-BE49-F238E27FC236}">
-                <a16:creationId xmlns:a16="http://schemas.microsoft.com/office/drawing/2014/main" id="{3F43E57D-F6C5-4EAB-A54D-FB141D3CFFC6}"/>
-              </a:ext>
-            </a:extLst>
-          </p:cNvPr>
-          <p:cNvGrpSpPr/>
+      <p:cxnSp>
+        <p:nvCxnSpPr>
+          <p:cNvPr id="42" name="直接连接符 41"/>
+          <p:cNvCxnSpPr/>
           <p:nvPr/>
-        </p:nvGrpSpPr>
-        <p:grpSpPr>
-          <a:xfrm>
-            <a:off x="10311837" y="1544376"/>
-            <a:ext cx="3230037" cy="3097813"/>
-            <a:chOff x="10311837" y="1544376"/>
-            <a:chExt cx="3230037" cy="3097813"/>
-          </a:xfrm>
-        </p:grpSpPr>
-        <p:cxnSp>
-          <p:nvCxnSpPr>
-            <p:cNvPr id="42" name="直接连接符 41"/>
-            <p:cNvCxnSpPr/>
-            <p:nvPr/>
-          </p:nvCxnSpPr>
-          <p:spPr>
-            <a:xfrm flipH="1">
-              <a:off x="10311837" y="2462433"/>
-              <a:ext cx="2592288" cy="2179756"/>
-            </a:xfrm>
-            <a:prstGeom prst="line">
-              <a:avLst/>
-            </a:prstGeom>
-            <a:ln w="76200">
-              <a:solidFill>
-                <a:schemeClr val="tx1">
-                  <a:lumMod val="85000"/>
-                  <a:lumOff val="15000"/>
-                </a:schemeClr>
-              </a:solidFill>
-            </a:ln>
-          </p:spPr>
-          <p:style>
-            <a:lnRef idx="1">
-              <a:schemeClr val="accent1"/>
-            </a:lnRef>
-            <a:fillRef idx="0">
-              <a:schemeClr val="accent1"/>
-            </a:fillRef>
-            <a:effectRef idx="0">
-              <a:schemeClr val="accent1"/>
-            </a:effectRef>
-            <a:fontRef idx="minor">
-              <a:schemeClr val="tx1"/>
-            </a:fontRef>
-          </p:style>
-        </p:cxnSp>
-        <p:cxnSp>
-          <p:nvCxnSpPr>
-            <p:cNvPr id="43" name="直接连接符 42"/>
-            <p:cNvCxnSpPr/>
-            <p:nvPr/>
-          </p:nvCxnSpPr>
-          <p:spPr>
-            <a:xfrm flipH="1">
-              <a:off x="10949586" y="1544376"/>
-              <a:ext cx="2592288" cy="2179756"/>
-            </a:xfrm>
-            <a:prstGeom prst="line">
-              <a:avLst/>
-            </a:prstGeom>
-            <a:ln w="12700">
-              <a:solidFill>
-                <a:schemeClr val="tx1">
-                  <a:lumMod val="85000"/>
-                  <a:lumOff val="15000"/>
-                </a:schemeClr>
-              </a:solidFill>
-            </a:ln>
-          </p:spPr>
-          <p:style>
-            <a:lnRef idx="1">
-              <a:schemeClr val="accent1"/>
-            </a:lnRef>
-            <a:fillRef idx="0">
-              <a:schemeClr val="accent1"/>
-            </a:fillRef>
-            <a:effectRef idx="0">
-              <a:schemeClr val="accent1"/>
-            </a:effectRef>
-            <a:fontRef idx="minor">
-              <a:schemeClr val="tx1"/>
-            </a:fontRef>
-          </p:style>
-        </p:cxnSp>
-      </p:grpSp>
+        </p:nvCxnSpPr>
+        <p:spPr>
+          <a:xfrm flipH="1">
+            <a:off x="10311837" y="2462433"/>
+            <a:ext cx="2592288" cy="2179756"/>
+          </a:xfrm>
+          <a:prstGeom prst="line">
+            <a:avLst/>
+          </a:prstGeom>
+          <a:ln w="76200">
+            <a:solidFill>
+              <a:schemeClr val="tx1">
+                <a:lumMod val="85000"/>
+                <a:lumOff val="15000"/>
+              </a:schemeClr>
+            </a:solidFill>
+          </a:ln>
+        </p:spPr>
+        <p:style>
+          <a:lnRef idx="1">
+            <a:schemeClr val="accent1"/>
+          </a:lnRef>
+          <a:fillRef idx="0">
+            <a:schemeClr val="accent1"/>
+          </a:fillRef>
+          <a:effectRef idx="0">
+            <a:schemeClr val="accent1"/>
+          </a:effectRef>
+          <a:fontRef idx="minor">
+            <a:schemeClr val="tx1"/>
+          </a:fontRef>
+        </p:style>
+      </p:cxnSp>
+      <p:cxnSp>
+        <p:nvCxnSpPr>
+          <p:cNvPr id="43" name="直接连接符 42"/>
+          <p:cNvCxnSpPr/>
+          <p:nvPr/>
+        </p:nvCxnSpPr>
+        <p:spPr>
+          <a:xfrm flipH="1">
+            <a:off x="10949586" y="1544376"/>
+            <a:ext cx="2592288" cy="2179756"/>
+          </a:xfrm>
+          <a:prstGeom prst="line">
+            <a:avLst/>
+          </a:prstGeom>
+          <a:ln w="12700">
+            <a:solidFill>
+              <a:schemeClr val="tx1">
+                <a:lumMod val="85000"/>
+                <a:lumOff val="15000"/>
+              </a:schemeClr>
+            </a:solidFill>
+          </a:ln>
+        </p:spPr>
+        <p:style>
+          <a:lnRef idx="1">
+            <a:schemeClr val="accent1"/>
+          </a:lnRef>
+          <a:fillRef idx="0">
+            <a:schemeClr val="accent1"/>
+          </a:fillRef>
+          <a:effectRef idx="0">
+            <a:schemeClr val="accent1"/>
+          </a:effectRef>
+          <a:fontRef idx="minor">
+            <a:schemeClr val="tx1"/>
+          </a:fontRef>
+        </p:style>
+      </p:cxnSp>
       <p:sp>
         <p:nvSpPr>
           <p:cNvPr id="44" name="等腰三角形 43"/>
@@ -5488,12 +5446,16 @@
   <p:clrMapOvr>
     <a:masterClrMapping/>
   </p:clrMapOvr>
-  <mc:AlternateContent xmlns:mc="http://schemas.openxmlformats.org/markup-compatibility/2006" xmlns:p14="http://schemas.microsoft.com/office/powerpoint/2010/main">
-    <mc:Choice Requires="p14">
-      <p:transition p14:dur="0" advClick="0" advTm="6355"/>
+  <mc:AlternateContent xmlns:mc="http://schemas.openxmlformats.org/markup-compatibility/2006">
+    <mc:Choice xmlns:p14="http://schemas.microsoft.com/office/powerpoint/2010/main" Requires="p14">
+      <p:transition spd="med" p14:dur="700" advClick="0" advTm="6355">
+        <p:fade/>
+      </p:transition>
     </mc:Choice>
-    <mc:Fallback xmlns="">
-      <p:transition advClick="0" advTm="6355"/>
+    <mc:Fallback>
+      <p:transition spd="med" advClick="0" advTm="6355">
+        <p:fade/>
+      </p:transition>
     </mc:Fallback>
   </mc:AlternateContent>
   <p:extLst>
@@ -6489,12 +6451,16 @@
   <p:clrMapOvr>
     <a:masterClrMapping/>
   </p:clrMapOvr>
-  <mc:AlternateContent xmlns:mc="http://schemas.openxmlformats.org/markup-compatibility/2006" xmlns:p14="http://schemas.microsoft.com/office/powerpoint/2010/main">
-    <mc:Choice Requires="p14">
-      <p:transition p14:dur="0" advClick="0" advTm="3000"/>
+  <mc:AlternateContent xmlns:mc="http://schemas.openxmlformats.org/markup-compatibility/2006">
+    <mc:Choice xmlns:p14="http://schemas.microsoft.com/office/powerpoint/2010/main" Requires="p14">
+      <p:transition spd="med" p14:dur="700" advClick="0" advTm="3000">
+        <p:fade/>
+      </p:transition>
     </mc:Choice>
-    <mc:Fallback xmlns="">
-      <p:transition advClick="0" advTm="3000"/>
+    <mc:Fallback>
+      <p:transition spd="med" advClick="0" advTm="3000">
+        <p:fade/>
+      </p:transition>
     </mc:Fallback>
   </mc:AlternateContent>
 </p:sld>
@@ -7529,12 +7495,16 @@
   <p:clrMapOvr>
     <a:masterClrMapping/>
   </p:clrMapOvr>
-  <mc:AlternateContent xmlns:mc="http://schemas.openxmlformats.org/markup-compatibility/2006" xmlns:p14="http://schemas.microsoft.com/office/powerpoint/2010/main">
-    <mc:Choice Requires="p14">
-      <p:transition p14:dur="0" advClick="0" advTm="3000"/>
+  <mc:AlternateContent xmlns:mc="http://schemas.openxmlformats.org/markup-compatibility/2006">
+    <mc:Choice xmlns:p14="http://schemas.microsoft.com/office/powerpoint/2010/main" Requires="p14">
+      <p:transition spd="med" p14:dur="700" advClick="0" advTm="3000">
+        <p:fade/>
+      </p:transition>
     </mc:Choice>
-    <mc:Fallback xmlns="">
-      <p:transition advClick="0" advTm="3000"/>
+    <mc:Fallback>
+      <p:transition spd="med" advClick="0" advTm="3000">
+        <p:fade/>
+      </p:transition>
     </mc:Fallback>
   </mc:AlternateContent>
 </p:sld>
@@ -8748,12 +8718,16 @@
   <p:clrMapOvr>
     <a:masterClrMapping/>
   </p:clrMapOvr>
-  <mc:AlternateContent xmlns:mc="http://schemas.openxmlformats.org/markup-compatibility/2006" xmlns:p14="http://schemas.microsoft.com/office/powerpoint/2010/main">
-    <mc:Choice Requires="p14">
-      <p:transition p14:dur="0" advClick="0" advTm="3000"/>
+  <mc:AlternateContent xmlns:mc="http://schemas.openxmlformats.org/markup-compatibility/2006">
+    <mc:Choice xmlns:p14="http://schemas.microsoft.com/office/powerpoint/2010/main" Requires="p14">
+      <p:transition spd="med" p14:dur="700" advClick="0" advTm="3000">
+        <p:fade/>
+      </p:transition>
     </mc:Choice>
-    <mc:Fallback xmlns="">
-      <p:transition advClick="0" advTm="3000"/>
+    <mc:Fallback>
+      <p:transition spd="med" advClick="0" advTm="3000">
+        <p:fade/>
+      </p:transition>
     </mc:Fallback>
   </mc:AlternateContent>
 </p:sld>
@@ -9484,12 +9458,16 @@
   <p:clrMapOvr>
     <a:masterClrMapping/>
   </p:clrMapOvr>
-  <mc:AlternateContent xmlns:mc="http://schemas.openxmlformats.org/markup-compatibility/2006" xmlns:p14="http://schemas.microsoft.com/office/powerpoint/2010/main">
-    <mc:Choice Requires="p14">
-      <p:transition p14:dur="0" advClick="0" advTm="3000"/>
+  <mc:AlternateContent xmlns:mc="http://schemas.openxmlformats.org/markup-compatibility/2006">
+    <mc:Choice xmlns:p14="http://schemas.microsoft.com/office/powerpoint/2010/main" Requires="p14">
+      <p:transition spd="med" p14:dur="700" advClick="0" advTm="3000">
+        <p:fade/>
+      </p:transition>
     </mc:Choice>
-    <mc:Fallback xmlns="">
-      <p:transition advClick="0" advTm="3000"/>
+    <mc:Fallback>
+      <p:transition spd="med" advClick="0" advTm="3000">
+        <p:fade/>
+      </p:transition>
     </mc:Fallback>
   </mc:AlternateContent>
 </p:sld>
@@ -9512,1174 +9490,6 @@
           <a:chExt cx="0" cy="0"/>
         </a:xfrm>
       </p:grpSpPr>
-      <p:cxnSp>
-        <p:nvCxnSpPr>
-          <p:cNvPr id="22" name="直接连接符 1"/>
-          <p:cNvCxnSpPr/>
-          <p:nvPr/>
-        </p:nvCxnSpPr>
-        <p:spPr>
-          <a:xfrm flipH="1">
-            <a:off x="-194358" y="217178"/>
-            <a:ext cx="777432" cy="653712"/>
-          </a:xfrm>
-          <a:prstGeom prst="line">
-            <a:avLst/>
-          </a:prstGeom>
-          <a:ln w="38100">
-            <a:solidFill>
-              <a:schemeClr val="tx1">
-                <a:lumMod val="85000"/>
-                <a:lumOff val="15000"/>
-              </a:schemeClr>
-            </a:solidFill>
-          </a:ln>
-        </p:spPr>
-        <p:style>
-          <a:lnRef idx="1">
-            <a:schemeClr val="accent1"/>
-          </a:lnRef>
-          <a:fillRef idx="0">
-            <a:schemeClr val="accent1"/>
-          </a:fillRef>
-          <a:effectRef idx="0">
-            <a:schemeClr val="accent1"/>
-          </a:effectRef>
-          <a:fontRef idx="minor">
-            <a:schemeClr val="tx1"/>
-          </a:fontRef>
-        </p:style>
-      </p:cxnSp>
-      <p:cxnSp>
-        <p:nvCxnSpPr>
-          <p:cNvPr id="23" name="直接连接符 2"/>
-          <p:cNvCxnSpPr/>
-          <p:nvPr/>
-        </p:nvCxnSpPr>
-        <p:spPr>
-          <a:xfrm flipH="1">
-            <a:off x="-58057" y="761631"/>
-            <a:ext cx="388716" cy="326856"/>
-          </a:xfrm>
-          <a:prstGeom prst="line">
-            <a:avLst/>
-          </a:prstGeom>
-          <a:ln w="12700">
-            <a:solidFill>
-              <a:srgbClr val="C00000"/>
-            </a:solidFill>
-          </a:ln>
-        </p:spPr>
-        <p:style>
-          <a:lnRef idx="1">
-            <a:schemeClr val="accent1"/>
-          </a:lnRef>
-          <a:fillRef idx="0">
-            <a:schemeClr val="accent1"/>
-          </a:fillRef>
-          <a:effectRef idx="0">
-            <a:schemeClr val="accent1"/>
-          </a:effectRef>
-          <a:fontRef idx="minor">
-            <a:schemeClr val="tx1"/>
-          </a:fontRef>
-        </p:style>
-      </p:cxnSp>
-      <p:sp>
-        <p:nvSpPr>
-          <p:cNvPr id="24" name="矩形 23"/>
-          <p:cNvSpPr/>
-          <p:nvPr/>
-        </p:nvSpPr>
-        <p:spPr>
-          <a:xfrm>
-            <a:off x="694606" y="183740"/>
-            <a:ext cx="4236673" cy="523220"/>
-          </a:xfrm>
-          <a:prstGeom prst="rect">
-            <a:avLst/>
-          </a:prstGeom>
-        </p:spPr>
-        <p:txBody>
-          <a:bodyPr wrap="none">
-            <a:spAutoFit/>
-          </a:bodyPr>
-          <a:lstStyle/>
-          <a:p>
-            <a:r>
-              <a:rPr lang="en-US" altLang="zh-CN" sz="2800" b="1" dirty="0">
-                <a:solidFill>
-                  <a:srgbClr val="C00000"/>
-                </a:solidFill>
-                <a:latin typeface="Calibri" charset="0"/>
-                <a:ea typeface="Calibri" charset="0"/>
-                <a:cs typeface="Calibri" charset="0"/>
-              </a:rPr>
-              <a:t>4</a:t>
-            </a:r>
-            <a:r>
-              <a:rPr lang="en-US" altLang="zh-CN" sz="2800" b="1" dirty="0">
-                <a:latin typeface="Calibri" charset="0"/>
-                <a:ea typeface="Calibri" charset="0"/>
-                <a:cs typeface="Calibri" charset="0"/>
-              </a:rPr>
-              <a:t>  Materials &amp; Data Source</a:t>
-            </a:r>
-            <a:endParaRPr lang="zh-CN" altLang="en-US" sz="2800" b="1" dirty="0">
-              <a:latin typeface="Calibri" charset="0"/>
-              <a:ea typeface="Calibri" charset="0"/>
-              <a:cs typeface="Calibri" charset="0"/>
-            </a:endParaRPr>
-          </a:p>
-        </p:txBody>
-      </p:sp>
-      <p:sp>
-        <p:nvSpPr>
-          <p:cNvPr id="25" name="左中括号 24"/>
-          <p:cNvSpPr/>
-          <p:nvPr/>
-        </p:nvSpPr>
-        <p:spPr>
-          <a:xfrm>
-            <a:off x="658602" y="202904"/>
-            <a:ext cx="72008" cy="504056"/>
-          </a:xfrm>
-          <a:prstGeom prst="leftBracket">
-            <a:avLst/>
-          </a:prstGeom>
-          <a:ln>
-            <a:solidFill>
-              <a:schemeClr val="tx1"/>
-            </a:solidFill>
-          </a:ln>
-        </p:spPr>
-        <p:style>
-          <a:lnRef idx="1">
-            <a:schemeClr val="accent1"/>
-          </a:lnRef>
-          <a:fillRef idx="0">
-            <a:schemeClr val="accent1"/>
-          </a:fillRef>
-          <a:effectRef idx="0">
-            <a:schemeClr val="accent1"/>
-          </a:effectRef>
-          <a:fontRef idx="minor">
-            <a:schemeClr val="tx1"/>
-          </a:fontRef>
-        </p:style>
-        <p:txBody>
-          <a:bodyPr rtlCol="0" anchor="ctr"/>
-          <a:lstStyle/>
-          <a:p>
-            <a:pPr algn="ctr"/>
-            <a:endParaRPr lang="zh-CN" altLang="en-US"/>
-          </a:p>
-        </p:txBody>
-      </p:sp>
-      <p:sp>
-        <p:nvSpPr>
-          <p:cNvPr id="26" name="等腰三角形 14"/>
-          <p:cNvSpPr/>
-          <p:nvPr/>
-        </p:nvSpPr>
-        <p:spPr>
-          <a:xfrm rot="512239">
-            <a:off x="11014880" y="501587"/>
-            <a:ext cx="396044" cy="341417"/>
-          </a:xfrm>
-          <a:prstGeom prst="triangle">
-            <a:avLst/>
-          </a:prstGeom>
-          <a:solidFill>
-            <a:srgbClr val="C00000"/>
-          </a:solidFill>
-          <a:ln>
-            <a:noFill/>
-          </a:ln>
-        </p:spPr>
-        <p:style>
-          <a:lnRef idx="2">
-            <a:schemeClr val="accent1">
-              <a:shade val="50000"/>
-            </a:schemeClr>
-          </a:lnRef>
-          <a:fillRef idx="1">
-            <a:schemeClr val="accent1"/>
-          </a:fillRef>
-          <a:effectRef idx="0">
-            <a:schemeClr val="accent1"/>
-          </a:effectRef>
-          <a:fontRef idx="minor">
-            <a:schemeClr val="lt1"/>
-          </a:fontRef>
-        </p:style>
-        <p:txBody>
-          <a:bodyPr rtlCol="0" anchor="ctr"/>
-          <a:lstStyle/>
-          <a:p>
-            <a:pPr algn="ctr"/>
-            <a:endParaRPr lang="zh-CN" altLang="en-US"/>
-          </a:p>
-        </p:txBody>
-      </p:sp>
-      <p:sp>
-        <p:nvSpPr>
-          <p:cNvPr id="27" name="等腰三角形 20"/>
-          <p:cNvSpPr/>
-          <p:nvPr/>
-        </p:nvSpPr>
-        <p:spPr>
-          <a:xfrm rot="20371609">
-            <a:off x="11666165" y="769672"/>
-            <a:ext cx="198022" cy="170708"/>
-          </a:xfrm>
-          <a:prstGeom prst="triangle">
-            <a:avLst/>
-          </a:prstGeom>
-          <a:solidFill>
-            <a:schemeClr val="tx1">
-              <a:lumMod val="50000"/>
-              <a:lumOff val="50000"/>
-            </a:schemeClr>
-          </a:solidFill>
-          <a:ln>
-            <a:noFill/>
-          </a:ln>
-        </p:spPr>
-        <p:style>
-          <a:lnRef idx="2">
-            <a:schemeClr val="accent1">
-              <a:shade val="50000"/>
-            </a:schemeClr>
-          </a:lnRef>
-          <a:fillRef idx="1">
-            <a:schemeClr val="accent1"/>
-          </a:fillRef>
-          <a:effectRef idx="0">
-            <a:schemeClr val="accent1"/>
-          </a:effectRef>
-          <a:fontRef idx="minor">
-            <a:schemeClr val="lt1"/>
-          </a:fontRef>
-        </p:style>
-        <p:txBody>
-          <a:bodyPr rtlCol="0" anchor="ctr"/>
-          <a:lstStyle/>
-          <a:p>
-            <a:pPr algn="ctr"/>
-            <a:endParaRPr lang="zh-CN" altLang="en-US"/>
-          </a:p>
-        </p:txBody>
-      </p:sp>
-      <p:sp>
-        <p:nvSpPr>
-          <p:cNvPr id="28" name="等腰三角形 25"/>
-          <p:cNvSpPr/>
-          <p:nvPr/>
-        </p:nvSpPr>
-        <p:spPr>
-          <a:xfrm rot="20371609">
-            <a:off x="11656874" y="386127"/>
-            <a:ext cx="266490" cy="196271"/>
-          </a:xfrm>
-          <a:prstGeom prst="triangle">
-            <a:avLst/>
-          </a:prstGeom>
-          <a:solidFill>
-            <a:schemeClr val="tx1">
-              <a:lumMod val="85000"/>
-              <a:lumOff val="15000"/>
-            </a:schemeClr>
-          </a:solidFill>
-          <a:ln>
-            <a:solidFill>
-              <a:schemeClr val="tx1">
-                <a:lumMod val="85000"/>
-                <a:lumOff val="15000"/>
-              </a:schemeClr>
-            </a:solidFill>
-          </a:ln>
-        </p:spPr>
-        <p:style>
-          <a:lnRef idx="2">
-            <a:schemeClr val="accent1">
-              <a:shade val="50000"/>
-            </a:schemeClr>
-          </a:lnRef>
-          <a:fillRef idx="1">
-            <a:schemeClr val="accent1"/>
-          </a:fillRef>
-          <a:effectRef idx="0">
-            <a:schemeClr val="accent1"/>
-          </a:effectRef>
-          <a:fontRef idx="minor">
-            <a:schemeClr val="lt1"/>
-          </a:fontRef>
-        </p:style>
-        <p:txBody>
-          <a:bodyPr rtlCol="0" anchor="ctr"/>
-          <a:lstStyle/>
-          <a:p>
-            <a:pPr algn="ctr"/>
-            <a:endParaRPr lang="zh-CN" altLang="en-US"/>
-          </a:p>
-        </p:txBody>
-      </p:sp>
-      <p:sp>
-        <p:nvSpPr>
-          <p:cNvPr id="29" name="等腰三角形 21"/>
-          <p:cNvSpPr/>
-          <p:nvPr/>
-        </p:nvSpPr>
-        <p:spPr>
-          <a:xfrm rot="20371609">
-            <a:off x="11651785" y="6388798"/>
-            <a:ext cx="266490" cy="196271"/>
-          </a:xfrm>
-          <a:prstGeom prst="triangle">
-            <a:avLst/>
-          </a:prstGeom>
-          <a:solidFill>
-            <a:schemeClr val="tx1">
-              <a:lumMod val="85000"/>
-              <a:lumOff val="15000"/>
-            </a:schemeClr>
-          </a:solidFill>
-          <a:ln>
-            <a:solidFill>
-              <a:schemeClr val="tx1">
-                <a:lumMod val="85000"/>
-                <a:lumOff val="15000"/>
-              </a:schemeClr>
-            </a:solidFill>
-          </a:ln>
-        </p:spPr>
-        <p:style>
-          <a:lnRef idx="2">
-            <a:schemeClr val="accent1">
-              <a:shade val="50000"/>
-            </a:schemeClr>
-          </a:lnRef>
-          <a:fillRef idx="1">
-            <a:schemeClr val="accent1"/>
-          </a:fillRef>
-          <a:effectRef idx="0">
-            <a:schemeClr val="accent1"/>
-          </a:effectRef>
-          <a:fontRef idx="minor">
-            <a:schemeClr val="lt1"/>
-          </a:fontRef>
-        </p:style>
-        <p:txBody>
-          <a:bodyPr rtlCol="0" anchor="ctr"/>
-          <a:lstStyle/>
-          <a:p>
-            <a:pPr algn="ctr"/>
-            <a:endParaRPr lang="zh-CN" altLang="en-US"/>
-          </a:p>
-        </p:txBody>
-      </p:sp>
-      <p:sp>
-        <p:nvSpPr>
-          <p:cNvPr id="30" name="等腰三角形 22"/>
-          <p:cNvSpPr/>
-          <p:nvPr/>
-        </p:nvSpPr>
-        <p:spPr>
-          <a:xfrm rot="3761573">
-            <a:off x="11018553" y="5996989"/>
-            <a:ext cx="741200" cy="508375"/>
-          </a:xfrm>
-          <a:prstGeom prst="triangle">
-            <a:avLst/>
-          </a:prstGeom>
-          <a:solidFill>
-            <a:schemeClr val="accent2">
-              <a:lumMod val="60000"/>
-              <a:lumOff val="40000"/>
-            </a:schemeClr>
-          </a:solidFill>
-          <a:ln>
-            <a:noFill/>
-          </a:ln>
-        </p:spPr>
-        <p:style>
-          <a:lnRef idx="2">
-            <a:schemeClr val="accent1">
-              <a:shade val="50000"/>
-            </a:schemeClr>
-          </a:lnRef>
-          <a:fillRef idx="1">
-            <a:schemeClr val="accent1"/>
-          </a:fillRef>
-          <a:effectRef idx="0">
-            <a:schemeClr val="accent1"/>
-          </a:effectRef>
-          <a:fontRef idx="minor">
-            <a:schemeClr val="lt1"/>
-          </a:fontRef>
-        </p:style>
-        <p:txBody>
-          <a:bodyPr rtlCol="0" anchor="ctr"/>
-          <a:lstStyle/>
-          <a:p>
-            <a:pPr algn="ctr"/>
-            <a:endParaRPr lang="zh-CN" altLang="en-US"/>
-          </a:p>
-        </p:txBody>
-      </p:sp>
-      <p:sp>
-        <p:nvSpPr>
-          <p:cNvPr id="2" name="Slide Number Placeholder 1">
-            <a:extLst>
-              <a:ext uri="{FF2B5EF4-FFF2-40B4-BE49-F238E27FC236}">
-                <a16:creationId xmlns:a16="http://schemas.microsoft.com/office/drawing/2014/main" id="{3FEF94DA-C6A5-4FAC-970B-55961153B0AB}"/>
-              </a:ext>
-            </a:extLst>
-          </p:cNvPr>
-          <p:cNvSpPr>
-            <a:spLocks noGrp="1"/>
-          </p:cNvSpPr>
-          <p:nvPr>
-            <p:ph type="sldNum" sz="quarter" idx="12"/>
-          </p:nvPr>
-        </p:nvSpPr>
-        <p:spPr/>
-        <p:txBody>
-          <a:bodyPr/>
-          <a:lstStyle/>
-          <a:p>
-            <a:fld id="{0C913308-F349-4B6D-A68A-DD1791B4A57B}" type="slidenum">
-              <a:rPr lang="zh-CN" altLang="en-US" smtClean="0"/>
-              <a:t>6</a:t>
-            </a:fld>
-            <a:endParaRPr lang="zh-CN" altLang="en-US" dirty="0"/>
-          </a:p>
-        </p:txBody>
-      </p:sp>
-      <p:grpSp>
-        <p:nvGrpSpPr>
-          <p:cNvPr id="19" name="Group 18">
-            <a:extLst>
-              <a:ext uri="{FF2B5EF4-FFF2-40B4-BE49-F238E27FC236}">
-                <a16:creationId xmlns:a16="http://schemas.microsoft.com/office/drawing/2014/main" id="{B98E63E6-D018-45A6-BCAA-8494AF86A160}"/>
-              </a:ext>
-            </a:extLst>
-          </p:cNvPr>
-          <p:cNvGrpSpPr/>
-          <p:nvPr/>
-        </p:nvGrpSpPr>
-        <p:grpSpPr>
-          <a:xfrm>
-            <a:off x="8462019" y="6120730"/>
-            <a:ext cx="2486273" cy="600746"/>
-            <a:chOff x="-1553286" y="437405"/>
-            <a:chExt cx="13825194" cy="3340513"/>
-          </a:xfrm>
-        </p:grpSpPr>
-        <p:pic>
-          <p:nvPicPr>
-            <p:cNvPr id="20" name="Picture 19">
-              <a:extLst>
-                <a:ext uri="{FF2B5EF4-FFF2-40B4-BE49-F238E27FC236}">
-                  <a16:creationId xmlns:a16="http://schemas.microsoft.com/office/drawing/2014/main" id="{D5D60ABC-DF29-46C4-8370-2F93D21ED24D}"/>
-                </a:ext>
-              </a:extLst>
-            </p:cNvPr>
-            <p:cNvPicPr>
-              <a:picLocks noChangeAspect="1"/>
-            </p:cNvPicPr>
-            <p:nvPr/>
-          </p:nvPicPr>
-          <p:blipFill rotWithShape="1">
-            <a:blip r:embed="rId3">
-              <a:duotone>
-                <a:prstClr val="black"/>
-                <a:schemeClr val="accent2">
-                  <a:tint val="45000"/>
-                  <a:satMod val="400000"/>
-                </a:schemeClr>
-              </a:duotone>
-              <a:extLst>
-                <a:ext uri="{BEBA8EAE-BF5A-486C-A8C5-ECC9F3942E4B}">
-                  <a14:imgProps xmlns:a14="http://schemas.microsoft.com/office/drawing/2010/main">
-                    <a14:imgLayer r:embed="rId4">
-                      <a14:imgEffect>
-                        <a14:artisticLineDrawing/>
-                      </a14:imgEffect>
-                    </a14:imgLayer>
-                  </a14:imgProps>
-                </a:ext>
-              </a:extLst>
-            </a:blip>
-            <a:srcRect r="61314"/>
-            <a:stretch/>
-          </p:blipFill>
-          <p:spPr>
-            <a:xfrm>
-              <a:off x="-1553286" y="437405"/>
-              <a:ext cx="4712862" cy="3314700"/>
-            </a:xfrm>
-            <a:prstGeom prst="rect">
-              <a:avLst/>
-            </a:prstGeom>
-          </p:spPr>
-        </p:pic>
-        <p:pic>
-          <p:nvPicPr>
-            <p:cNvPr id="21" name="Picture 20">
-              <a:extLst>
-                <a:ext uri="{FF2B5EF4-FFF2-40B4-BE49-F238E27FC236}">
-                  <a16:creationId xmlns:a16="http://schemas.microsoft.com/office/drawing/2014/main" id="{711532A2-88BE-4715-AD75-297309281406}"/>
-                </a:ext>
-              </a:extLst>
-            </p:cNvPr>
-            <p:cNvPicPr>
-              <a:picLocks noChangeAspect="1"/>
-            </p:cNvPicPr>
-            <p:nvPr/>
-          </p:nvPicPr>
-          <p:blipFill rotWithShape="1">
-            <a:blip r:embed="rId5">
-              <a:duotone>
-                <a:prstClr val="black"/>
-                <a:schemeClr val="accent2">
-                  <a:tint val="45000"/>
-                  <a:satMod val="400000"/>
-                </a:schemeClr>
-              </a:duotone>
-              <a:extLst>
-                <a:ext uri="{BEBA8EAE-BF5A-486C-A8C5-ECC9F3942E4B}">
-                  <a14:imgProps xmlns:a14="http://schemas.microsoft.com/office/drawing/2010/main">
-                    <a14:imgLayer r:embed="rId4">
-                      <a14:imgEffect>
-                        <a14:artisticLineDrawing/>
-                      </a14:imgEffect>
-                      <a14:imgEffect>
-                        <a14:saturation sat="400000"/>
-                      </a14:imgEffect>
-                    </a14:imgLayer>
-                  </a14:imgProps>
-                </a:ext>
-              </a:extLst>
-            </a:blip>
-            <a:srcRect l="39386"/>
-            <a:stretch/>
-          </p:blipFill>
-          <p:spPr>
-            <a:xfrm>
-              <a:off x="4887479" y="463218"/>
-              <a:ext cx="7384429" cy="3314700"/>
-            </a:xfrm>
-            <a:prstGeom prst="rect">
-              <a:avLst/>
-            </a:prstGeom>
-          </p:spPr>
-        </p:pic>
-      </p:grpSp>
-      <p:sp>
-        <p:nvSpPr>
-          <p:cNvPr id="32" name="TextBox 15">
-            <a:extLst>
-              <a:ext uri="{FF2B5EF4-FFF2-40B4-BE49-F238E27FC236}">
-                <a16:creationId xmlns:a16="http://schemas.microsoft.com/office/drawing/2014/main" id="{C5E60832-B95E-405B-A6F8-2DB3008CE97F}"/>
-              </a:ext>
-            </a:extLst>
-          </p:cNvPr>
-          <p:cNvSpPr txBox="1"/>
-          <p:nvPr/>
-        </p:nvSpPr>
-        <p:spPr>
-          <a:xfrm>
-            <a:off x="658602" y="759691"/>
-            <a:ext cx="7335365" cy="1318181"/>
-          </a:xfrm>
-          <a:prstGeom prst="rect">
-            <a:avLst/>
-          </a:prstGeom>
-          <a:noFill/>
-        </p:spPr>
-        <p:txBody>
-          <a:bodyPr wrap="square" rtlCol="0">
-            <a:spAutoFit/>
-          </a:bodyPr>
-          <a:lstStyle/>
-          <a:p>
-            <a:pPr>
-              <a:lnSpc>
-                <a:spcPct val="150000"/>
-              </a:lnSpc>
-            </a:pPr>
-            <a:r>
-              <a:rPr lang="en-US" altLang="zh-CN" sz="2800" b="1" dirty="0">
-                <a:latin typeface="Calibri" charset="0"/>
-                <a:ea typeface="Calibri" charset="0"/>
-                <a:cs typeface="Calibri" charset="0"/>
-              </a:rPr>
-              <a:t>Our data are crawled from https://sofifa.com/, which is a professional FIFA information website.</a:t>
-            </a:r>
-            <a:endParaRPr lang="en-US" altLang="zh-CN" sz="2800" b="1" spc="300" dirty="0">
-              <a:solidFill>
-                <a:schemeClr val="tx1">
-                  <a:lumMod val="65000"/>
-                  <a:lumOff val="35000"/>
-                </a:schemeClr>
-              </a:solidFill>
-              <a:latin typeface="Calibri" charset="0"/>
-              <a:ea typeface="Calibri" charset="0"/>
-              <a:cs typeface="Calibri" charset="0"/>
-            </a:endParaRPr>
-          </a:p>
-        </p:txBody>
-      </p:sp>
-      <p:pic>
-        <p:nvPicPr>
-          <p:cNvPr id="4" name="Picture 3">
-            <a:extLst>
-              <a:ext uri="{FF2B5EF4-FFF2-40B4-BE49-F238E27FC236}">
-                <a16:creationId xmlns:a16="http://schemas.microsoft.com/office/drawing/2014/main" id="{CA57A636-EF69-43B3-8025-007869A3AECB}"/>
-              </a:ext>
-            </a:extLst>
-          </p:cNvPr>
-          <p:cNvPicPr>
-            <a:picLocks noChangeAspect="1"/>
-          </p:cNvPicPr>
-          <p:nvPr/>
-        </p:nvPicPr>
-        <p:blipFill rotWithShape="1">
-          <a:blip r:embed="rId6"/>
-          <a:srcRect l="10780" t="9076" r="11138" b="7309"/>
-          <a:stretch/>
-        </p:blipFill>
-        <p:spPr>
-          <a:xfrm>
-            <a:off x="661896" y="2106104"/>
-            <a:ext cx="7621644" cy="4590984"/>
-          </a:xfrm>
-          <a:prstGeom prst="rect">
-            <a:avLst/>
-          </a:prstGeom>
-          <a:ln>
-            <a:noFill/>
-          </a:ln>
-          <a:effectLst>
-            <a:outerShdw blurRad="292100" dist="139700" dir="2700000" algn="tl" rotWithShape="0">
-              <a:srgbClr val="333333">
-                <a:alpha val="65000"/>
-              </a:srgbClr>
-            </a:outerShdw>
-          </a:effectLst>
-        </p:spPr>
-      </p:pic>
-      <p:pic>
-        <p:nvPicPr>
-          <p:cNvPr id="5" name="Picture 4">
-            <a:extLst>
-              <a:ext uri="{FF2B5EF4-FFF2-40B4-BE49-F238E27FC236}">
-                <a16:creationId xmlns:a16="http://schemas.microsoft.com/office/drawing/2014/main" id="{399EAB39-F1EA-4284-9657-14BE20B422FA}"/>
-              </a:ext>
-            </a:extLst>
-          </p:cNvPr>
-          <p:cNvPicPr>
-            <a:picLocks noChangeAspect="1"/>
-          </p:cNvPicPr>
-          <p:nvPr/>
-        </p:nvPicPr>
-        <p:blipFill rotWithShape="1">
-          <a:blip r:embed="rId7"/>
-          <a:srcRect l="11015" t="44750" r="60632" b="9045"/>
-          <a:stretch/>
-        </p:blipFill>
-        <p:spPr>
-          <a:xfrm>
-            <a:off x="8615486" y="2106104"/>
-            <a:ext cx="3456384" cy="3168352"/>
-          </a:xfrm>
-          <a:prstGeom prst="rect">
-            <a:avLst/>
-          </a:prstGeom>
-          <a:ln>
-            <a:noFill/>
-          </a:ln>
-          <a:effectLst>
-            <a:outerShdw blurRad="292100" dist="139700" dir="2700000" algn="tl" rotWithShape="0">
-              <a:srgbClr val="333333">
-                <a:alpha val="65000"/>
-              </a:srgbClr>
-            </a:outerShdw>
-          </a:effectLst>
-        </p:spPr>
-      </p:pic>
-    </p:spTree>
-    <p:extLst>
-      <p:ext uri="{BB962C8B-B14F-4D97-AF65-F5344CB8AC3E}">
-        <p14:creationId xmlns:p14="http://schemas.microsoft.com/office/powerpoint/2010/main" val="2386863078"/>
-      </p:ext>
-    </p:extLst>
-  </p:cSld>
-  <p:clrMapOvr>
-    <a:masterClrMapping/>
-  </p:clrMapOvr>
-  <mc:AlternateContent xmlns:mc="http://schemas.openxmlformats.org/markup-compatibility/2006" xmlns:p14="http://schemas.microsoft.com/office/powerpoint/2010/main">
-    <mc:Choice Requires="p14">
-      <p:transition p14:dur="0" advClick="0" advTm="3000"/>
-    </mc:Choice>
-    <mc:Fallback xmlns="">
-      <p:transition advClick="0" advTm="3000"/>
-    </mc:Fallback>
-  </mc:AlternateContent>
-</p:sld>
-</file>
-
-<file path=ppt/slides/slide7.xml><?xml version="1.0" encoding="utf-8"?>
-<p:sld xmlns:a="http://schemas.openxmlformats.org/drawingml/2006/main" xmlns:r="http://schemas.openxmlformats.org/officeDocument/2006/relationships" xmlns:p="http://schemas.openxmlformats.org/presentationml/2006/main">
-  <p:cSld>
-    <p:spTree>
-      <p:nvGrpSpPr>
-        <p:cNvPr id="1" name=""/>
-        <p:cNvGrpSpPr/>
-        <p:nvPr/>
-      </p:nvGrpSpPr>
-      <p:grpSpPr>
-        <a:xfrm>
-          <a:off x="0" y="0"/>
-          <a:ext cx="0" cy="0"/>
-          <a:chOff x="0" y="0"/>
-          <a:chExt cx="0" cy="0"/>
-        </a:xfrm>
-      </p:grpSpPr>
-      <p:cxnSp>
-        <p:nvCxnSpPr>
-          <p:cNvPr id="2" name="直接连接符 1"/>
-          <p:cNvCxnSpPr/>
-          <p:nvPr/>
-        </p:nvCxnSpPr>
-        <p:spPr>
-          <a:xfrm flipH="1">
-            <a:off x="-194358" y="217178"/>
-            <a:ext cx="777432" cy="653712"/>
-          </a:xfrm>
-          <a:prstGeom prst="line">
-            <a:avLst/>
-          </a:prstGeom>
-          <a:ln w="38100">
-            <a:solidFill>
-              <a:schemeClr val="tx1">
-                <a:lumMod val="85000"/>
-                <a:lumOff val="15000"/>
-              </a:schemeClr>
-            </a:solidFill>
-          </a:ln>
-        </p:spPr>
-        <p:style>
-          <a:lnRef idx="1">
-            <a:schemeClr val="accent1"/>
-          </a:lnRef>
-          <a:fillRef idx="0">
-            <a:schemeClr val="accent1"/>
-          </a:fillRef>
-          <a:effectRef idx="0">
-            <a:schemeClr val="accent1"/>
-          </a:effectRef>
-          <a:fontRef idx="minor">
-            <a:schemeClr val="tx1"/>
-          </a:fontRef>
-        </p:style>
-      </p:cxnSp>
-      <p:cxnSp>
-        <p:nvCxnSpPr>
-          <p:cNvPr id="3" name="直接连接符 2"/>
-          <p:cNvCxnSpPr/>
-          <p:nvPr/>
-        </p:nvCxnSpPr>
-        <p:spPr>
-          <a:xfrm flipH="1">
-            <a:off x="-58057" y="761631"/>
-            <a:ext cx="388716" cy="326856"/>
-          </a:xfrm>
-          <a:prstGeom prst="line">
-            <a:avLst/>
-          </a:prstGeom>
-          <a:ln w="12700">
-            <a:solidFill>
-              <a:srgbClr val="C00000"/>
-            </a:solidFill>
-          </a:ln>
-        </p:spPr>
-        <p:style>
-          <a:lnRef idx="1">
-            <a:schemeClr val="accent1"/>
-          </a:lnRef>
-          <a:fillRef idx="0">
-            <a:schemeClr val="accent1"/>
-          </a:fillRef>
-          <a:effectRef idx="0">
-            <a:schemeClr val="accent1"/>
-          </a:effectRef>
-          <a:fontRef idx="minor">
-            <a:schemeClr val="tx1"/>
-          </a:fontRef>
-        </p:style>
-      </p:cxnSp>
-      <p:sp>
-        <p:nvSpPr>
-          <p:cNvPr id="40" name="矩形 39"/>
-          <p:cNvSpPr/>
-          <p:nvPr/>
-        </p:nvSpPr>
-        <p:spPr>
-          <a:xfrm>
-            <a:off x="694606" y="183740"/>
-            <a:ext cx="3425490" cy="523220"/>
-          </a:xfrm>
-          <a:prstGeom prst="rect">
-            <a:avLst/>
-          </a:prstGeom>
-        </p:spPr>
-        <p:txBody>
-          <a:bodyPr wrap="none">
-            <a:spAutoFit/>
-          </a:bodyPr>
-          <a:lstStyle/>
-          <a:p>
-            <a:pPr marL="514350" indent="-514350">
-              <a:buAutoNum type="arabicPlain" startAt="5"/>
-            </a:pPr>
-            <a:r>
-              <a:rPr lang="en-US" altLang="zh-CN" sz="2800" b="1" dirty="0">
-                <a:latin typeface="Calibri" charset="0"/>
-                <a:ea typeface="Calibri" charset="0"/>
-                <a:cs typeface="Calibri" charset="0"/>
-              </a:rPr>
-              <a:t>Database Schema </a:t>
-            </a:r>
-          </a:p>
-        </p:txBody>
-      </p:sp>
-      <p:sp>
-        <p:nvSpPr>
-          <p:cNvPr id="51" name="左中括号 50"/>
-          <p:cNvSpPr/>
-          <p:nvPr/>
-        </p:nvSpPr>
-        <p:spPr>
-          <a:xfrm>
-            <a:off x="658602" y="202904"/>
-            <a:ext cx="72008" cy="504056"/>
-          </a:xfrm>
-          <a:prstGeom prst="leftBracket">
-            <a:avLst/>
-          </a:prstGeom>
-          <a:ln>
-            <a:solidFill>
-              <a:schemeClr val="tx1"/>
-            </a:solidFill>
-          </a:ln>
-        </p:spPr>
-        <p:style>
-          <a:lnRef idx="1">
-            <a:schemeClr val="accent1"/>
-          </a:lnRef>
-          <a:fillRef idx="0">
-            <a:schemeClr val="accent1"/>
-          </a:fillRef>
-          <a:effectRef idx="0">
-            <a:schemeClr val="accent1"/>
-          </a:effectRef>
-          <a:fontRef idx="minor">
-            <a:schemeClr val="tx1"/>
-          </a:fontRef>
-        </p:style>
-        <p:txBody>
-          <a:bodyPr rtlCol="0" anchor="ctr"/>
-          <a:lstStyle/>
-          <a:p>
-            <a:pPr algn="ctr"/>
-            <a:endParaRPr lang="zh-CN" altLang="en-US"/>
-          </a:p>
-        </p:txBody>
-      </p:sp>
-      <p:sp>
-        <p:nvSpPr>
-          <p:cNvPr id="55" name="等腰三角形 14"/>
-          <p:cNvSpPr/>
-          <p:nvPr/>
-        </p:nvSpPr>
-        <p:spPr>
-          <a:xfrm rot="512239">
-            <a:off x="11014880" y="501587"/>
-            <a:ext cx="396044" cy="341417"/>
-          </a:xfrm>
-          <a:prstGeom prst="triangle">
-            <a:avLst/>
-          </a:prstGeom>
-          <a:solidFill>
-            <a:srgbClr val="C00000"/>
-          </a:solidFill>
-          <a:ln>
-            <a:noFill/>
-          </a:ln>
-        </p:spPr>
-        <p:style>
-          <a:lnRef idx="2">
-            <a:schemeClr val="accent1">
-              <a:shade val="50000"/>
-            </a:schemeClr>
-          </a:lnRef>
-          <a:fillRef idx="1">
-            <a:schemeClr val="accent1"/>
-          </a:fillRef>
-          <a:effectRef idx="0">
-            <a:schemeClr val="accent1"/>
-          </a:effectRef>
-          <a:fontRef idx="minor">
-            <a:schemeClr val="lt1"/>
-          </a:fontRef>
-        </p:style>
-        <p:txBody>
-          <a:bodyPr rtlCol="0" anchor="ctr"/>
-          <a:lstStyle/>
-          <a:p>
-            <a:pPr algn="ctr"/>
-            <a:endParaRPr lang="zh-CN" altLang="en-US"/>
-          </a:p>
-        </p:txBody>
-      </p:sp>
-      <p:sp>
-        <p:nvSpPr>
-          <p:cNvPr id="56" name="等腰三角形 20"/>
-          <p:cNvSpPr/>
-          <p:nvPr/>
-        </p:nvSpPr>
-        <p:spPr>
-          <a:xfrm rot="20371609">
-            <a:off x="11666165" y="769672"/>
-            <a:ext cx="198022" cy="170708"/>
-          </a:xfrm>
-          <a:prstGeom prst="triangle">
-            <a:avLst/>
-          </a:prstGeom>
-          <a:solidFill>
-            <a:schemeClr val="tx1">
-              <a:lumMod val="50000"/>
-              <a:lumOff val="50000"/>
-            </a:schemeClr>
-          </a:solidFill>
-          <a:ln>
-            <a:noFill/>
-          </a:ln>
-        </p:spPr>
-        <p:style>
-          <a:lnRef idx="2">
-            <a:schemeClr val="accent1">
-              <a:shade val="50000"/>
-            </a:schemeClr>
-          </a:lnRef>
-          <a:fillRef idx="1">
-            <a:schemeClr val="accent1"/>
-          </a:fillRef>
-          <a:effectRef idx="0">
-            <a:schemeClr val="accent1"/>
-          </a:effectRef>
-          <a:fontRef idx="minor">
-            <a:schemeClr val="lt1"/>
-          </a:fontRef>
-        </p:style>
-        <p:txBody>
-          <a:bodyPr rtlCol="0" anchor="ctr"/>
-          <a:lstStyle/>
-          <a:p>
-            <a:pPr algn="ctr"/>
-            <a:endParaRPr lang="zh-CN" altLang="en-US"/>
-          </a:p>
-        </p:txBody>
-      </p:sp>
-      <p:sp>
-        <p:nvSpPr>
-          <p:cNvPr id="57" name="等腰三角形 25"/>
-          <p:cNvSpPr/>
-          <p:nvPr/>
-        </p:nvSpPr>
-        <p:spPr>
-          <a:xfrm rot="20371609">
-            <a:off x="11656874" y="386127"/>
-            <a:ext cx="266490" cy="196271"/>
-          </a:xfrm>
-          <a:prstGeom prst="triangle">
-            <a:avLst/>
-          </a:prstGeom>
-          <a:solidFill>
-            <a:schemeClr val="tx1">
-              <a:lumMod val="85000"/>
-              <a:lumOff val="15000"/>
-            </a:schemeClr>
-          </a:solidFill>
-          <a:ln>
-            <a:solidFill>
-              <a:schemeClr val="tx1">
-                <a:lumMod val="85000"/>
-                <a:lumOff val="15000"/>
-              </a:schemeClr>
-            </a:solidFill>
-          </a:ln>
-        </p:spPr>
-        <p:style>
-          <a:lnRef idx="2">
-            <a:schemeClr val="accent1">
-              <a:shade val="50000"/>
-            </a:schemeClr>
-          </a:lnRef>
-          <a:fillRef idx="1">
-            <a:schemeClr val="accent1"/>
-          </a:fillRef>
-          <a:effectRef idx="0">
-            <a:schemeClr val="accent1"/>
-          </a:effectRef>
-          <a:fontRef idx="minor">
-            <a:schemeClr val="lt1"/>
-          </a:fontRef>
-        </p:style>
-        <p:txBody>
-          <a:bodyPr rtlCol="0" anchor="ctr"/>
-          <a:lstStyle/>
-          <a:p>
-            <a:pPr algn="ctr"/>
-            <a:endParaRPr lang="zh-CN" altLang="en-US"/>
-          </a:p>
-        </p:txBody>
-      </p:sp>
-      <p:sp>
-        <p:nvSpPr>
-          <p:cNvPr id="58" name="等腰三角形 21"/>
-          <p:cNvSpPr/>
-          <p:nvPr/>
-        </p:nvSpPr>
-        <p:spPr>
-          <a:xfrm rot="20371609">
-            <a:off x="11651785" y="6388798"/>
-            <a:ext cx="266490" cy="196271"/>
-          </a:xfrm>
-          <a:prstGeom prst="triangle">
-            <a:avLst/>
-          </a:prstGeom>
-          <a:solidFill>
-            <a:schemeClr val="tx1">
-              <a:lumMod val="85000"/>
-              <a:lumOff val="15000"/>
-            </a:schemeClr>
-          </a:solidFill>
-          <a:ln>
-            <a:solidFill>
-              <a:schemeClr val="tx1">
-                <a:lumMod val="85000"/>
-                <a:lumOff val="15000"/>
-              </a:schemeClr>
-            </a:solidFill>
-          </a:ln>
-        </p:spPr>
-        <p:style>
-          <a:lnRef idx="2">
-            <a:schemeClr val="accent1">
-              <a:shade val="50000"/>
-            </a:schemeClr>
-          </a:lnRef>
-          <a:fillRef idx="1">
-            <a:schemeClr val="accent1"/>
-          </a:fillRef>
-          <a:effectRef idx="0">
-            <a:schemeClr val="accent1"/>
-          </a:effectRef>
-          <a:fontRef idx="minor">
-            <a:schemeClr val="lt1"/>
-          </a:fontRef>
-        </p:style>
-        <p:txBody>
-          <a:bodyPr rtlCol="0" anchor="ctr"/>
-          <a:lstStyle/>
-          <a:p>
-            <a:pPr algn="ctr"/>
-            <a:endParaRPr lang="zh-CN" altLang="en-US"/>
-          </a:p>
-        </p:txBody>
-      </p:sp>
-      <p:sp>
-        <p:nvSpPr>
-          <p:cNvPr id="59" name="等腰三角形 22"/>
-          <p:cNvSpPr/>
-          <p:nvPr/>
-        </p:nvSpPr>
-        <p:spPr>
-          <a:xfrm rot="3761573">
-            <a:off x="11018553" y="5996989"/>
-            <a:ext cx="741200" cy="508375"/>
-          </a:xfrm>
-          <a:prstGeom prst="triangle">
-            <a:avLst/>
-          </a:prstGeom>
-          <a:solidFill>
-            <a:schemeClr val="accent2">
-              <a:lumMod val="60000"/>
-              <a:lumOff val="40000"/>
-            </a:schemeClr>
-          </a:solidFill>
-          <a:ln>
-            <a:noFill/>
-          </a:ln>
-        </p:spPr>
-        <p:style>
-          <a:lnRef idx="2">
-            <a:schemeClr val="accent1">
-              <a:shade val="50000"/>
-            </a:schemeClr>
-          </a:lnRef>
-          <a:fillRef idx="1">
-            <a:schemeClr val="accent1"/>
-          </a:fillRef>
-          <a:effectRef idx="0">
-            <a:schemeClr val="accent1"/>
-          </a:effectRef>
-          <a:fontRef idx="minor">
-            <a:schemeClr val="lt1"/>
-          </a:fontRef>
-        </p:style>
-        <p:txBody>
-          <a:bodyPr rtlCol="0" anchor="ctr"/>
-          <a:lstStyle/>
-          <a:p>
-            <a:pPr algn="ctr"/>
-            <a:endParaRPr lang="zh-CN" altLang="en-US"/>
-          </a:p>
-        </p:txBody>
-      </p:sp>
-      <p:sp>
-        <p:nvSpPr>
-          <p:cNvPr id="4" name="Slide Number Placeholder 3">
-            <a:extLst>
-              <a:ext uri="{FF2B5EF4-FFF2-40B4-BE49-F238E27FC236}">
-                <a16:creationId xmlns:a16="http://schemas.microsoft.com/office/drawing/2014/main" id="{1268DBC8-D031-42E0-97F4-0C2CDEF6018D}"/>
-              </a:ext>
-            </a:extLst>
-          </p:cNvPr>
-          <p:cNvSpPr>
-            <a:spLocks noGrp="1"/>
-          </p:cNvSpPr>
-          <p:nvPr>
-            <p:ph type="sldNum" sz="quarter" idx="12"/>
-          </p:nvPr>
-        </p:nvSpPr>
-        <p:spPr/>
-        <p:txBody>
-          <a:bodyPr/>
-          <a:lstStyle/>
-          <a:p>
-            <a:fld id="{0C913308-F349-4B6D-A68A-DD1791B4A57B}" type="slidenum">
-              <a:rPr lang="zh-CN" altLang="en-US" smtClean="0"/>
-              <a:t>7</a:t>
-            </a:fld>
-            <a:endParaRPr lang="zh-CN" altLang="en-US"/>
-          </a:p>
-        </p:txBody>
-      </p:sp>
       <p:grpSp>
         <p:nvGrpSpPr>
           <p:cNvPr id="45" name="Group 44">
@@ -10836,6 +9646,457 @@
           </a:prstGeom>
         </p:spPr>
       </p:pic>
+      <p:cxnSp>
+        <p:nvCxnSpPr>
+          <p:cNvPr id="2" name="直接连接符 1"/>
+          <p:cNvCxnSpPr/>
+          <p:nvPr/>
+        </p:nvCxnSpPr>
+        <p:spPr>
+          <a:xfrm flipH="1">
+            <a:off x="-194358" y="217178"/>
+            <a:ext cx="777432" cy="653712"/>
+          </a:xfrm>
+          <a:prstGeom prst="line">
+            <a:avLst/>
+          </a:prstGeom>
+          <a:ln w="38100">
+            <a:solidFill>
+              <a:schemeClr val="tx1">
+                <a:lumMod val="85000"/>
+                <a:lumOff val="15000"/>
+              </a:schemeClr>
+            </a:solidFill>
+          </a:ln>
+        </p:spPr>
+        <p:style>
+          <a:lnRef idx="1">
+            <a:schemeClr val="accent1"/>
+          </a:lnRef>
+          <a:fillRef idx="0">
+            <a:schemeClr val="accent1"/>
+          </a:fillRef>
+          <a:effectRef idx="0">
+            <a:schemeClr val="accent1"/>
+          </a:effectRef>
+          <a:fontRef idx="minor">
+            <a:schemeClr val="tx1"/>
+          </a:fontRef>
+        </p:style>
+      </p:cxnSp>
+      <p:cxnSp>
+        <p:nvCxnSpPr>
+          <p:cNvPr id="3" name="直接连接符 2"/>
+          <p:cNvCxnSpPr/>
+          <p:nvPr/>
+        </p:nvCxnSpPr>
+        <p:spPr>
+          <a:xfrm flipH="1">
+            <a:off x="-58057" y="761631"/>
+            <a:ext cx="388716" cy="326856"/>
+          </a:xfrm>
+          <a:prstGeom prst="line">
+            <a:avLst/>
+          </a:prstGeom>
+          <a:ln w="12700">
+            <a:solidFill>
+              <a:srgbClr val="C00000"/>
+            </a:solidFill>
+          </a:ln>
+        </p:spPr>
+        <p:style>
+          <a:lnRef idx="1">
+            <a:schemeClr val="accent1"/>
+          </a:lnRef>
+          <a:fillRef idx="0">
+            <a:schemeClr val="accent1"/>
+          </a:fillRef>
+          <a:effectRef idx="0">
+            <a:schemeClr val="accent1"/>
+          </a:effectRef>
+          <a:fontRef idx="minor">
+            <a:schemeClr val="tx1"/>
+          </a:fontRef>
+        </p:style>
+      </p:cxnSp>
+      <p:sp>
+        <p:nvSpPr>
+          <p:cNvPr id="51" name="左中括号 50"/>
+          <p:cNvSpPr/>
+          <p:nvPr/>
+        </p:nvSpPr>
+        <p:spPr>
+          <a:xfrm>
+            <a:off x="658602" y="202904"/>
+            <a:ext cx="72008" cy="504056"/>
+          </a:xfrm>
+          <a:prstGeom prst="leftBracket">
+            <a:avLst/>
+          </a:prstGeom>
+          <a:ln>
+            <a:solidFill>
+              <a:schemeClr val="tx1"/>
+            </a:solidFill>
+          </a:ln>
+        </p:spPr>
+        <p:style>
+          <a:lnRef idx="1">
+            <a:schemeClr val="accent1"/>
+          </a:lnRef>
+          <a:fillRef idx="0">
+            <a:schemeClr val="accent1"/>
+          </a:fillRef>
+          <a:effectRef idx="0">
+            <a:schemeClr val="accent1"/>
+          </a:effectRef>
+          <a:fontRef idx="minor">
+            <a:schemeClr val="tx1"/>
+          </a:fontRef>
+        </p:style>
+        <p:txBody>
+          <a:bodyPr rtlCol="0" anchor="ctr"/>
+          <a:lstStyle/>
+          <a:p>
+            <a:pPr algn="ctr"/>
+            <a:endParaRPr lang="zh-CN" altLang="en-US"/>
+          </a:p>
+        </p:txBody>
+      </p:sp>
+      <p:sp>
+        <p:nvSpPr>
+          <p:cNvPr id="55" name="等腰三角形 14"/>
+          <p:cNvSpPr/>
+          <p:nvPr/>
+        </p:nvSpPr>
+        <p:spPr>
+          <a:xfrm rot="512239">
+            <a:off x="11014880" y="501587"/>
+            <a:ext cx="396044" cy="341417"/>
+          </a:xfrm>
+          <a:prstGeom prst="triangle">
+            <a:avLst/>
+          </a:prstGeom>
+          <a:solidFill>
+            <a:srgbClr val="C00000"/>
+          </a:solidFill>
+          <a:ln>
+            <a:noFill/>
+          </a:ln>
+        </p:spPr>
+        <p:style>
+          <a:lnRef idx="2">
+            <a:schemeClr val="accent1">
+              <a:shade val="50000"/>
+            </a:schemeClr>
+          </a:lnRef>
+          <a:fillRef idx="1">
+            <a:schemeClr val="accent1"/>
+          </a:fillRef>
+          <a:effectRef idx="0">
+            <a:schemeClr val="accent1"/>
+          </a:effectRef>
+          <a:fontRef idx="minor">
+            <a:schemeClr val="lt1"/>
+          </a:fontRef>
+        </p:style>
+        <p:txBody>
+          <a:bodyPr rtlCol="0" anchor="ctr"/>
+          <a:lstStyle/>
+          <a:p>
+            <a:pPr algn="ctr"/>
+            <a:endParaRPr lang="zh-CN" altLang="en-US"/>
+          </a:p>
+        </p:txBody>
+      </p:sp>
+      <p:sp>
+        <p:nvSpPr>
+          <p:cNvPr id="56" name="等腰三角形 20"/>
+          <p:cNvSpPr/>
+          <p:nvPr/>
+        </p:nvSpPr>
+        <p:spPr>
+          <a:xfrm rot="20371609">
+            <a:off x="11666165" y="769672"/>
+            <a:ext cx="198022" cy="170708"/>
+          </a:xfrm>
+          <a:prstGeom prst="triangle">
+            <a:avLst/>
+          </a:prstGeom>
+          <a:solidFill>
+            <a:schemeClr val="tx1">
+              <a:lumMod val="50000"/>
+              <a:lumOff val="50000"/>
+            </a:schemeClr>
+          </a:solidFill>
+          <a:ln>
+            <a:noFill/>
+          </a:ln>
+        </p:spPr>
+        <p:style>
+          <a:lnRef idx="2">
+            <a:schemeClr val="accent1">
+              <a:shade val="50000"/>
+            </a:schemeClr>
+          </a:lnRef>
+          <a:fillRef idx="1">
+            <a:schemeClr val="accent1"/>
+          </a:fillRef>
+          <a:effectRef idx="0">
+            <a:schemeClr val="accent1"/>
+          </a:effectRef>
+          <a:fontRef idx="minor">
+            <a:schemeClr val="lt1"/>
+          </a:fontRef>
+        </p:style>
+        <p:txBody>
+          <a:bodyPr rtlCol="0" anchor="ctr"/>
+          <a:lstStyle/>
+          <a:p>
+            <a:pPr algn="ctr"/>
+            <a:endParaRPr lang="zh-CN" altLang="en-US"/>
+          </a:p>
+        </p:txBody>
+      </p:sp>
+      <p:sp>
+        <p:nvSpPr>
+          <p:cNvPr id="57" name="等腰三角形 25"/>
+          <p:cNvSpPr/>
+          <p:nvPr/>
+        </p:nvSpPr>
+        <p:spPr>
+          <a:xfrm rot="20371609">
+            <a:off x="11656874" y="386127"/>
+            <a:ext cx="266490" cy="196271"/>
+          </a:xfrm>
+          <a:prstGeom prst="triangle">
+            <a:avLst/>
+          </a:prstGeom>
+          <a:solidFill>
+            <a:schemeClr val="tx1">
+              <a:lumMod val="85000"/>
+              <a:lumOff val="15000"/>
+            </a:schemeClr>
+          </a:solidFill>
+          <a:ln>
+            <a:solidFill>
+              <a:schemeClr val="tx1">
+                <a:lumMod val="85000"/>
+                <a:lumOff val="15000"/>
+              </a:schemeClr>
+            </a:solidFill>
+          </a:ln>
+        </p:spPr>
+        <p:style>
+          <a:lnRef idx="2">
+            <a:schemeClr val="accent1">
+              <a:shade val="50000"/>
+            </a:schemeClr>
+          </a:lnRef>
+          <a:fillRef idx="1">
+            <a:schemeClr val="accent1"/>
+          </a:fillRef>
+          <a:effectRef idx="0">
+            <a:schemeClr val="accent1"/>
+          </a:effectRef>
+          <a:fontRef idx="minor">
+            <a:schemeClr val="lt1"/>
+          </a:fontRef>
+        </p:style>
+        <p:txBody>
+          <a:bodyPr rtlCol="0" anchor="ctr"/>
+          <a:lstStyle/>
+          <a:p>
+            <a:pPr algn="ctr"/>
+            <a:endParaRPr lang="zh-CN" altLang="en-US"/>
+          </a:p>
+        </p:txBody>
+      </p:sp>
+      <p:sp>
+        <p:nvSpPr>
+          <p:cNvPr id="58" name="等腰三角形 21"/>
+          <p:cNvSpPr/>
+          <p:nvPr/>
+        </p:nvSpPr>
+        <p:spPr>
+          <a:xfrm rot="20371609">
+            <a:off x="11651785" y="6388798"/>
+            <a:ext cx="266490" cy="196271"/>
+          </a:xfrm>
+          <a:prstGeom prst="triangle">
+            <a:avLst/>
+          </a:prstGeom>
+          <a:solidFill>
+            <a:schemeClr val="tx1">
+              <a:lumMod val="85000"/>
+              <a:lumOff val="15000"/>
+            </a:schemeClr>
+          </a:solidFill>
+          <a:ln>
+            <a:solidFill>
+              <a:schemeClr val="tx1">
+                <a:lumMod val="85000"/>
+                <a:lumOff val="15000"/>
+              </a:schemeClr>
+            </a:solidFill>
+          </a:ln>
+        </p:spPr>
+        <p:style>
+          <a:lnRef idx="2">
+            <a:schemeClr val="accent1">
+              <a:shade val="50000"/>
+            </a:schemeClr>
+          </a:lnRef>
+          <a:fillRef idx="1">
+            <a:schemeClr val="accent1"/>
+          </a:fillRef>
+          <a:effectRef idx="0">
+            <a:schemeClr val="accent1"/>
+          </a:effectRef>
+          <a:fontRef idx="minor">
+            <a:schemeClr val="lt1"/>
+          </a:fontRef>
+        </p:style>
+        <p:txBody>
+          <a:bodyPr rtlCol="0" anchor="ctr"/>
+          <a:lstStyle/>
+          <a:p>
+            <a:pPr algn="ctr"/>
+            <a:endParaRPr lang="zh-CN" altLang="en-US"/>
+          </a:p>
+        </p:txBody>
+      </p:sp>
+      <p:sp>
+        <p:nvSpPr>
+          <p:cNvPr id="59" name="等腰三角形 22"/>
+          <p:cNvSpPr/>
+          <p:nvPr/>
+        </p:nvSpPr>
+        <p:spPr>
+          <a:xfrm rot="3761573">
+            <a:off x="11018553" y="5996989"/>
+            <a:ext cx="741200" cy="508375"/>
+          </a:xfrm>
+          <a:prstGeom prst="triangle">
+            <a:avLst/>
+          </a:prstGeom>
+          <a:solidFill>
+            <a:schemeClr val="accent2">
+              <a:lumMod val="60000"/>
+              <a:lumOff val="40000"/>
+            </a:schemeClr>
+          </a:solidFill>
+          <a:ln>
+            <a:noFill/>
+          </a:ln>
+        </p:spPr>
+        <p:style>
+          <a:lnRef idx="2">
+            <a:schemeClr val="accent1">
+              <a:shade val="50000"/>
+            </a:schemeClr>
+          </a:lnRef>
+          <a:fillRef idx="1">
+            <a:schemeClr val="accent1"/>
+          </a:fillRef>
+          <a:effectRef idx="0">
+            <a:schemeClr val="accent1"/>
+          </a:effectRef>
+          <a:fontRef idx="minor">
+            <a:schemeClr val="lt1"/>
+          </a:fontRef>
+        </p:style>
+        <p:txBody>
+          <a:bodyPr rtlCol="0" anchor="ctr"/>
+          <a:lstStyle/>
+          <a:p>
+            <a:pPr algn="ctr"/>
+            <a:endParaRPr lang="zh-CN" altLang="en-US"/>
+          </a:p>
+        </p:txBody>
+      </p:sp>
+      <p:sp>
+        <p:nvSpPr>
+          <p:cNvPr id="4" name="Slide Number Placeholder 3">
+            <a:extLst>
+              <a:ext uri="{FF2B5EF4-FFF2-40B4-BE49-F238E27FC236}">
+                <a16:creationId xmlns:a16="http://schemas.microsoft.com/office/drawing/2014/main" id="{1268DBC8-D031-42E0-97F4-0C2CDEF6018D}"/>
+              </a:ext>
+            </a:extLst>
+          </p:cNvPr>
+          <p:cNvSpPr>
+            <a:spLocks noGrp="1"/>
+          </p:cNvSpPr>
+          <p:nvPr>
+            <p:ph type="sldNum" sz="quarter" idx="12"/>
+          </p:nvPr>
+        </p:nvSpPr>
+        <p:spPr/>
+        <p:txBody>
+          <a:bodyPr/>
+          <a:lstStyle/>
+          <a:p>
+            <a:fld id="{0C913308-F349-4B6D-A68A-DD1791B4A57B}" type="slidenum">
+              <a:rPr lang="zh-CN" altLang="en-US" smtClean="0"/>
+              <a:t>6</a:t>
+            </a:fld>
+            <a:endParaRPr lang="zh-CN" altLang="en-US"/>
+          </a:p>
+        </p:txBody>
+      </p:sp>
+      <p:sp>
+        <p:nvSpPr>
+          <p:cNvPr id="61" name="矩形 23">
+            <a:extLst>
+              <a:ext uri="{FF2B5EF4-FFF2-40B4-BE49-F238E27FC236}">
+                <a16:creationId xmlns:a16="http://schemas.microsoft.com/office/drawing/2014/main" id="{18DE07CE-7235-4B41-954B-EC9202E75DF2}"/>
+              </a:ext>
+            </a:extLst>
+          </p:cNvPr>
+          <p:cNvSpPr/>
+          <p:nvPr/>
+        </p:nvSpPr>
+        <p:spPr>
+          <a:xfrm>
+            <a:off x="694606" y="183740"/>
+            <a:ext cx="3252365" cy="523220"/>
+          </a:xfrm>
+          <a:prstGeom prst="rect">
+            <a:avLst/>
+          </a:prstGeom>
+        </p:spPr>
+        <p:txBody>
+          <a:bodyPr wrap="none">
+            <a:spAutoFit/>
+          </a:bodyPr>
+          <a:lstStyle/>
+          <a:p>
+            <a:r>
+              <a:rPr lang="en-US" altLang="zh-CN" sz="2800" b="1" dirty="0">
+                <a:solidFill>
+                  <a:srgbClr val="C00000"/>
+                </a:solidFill>
+                <a:latin typeface="Calibri" charset="0"/>
+                <a:ea typeface="Calibri" charset="0"/>
+                <a:cs typeface="Calibri" charset="0"/>
+              </a:rPr>
+              <a:t>5</a:t>
+            </a:r>
+            <a:r>
+              <a:rPr lang="en-US" altLang="zh-CN" sz="2800" b="1" dirty="0">
+                <a:latin typeface="Calibri" charset="0"/>
+                <a:ea typeface="Calibri" charset="0"/>
+                <a:cs typeface="Calibri" charset="0"/>
+              </a:rPr>
+              <a:t>  Database Schema </a:t>
+            </a:r>
+            <a:endParaRPr lang="zh-CN" altLang="en-US" sz="2800" b="1" dirty="0">
+              <a:latin typeface="Calibri" charset="0"/>
+              <a:ea typeface="Calibri" charset="0"/>
+              <a:cs typeface="Calibri" charset="0"/>
+            </a:endParaRPr>
+          </a:p>
+        </p:txBody>
+      </p:sp>
     </p:spTree>
     <p:extLst>
       <p:ext uri="{BB962C8B-B14F-4D97-AF65-F5344CB8AC3E}">
@@ -10846,12 +10107,661 @@
   <p:clrMapOvr>
     <a:masterClrMapping/>
   </p:clrMapOvr>
-  <mc:AlternateContent xmlns:mc="http://schemas.openxmlformats.org/markup-compatibility/2006" xmlns:p14="http://schemas.microsoft.com/office/powerpoint/2010/main">
-    <mc:Choice Requires="p14">
-      <p:transition p14:dur="0" advClick="0" advTm="3000"/>
+  <mc:AlternateContent xmlns:mc="http://schemas.openxmlformats.org/markup-compatibility/2006">
+    <mc:Choice xmlns:p14="http://schemas.microsoft.com/office/powerpoint/2010/main" Requires="p14">
+      <p:transition spd="med" p14:dur="700" advClick="0" advTm="3000">
+        <p:fade/>
+      </p:transition>
     </mc:Choice>
-    <mc:Fallback xmlns="">
-      <p:transition advClick="0" advTm="3000"/>
+    <mc:Fallback>
+      <p:transition spd="med" advClick="0" advTm="3000">
+        <p:fade/>
+      </p:transition>
+    </mc:Fallback>
+  </mc:AlternateContent>
+</p:sld>
+</file>
+
+<file path=ppt/slides/slide7.xml><?xml version="1.0" encoding="utf-8"?>
+<p:sld xmlns:a="http://schemas.openxmlformats.org/drawingml/2006/main" xmlns:r="http://schemas.openxmlformats.org/officeDocument/2006/relationships" xmlns:p="http://schemas.openxmlformats.org/presentationml/2006/main">
+  <p:cSld>
+    <p:spTree>
+      <p:nvGrpSpPr>
+        <p:cNvPr id="1" name=""/>
+        <p:cNvGrpSpPr/>
+        <p:nvPr/>
+      </p:nvGrpSpPr>
+      <p:grpSpPr>
+        <a:xfrm>
+          <a:off x="0" y="0"/>
+          <a:ext cx="0" cy="0"/>
+          <a:chOff x="0" y="0"/>
+          <a:chExt cx="0" cy="0"/>
+        </a:xfrm>
+      </p:grpSpPr>
+      <p:cxnSp>
+        <p:nvCxnSpPr>
+          <p:cNvPr id="2" name="直接连接符 1"/>
+          <p:cNvCxnSpPr/>
+          <p:nvPr/>
+        </p:nvCxnSpPr>
+        <p:spPr>
+          <a:xfrm flipH="1">
+            <a:off x="-194358" y="217178"/>
+            <a:ext cx="777432" cy="653712"/>
+          </a:xfrm>
+          <a:prstGeom prst="line">
+            <a:avLst/>
+          </a:prstGeom>
+          <a:ln w="38100">
+            <a:solidFill>
+              <a:schemeClr val="tx1">
+                <a:lumMod val="85000"/>
+                <a:lumOff val="15000"/>
+              </a:schemeClr>
+            </a:solidFill>
+          </a:ln>
+        </p:spPr>
+        <p:style>
+          <a:lnRef idx="1">
+            <a:schemeClr val="accent1"/>
+          </a:lnRef>
+          <a:fillRef idx="0">
+            <a:schemeClr val="accent1"/>
+          </a:fillRef>
+          <a:effectRef idx="0">
+            <a:schemeClr val="accent1"/>
+          </a:effectRef>
+          <a:fontRef idx="minor">
+            <a:schemeClr val="tx1"/>
+          </a:fontRef>
+        </p:style>
+      </p:cxnSp>
+      <p:cxnSp>
+        <p:nvCxnSpPr>
+          <p:cNvPr id="3" name="直接连接符 2"/>
+          <p:cNvCxnSpPr/>
+          <p:nvPr/>
+        </p:nvCxnSpPr>
+        <p:spPr>
+          <a:xfrm flipH="1">
+            <a:off x="-58057" y="761631"/>
+            <a:ext cx="388716" cy="326856"/>
+          </a:xfrm>
+          <a:prstGeom prst="line">
+            <a:avLst/>
+          </a:prstGeom>
+          <a:ln w="12700">
+            <a:solidFill>
+              <a:srgbClr val="C00000"/>
+            </a:solidFill>
+          </a:ln>
+        </p:spPr>
+        <p:style>
+          <a:lnRef idx="1">
+            <a:schemeClr val="accent1"/>
+          </a:lnRef>
+          <a:fillRef idx="0">
+            <a:schemeClr val="accent1"/>
+          </a:fillRef>
+          <a:effectRef idx="0">
+            <a:schemeClr val="accent1"/>
+          </a:effectRef>
+          <a:fontRef idx="minor">
+            <a:schemeClr val="tx1"/>
+          </a:fontRef>
+        </p:style>
+      </p:cxnSp>
+      <p:sp>
+        <p:nvSpPr>
+          <p:cNvPr id="4" name="矩形 3"/>
+          <p:cNvSpPr/>
+          <p:nvPr/>
+        </p:nvSpPr>
+        <p:spPr>
+          <a:xfrm>
+            <a:off x="694606" y="183740"/>
+            <a:ext cx="2936445" cy="523220"/>
+          </a:xfrm>
+          <a:prstGeom prst="rect">
+            <a:avLst/>
+          </a:prstGeom>
+        </p:spPr>
+        <p:txBody>
+          <a:bodyPr wrap="none">
+            <a:spAutoFit/>
+          </a:bodyPr>
+          <a:lstStyle/>
+          <a:p>
+            <a:r>
+              <a:rPr lang="en-US" altLang="zh-CN" sz="2800" b="1" dirty="0">
+                <a:solidFill>
+                  <a:srgbClr val="C00000"/>
+                </a:solidFill>
+                <a:latin typeface="Calibri" charset="0"/>
+                <a:ea typeface="Calibri" charset="0"/>
+                <a:cs typeface="Calibri" charset="0"/>
+              </a:rPr>
+              <a:t>6</a:t>
+            </a:r>
+            <a:r>
+              <a:rPr lang="en-US" altLang="zh-CN" sz="2800" b="1" dirty="0">
+                <a:latin typeface="Calibri" charset="0"/>
+                <a:ea typeface="Calibri" charset="0"/>
+                <a:cs typeface="Calibri" charset="0"/>
+              </a:rPr>
+              <a:t>  Implementation</a:t>
+            </a:r>
+            <a:endParaRPr lang="zh-CN" altLang="en-US" sz="2800" b="1" dirty="0">
+              <a:latin typeface="Calibri" charset="0"/>
+              <a:ea typeface="Calibri" charset="0"/>
+              <a:cs typeface="Calibri" charset="0"/>
+            </a:endParaRPr>
+          </a:p>
+        </p:txBody>
+      </p:sp>
+      <p:sp>
+        <p:nvSpPr>
+          <p:cNvPr id="5" name="左中括号 4"/>
+          <p:cNvSpPr/>
+          <p:nvPr/>
+        </p:nvSpPr>
+        <p:spPr>
+          <a:xfrm>
+            <a:off x="658602" y="202904"/>
+            <a:ext cx="72008" cy="504056"/>
+          </a:xfrm>
+          <a:prstGeom prst="leftBracket">
+            <a:avLst/>
+          </a:prstGeom>
+          <a:ln>
+            <a:solidFill>
+              <a:schemeClr val="tx1"/>
+            </a:solidFill>
+          </a:ln>
+        </p:spPr>
+        <p:style>
+          <a:lnRef idx="1">
+            <a:schemeClr val="accent1"/>
+          </a:lnRef>
+          <a:fillRef idx="0">
+            <a:schemeClr val="accent1"/>
+          </a:fillRef>
+          <a:effectRef idx="0">
+            <a:schemeClr val="accent1"/>
+          </a:effectRef>
+          <a:fontRef idx="minor">
+            <a:schemeClr val="tx1"/>
+          </a:fontRef>
+        </p:style>
+        <p:txBody>
+          <a:bodyPr rtlCol="0" anchor="ctr"/>
+          <a:lstStyle/>
+          <a:p>
+            <a:pPr algn="ctr"/>
+            <a:endParaRPr lang="zh-CN" altLang="en-US"/>
+          </a:p>
+        </p:txBody>
+      </p:sp>
+      <p:pic>
+        <p:nvPicPr>
+          <p:cNvPr id="7" name="图片 6"/>
+          <p:cNvPicPr>
+            <a:picLocks noChangeAspect="1"/>
+          </p:cNvPicPr>
+          <p:nvPr/>
+        </p:nvPicPr>
+        <p:blipFill>
+          <a:blip r:embed="rId3">
+            <a:extLst>
+              <a:ext uri="{28A0092B-C50C-407E-A947-70E740481C1C}">
+                <a14:useLocalDpi xmlns:a14="http://schemas.microsoft.com/office/drawing/2010/main"/>
+              </a:ext>
+            </a:extLst>
+          </a:blip>
+          <a:stretch>
+            <a:fillRect/>
+          </a:stretch>
+        </p:blipFill>
+        <p:spPr>
+          <a:xfrm>
+            <a:off x="1774726" y="4593709"/>
+            <a:ext cx="2786649" cy="1441220"/>
+          </a:xfrm>
+          <a:prstGeom prst="rect">
+            <a:avLst/>
+          </a:prstGeom>
+        </p:spPr>
+      </p:pic>
+      <p:pic>
+        <p:nvPicPr>
+          <p:cNvPr id="9" name="图片 8"/>
+          <p:cNvPicPr>
+            <a:picLocks noChangeAspect="1"/>
+          </p:cNvPicPr>
+          <p:nvPr/>
+        </p:nvPicPr>
+        <p:blipFill>
+          <a:blip r:embed="rId4">
+            <a:extLst>
+              <a:ext uri="{28A0092B-C50C-407E-A947-70E740481C1C}">
+                <a14:useLocalDpi xmlns:a14="http://schemas.microsoft.com/office/drawing/2010/main"/>
+              </a:ext>
+            </a:extLst>
+          </a:blip>
+          <a:stretch>
+            <a:fillRect/>
+          </a:stretch>
+        </p:blipFill>
+        <p:spPr>
+          <a:xfrm>
+            <a:off x="438103" y="1712798"/>
+            <a:ext cx="3600400" cy="1990950"/>
+          </a:xfrm>
+          <a:prstGeom prst="rect">
+            <a:avLst/>
+          </a:prstGeom>
+        </p:spPr>
+      </p:pic>
+      <p:pic>
+        <p:nvPicPr>
+          <p:cNvPr id="10" name="图片 9"/>
+          <p:cNvPicPr>
+            <a:picLocks noChangeAspect="1"/>
+          </p:cNvPicPr>
+          <p:nvPr/>
+        </p:nvPicPr>
+        <p:blipFill>
+          <a:blip r:embed="rId5">
+            <a:extLst>
+              <a:ext uri="{28A0092B-C50C-407E-A947-70E740481C1C}">
+                <a14:useLocalDpi xmlns:a14="http://schemas.microsoft.com/office/drawing/2010/main"/>
+              </a:ext>
+            </a:extLst>
+          </a:blip>
+          <a:stretch>
+            <a:fillRect/>
+          </a:stretch>
+        </p:blipFill>
+        <p:spPr>
+          <a:xfrm>
+            <a:off x="4290282" y="1712798"/>
+            <a:ext cx="2072491" cy="2072491"/>
+          </a:xfrm>
+          <a:prstGeom prst="rect">
+            <a:avLst/>
+          </a:prstGeom>
+        </p:spPr>
+      </p:pic>
+      <p:pic>
+        <p:nvPicPr>
+          <p:cNvPr id="12" name="图片 11"/>
+          <p:cNvPicPr>
+            <a:picLocks noChangeAspect="1"/>
+          </p:cNvPicPr>
+          <p:nvPr/>
+        </p:nvPicPr>
+        <p:blipFill>
+          <a:blip r:embed="rId6">
+            <a:extLst>
+              <a:ext uri="{28A0092B-C50C-407E-A947-70E740481C1C}">
+                <a14:useLocalDpi xmlns:a14="http://schemas.microsoft.com/office/drawing/2010/main"/>
+              </a:ext>
+            </a:extLst>
+          </a:blip>
+          <a:stretch>
+            <a:fillRect/>
+          </a:stretch>
+        </p:blipFill>
+        <p:spPr>
+          <a:xfrm>
+            <a:off x="8890260" y="1900555"/>
+            <a:ext cx="1489381" cy="1489381"/>
+          </a:xfrm>
+          <a:prstGeom prst="rect">
+            <a:avLst/>
+          </a:prstGeom>
+        </p:spPr>
+      </p:pic>
+      <p:sp>
+        <p:nvSpPr>
+          <p:cNvPr id="18" name="TextBox 16"/>
+          <p:cNvSpPr txBox="1"/>
+          <p:nvPr/>
+        </p:nvSpPr>
+        <p:spPr>
+          <a:xfrm>
+            <a:off x="1263799" y="925059"/>
+            <a:ext cx="1798635" cy="461665"/>
+          </a:xfrm>
+          <a:prstGeom prst="rect">
+            <a:avLst/>
+          </a:prstGeom>
+          <a:noFill/>
+        </p:spPr>
+        <p:txBody>
+          <a:bodyPr wrap="square" rtlCol="0">
+            <a:spAutoFit/>
+          </a:bodyPr>
+          <a:lstStyle/>
+          <a:p>
+            <a:r>
+              <a:rPr lang="en-US" altLang="zh-CN" sz="2400" b="1" u="sng" dirty="0">
+                <a:solidFill>
+                  <a:srgbClr val="FF0000"/>
+                </a:solidFill>
+                <a:latin typeface="Calibri" panose="020F0502020204030204" pitchFamily="34" charset="0"/>
+                <a:ea typeface="Mongolian Baiti" charset="-122"/>
+                <a:cs typeface="Calibri" panose="020F0502020204030204" pitchFamily="34" charset="0"/>
+              </a:rPr>
+              <a:t>Front</a:t>
+            </a:r>
+            <a:r>
+              <a:rPr lang="zh-CN" altLang="en-US" sz="2400" b="1" u="sng" dirty="0">
+                <a:solidFill>
+                  <a:srgbClr val="FF0000"/>
+                </a:solidFill>
+                <a:latin typeface="Calibri" panose="020F0502020204030204" pitchFamily="34" charset="0"/>
+                <a:ea typeface="Mongolian Baiti" charset="-122"/>
+                <a:cs typeface="Calibri" panose="020F0502020204030204" pitchFamily="34" charset="0"/>
+              </a:rPr>
+              <a:t> </a:t>
+            </a:r>
+            <a:r>
+              <a:rPr lang="en-US" altLang="zh-CN" sz="2400" b="1" u="sng" dirty="0">
+                <a:solidFill>
+                  <a:srgbClr val="FF0000"/>
+                </a:solidFill>
+                <a:latin typeface="Calibri" panose="020F0502020204030204" pitchFamily="34" charset="0"/>
+                <a:ea typeface="Mongolian Baiti" charset="-122"/>
+                <a:cs typeface="Calibri" panose="020F0502020204030204" pitchFamily="34" charset="0"/>
+              </a:rPr>
+              <a:t>End</a:t>
+            </a:r>
+          </a:p>
+        </p:txBody>
+      </p:sp>
+      <p:sp>
+        <p:nvSpPr>
+          <p:cNvPr id="19" name="TextBox 16"/>
+          <p:cNvSpPr txBox="1"/>
+          <p:nvPr/>
+        </p:nvSpPr>
+        <p:spPr>
+          <a:xfrm>
+            <a:off x="1297693" y="4278201"/>
+            <a:ext cx="1730846" cy="461665"/>
+          </a:xfrm>
+          <a:prstGeom prst="rect">
+            <a:avLst/>
+          </a:prstGeom>
+          <a:noFill/>
+        </p:spPr>
+        <p:txBody>
+          <a:bodyPr wrap="square" rtlCol="0">
+            <a:spAutoFit/>
+          </a:bodyPr>
+          <a:lstStyle/>
+          <a:p>
+            <a:r>
+              <a:rPr lang="en-US" altLang="zh-CN" sz="2400" b="1" u="sng" dirty="0">
+                <a:solidFill>
+                  <a:srgbClr val="FF0000"/>
+                </a:solidFill>
+                <a:latin typeface="Calibri" panose="020F0502020204030204" pitchFamily="34" charset="0"/>
+                <a:ea typeface="Mongolian Baiti" charset="-122"/>
+                <a:cs typeface="Calibri" panose="020F0502020204030204" pitchFamily="34" charset="0"/>
+              </a:rPr>
+              <a:t>Back</a:t>
+            </a:r>
+            <a:r>
+              <a:rPr lang="zh-CN" altLang="en-US" sz="2400" b="1" u="sng" dirty="0">
+                <a:solidFill>
+                  <a:srgbClr val="FF0000"/>
+                </a:solidFill>
+                <a:latin typeface="Calibri" panose="020F0502020204030204" pitchFamily="34" charset="0"/>
+                <a:ea typeface="Mongolian Baiti" charset="-122"/>
+                <a:cs typeface="Calibri" panose="020F0502020204030204" pitchFamily="34" charset="0"/>
+              </a:rPr>
+              <a:t> </a:t>
+            </a:r>
+            <a:r>
+              <a:rPr lang="en-US" altLang="zh-CN" sz="2400" b="1" u="sng" dirty="0">
+                <a:solidFill>
+                  <a:srgbClr val="FF0000"/>
+                </a:solidFill>
+                <a:latin typeface="Calibri" panose="020F0502020204030204" pitchFamily="34" charset="0"/>
+                <a:ea typeface="Mongolian Baiti" charset="-122"/>
+                <a:cs typeface="Calibri" panose="020F0502020204030204" pitchFamily="34" charset="0"/>
+              </a:rPr>
+              <a:t>End</a:t>
+            </a:r>
+          </a:p>
+        </p:txBody>
+      </p:sp>
+      <p:sp>
+        <p:nvSpPr>
+          <p:cNvPr id="6" name="Slide Number Placeholder 5">
+            <a:extLst>
+              <a:ext uri="{FF2B5EF4-FFF2-40B4-BE49-F238E27FC236}">
+                <a16:creationId xmlns:a16="http://schemas.microsoft.com/office/drawing/2014/main" id="{5121E37C-A1B9-48F4-B45E-F2CBDC306A55}"/>
+              </a:ext>
+            </a:extLst>
+          </p:cNvPr>
+          <p:cNvSpPr>
+            <a:spLocks noGrp="1"/>
+          </p:cNvSpPr>
+          <p:nvPr>
+            <p:ph type="sldNum" sz="quarter" idx="12"/>
+          </p:nvPr>
+        </p:nvSpPr>
+        <p:spPr/>
+        <p:txBody>
+          <a:bodyPr/>
+          <a:lstStyle/>
+          <a:p>
+            <a:fld id="{0C913308-F349-4B6D-A68A-DD1791B4A57B}" type="slidenum">
+              <a:rPr lang="zh-CN" altLang="en-US" smtClean="0"/>
+              <a:t>7</a:t>
+            </a:fld>
+            <a:endParaRPr lang="zh-CN" altLang="en-US"/>
+          </a:p>
+        </p:txBody>
+      </p:sp>
+      <p:pic>
+        <p:nvPicPr>
+          <p:cNvPr id="14" name="Picture 13">
+            <a:extLst>
+              <a:ext uri="{FF2B5EF4-FFF2-40B4-BE49-F238E27FC236}">
+                <a16:creationId xmlns:a16="http://schemas.microsoft.com/office/drawing/2014/main" id="{3C168A37-B329-46DB-8379-62A806932DED}"/>
+              </a:ext>
+            </a:extLst>
+          </p:cNvPr>
+          <p:cNvPicPr>
+            <a:picLocks noChangeAspect="1"/>
+          </p:cNvPicPr>
+          <p:nvPr/>
+        </p:nvPicPr>
+        <p:blipFill>
+          <a:blip r:embed="rId7"/>
+          <a:stretch>
+            <a:fillRect/>
+          </a:stretch>
+        </p:blipFill>
+        <p:spPr>
+          <a:xfrm>
+            <a:off x="10618451" y="1939620"/>
+            <a:ext cx="1540386" cy="1489380"/>
+          </a:xfrm>
+          <a:prstGeom prst="rect">
+            <a:avLst/>
+          </a:prstGeom>
+        </p:spPr>
+      </p:pic>
+      <p:sp>
+        <p:nvSpPr>
+          <p:cNvPr id="20" name="Rectangle 19">
+            <a:extLst>
+              <a:ext uri="{FF2B5EF4-FFF2-40B4-BE49-F238E27FC236}">
+                <a16:creationId xmlns:a16="http://schemas.microsoft.com/office/drawing/2014/main" id="{7C311262-3A3A-4004-9B0D-8E2FB3DE6CF0}"/>
+              </a:ext>
+            </a:extLst>
+          </p:cNvPr>
+          <p:cNvSpPr/>
+          <p:nvPr/>
+        </p:nvSpPr>
+        <p:spPr>
+          <a:xfrm>
+            <a:off x="5495530" y="3244334"/>
+            <a:ext cx="1197764" cy="369332"/>
+          </a:xfrm>
+          <a:prstGeom prst="rect">
+            <a:avLst/>
+          </a:prstGeom>
+        </p:spPr>
+        <p:txBody>
+          <a:bodyPr wrap="none">
+            <a:spAutoFit/>
+          </a:bodyPr>
+          <a:lstStyle/>
+          <a:p>
+            <a:r>
+              <a:rPr lang="en-US" altLang="zh-CN" dirty="0">
+                <a:solidFill>
+                  <a:srgbClr val="EEFFFF"/>
+                </a:solidFill>
+                <a:latin typeface="Consolas" panose="020B0609020204030204" pitchFamily="49" charset="0"/>
+              </a:rPr>
+              <a:t>Overview</a:t>
+            </a:r>
+            <a:endParaRPr lang="en-US" altLang="zh-CN" b="0" dirty="0">
+              <a:solidFill>
+                <a:srgbClr val="EEFFFF"/>
+              </a:solidFill>
+              <a:effectLst/>
+              <a:latin typeface="Consolas" panose="020B0609020204030204" pitchFamily="49" charset="0"/>
+            </a:endParaRPr>
+          </a:p>
+        </p:txBody>
+      </p:sp>
+      <p:pic>
+        <p:nvPicPr>
+          <p:cNvPr id="15" name="Picture 14">
+            <a:extLst>
+              <a:ext uri="{FF2B5EF4-FFF2-40B4-BE49-F238E27FC236}">
+                <a16:creationId xmlns:a16="http://schemas.microsoft.com/office/drawing/2014/main" id="{57E1D987-0C21-4D01-A50F-B6D4E83CD3A7}"/>
+              </a:ext>
+            </a:extLst>
+          </p:cNvPr>
+          <p:cNvPicPr>
+            <a:picLocks noChangeAspect="1"/>
+          </p:cNvPicPr>
+          <p:nvPr/>
+        </p:nvPicPr>
+        <p:blipFill>
+          <a:blip r:embed="rId8">
+            <a:duotone>
+              <a:schemeClr val="accent4">
+                <a:shade val="45000"/>
+                <a:satMod val="135000"/>
+              </a:schemeClr>
+              <a:prstClr val="white"/>
+            </a:duotone>
+          </a:blip>
+          <a:stretch>
+            <a:fillRect/>
+          </a:stretch>
+        </p:blipFill>
+        <p:spPr>
+          <a:xfrm>
+            <a:off x="6390204" y="1560623"/>
+            <a:ext cx="2143125" cy="2143125"/>
+          </a:xfrm>
+          <a:prstGeom prst="rect">
+            <a:avLst/>
+          </a:prstGeom>
+        </p:spPr>
+      </p:pic>
+      <p:pic>
+        <p:nvPicPr>
+          <p:cNvPr id="26" name="Picture 25">
+            <a:extLst>
+              <a:ext uri="{FF2B5EF4-FFF2-40B4-BE49-F238E27FC236}">
+                <a16:creationId xmlns:a16="http://schemas.microsoft.com/office/drawing/2014/main" id="{21E04C83-3266-4FAD-92B7-03F94D6498C2}"/>
+              </a:ext>
+            </a:extLst>
+          </p:cNvPr>
+          <p:cNvPicPr>
+            <a:picLocks noChangeAspect="1"/>
+          </p:cNvPicPr>
+          <p:nvPr/>
+        </p:nvPicPr>
+        <p:blipFill>
+          <a:blip r:embed="rId9"/>
+          <a:stretch>
+            <a:fillRect/>
+          </a:stretch>
+        </p:blipFill>
+        <p:spPr>
+          <a:xfrm>
+            <a:off x="5038408" y="3703748"/>
+            <a:ext cx="3810000" cy="3810000"/>
+          </a:xfrm>
+          <a:prstGeom prst="rect">
+            <a:avLst/>
+          </a:prstGeom>
+        </p:spPr>
+      </p:pic>
+      <p:pic>
+        <p:nvPicPr>
+          <p:cNvPr id="28" name="Picture 27">
+            <a:extLst>
+              <a:ext uri="{FF2B5EF4-FFF2-40B4-BE49-F238E27FC236}">
+                <a16:creationId xmlns:a16="http://schemas.microsoft.com/office/drawing/2014/main" id="{458A9F36-6DDB-41C7-81BB-105F61828009}"/>
+              </a:ext>
+            </a:extLst>
+          </p:cNvPr>
+          <p:cNvPicPr>
+            <a:picLocks noChangeAspect="1"/>
+          </p:cNvPicPr>
+          <p:nvPr/>
+        </p:nvPicPr>
+        <p:blipFill>
+          <a:blip r:embed="rId10"/>
+          <a:stretch>
+            <a:fillRect/>
+          </a:stretch>
+        </p:blipFill>
+        <p:spPr>
+          <a:xfrm>
+            <a:off x="9191550" y="4739866"/>
+            <a:ext cx="2656954" cy="1487894"/>
+          </a:xfrm>
+          <a:prstGeom prst="rect">
+            <a:avLst/>
+          </a:prstGeom>
+        </p:spPr>
+      </p:pic>
+    </p:spTree>
+    <p:extLst>
+      <p:ext uri="{BB962C8B-B14F-4D97-AF65-F5344CB8AC3E}">
+        <p14:creationId xmlns:p14="http://schemas.microsoft.com/office/powerpoint/2010/main" val="456907042"/>
+      </p:ext>
+    </p:extLst>
+  </p:cSld>
+  <p:clrMapOvr>
+    <a:masterClrMapping/>
+  </p:clrMapOvr>
+  <mc:AlternateContent xmlns:mc="http://schemas.openxmlformats.org/markup-compatibility/2006">
+    <mc:Choice xmlns:p14="http://schemas.microsoft.com/office/powerpoint/2010/main" Requires="p14">
+      <p:transition spd="med" p14:dur="700" advClick="0" advTm="3000">
+        <p:fade/>
+      </p:transition>
+    </mc:Choice>
+    <mc:Fallback>
+      <p:transition spd="med" advClick="0" advTm="3000">
+        <p:fade/>
+      </p:transition>
     </mc:Fallback>
   </mc:AlternateContent>
 </p:sld>
@@ -10956,7 +10866,7 @@
         <p:spPr>
           <a:xfrm>
             <a:off x="694606" y="183740"/>
-            <a:ext cx="2937022" cy="523220"/>
+            <a:ext cx="1890710" cy="523220"/>
           </a:xfrm>
           <a:prstGeom prst="rect">
             <a:avLst/>
@@ -10977,7 +10887,7 @@
                 <a:ea typeface="Calibri" charset="0"/>
                 <a:cs typeface="Calibri" charset="0"/>
               </a:rPr>
-              <a:t>5</a:t>
+              <a:t>8</a:t>
             </a:r>
             <a:r>
               <a:rPr lang="en-US" altLang="zh-CN" sz="2800" b="1" dirty="0">
@@ -10985,7 +10895,7 @@
                 <a:ea typeface="Calibri" charset="0"/>
                 <a:cs typeface="Calibri" charset="0"/>
               </a:rPr>
-              <a:t>  Implementation</a:t>
+              <a:t> Prospects</a:t>
             </a:r>
             <a:endParaRPr lang="zh-CN" altLang="en-US" sz="2800" b="1" dirty="0">
               <a:latin typeface="Calibri" charset="0"/>
@@ -11038,194 +10948,74 @@
           </a:p>
         </p:txBody>
       </p:sp>
-      <p:pic>
-        <p:nvPicPr>
-          <p:cNvPr id="7" name="图片 6"/>
-          <p:cNvPicPr>
-            <a:picLocks noChangeAspect="1"/>
-          </p:cNvPicPr>
-          <p:nvPr/>
-        </p:nvPicPr>
-        <p:blipFill>
-          <a:blip r:embed="rId3">
+      <p:sp>
+        <p:nvSpPr>
+          <p:cNvPr id="21" name="等腰三角形 14">
             <a:extLst>
-              <a:ext uri="{28A0092B-C50C-407E-A947-70E740481C1C}">
-                <a14:useLocalDpi xmlns:a14="http://schemas.microsoft.com/office/drawing/2010/main"/>
+              <a:ext uri="{FF2B5EF4-FFF2-40B4-BE49-F238E27FC236}">
+                <a16:creationId xmlns:a16="http://schemas.microsoft.com/office/drawing/2014/main" id="{084C4E86-4FB1-4B16-9071-961FDA7DA73F}"/>
               </a:ext>
             </a:extLst>
-          </a:blip>
-          <a:stretch>
-            <a:fillRect/>
-          </a:stretch>
-        </p:blipFill>
+          </p:cNvPr>
+          <p:cNvSpPr/>
+          <p:nvPr/>
+        </p:nvSpPr>
         <p:spPr>
           <a:xfrm>
-            <a:off x="2238303" y="5013176"/>
-            <a:ext cx="2786649" cy="1441220"/>
-          </a:xfrm>
-          <a:prstGeom prst="rect">
+            <a:off x="2800841" y="2729109"/>
+            <a:ext cx="198021" cy="170708"/>
+          </a:xfrm>
+          <a:prstGeom prst="triangle">
             <a:avLst/>
           </a:prstGeom>
-        </p:spPr>
-      </p:pic>
-      <p:pic>
-        <p:nvPicPr>
-          <p:cNvPr id="8" name="图片 7"/>
-          <p:cNvPicPr>
-            <a:picLocks noChangeAspect="1"/>
-          </p:cNvPicPr>
-          <p:nvPr/>
-        </p:nvPicPr>
-        <p:blipFill rotWithShape="1">
-          <a:blip r:embed="rId4">
+          <a:solidFill>
+            <a:srgbClr val="C00000"/>
+          </a:solidFill>
+          <a:ln>
+            <a:noFill/>
+          </a:ln>
+        </p:spPr>
+        <p:style>
+          <a:lnRef idx="2">
+            <a:schemeClr val="accent1">
+              <a:shade val="50000"/>
+            </a:schemeClr>
+          </a:lnRef>
+          <a:fillRef idx="1">
+            <a:schemeClr val="accent1"/>
+          </a:fillRef>
+          <a:effectRef idx="0">
+            <a:schemeClr val="accent1"/>
+          </a:effectRef>
+          <a:fontRef idx="minor">
+            <a:schemeClr val="lt1"/>
+          </a:fontRef>
+        </p:style>
+        <p:txBody>
+          <a:bodyPr rtlCol="0" anchor="ctr"/>
+          <a:lstStyle/>
+          <a:p>
+            <a:pPr algn="ctr"/>
+            <a:endParaRPr lang="zh-CN" altLang="en-US"/>
+          </a:p>
+        </p:txBody>
+      </p:sp>
+      <p:sp>
+        <p:nvSpPr>
+          <p:cNvPr id="22" name="TextBox 15">
             <a:extLst>
-              <a:ext uri="{28A0092B-C50C-407E-A947-70E740481C1C}">
-                <a14:useLocalDpi xmlns:a14="http://schemas.microsoft.com/office/drawing/2010/main"/>
+              <a:ext uri="{FF2B5EF4-FFF2-40B4-BE49-F238E27FC236}">
+                <a16:creationId xmlns:a16="http://schemas.microsoft.com/office/drawing/2014/main" id="{EE8DA1D9-1B6B-4CE7-93EC-672E67CA230C}"/>
               </a:ext>
             </a:extLst>
-          </a:blip>
-          <a:srcRect/>
-          <a:stretch/>
-        </p:blipFill>
-        <p:spPr>
-          <a:xfrm>
-            <a:off x="5807174" y="4589147"/>
-            <a:ext cx="4536485" cy="1865249"/>
-          </a:xfrm>
-          <a:prstGeom prst="rect">
-            <a:avLst/>
-          </a:prstGeom>
-        </p:spPr>
-      </p:pic>
-      <p:pic>
-        <p:nvPicPr>
-          <p:cNvPr id="9" name="图片 8"/>
-          <p:cNvPicPr>
-            <a:picLocks noChangeAspect="1"/>
-          </p:cNvPicPr>
-          <p:nvPr/>
-        </p:nvPicPr>
-        <p:blipFill>
-          <a:blip r:embed="rId5">
-            <a:extLst>
-              <a:ext uri="{28A0092B-C50C-407E-A947-70E740481C1C}">
-                <a14:useLocalDpi xmlns:a14="http://schemas.microsoft.com/office/drawing/2010/main"/>
-              </a:ext>
-            </a:extLst>
-          </a:blip>
-          <a:stretch>
-            <a:fillRect/>
-          </a:stretch>
-        </p:blipFill>
-        <p:spPr>
-          <a:xfrm>
-            <a:off x="829862" y="1727690"/>
-            <a:ext cx="3600400" cy="1990950"/>
-          </a:xfrm>
-          <a:prstGeom prst="rect">
-            <a:avLst/>
-          </a:prstGeom>
-        </p:spPr>
-      </p:pic>
-      <p:pic>
-        <p:nvPicPr>
-          <p:cNvPr id="10" name="图片 9"/>
-          <p:cNvPicPr>
-            <a:picLocks noChangeAspect="1"/>
-          </p:cNvPicPr>
-          <p:nvPr/>
-        </p:nvPicPr>
-        <p:blipFill>
-          <a:blip r:embed="rId6">
-            <a:extLst>
-              <a:ext uri="{28A0092B-C50C-407E-A947-70E740481C1C}">
-                <a14:useLocalDpi xmlns:a14="http://schemas.microsoft.com/office/drawing/2010/main"/>
-              </a:ext>
-            </a:extLst>
-          </a:blip>
-          <a:stretch>
-            <a:fillRect/>
-          </a:stretch>
-        </p:blipFill>
-        <p:spPr>
-          <a:xfrm>
-            <a:off x="4871070" y="1791778"/>
-            <a:ext cx="2072491" cy="2072491"/>
-          </a:xfrm>
-          <a:prstGeom prst="rect">
-            <a:avLst/>
-          </a:prstGeom>
-        </p:spPr>
-      </p:pic>
-      <p:pic>
-        <p:nvPicPr>
-          <p:cNvPr id="11" name="图片 10"/>
-          <p:cNvPicPr>
-            <a:picLocks noChangeAspect="1"/>
-          </p:cNvPicPr>
-          <p:nvPr/>
-        </p:nvPicPr>
-        <p:blipFill rotWithShape="1">
-          <a:blip r:embed="rId7">
-            <a:extLst>
-              <a:ext uri="{28A0092B-C50C-407E-A947-70E740481C1C}">
-                <a14:useLocalDpi xmlns:a14="http://schemas.microsoft.com/office/drawing/2010/main"/>
-              </a:ext>
-            </a:extLst>
-          </a:blip>
-          <a:srcRect l="9036" r="7456"/>
-          <a:stretch/>
-        </p:blipFill>
-        <p:spPr>
-          <a:xfrm>
-            <a:off x="7602921" y="2045295"/>
-            <a:ext cx="1634100" cy="1565456"/>
-          </a:xfrm>
-          <a:prstGeom prst="rect">
-            <a:avLst/>
-          </a:prstGeom>
-        </p:spPr>
-      </p:pic>
-      <p:pic>
-        <p:nvPicPr>
-          <p:cNvPr id="12" name="图片 11"/>
-          <p:cNvPicPr>
-            <a:picLocks noChangeAspect="1"/>
-          </p:cNvPicPr>
-          <p:nvPr/>
-        </p:nvPicPr>
-        <p:blipFill>
-          <a:blip r:embed="rId8">
-            <a:extLst>
-              <a:ext uri="{28A0092B-C50C-407E-A947-70E740481C1C}">
-                <a14:useLocalDpi xmlns:a14="http://schemas.microsoft.com/office/drawing/2010/main"/>
-              </a:ext>
-            </a:extLst>
-          </a:blip>
-          <a:stretch>
-            <a:fillRect/>
-          </a:stretch>
-        </p:blipFill>
-        <p:spPr>
-          <a:xfrm>
-            <a:off x="9996541" y="2121370"/>
-            <a:ext cx="1489381" cy="1489381"/>
-          </a:xfrm>
-          <a:prstGeom prst="rect">
-            <a:avLst/>
-          </a:prstGeom>
-        </p:spPr>
-      </p:pic>
-      <p:sp>
-        <p:nvSpPr>
-          <p:cNvPr id="18" name="TextBox 16"/>
+          </p:cNvPr>
           <p:cNvSpPr txBox="1"/>
           <p:nvPr/>
         </p:nvSpPr>
         <p:spPr>
           <a:xfrm>
-            <a:off x="1263799" y="925059"/>
-            <a:ext cx="1798635" cy="461665"/>
+            <a:off x="2998862" y="2420888"/>
+            <a:ext cx="8280920" cy="671851"/>
           </a:xfrm>
           <a:prstGeom prst="rect">
             <a:avLst/>
@@ -11238,52 +11028,101 @@
           </a:bodyPr>
           <a:lstStyle/>
           <a:p>
+            <a:pPr>
+              <a:lnSpc>
+                <a:spcPct val="150000"/>
+              </a:lnSpc>
+            </a:pPr>
             <a:r>
-              <a:rPr lang="en-US" altLang="zh-CN" sz="2400" b="1" u="sng" spc="300" dirty="0">
-                <a:solidFill>
-                  <a:srgbClr val="FF0000"/>
-                </a:solidFill>
-                <a:latin typeface="Mongolian Baiti" charset="-122"/>
-                <a:ea typeface="Mongolian Baiti" charset="-122"/>
-                <a:cs typeface="Mongolian Baiti" charset="-122"/>
+              <a:rPr lang="en-US" altLang="zh-CN" sz="2800" b="1" dirty="0">
+                <a:latin typeface="Calibri" charset="0"/>
+                <a:ea typeface="Calibri" charset="0"/>
+                <a:cs typeface="Calibri" charset="0"/>
               </a:rPr>
-              <a:t>Front</a:t>
+              <a:t>User Page: Sign up; Sign in; Profile  </a:t>
             </a:r>
-            <a:r>
-              <a:rPr lang="zh-CN" altLang="en-US" sz="2400" b="1" u="sng" spc="300" dirty="0">
-                <a:solidFill>
-                  <a:srgbClr val="FF0000"/>
-                </a:solidFill>
-                <a:latin typeface="Mongolian Baiti" charset="-122"/>
-                <a:ea typeface="Mongolian Baiti" charset="-122"/>
-                <a:cs typeface="Mongolian Baiti" charset="-122"/>
-              </a:rPr>
-              <a:t> </a:t>
-            </a:r>
-            <a:r>
-              <a:rPr lang="en-US" altLang="zh-CN" sz="2400" b="1" u="sng" spc="300" dirty="0">
-                <a:solidFill>
-                  <a:srgbClr val="FF0000"/>
-                </a:solidFill>
-                <a:latin typeface="Mongolian Baiti" charset="-122"/>
-                <a:ea typeface="Mongolian Baiti" charset="-122"/>
-                <a:cs typeface="Mongolian Baiti" charset="-122"/>
-              </a:rPr>
-              <a:t>End</a:t>
-            </a:r>
-          </a:p>
-        </p:txBody>
-      </p:sp>
-      <p:sp>
-        <p:nvSpPr>
-          <p:cNvPr id="19" name="TextBox 16"/>
+            <a:endParaRPr lang="en-US" altLang="zh-CN" sz="2800" b="1" spc="300" dirty="0">
+              <a:solidFill>
+                <a:schemeClr val="tx1">
+                  <a:lumMod val="65000"/>
+                  <a:lumOff val="35000"/>
+                </a:schemeClr>
+              </a:solidFill>
+              <a:latin typeface="Calibri" charset="0"/>
+              <a:ea typeface="Calibri" charset="0"/>
+              <a:cs typeface="Calibri" charset="0"/>
+            </a:endParaRPr>
+          </a:p>
+        </p:txBody>
+      </p:sp>
+      <p:sp>
+        <p:nvSpPr>
+          <p:cNvPr id="23" name="等腰三角形 14">
+            <a:extLst>
+              <a:ext uri="{FF2B5EF4-FFF2-40B4-BE49-F238E27FC236}">
+                <a16:creationId xmlns:a16="http://schemas.microsoft.com/office/drawing/2014/main" id="{B4963136-93BC-4D52-96F1-A6D92A48BF19}"/>
+              </a:ext>
+            </a:extLst>
+          </p:cNvPr>
+          <p:cNvSpPr/>
+          <p:nvPr/>
+        </p:nvSpPr>
+        <p:spPr>
+          <a:xfrm>
+            <a:off x="2800840" y="3650036"/>
+            <a:ext cx="198021" cy="170708"/>
+          </a:xfrm>
+          <a:prstGeom prst="triangle">
+            <a:avLst/>
+          </a:prstGeom>
+          <a:solidFill>
+            <a:srgbClr val="C00000"/>
+          </a:solidFill>
+          <a:ln>
+            <a:noFill/>
+          </a:ln>
+        </p:spPr>
+        <p:style>
+          <a:lnRef idx="2">
+            <a:schemeClr val="accent1">
+              <a:shade val="50000"/>
+            </a:schemeClr>
+          </a:lnRef>
+          <a:fillRef idx="1">
+            <a:schemeClr val="accent1"/>
+          </a:fillRef>
+          <a:effectRef idx="0">
+            <a:schemeClr val="accent1"/>
+          </a:effectRef>
+          <a:fontRef idx="minor">
+            <a:schemeClr val="lt1"/>
+          </a:fontRef>
+        </p:style>
+        <p:txBody>
+          <a:bodyPr rtlCol="0" anchor="ctr"/>
+          <a:lstStyle/>
+          <a:p>
+            <a:pPr algn="ctr"/>
+            <a:endParaRPr lang="zh-CN" altLang="en-US"/>
+          </a:p>
+        </p:txBody>
+      </p:sp>
+      <p:sp>
+        <p:nvSpPr>
+          <p:cNvPr id="27" name="TextBox 15">
+            <a:extLst>
+              <a:ext uri="{FF2B5EF4-FFF2-40B4-BE49-F238E27FC236}">
+                <a16:creationId xmlns:a16="http://schemas.microsoft.com/office/drawing/2014/main" id="{F12F80A1-CB89-497F-855A-39914ADAC06F}"/>
+              </a:ext>
+            </a:extLst>
+          </p:cNvPr>
           <p:cNvSpPr txBox="1"/>
           <p:nvPr/>
         </p:nvSpPr>
         <p:spPr>
           <a:xfrm>
-            <a:off x="1297693" y="4278201"/>
-            <a:ext cx="1730846" cy="461665"/>
+            <a:off x="2998862" y="3344308"/>
+            <a:ext cx="9361040" cy="671851"/>
           </a:xfrm>
           <a:prstGeom prst="rect">
             <a:avLst/>
@@ -11296,87 +11135,53 @@
           </a:bodyPr>
           <a:lstStyle/>
           <a:p>
+            <a:pPr>
+              <a:lnSpc>
+                <a:spcPct val="150000"/>
+              </a:lnSpc>
+            </a:pPr>
             <a:r>
-              <a:rPr lang="en-US" altLang="zh-CN" sz="2400" b="1" u="sng" spc="300" dirty="0">
-                <a:solidFill>
-                  <a:srgbClr val="FF0000"/>
-                </a:solidFill>
-                <a:latin typeface="Mongolian Baiti" charset="-122"/>
-                <a:ea typeface="Mongolian Baiti" charset="-122"/>
-                <a:cs typeface="Mongolian Baiti" charset="-122"/>
+              <a:rPr lang="en-US" altLang="zh-CN" sz="2800" b="1" dirty="0">
+                <a:latin typeface="Calibri" charset="0"/>
+                <a:ea typeface="Calibri" charset="0"/>
+                <a:cs typeface="Calibri" charset="0"/>
               </a:rPr>
-              <a:t>Back</a:t>
+              <a:t>Favorites</a:t>
             </a:r>
-            <a:r>
-              <a:rPr lang="zh-CN" altLang="en-US" sz="2400" b="1" u="sng" spc="300" dirty="0">
-                <a:solidFill>
-                  <a:srgbClr val="FF0000"/>
-                </a:solidFill>
-                <a:latin typeface="Mongolian Baiti" charset="-122"/>
-                <a:ea typeface="Mongolian Baiti" charset="-122"/>
-                <a:cs typeface="Mongolian Baiti" charset="-122"/>
-              </a:rPr>
-              <a:t> </a:t>
-            </a:r>
-            <a:r>
-              <a:rPr lang="en-US" altLang="zh-CN" sz="2400" b="1" u="sng" spc="300" dirty="0">
-                <a:solidFill>
-                  <a:srgbClr val="FF0000"/>
-                </a:solidFill>
-                <a:latin typeface="Mongolian Baiti" charset="-122"/>
-                <a:ea typeface="Mongolian Baiti" charset="-122"/>
-                <a:cs typeface="Mongolian Baiti" charset="-122"/>
-              </a:rPr>
-              <a:t>End</a:t>
-            </a:r>
-          </a:p>
-        </p:txBody>
-      </p:sp>
-      <p:sp>
-        <p:nvSpPr>
-          <p:cNvPr id="6" name="Slide Number Placeholder 5">
-            <a:extLst>
-              <a:ext uri="{FF2B5EF4-FFF2-40B4-BE49-F238E27FC236}">
-                <a16:creationId xmlns:a16="http://schemas.microsoft.com/office/drawing/2014/main" id="{5121E37C-A1B9-48F4-B45E-F2CBDC306A55}"/>
-              </a:ext>
-            </a:extLst>
-          </p:cNvPr>
-          <p:cNvSpPr>
-            <a:spLocks noGrp="1"/>
-          </p:cNvSpPr>
-          <p:nvPr>
-            <p:ph type="sldNum" sz="quarter" idx="12"/>
-          </p:nvPr>
-        </p:nvSpPr>
-        <p:spPr/>
-        <p:txBody>
-          <a:bodyPr/>
-          <a:lstStyle/>
-          <a:p>
-            <a:fld id="{0C913308-F349-4B6D-A68A-DD1791B4A57B}" type="slidenum">
-              <a:rPr lang="zh-CN" altLang="en-US" smtClean="0"/>
-              <a:t>8</a:t>
-            </a:fld>
-            <a:endParaRPr lang="zh-CN" altLang="en-US"/>
+            <a:endParaRPr lang="en-US" altLang="zh-CN" sz="2800" b="1" spc="300" dirty="0">
+              <a:solidFill>
+                <a:schemeClr val="tx1">
+                  <a:lumMod val="65000"/>
+                  <a:lumOff val="35000"/>
+                </a:schemeClr>
+              </a:solidFill>
+              <a:latin typeface="Calibri" charset="0"/>
+              <a:ea typeface="Calibri" charset="0"/>
+              <a:cs typeface="Calibri" charset="0"/>
+            </a:endParaRPr>
           </a:p>
         </p:txBody>
       </p:sp>
     </p:spTree>
     <p:extLst>
       <p:ext uri="{BB962C8B-B14F-4D97-AF65-F5344CB8AC3E}">
-        <p14:creationId xmlns:p14="http://schemas.microsoft.com/office/powerpoint/2010/main" val="170371690"/>
+        <p14:creationId xmlns:p14="http://schemas.microsoft.com/office/powerpoint/2010/main" val="1919552196"/>
       </p:ext>
     </p:extLst>
   </p:cSld>
   <p:clrMapOvr>
     <a:masterClrMapping/>
   </p:clrMapOvr>
-  <mc:AlternateContent xmlns:mc="http://schemas.openxmlformats.org/markup-compatibility/2006" xmlns:p14="http://schemas.microsoft.com/office/powerpoint/2010/main">
-    <mc:Choice Requires="p14">
-      <p:transition p14:dur="0" advClick="0" advTm="3000"/>
+  <mc:AlternateContent xmlns:mc="http://schemas.openxmlformats.org/markup-compatibility/2006">
+    <mc:Choice xmlns:p14="http://schemas.microsoft.com/office/powerpoint/2010/main" Requires="p14">
+      <p:transition spd="med" p14:dur="700" advClick="0" advTm="3000">
+        <p:fade/>
+      </p:transition>
     </mc:Choice>
-    <mc:Fallback xmlns="">
-      <p:transition advClick="0" advTm="3000"/>
+    <mc:Fallback>
+      <p:transition spd="med" advClick="0" advTm="3000">
+        <p:fade/>
+      </p:transition>
     </mc:Fallback>
   </mc:AlternateContent>
 </p:sld>
@@ -11399,56 +11204,30 @@
           <a:chExt cx="0" cy="0"/>
         </a:xfrm>
       </p:grpSpPr>
-      <p:grpSp>
-        <p:nvGrpSpPr>
-          <p:cNvPr id="2" name="组合 1"/>
-          <p:cNvGrpSpPr/>
+      <p:sp>
+        <p:nvSpPr>
+          <p:cNvPr id="3" name="TextBox 2"/>
+          <p:cNvSpPr txBox="1"/>
           <p:nvPr/>
-        </p:nvGrpSpPr>
-        <p:grpSpPr>
+        </p:nvSpPr>
+        <p:spPr>
           <a:xfrm>
-            <a:off x="3862958" y="1714302"/>
-            <a:ext cx="3816424" cy="3151228"/>
-            <a:chOff x="3862958" y="1655787"/>
-            <a:chExt cx="3816424" cy="3151228"/>
-          </a:xfrm>
-        </p:grpSpPr>
-        <p:sp>
-          <p:nvSpPr>
-            <p:cNvPr id="3" name="TextBox 2"/>
-            <p:cNvSpPr txBox="1"/>
-            <p:nvPr/>
-          </p:nvSpPr>
-          <p:spPr>
-            <a:xfrm>
-              <a:off x="4577428" y="3044275"/>
-              <a:ext cx="2377574" cy="923330"/>
-            </a:xfrm>
-            <a:prstGeom prst="rect">
-              <a:avLst/>
-            </a:prstGeom>
-            <a:noFill/>
-          </p:spPr>
-          <p:txBody>
-            <a:bodyPr wrap="none" rtlCol="0">
-              <a:spAutoFit/>
-            </a:bodyPr>
-            <a:lstStyle/>
-            <a:p>
-              <a:r>
-                <a:rPr lang="en-US" altLang="zh-CN" sz="5400" spc="300">
-                  <a:solidFill>
-                    <a:schemeClr val="tx1">
-                      <a:lumMod val="85000"/>
-                      <a:lumOff val="15000"/>
-                    </a:schemeClr>
-                  </a:solidFill>
-                  <a:latin typeface="造字工房尚雅体演示版常规体" pitchFamily="50" charset="-122"/>
-                  <a:ea typeface="造字工房尚雅体演示版常规体" pitchFamily="50" charset="-122"/>
-                </a:rPr>
-                <a:t>DEMO</a:t>
-              </a:r>
-              <a:endParaRPr lang="zh-CN" altLang="en-US" sz="5400" spc="300" dirty="0">
+            <a:off x="4901464" y="3132155"/>
+            <a:ext cx="2377574" cy="923330"/>
+          </a:xfrm>
+          <a:prstGeom prst="rect">
+            <a:avLst/>
+          </a:prstGeom>
+          <a:noFill/>
+        </p:spPr>
+        <p:txBody>
+          <a:bodyPr wrap="none" rtlCol="0">
+            <a:spAutoFit/>
+          </a:bodyPr>
+          <a:lstStyle/>
+          <a:p>
+            <a:r>
+              <a:rPr lang="en-US" altLang="zh-CN" sz="5400" spc="300" dirty="0">
                 <a:solidFill>
                   <a:schemeClr val="tx1">
                     <a:lumMod val="85000"/>
@@ -11457,606 +11236,318 @@
                 </a:solidFill>
                 <a:latin typeface="造字工房尚雅体演示版常规体" pitchFamily="50" charset="-122"/>
                 <a:ea typeface="造字工房尚雅体演示版常规体" pitchFamily="50" charset="-122"/>
-              </a:endParaRPr>
-            </a:p>
-          </p:txBody>
-        </p:sp>
-        <p:grpSp>
-          <p:nvGrpSpPr>
-            <p:cNvPr id="4" name="组合 3"/>
-            <p:cNvGrpSpPr/>
-            <p:nvPr/>
-          </p:nvGrpSpPr>
-          <p:grpSpPr>
-            <a:xfrm>
-              <a:off x="4873233" y="1655787"/>
-              <a:ext cx="1870045" cy="741200"/>
-              <a:chOff x="4796735" y="1439763"/>
-              <a:chExt cx="1870045" cy="741200"/>
-            </a:xfrm>
-          </p:grpSpPr>
-          <p:sp>
-            <p:nvSpPr>
-              <p:cNvPr id="12" name="等腰三角形 11"/>
-              <p:cNvSpPr/>
-              <p:nvPr/>
-            </p:nvSpPr>
-            <p:spPr>
-              <a:xfrm rot="512239">
-                <a:off x="5758296" y="1651656"/>
-                <a:ext cx="396044" cy="341417"/>
-              </a:xfrm>
-              <a:prstGeom prst="triangle">
-                <a:avLst/>
-              </a:prstGeom>
-              <a:solidFill>
-                <a:srgbClr val="C00000"/>
-              </a:solidFill>
-              <a:ln>
-                <a:noFill/>
-              </a:ln>
-            </p:spPr>
-            <p:style>
-              <a:lnRef idx="2">
-                <a:schemeClr val="accent1">
-                  <a:shade val="50000"/>
-                </a:schemeClr>
-              </a:lnRef>
-              <a:fillRef idx="1">
-                <a:schemeClr val="accent1"/>
-              </a:fillRef>
-              <a:effectRef idx="0">
-                <a:schemeClr val="accent1"/>
-              </a:effectRef>
-              <a:fontRef idx="minor">
-                <a:schemeClr val="lt1"/>
-              </a:fontRef>
-            </p:style>
-            <p:txBody>
-              <a:bodyPr rtlCol="0" anchor="ctr"/>
-              <a:lstStyle/>
-              <a:p>
-                <a:pPr algn="ctr"/>
-                <a:endParaRPr lang="zh-CN" altLang="en-US"/>
-              </a:p>
-            </p:txBody>
-          </p:sp>
-          <p:sp>
-            <p:nvSpPr>
-              <p:cNvPr id="13" name="等腰三角形 12"/>
-              <p:cNvSpPr/>
-              <p:nvPr/>
-            </p:nvSpPr>
-            <p:spPr>
-              <a:xfrm rot="20371609">
-                <a:off x="6409581" y="1919741"/>
-                <a:ext cx="198022" cy="170708"/>
-              </a:xfrm>
-              <a:prstGeom prst="triangle">
-                <a:avLst/>
-              </a:prstGeom>
-              <a:solidFill>
-                <a:schemeClr val="tx1">
-                  <a:lumMod val="50000"/>
-                  <a:lumOff val="50000"/>
-                </a:schemeClr>
-              </a:solidFill>
-              <a:ln>
-                <a:noFill/>
-              </a:ln>
-            </p:spPr>
-            <p:style>
-              <a:lnRef idx="2">
-                <a:schemeClr val="accent1">
-                  <a:shade val="50000"/>
-                </a:schemeClr>
-              </a:lnRef>
-              <a:fillRef idx="1">
-                <a:schemeClr val="accent1"/>
-              </a:fillRef>
-              <a:effectRef idx="0">
-                <a:schemeClr val="accent1"/>
-              </a:effectRef>
-              <a:fontRef idx="minor">
-                <a:schemeClr val="lt1"/>
-              </a:fontRef>
-            </p:style>
-            <p:txBody>
-              <a:bodyPr rtlCol="0" anchor="ctr"/>
-              <a:lstStyle/>
-              <a:p>
-                <a:pPr algn="ctr"/>
-                <a:endParaRPr lang="zh-CN" altLang="en-US"/>
-              </a:p>
-            </p:txBody>
-          </p:sp>
-          <p:sp>
-            <p:nvSpPr>
-              <p:cNvPr id="14" name="等腰三角形 13"/>
-              <p:cNvSpPr/>
-              <p:nvPr/>
-            </p:nvSpPr>
-            <p:spPr>
-              <a:xfrm rot="20371609">
-                <a:off x="5313555" y="1947984"/>
-                <a:ext cx="266490" cy="196271"/>
-              </a:xfrm>
-              <a:prstGeom prst="triangle">
-                <a:avLst/>
-              </a:prstGeom>
+              </a:rPr>
+              <a:t>DEMO</a:t>
+            </a:r>
+            <a:endParaRPr lang="zh-CN" altLang="en-US" sz="5400" spc="300" dirty="0">
               <a:solidFill>
                 <a:schemeClr val="tx1">
                   <a:lumMod val="85000"/>
                   <a:lumOff val="15000"/>
                 </a:schemeClr>
               </a:solidFill>
-              <a:ln>
-                <a:solidFill>
-                  <a:schemeClr val="tx1">
-                    <a:lumMod val="85000"/>
-                    <a:lumOff val="15000"/>
-                  </a:schemeClr>
-                </a:solidFill>
-              </a:ln>
-            </p:spPr>
-            <p:style>
-              <a:lnRef idx="2">
-                <a:schemeClr val="accent1">
-                  <a:shade val="50000"/>
-                </a:schemeClr>
-              </a:lnRef>
-              <a:fillRef idx="1">
-                <a:schemeClr val="accent1"/>
-              </a:fillRef>
-              <a:effectRef idx="0">
-                <a:schemeClr val="accent1"/>
-              </a:effectRef>
-              <a:fontRef idx="minor">
-                <a:schemeClr val="lt1"/>
-              </a:fontRef>
-            </p:style>
-            <p:txBody>
-              <a:bodyPr rtlCol="0" anchor="ctr"/>
-              <a:lstStyle/>
-              <a:p>
-                <a:pPr algn="ctr"/>
-                <a:endParaRPr lang="zh-CN" altLang="en-US"/>
-              </a:p>
-            </p:txBody>
-          </p:sp>
-          <p:sp>
-            <p:nvSpPr>
-              <p:cNvPr id="15" name="等腰三角形 14"/>
-              <p:cNvSpPr/>
-              <p:nvPr/>
-            </p:nvSpPr>
-            <p:spPr>
-              <a:xfrm rot="3761573">
-                <a:off x="4680323" y="1556175"/>
-                <a:ext cx="741200" cy="508375"/>
-              </a:xfrm>
-              <a:prstGeom prst="triangle">
-                <a:avLst/>
-              </a:prstGeom>
-              <a:solidFill>
-                <a:schemeClr val="accent2">
-                  <a:lumMod val="60000"/>
-                  <a:lumOff val="40000"/>
-                </a:schemeClr>
-              </a:solidFill>
-              <a:ln>
-                <a:noFill/>
-              </a:ln>
-            </p:spPr>
-            <p:style>
-              <a:lnRef idx="2">
-                <a:schemeClr val="accent1">
-                  <a:shade val="50000"/>
-                </a:schemeClr>
-              </a:lnRef>
-              <a:fillRef idx="1">
-                <a:schemeClr val="accent1"/>
-              </a:fillRef>
-              <a:effectRef idx="0">
-                <a:schemeClr val="accent1"/>
-              </a:effectRef>
-              <a:fontRef idx="minor">
-                <a:schemeClr val="lt1"/>
-              </a:fontRef>
-            </p:style>
-            <p:txBody>
-              <a:bodyPr rtlCol="0" anchor="ctr"/>
-              <a:lstStyle/>
-              <a:p>
-                <a:pPr algn="ctr"/>
-                <a:endParaRPr lang="zh-CN" altLang="en-US"/>
-              </a:p>
-            </p:txBody>
-          </p:sp>
-          <p:sp>
-            <p:nvSpPr>
-              <p:cNvPr id="16" name="等腰三角形 15"/>
-              <p:cNvSpPr/>
-              <p:nvPr/>
-            </p:nvSpPr>
-            <p:spPr>
-              <a:xfrm rot="20371609">
-                <a:off x="6400290" y="1536196"/>
-                <a:ext cx="266490" cy="196271"/>
-              </a:xfrm>
-              <a:prstGeom prst="triangle">
-                <a:avLst/>
-              </a:prstGeom>
+              <a:latin typeface="造字工房尚雅体演示版常规体" pitchFamily="50" charset="-122"/>
+              <a:ea typeface="造字工房尚雅体演示版常规体" pitchFamily="50" charset="-122"/>
+            </a:endParaRPr>
+          </a:p>
+        </p:txBody>
+      </p:sp>
+      <p:grpSp>
+        <p:nvGrpSpPr>
+          <p:cNvPr id="4" name="组合 3"/>
+          <p:cNvGrpSpPr/>
+          <p:nvPr/>
+        </p:nvGrpSpPr>
+        <p:grpSpPr>
+          <a:xfrm>
+            <a:off x="5197269" y="1743667"/>
+            <a:ext cx="1870045" cy="741200"/>
+            <a:chOff x="4796735" y="1439763"/>
+            <a:chExt cx="1870045" cy="741200"/>
+          </a:xfrm>
+        </p:grpSpPr>
+        <p:sp>
+          <p:nvSpPr>
+            <p:cNvPr id="12" name="等腰三角形 11"/>
+            <p:cNvSpPr/>
+            <p:nvPr/>
+          </p:nvSpPr>
+          <p:spPr>
+            <a:xfrm rot="512239">
+              <a:off x="5758296" y="1651656"/>
+              <a:ext cx="396044" cy="341417"/>
+            </a:xfrm>
+            <a:prstGeom prst="triangle">
+              <a:avLst/>
+            </a:prstGeom>
+            <a:solidFill>
+              <a:srgbClr val="C00000"/>
+            </a:solidFill>
+            <a:ln>
+              <a:noFill/>
+            </a:ln>
+          </p:spPr>
+          <p:style>
+            <a:lnRef idx="2">
+              <a:schemeClr val="accent1">
+                <a:shade val="50000"/>
+              </a:schemeClr>
+            </a:lnRef>
+            <a:fillRef idx="1">
+              <a:schemeClr val="accent1"/>
+            </a:fillRef>
+            <a:effectRef idx="0">
+              <a:schemeClr val="accent1"/>
+            </a:effectRef>
+            <a:fontRef idx="minor">
+              <a:schemeClr val="lt1"/>
+            </a:fontRef>
+          </p:style>
+          <p:txBody>
+            <a:bodyPr rtlCol="0" anchor="ctr"/>
+            <a:lstStyle/>
+            <a:p>
+              <a:pPr algn="ctr"/>
+              <a:endParaRPr lang="zh-CN" altLang="en-US"/>
+            </a:p>
+          </p:txBody>
+        </p:sp>
+        <p:sp>
+          <p:nvSpPr>
+            <p:cNvPr id="13" name="等腰三角形 12"/>
+            <p:cNvSpPr/>
+            <p:nvPr/>
+          </p:nvSpPr>
+          <p:spPr>
+            <a:xfrm rot="20371609">
+              <a:off x="6409581" y="1919741"/>
+              <a:ext cx="198022" cy="170708"/>
+            </a:xfrm>
+            <a:prstGeom prst="triangle">
+              <a:avLst/>
+            </a:prstGeom>
+            <a:solidFill>
+              <a:schemeClr val="tx1">
+                <a:lumMod val="50000"/>
+                <a:lumOff val="50000"/>
+              </a:schemeClr>
+            </a:solidFill>
+            <a:ln>
+              <a:noFill/>
+            </a:ln>
+          </p:spPr>
+          <p:style>
+            <a:lnRef idx="2">
+              <a:schemeClr val="accent1">
+                <a:shade val="50000"/>
+              </a:schemeClr>
+            </a:lnRef>
+            <a:fillRef idx="1">
+              <a:schemeClr val="accent1"/>
+            </a:fillRef>
+            <a:effectRef idx="0">
+              <a:schemeClr val="accent1"/>
+            </a:effectRef>
+            <a:fontRef idx="minor">
+              <a:schemeClr val="lt1"/>
+            </a:fontRef>
+          </p:style>
+          <p:txBody>
+            <a:bodyPr rtlCol="0" anchor="ctr"/>
+            <a:lstStyle/>
+            <a:p>
+              <a:pPr algn="ctr"/>
+              <a:endParaRPr lang="zh-CN" altLang="en-US"/>
+            </a:p>
+          </p:txBody>
+        </p:sp>
+        <p:sp>
+          <p:nvSpPr>
+            <p:cNvPr id="14" name="等腰三角形 13"/>
+            <p:cNvSpPr/>
+            <p:nvPr/>
+          </p:nvSpPr>
+          <p:spPr>
+            <a:xfrm rot="20371609">
+              <a:off x="5313555" y="1947984"/>
+              <a:ext cx="266490" cy="196271"/>
+            </a:xfrm>
+            <a:prstGeom prst="triangle">
+              <a:avLst/>
+            </a:prstGeom>
+            <a:solidFill>
+              <a:schemeClr val="tx1">
+                <a:lumMod val="85000"/>
+                <a:lumOff val="15000"/>
+              </a:schemeClr>
+            </a:solidFill>
+            <a:ln>
               <a:solidFill>
                 <a:schemeClr val="tx1">
                   <a:lumMod val="85000"/>
                   <a:lumOff val="15000"/>
                 </a:schemeClr>
               </a:solidFill>
-              <a:ln>
-                <a:solidFill>
-                  <a:schemeClr val="tx1">
-                    <a:lumMod val="85000"/>
-                    <a:lumOff val="15000"/>
-                  </a:schemeClr>
-                </a:solidFill>
-              </a:ln>
-            </p:spPr>
-            <p:style>
-              <a:lnRef idx="2">
-                <a:schemeClr val="accent1">
-                  <a:shade val="50000"/>
-                </a:schemeClr>
-              </a:lnRef>
-              <a:fillRef idx="1">
-                <a:schemeClr val="accent1"/>
-              </a:fillRef>
-              <a:effectRef idx="0">
-                <a:schemeClr val="accent1"/>
-              </a:effectRef>
-              <a:fontRef idx="minor">
-                <a:schemeClr val="lt1"/>
-              </a:fontRef>
-            </p:style>
-            <p:txBody>
-              <a:bodyPr rtlCol="0" anchor="ctr"/>
-              <a:lstStyle/>
-              <a:p>
-                <a:pPr algn="ctr"/>
-                <a:endParaRPr lang="zh-CN" altLang="en-US"/>
-              </a:p>
-            </p:txBody>
-          </p:sp>
-        </p:grpSp>
-        <p:grpSp>
-          <p:nvGrpSpPr>
-            <p:cNvPr id="6" name="组合 5"/>
-            <p:cNvGrpSpPr/>
-            <p:nvPr/>
-          </p:nvGrpSpPr>
-          <p:grpSpPr>
-            <a:xfrm>
-              <a:off x="3862958" y="2204865"/>
-              <a:ext cx="360040" cy="2602150"/>
-              <a:chOff x="3934966" y="1988841"/>
-              <a:chExt cx="360040" cy="2602150"/>
-            </a:xfrm>
-          </p:grpSpPr>
-          <p:sp>
-            <p:nvSpPr>
-              <p:cNvPr id="10" name="左中括号 9"/>
-              <p:cNvSpPr/>
-              <p:nvPr/>
-            </p:nvSpPr>
-            <p:spPr>
-              <a:xfrm>
-                <a:off x="4029132" y="2080364"/>
-                <a:ext cx="265874" cy="2423282"/>
-              </a:xfrm>
-              <a:prstGeom prst="leftBracket">
-                <a:avLst/>
-              </a:prstGeom>
-              <a:ln>
-                <a:solidFill>
-                  <a:schemeClr val="tx1">
-                    <a:lumMod val="85000"/>
-                    <a:lumOff val="15000"/>
-                  </a:schemeClr>
-                </a:solidFill>
-              </a:ln>
-            </p:spPr>
-            <p:style>
-              <a:lnRef idx="1">
-                <a:schemeClr val="accent1"/>
-              </a:lnRef>
-              <a:fillRef idx="0">
-                <a:schemeClr val="accent1"/>
-              </a:fillRef>
-              <a:effectRef idx="0">
-                <a:schemeClr val="accent1"/>
-              </a:effectRef>
-              <a:fontRef idx="minor">
-                <a:schemeClr val="tx1"/>
-              </a:fontRef>
-            </p:style>
-            <p:txBody>
-              <a:bodyPr rtlCol="0" anchor="ctr"/>
-              <a:lstStyle/>
-              <a:p>
-                <a:pPr algn="ctr"/>
-                <a:endParaRPr lang="zh-CN" altLang="en-US"/>
-              </a:p>
-            </p:txBody>
-          </p:sp>
-          <p:sp>
-            <p:nvSpPr>
-              <p:cNvPr id="11" name="左中括号 10"/>
-              <p:cNvSpPr/>
-              <p:nvPr/>
-            </p:nvSpPr>
-            <p:spPr>
-              <a:xfrm>
-                <a:off x="3934966" y="1988841"/>
-                <a:ext cx="360040" cy="2602150"/>
-              </a:xfrm>
-              <a:prstGeom prst="leftBracket">
-                <a:avLst/>
-              </a:prstGeom>
-              <a:ln>
-                <a:solidFill>
-                  <a:schemeClr val="tx1">
-                    <a:lumMod val="85000"/>
-                    <a:lumOff val="15000"/>
-                  </a:schemeClr>
-                </a:solidFill>
-              </a:ln>
-            </p:spPr>
-            <p:style>
-              <a:lnRef idx="1">
-                <a:schemeClr val="accent1"/>
-              </a:lnRef>
-              <a:fillRef idx="0">
-                <a:schemeClr val="accent1"/>
-              </a:fillRef>
-              <a:effectRef idx="0">
-                <a:schemeClr val="accent1"/>
-              </a:effectRef>
-              <a:fontRef idx="minor">
-                <a:schemeClr val="tx1"/>
-              </a:fontRef>
-            </p:style>
-            <p:txBody>
-              <a:bodyPr rtlCol="0" anchor="ctr"/>
-              <a:lstStyle/>
-              <a:p>
-                <a:pPr algn="ctr"/>
-                <a:endParaRPr lang="zh-CN" altLang="en-US"/>
-              </a:p>
-            </p:txBody>
-          </p:sp>
-        </p:grpSp>
-        <p:grpSp>
-          <p:nvGrpSpPr>
-            <p:cNvPr id="7" name="组合 6"/>
-            <p:cNvGrpSpPr/>
-            <p:nvPr/>
-          </p:nvGrpSpPr>
-          <p:grpSpPr>
-            <a:xfrm flipH="1">
-              <a:off x="7319342" y="2185087"/>
-              <a:ext cx="360040" cy="2602150"/>
-              <a:chOff x="3934966" y="1988841"/>
-              <a:chExt cx="360040" cy="2602150"/>
-            </a:xfrm>
-          </p:grpSpPr>
-          <p:sp>
-            <p:nvSpPr>
-              <p:cNvPr id="8" name="左中括号 7"/>
-              <p:cNvSpPr/>
-              <p:nvPr/>
-            </p:nvSpPr>
-            <p:spPr>
-              <a:xfrm>
-                <a:off x="4006974" y="2080364"/>
-                <a:ext cx="265874" cy="2423282"/>
-              </a:xfrm>
-              <a:prstGeom prst="leftBracket">
-                <a:avLst/>
-              </a:prstGeom>
-              <a:ln>
-                <a:solidFill>
-                  <a:schemeClr val="tx1">
-                    <a:lumMod val="85000"/>
-                    <a:lumOff val="15000"/>
-                  </a:schemeClr>
-                </a:solidFill>
-              </a:ln>
-            </p:spPr>
-            <p:style>
-              <a:lnRef idx="1">
-                <a:schemeClr val="accent1"/>
-              </a:lnRef>
-              <a:fillRef idx="0">
-                <a:schemeClr val="accent1"/>
-              </a:fillRef>
-              <a:effectRef idx="0">
-                <a:schemeClr val="accent1"/>
-              </a:effectRef>
-              <a:fontRef idx="minor">
-                <a:schemeClr val="tx1"/>
-              </a:fontRef>
-            </p:style>
-            <p:txBody>
-              <a:bodyPr rtlCol="0" anchor="ctr"/>
-              <a:lstStyle/>
-              <a:p>
-                <a:pPr algn="ctr"/>
-                <a:endParaRPr lang="zh-CN" altLang="en-US"/>
-              </a:p>
-            </p:txBody>
-          </p:sp>
-          <p:sp>
-            <p:nvSpPr>
-              <p:cNvPr id="9" name="左中括号 8"/>
-              <p:cNvSpPr/>
-              <p:nvPr/>
-            </p:nvSpPr>
-            <p:spPr>
-              <a:xfrm>
-                <a:off x="3934966" y="1988841"/>
-                <a:ext cx="360040" cy="2602150"/>
-              </a:xfrm>
-              <a:prstGeom prst="leftBracket">
-                <a:avLst/>
-              </a:prstGeom>
-              <a:ln>
-                <a:solidFill>
-                  <a:schemeClr val="tx1">
-                    <a:lumMod val="85000"/>
-                    <a:lumOff val="15000"/>
-                  </a:schemeClr>
-                </a:solidFill>
-              </a:ln>
-            </p:spPr>
-            <p:style>
-              <a:lnRef idx="1">
-                <a:schemeClr val="accent1"/>
-              </a:lnRef>
-              <a:fillRef idx="0">
-                <a:schemeClr val="accent1"/>
-              </a:fillRef>
-              <a:effectRef idx="0">
-                <a:schemeClr val="accent1"/>
-              </a:effectRef>
-              <a:fontRef idx="minor">
-                <a:schemeClr val="tx1"/>
-              </a:fontRef>
-            </p:style>
-            <p:txBody>
-              <a:bodyPr rtlCol="0" anchor="ctr"/>
-              <a:lstStyle/>
-              <a:p>
-                <a:pPr algn="ctr"/>
-                <a:endParaRPr lang="zh-CN" altLang="en-US"/>
-              </a:p>
-            </p:txBody>
-          </p:sp>
-        </p:grpSp>
-      </p:grpSp>
-      <p:grpSp>
-        <p:nvGrpSpPr>
-          <p:cNvPr id="25" name="组合 24"/>
-          <p:cNvGrpSpPr/>
-          <p:nvPr/>
-        </p:nvGrpSpPr>
-        <p:grpSpPr>
-          <a:xfrm rot="10800000">
-            <a:off x="8909219" y="2293464"/>
-            <a:ext cx="3687215" cy="2719712"/>
-            <a:chOff x="-1604504" y="2147667"/>
-            <a:chExt cx="3687215" cy="2719712"/>
-          </a:xfrm>
-        </p:grpSpPr>
-        <p:cxnSp>
-          <p:nvCxnSpPr>
-            <p:cNvPr id="23" name="直接连接符 22"/>
-            <p:cNvCxnSpPr/>
-            <p:nvPr/>
-          </p:nvCxnSpPr>
-          <p:spPr>
-            <a:xfrm flipH="1">
-              <a:off x="-1604504" y="2687623"/>
-              <a:ext cx="2592288" cy="2179756"/>
-            </a:xfrm>
-            <a:prstGeom prst="line">
-              <a:avLst/>
-            </a:prstGeom>
-            <a:ln w="76200">
-              <a:solidFill>
-                <a:srgbClr val="C00000"/>
-              </a:solidFill>
             </a:ln>
           </p:spPr>
           <p:style>
-            <a:lnRef idx="1">
-              <a:schemeClr val="accent1"/>
+            <a:lnRef idx="2">
+              <a:schemeClr val="accent1">
+                <a:shade val="50000"/>
+              </a:schemeClr>
             </a:lnRef>
-            <a:fillRef idx="0">
+            <a:fillRef idx="1">
               <a:schemeClr val="accent1"/>
             </a:fillRef>
             <a:effectRef idx="0">
               <a:schemeClr val="accent1"/>
             </a:effectRef>
             <a:fontRef idx="minor">
-              <a:schemeClr val="tx1"/>
+              <a:schemeClr val="lt1"/>
             </a:fontRef>
           </p:style>
-        </p:cxnSp>
-        <p:cxnSp>
-          <p:nvCxnSpPr>
-            <p:cNvPr id="24" name="直接连接符 23"/>
-            <p:cNvCxnSpPr/>
+          <p:txBody>
+            <a:bodyPr rtlCol="0" anchor="ctr"/>
+            <a:lstStyle/>
+            <a:p>
+              <a:pPr algn="ctr"/>
+              <a:endParaRPr lang="zh-CN" altLang="en-US"/>
+            </a:p>
+          </p:txBody>
+        </p:sp>
+        <p:sp>
+          <p:nvSpPr>
+            <p:cNvPr id="15" name="等腰三角形 14"/>
+            <p:cNvSpPr/>
             <p:nvPr/>
-          </p:nvCxnSpPr>
+          </p:nvSpPr>
           <p:spPr>
-            <a:xfrm flipH="1">
-              <a:off x="-509577" y="2147667"/>
-              <a:ext cx="2592288" cy="2179756"/>
+            <a:xfrm rot="3761573">
+              <a:off x="4680323" y="1556175"/>
+              <a:ext cx="741200" cy="508375"/>
             </a:xfrm>
-            <a:prstGeom prst="line">
+            <a:prstGeom prst="triangle">
               <a:avLst/>
             </a:prstGeom>
-            <a:ln w="12700">
-              <a:solidFill>
-                <a:srgbClr val="C00000"/>
-              </a:solidFill>
+            <a:solidFill>
+              <a:schemeClr val="accent2">
+                <a:lumMod val="60000"/>
+                <a:lumOff val="40000"/>
+              </a:schemeClr>
+            </a:solidFill>
+            <a:ln>
+              <a:noFill/>
             </a:ln>
           </p:spPr>
           <p:style>
-            <a:lnRef idx="1">
-              <a:schemeClr val="accent1"/>
+            <a:lnRef idx="2">
+              <a:schemeClr val="accent1">
+                <a:shade val="50000"/>
+              </a:schemeClr>
             </a:lnRef>
-            <a:fillRef idx="0">
+            <a:fillRef idx="1">
               <a:schemeClr val="accent1"/>
             </a:fillRef>
             <a:effectRef idx="0">
               <a:schemeClr val="accent1"/>
             </a:effectRef>
             <a:fontRef idx="minor">
-              <a:schemeClr val="tx1"/>
+              <a:schemeClr val="lt1"/>
             </a:fontRef>
           </p:style>
-        </p:cxnSp>
+          <p:txBody>
+            <a:bodyPr rtlCol="0" anchor="ctr"/>
+            <a:lstStyle/>
+            <a:p>
+              <a:pPr algn="ctr"/>
+              <a:endParaRPr lang="zh-CN" altLang="en-US"/>
+            </a:p>
+          </p:txBody>
+        </p:sp>
+        <p:sp>
+          <p:nvSpPr>
+            <p:cNvPr id="16" name="等腰三角形 15"/>
+            <p:cNvSpPr/>
+            <p:nvPr/>
+          </p:nvSpPr>
+          <p:spPr>
+            <a:xfrm rot="20371609">
+              <a:off x="6400290" y="1536196"/>
+              <a:ext cx="266490" cy="196271"/>
+            </a:xfrm>
+            <a:prstGeom prst="triangle">
+              <a:avLst/>
+            </a:prstGeom>
+            <a:solidFill>
+              <a:schemeClr val="tx1">
+                <a:lumMod val="85000"/>
+                <a:lumOff val="15000"/>
+              </a:schemeClr>
+            </a:solidFill>
+            <a:ln>
+              <a:solidFill>
+                <a:schemeClr val="tx1">
+                  <a:lumMod val="85000"/>
+                  <a:lumOff val="15000"/>
+                </a:schemeClr>
+              </a:solidFill>
+            </a:ln>
+          </p:spPr>
+          <p:style>
+            <a:lnRef idx="2">
+              <a:schemeClr val="accent1">
+                <a:shade val="50000"/>
+              </a:schemeClr>
+            </a:lnRef>
+            <a:fillRef idx="1">
+              <a:schemeClr val="accent1"/>
+            </a:fillRef>
+            <a:effectRef idx="0">
+              <a:schemeClr val="accent1"/>
+            </a:effectRef>
+            <a:fontRef idx="minor">
+              <a:schemeClr val="lt1"/>
+            </a:fontRef>
+          </p:style>
+          <p:txBody>
+            <a:bodyPr rtlCol="0" anchor="ctr"/>
+            <a:lstStyle/>
+            <a:p>
+              <a:pPr algn="ctr"/>
+              <a:endParaRPr lang="zh-CN" altLang="en-US" dirty="0"/>
+            </a:p>
+          </p:txBody>
+        </p:sp>
       </p:grpSp>
       <p:grpSp>
         <p:nvGrpSpPr>
-          <p:cNvPr id="26" name="组合 25"/>
+          <p:cNvPr id="6" name="组合 5"/>
           <p:cNvGrpSpPr/>
           <p:nvPr/>
         </p:nvGrpSpPr>
         <p:grpSpPr>
-          <a:xfrm rot="15539734">
-            <a:off x="-1516550" y="1473563"/>
-            <a:ext cx="3687215" cy="2719712"/>
-            <a:chOff x="-1604504" y="2147667"/>
-            <a:chExt cx="3687215" cy="2719712"/>
+          <a:xfrm>
+            <a:off x="4186994" y="2292745"/>
+            <a:ext cx="360040" cy="2602150"/>
+            <a:chOff x="3934966" y="1988841"/>
+            <a:chExt cx="360040" cy="2602150"/>
           </a:xfrm>
         </p:grpSpPr>
-        <p:cxnSp>
-          <p:nvCxnSpPr>
-            <p:cNvPr id="27" name="直接连接符 26"/>
-            <p:cNvCxnSpPr/>
+        <p:sp>
+          <p:nvSpPr>
+            <p:cNvPr id="10" name="左中括号 9"/>
+            <p:cNvSpPr/>
             <p:nvPr/>
-          </p:nvCxnSpPr>
+          </p:nvSpPr>
           <p:spPr>
-            <a:xfrm flipH="1">
-              <a:off x="-1604504" y="2687623"/>
-              <a:ext cx="2592288" cy="2179756"/>
+            <a:xfrm>
+              <a:off x="4029132" y="2080364"/>
+              <a:ext cx="265874" cy="2423282"/>
             </a:xfrm>
-            <a:prstGeom prst="line">
+            <a:prstGeom prst="leftBracket">
               <a:avLst/>
             </a:prstGeom>
-            <a:ln w="76200">
+            <a:ln>
               <a:solidFill>
                 <a:schemeClr val="tx1">
                   <a:lumMod val="85000"/>
@@ -12079,22 +11570,30 @@
               <a:schemeClr val="tx1"/>
             </a:fontRef>
           </p:style>
-        </p:cxnSp>
-        <p:cxnSp>
-          <p:nvCxnSpPr>
-            <p:cNvPr id="28" name="直接连接符 27"/>
-            <p:cNvCxnSpPr/>
+          <p:txBody>
+            <a:bodyPr rtlCol="0" anchor="ctr"/>
+            <a:lstStyle/>
+            <a:p>
+              <a:pPr algn="ctr"/>
+              <a:endParaRPr lang="zh-CN" altLang="en-US"/>
+            </a:p>
+          </p:txBody>
+        </p:sp>
+        <p:sp>
+          <p:nvSpPr>
+            <p:cNvPr id="11" name="左中括号 10"/>
+            <p:cNvSpPr/>
             <p:nvPr/>
-          </p:nvCxnSpPr>
+          </p:nvSpPr>
           <p:spPr>
-            <a:xfrm flipH="1">
-              <a:off x="-509577" y="2147667"/>
-              <a:ext cx="2592288" cy="2179756"/>
+            <a:xfrm>
+              <a:off x="3934966" y="1988841"/>
+              <a:ext cx="360040" cy="2602150"/>
             </a:xfrm>
-            <a:prstGeom prst="line">
+            <a:prstGeom prst="leftBracket">
               <a:avLst/>
             </a:prstGeom>
-            <a:ln w="12700">
+            <a:ln>
               <a:solidFill>
                 <a:schemeClr val="tx1">
                   <a:lumMod val="85000"/>
@@ -12117,8 +11616,269 @@
               <a:schemeClr val="tx1"/>
             </a:fontRef>
           </p:style>
-        </p:cxnSp>
+          <p:txBody>
+            <a:bodyPr rtlCol="0" anchor="ctr"/>
+            <a:lstStyle/>
+            <a:p>
+              <a:pPr algn="ctr"/>
+              <a:endParaRPr lang="zh-CN" altLang="en-US"/>
+            </a:p>
+          </p:txBody>
+        </p:sp>
       </p:grpSp>
+      <p:grpSp>
+        <p:nvGrpSpPr>
+          <p:cNvPr id="7" name="组合 6"/>
+          <p:cNvGrpSpPr/>
+          <p:nvPr/>
+        </p:nvGrpSpPr>
+        <p:grpSpPr>
+          <a:xfrm flipH="1">
+            <a:off x="7643378" y="2272967"/>
+            <a:ext cx="360040" cy="2602150"/>
+            <a:chOff x="3934966" y="1988841"/>
+            <a:chExt cx="360040" cy="2602150"/>
+          </a:xfrm>
+        </p:grpSpPr>
+        <p:sp>
+          <p:nvSpPr>
+            <p:cNvPr id="8" name="左中括号 7"/>
+            <p:cNvSpPr/>
+            <p:nvPr/>
+          </p:nvSpPr>
+          <p:spPr>
+            <a:xfrm>
+              <a:off x="4006974" y="2080364"/>
+              <a:ext cx="265874" cy="2423282"/>
+            </a:xfrm>
+            <a:prstGeom prst="leftBracket">
+              <a:avLst/>
+            </a:prstGeom>
+            <a:ln>
+              <a:solidFill>
+                <a:schemeClr val="tx1">
+                  <a:lumMod val="85000"/>
+                  <a:lumOff val="15000"/>
+                </a:schemeClr>
+              </a:solidFill>
+            </a:ln>
+          </p:spPr>
+          <p:style>
+            <a:lnRef idx="1">
+              <a:schemeClr val="accent1"/>
+            </a:lnRef>
+            <a:fillRef idx="0">
+              <a:schemeClr val="accent1"/>
+            </a:fillRef>
+            <a:effectRef idx="0">
+              <a:schemeClr val="accent1"/>
+            </a:effectRef>
+            <a:fontRef idx="minor">
+              <a:schemeClr val="tx1"/>
+            </a:fontRef>
+          </p:style>
+          <p:txBody>
+            <a:bodyPr rtlCol="0" anchor="ctr"/>
+            <a:lstStyle/>
+            <a:p>
+              <a:pPr algn="ctr"/>
+              <a:endParaRPr lang="zh-CN" altLang="en-US"/>
+            </a:p>
+          </p:txBody>
+        </p:sp>
+        <p:sp>
+          <p:nvSpPr>
+            <p:cNvPr id="9" name="左中括号 8"/>
+            <p:cNvSpPr/>
+            <p:nvPr/>
+          </p:nvSpPr>
+          <p:spPr>
+            <a:xfrm>
+              <a:off x="3934966" y="1988841"/>
+              <a:ext cx="360040" cy="2602150"/>
+            </a:xfrm>
+            <a:prstGeom prst="leftBracket">
+              <a:avLst/>
+            </a:prstGeom>
+            <a:ln>
+              <a:solidFill>
+                <a:schemeClr val="tx1">
+                  <a:lumMod val="85000"/>
+                  <a:lumOff val="15000"/>
+                </a:schemeClr>
+              </a:solidFill>
+            </a:ln>
+          </p:spPr>
+          <p:style>
+            <a:lnRef idx="1">
+              <a:schemeClr val="accent1"/>
+            </a:lnRef>
+            <a:fillRef idx="0">
+              <a:schemeClr val="accent1"/>
+            </a:fillRef>
+            <a:effectRef idx="0">
+              <a:schemeClr val="accent1"/>
+            </a:effectRef>
+            <a:fontRef idx="minor">
+              <a:schemeClr val="tx1"/>
+            </a:fontRef>
+          </p:style>
+          <p:txBody>
+            <a:bodyPr rtlCol="0" anchor="ctr"/>
+            <a:lstStyle/>
+            <a:p>
+              <a:pPr algn="ctr"/>
+              <a:endParaRPr lang="zh-CN" altLang="en-US"/>
+            </a:p>
+          </p:txBody>
+        </p:sp>
+      </p:grpSp>
+      <p:cxnSp>
+        <p:nvCxnSpPr>
+          <p:cNvPr id="23" name="直接连接符 22"/>
+          <p:cNvCxnSpPr/>
+          <p:nvPr/>
+        </p:nvCxnSpPr>
+        <p:spPr>
+          <a:xfrm rot="10800000" flipH="1">
+            <a:off x="10430493" y="1959425"/>
+            <a:ext cx="2592288" cy="2179756"/>
+          </a:xfrm>
+          <a:prstGeom prst="line">
+            <a:avLst/>
+          </a:prstGeom>
+          <a:ln w="76200">
+            <a:solidFill>
+              <a:srgbClr val="C00000"/>
+            </a:solidFill>
+          </a:ln>
+        </p:spPr>
+        <p:style>
+          <a:lnRef idx="1">
+            <a:schemeClr val="accent1"/>
+          </a:lnRef>
+          <a:fillRef idx="0">
+            <a:schemeClr val="accent1"/>
+          </a:fillRef>
+          <a:effectRef idx="0">
+            <a:schemeClr val="accent1"/>
+          </a:effectRef>
+          <a:fontRef idx="minor">
+            <a:schemeClr val="tx1"/>
+          </a:fontRef>
+        </p:style>
+      </p:cxnSp>
+      <p:cxnSp>
+        <p:nvCxnSpPr>
+          <p:cNvPr id="24" name="直接连接符 23"/>
+          <p:cNvCxnSpPr/>
+          <p:nvPr/>
+        </p:nvCxnSpPr>
+        <p:spPr>
+          <a:xfrm rot="10800000" flipH="1">
+            <a:off x="9335566" y="2499381"/>
+            <a:ext cx="2592288" cy="2179756"/>
+          </a:xfrm>
+          <a:prstGeom prst="line">
+            <a:avLst/>
+          </a:prstGeom>
+          <a:ln w="12700">
+            <a:solidFill>
+              <a:srgbClr val="C00000"/>
+            </a:solidFill>
+          </a:ln>
+        </p:spPr>
+        <p:style>
+          <a:lnRef idx="1">
+            <a:schemeClr val="accent1"/>
+          </a:lnRef>
+          <a:fillRef idx="0">
+            <a:schemeClr val="accent1"/>
+          </a:fillRef>
+          <a:effectRef idx="0">
+            <a:schemeClr val="accent1"/>
+          </a:effectRef>
+          <a:fontRef idx="minor">
+            <a:schemeClr val="tx1"/>
+          </a:fontRef>
+        </p:style>
+      </p:cxnSp>
+      <p:cxnSp>
+        <p:nvCxnSpPr>
+          <p:cNvPr id="27" name="直接连接符 26"/>
+          <p:cNvCxnSpPr/>
+          <p:nvPr/>
+        </p:nvCxnSpPr>
+        <p:spPr>
+          <a:xfrm rot="15539734" flipH="1">
+            <a:off x="-258471" y="2445286"/>
+            <a:ext cx="2592288" cy="2179756"/>
+          </a:xfrm>
+          <a:prstGeom prst="line">
+            <a:avLst/>
+          </a:prstGeom>
+          <a:ln w="76200">
+            <a:solidFill>
+              <a:schemeClr val="tx1">
+                <a:lumMod val="85000"/>
+                <a:lumOff val="15000"/>
+              </a:schemeClr>
+            </a:solidFill>
+          </a:ln>
+        </p:spPr>
+        <p:style>
+          <a:lnRef idx="1">
+            <a:schemeClr val="accent1"/>
+          </a:lnRef>
+          <a:fillRef idx="0">
+            <a:schemeClr val="accent1"/>
+          </a:fillRef>
+          <a:effectRef idx="0">
+            <a:schemeClr val="accent1"/>
+          </a:effectRef>
+          <a:fontRef idx="minor">
+            <a:schemeClr val="tx1"/>
+          </a:fontRef>
+        </p:style>
+      </p:cxnSp>
+      <p:cxnSp>
+        <p:nvCxnSpPr>
+          <p:cNvPr id="28" name="直接连接符 27"/>
+          <p:cNvCxnSpPr/>
+          <p:nvPr/>
+        </p:nvCxnSpPr>
+        <p:spPr>
+          <a:xfrm rot="15539734" flipH="1">
+            <a:off x="-997504" y="1473562"/>
+            <a:ext cx="2592288" cy="2179756"/>
+          </a:xfrm>
+          <a:prstGeom prst="line">
+            <a:avLst/>
+          </a:prstGeom>
+          <a:ln w="12700">
+            <a:solidFill>
+              <a:schemeClr val="tx1">
+                <a:lumMod val="85000"/>
+                <a:lumOff val="15000"/>
+              </a:schemeClr>
+            </a:solidFill>
+          </a:ln>
+        </p:spPr>
+        <p:style>
+          <a:lnRef idx="1">
+            <a:schemeClr val="accent1"/>
+          </a:lnRef>
+          <a:fillRef idx="0">
+            <a:schemeClr val="accent1"/>
+          </a:fillRef>
+          <a:effectRef idx="0">
+            <a:schemeClr val="accent1"/>
+          </a:effectRef>
+          <a:fontRef idx="minor">
+            <a:schemeClr val="tx1"/>
+          </a:fontRef>
+        </p:style>
+      </p:cxnSp>
       <p:sp>
         <p:nvSpPr>
           <p:cNvPr id="5" name="Slide Number Placeholder 4">
@@ -12158,12 +11918,16 @@
   <p:clrMapOvr>
     <a:masterClrMapping/>
   </p:clrMapOvr>
-  <mc:AlternateContent xmlns:mc="http://schemas.openxmlformats.org/markup-compatibility/2006" xmlns:p14="http://schemas.microsoft.com/office/powerpoint/2010/main">
-    <mc:Choice Requires="p14">
-      <p:transition p14:dur="0" advClick="0" advTm="3000"/>
+  <mc:AlternateContent xmlns:mc="http://schemas.openxmlformats.org/markup-compatibility/2006">
+    <mc:Choice xmlns:p14="http://schemas.microsoft.com/office/powerpoint/2010/main" Requires="p14">
+      <p:transition spd="med" p14:dur="700" advClick="0" advTm="3000">
+        <p:fade/>
+      </p:transition>
     </mc:Choice>
-    <mc:Fallback xmlns="">
-      <p:transition advClick="0" advTm="3000"/>
+    <mc:Fallback>
+      <p:transition spd="med" advClick="0" advTm="3000">
+        <p:fade/>
+      </p:transition>
     </mc:Fallback>
   </mc:AlternateContent>
 </p:sld>

--- a/presentation/ERG3010 Group 10 Presentation.pptx
+++ b/presentation/ERG3010 Group 10 Presentation.pptx
@@ -5446,13 +5446,13 @@
   <p:clrMapOvr>
     <a:masterClrMapping/>
   </p:clrMapOvr>
-  <mc:AlternateContent xmlns:mc="http://schemas.openxmlformats.org/markup-compatibility/2006">
-    <mc:Choice xmlns:p14="http://schemas.microsoft.com/office/powerpoint/2010/main" Requires="p14">
+  <mc:AlternateContent xmlns:mc="http://schemas.openxmlformats.org/markup-compatibility/2006" xmlns:p14="http://schemas.microsoft.com/office/powerpoint/2010/main">
+    <mc:Choice Requires="p14">
       <p:transition spd="med" p14:dur="700" advClick="0" advTm="6355">
         <p:fade/>
       </p:transition>
     </mc:Choice>
-    <mc:Fallback>
+    <mc:Fallback xmlns="">
       <p:transition spd="med" advClick="0" advTm="6355">
         <p:fade/>
       </p:transition>
@@ -6451,13 +6451,13 @@
   <p:clrMapOvr>
     <a:masterClrMapping/>
   </p:clrMapOvr>
-  <mc:AlternateContent xmlns:mc="http://schemas.openxmlformats.org/markup-compatibility/2006">
-    <mc:Choice xmlns:p14="http://schemas.microsoft.com/office/powerpoint/2010/main" Requires="p14">
+  <mc:AlternateContent xmlns:mc="http://schemas.openxmlformats.org/markup-compatibility/2006" xmlns:p14="http://schemas.microsoft.com/office/powerpoint/2010/main">
+    <mc:Choice Requires="p14">
       <p:transition spd="med" p14:dur="700" advClick="0" advTm="3000">
         <p:fade/>
       </p:transition>
     </mc:Choice>
-    <mc:Fallback>
+    <mc:Fallback xmlns="">
       <p:transition spd="med" advClick="0" advTm="3000">
         <p:fade/>
       </p:transition>
@@ -7063,7 +7063,7 @@
           <p:nvPr>
             <p:extLst>
               <p:ext uri="{D42A27DB-BD31-4B8C-83A1-F6EECF244321}">
-                <p14:modId xmlns:p14="http://schemas.microsoft.com/office/powerpoint/2010/main" val="1468900014"/>
+                <p14:modId xmlns:p14="http://schemas.microsoft.com/office/powerpoint/2010/main" val="2770421008"/>
               </p:ext>
             </p:extLst>
           </p:nvPr>
@@ -7195,7 +7195,15 @@
                       <a:pPr algn="ctr"/>
                       <a:r>
                         <a:rPr lang="en-US" altLang="zh-CN" sz="2000" dirty="0"/>
-                        <a:t>Web interface design; Front-end. Front- and back-end frame construction </a:t>
+                        <a:t>Front-end</a:t>
+                      </a:r>
+                      <a:r>
+                        <a:rPr lang="zh-CN" altLang="en-US" sz="2000" dirty="0"/>
+                        <a:t> </a:t>
+                      </a:r>
+                      <a:r>
+                        <a:rPr lang="en-US" altLang="zh-CN" sz="2000" dirty="0"/>
+                        <a:t>Web interface design; Front- and back-end frame construction </a:t>
                       </a:r>
                       <a:endParaRPr lang="zh-CN" altLang="en-US" sz="2000" dirty="0"/>
                     </a:p>
@@ -7258,7 +7266,15 @@
                       <a:pPr algn="ctr"/>
                       <a:r>
                         <a:rPr lang="en-US" altLang="zh-CN" sz="2000" dirty="0"/>
-                        <a:t>Functions implementation; Back-end. Front- and back-end frame construction </a:t>
+                        <a:t>Back-end</a:t>
+                      </a:r>
+                      <a:r>
+                        <a:rPr lang="zh-CN" altLang="en-US" sz="2000" dirty="0"/>
+                        <a:t> </a:t>
+                      </a:r>
+                      <a:r>
+                        <a:rPr lang="en-US" altLang="zh-CN" sz="2000" dirty="0"/>
+                        <a:t>Functions implementation; Front- and back-end frame construction </a:t>
                       </a:r>
                       <a:endParaRPr lang="zh-CN" altLang="en-US" sz="2000" dirty="0"/>
                     </a:p>
@@ -7317,26 +7333,10 @@
                     <a:bodyPr/>
                     <a:lstStyle/>
                     <a:p>
-                      <a:pPr marL="0" marR="0" lvl="0" indent="0" algn="ctr" defTabSz="914400" rtl="0" eaLnBrk="1" fontAlgn="auto" latinLnBrk="0" hangingPunct="1">
-                        <a:lnSpc>
-                          <a:spcPct val="100000"/>
-                        </a:lnSpc>
-                        <a:spcBef>
-                          <a:spcPts val="0"/>
-                        </a:spcBef>
-                        <a:spcAft>
-                          <a:spcPts val="0"/>
-                        </a:spcAft>
-                        <a:buClrTx/>
-                        <a:buSzTx/>
-                        <a:buFontTx/>
-                        <a:buNone/>
-                        <a:tabLst/>
-                        <a:defRPr/>
-                      </a:pPr>
+                      <a:pPr algn="ctr"/>
                       <a:r>
                         <a:rPr lang="en-US" altLang="zh-CN" sz="2000" dirty="0"/>
-                        <a:t>Functions implementation; Back-end;</a:t>
+                        <a:t>Back-end</a:t>
                       </a:r>
                       <a:r>
                         <a:rPr lang="zh-CN" altLang="en-US" sz="2000" dirty="0"/>
@@ -7344,7 +7344,7 @@
                       </a:r>
                       <a:r>
                         <a:rPr lang="en-US" altLang="zh-CN" sz="2000" dirty="0"/>
-                        <a:t>Assisting Front-end</a:t>
+                        <a:t>Functions implementation; Front- and back-end frame construction </a:t>
                       </a:r>
                       <a:endParaRPr lang="zh-CN" altLang="en-US" sz="2000" dirty="0"/>
                     </a:p>
@@ -7406,7 +7406,15 @@
                       <a:pPr algn="ctr"/>
                       <a:r>
                         <a:rPr lang="en-US" altLang="zh-CN" sz="2000" dirty="0"/>
-                        <a:t>Data collection and preprocessing; Database construction; Assisting Front-end</a:t>
+                        <a:t>Data collection and preprocessing; Database construction; Front-end</a:t>
+                      </a:r>
+                      <a:r>
+                        <a:rPr lang="zh-CN" altLang="en-US" sz="2000" dirty="0"/>
+                        <a:t> </a:t>
+                      </a:r>
+                      <a:r>
+                        <a:rPr lang="en-US" altLang="zh-CN" sz="2000" dirty="0"/>
+                        <a:t>Web interface design</a:t>
                       </a:r>
                       <a:endParaRPr lang="zh-CN" altLang="en-US" sz="2000" dirty="0"/>
                     </a:p>
@@ -7468,7 +7476,27 @@
                       <a:pPr algn="ctr"/>
                       <a:r>
                         <a:rPr lang="en-US" altLang="zh-CN" sz="2000" dirty="0"/>
-                        <a:t>Schema design; Data analysis and visualization; Assisting Front-end; PPT Preparation</a:t>
+                        <a:t>Schema design; Data analysis and machine</a:t>
+                      </a:r>
+                      <a:r>
+                        <a:rPr lang="zh-CN" altLang="en-US" sz="2000" dirty="0"/>
+                        <a:t> </a:t>
+                      </a:r>
+                      <a:r>
+                        <a:rPr lang="en-US" altLang="zh-CN" sz="2000" dirty="0"/>
+                        <a:t>learning</a:t>
+                      </a:r>
+                      <a:r>
+                        <a:rPr lang="zh-CN" altLang="en-US" sz="2000" dirty="0"/>
+                        <a:t> </a:t>
+                      </a:r>
+                      <a:r>
+                        <a:rPr lang="en-US" altLang="zh-CN" sz="2000"/>
+                        <a:t>implementation; </a:t>
+                      </a:r>
+                      <a:r>
+                        <a:rPr lang="en-US" altLang="zh-CN" sz="2000" dirty="0"/>
+                        <a:t>PPT Preparation</a:t>
                       </a:r>
                       <a:endParaRPr lang="zh-CN" altLang="en-US" sz="2000" dirty="0"/>
                     </a:p>
@@ -7495,13 +7523,13 @@
   <p:clrMapOvr>
     <a:masterClrMapping/>
   </p:clrMapOvr>
-  <mc:AlternateContent xmlns:mc="http://schemas.openxmlformats.org/markup-compatibility/2006">
-    <mc:Choice xmlns:p14="http://schemas.microsoft.com/office/powerpoint/2010/main" Requires="p14">
+  <mc:AlternateContent xmlns:mc="http://schemas.openxmlformats.org/markup-compatibility/2006" xmlns:p14="http://schemas.microsoft.com/office/powerpoint/2010/main">
+    <mc:Choice Requires="p14">
       <p:transition spd="med" p14:dur="700" advClick="0" advTm="3000">
         <p:fade/>
       </p:transition>
     </mc:Choice>
-    <mc:Fallback>
+    <mc:Fallback xmlns="">
       <p:transition spd="med" advClick="0" advTm="3000">
         <p:fade/>
       </p:transition>
@@ -8718,13 +8746,13 @@
   <p:clrMapOvr>
     <a:masterClrMapping/>
   </p:clrMapOvr>
-  <mc:AlternateContent xmlns:mc="http://schemas.openxmlformats.org/markup-compatibility/2006">
-    <mc:Choice xmlns:p14="http://schemas.microsoft.com/office/powerpoint/2010/main" Requires="p14">
+  <mc:AlternateContent xmlns:mc="http://schemas.openxmlformats.org/markup-compatibility/2006" xmlns:p14="http://schemas.microsoft.com/office/powerpoint/2010/main">
+    <mc:Choice Requires="p14">
       <p:transition spd="med" p14:dur="700" advClick="0" advTm="3000">
         <p:fade/>
       </p:transition>
     </mc:Choice>
-    <mc:Fallback>
+    <mc:Fallback xmlns="">
       <p:transition spd="med" advClick="0" advTm="3000">
         <p:fade/>
       </p:transition>
@@ -9458,13 +9486,13 @@
   <p:clrMapOvr>
     <a:masterClrMapping/>
   </p:clrMapOvr>
-  <mc:AlternateContent xmlns:mc="http://schemas.openxmlformats.org/markup-compatibility/2006">
-    <mc:Choice xmlns:p14="http://schemas.microsoft.com/office/powerpoint/2010/main" Requires="p14">
+  <mc:AlternateContent xmlns:mc="http://schemas.openxmlformats.org/markup-compatibility/2006" xmlns:p14="http://schemas.microsoft.com/office/powerpoint/2010/main">
+    <mc:Choice Requires="p14">
       <p:transition spd="med" p14:dur="700" advClick="0" advTm="3000">
         <p:fade/>
       </p:transition>
     </mc:Choice>
-    <mc:Fallback>
+    <mc:Fallback xmlns="">
       <p:transition spd="med" advClick="0" advTm="3000">
         <p:fade/>
       </p:transition>
@@ -10107,13 +10135,13 @@
   <p:clrMapOvr>
     <a:masterClrMapping/>
   </p:clrMapOvr>
-  <mc:AlternateContent xmlns:mc="http://schemas.openxmlformats.org/markup-compatibility/2006">
-    <mc:Choice xmlns:p14="http://schemas.microsoft.com/office/powerpoint/2010/main" Requires="p14">
+  <mc:AlternateContent xmlns:mc="http://schemas.openxmlformats.org/markup-compatibility/2006" xmlns:p14="http://schemas.microsoft.com/office/powerpoint/2010/main">
+    <mc:Choice Requires="p14">
       <p:transition spd="med" p14:dur="700" advClick="0" advTm="3000">
         <p:fade/>
       </p:transition>
     </mc:Choice>
-    <mc:Fallback>
+    <mc:Fallback xmlns="">
       <p:transition spd="med" advClick="0" advTm="3000">
         <p:fade/>
       </p:transition>
@@ -10752,13 +10780,13 @@
   <p:clrMapOvr>
     <a:masterClrMapping/>
   </p:clrMapOvr>
-  <mc:AlternateContent xmlns:mc="http://schemas.openxmlformats.org/markup-compatibility/2006">
-    <mc:Choice xmlns:p14="http://schemas.microsoft.com/office/powerpoint/2010/main" Requires="p14">
+  <mc:AlternateContent xmlns:mc="http://schemas.openxmlformats.org/markup-compatibility/2006" xmlns:p14="http://schemas.microsoft.com/office/powerpoint/2010/main">
+    <mc:Choice Requires="p14">
       <p:transition spd="med" p14:dur="700" advClick="0" advTm="3000">
         <p:fade/>
       </p:transition>
     </mc:Choice>
-    <mc:Fallback>
+    <mc:Fallback xmlns="">
       <p:transition spd="med" advClick="0" advTm="3000">
         <p:fade/>
       </p:transition>
@@ -11172,13 +11200,13 @@
   <p:clrMapOvr>
     <a:masterClrMapping/>
   </p:clrMapOvr>
-  <mc:AlternateContent xmlns:mc="http://schemas.openxmlformats.org/markup-compatibility/2006">
-    <mc:Choice xmlns:p14="http://schemas.microsoft.com/office/powerpoint/2010/main" Requires="p14">
+  <mc:AlternateContent xmlns:mc="http://schemas.openxmlformats.org/markup-compatibility/2006" xmlns:p14="http://schemas.microsoft.com/office/powerpoint/2010/main">
+    <mc:Choice Requires="p14">
       <p:transition spd="med" p14:dur="700" advClick="0" advTm="3000">
         <p:fade/>
       </p:transition>
     </mc:Choice>
-    <mc:Fallback>
+    <mc:Fallback xmlns="">
       <p:transition spd="med" advClick="0" advTm="3000">
         <p:fade/>
       </p:transition>
@@ -11918,13 +11946,13 @@
   <p:clrMapOvr>
     <a:masterClrMapping/>
   </p:clrMapOvr>
-  <mc:AlternateContent xmlns:mc="http://schemas.openxmlformats.org/markup-compatibility/2006">
-    <mc:Choice xmlns:p14="http://schemas.microsoft.com/office/powerpoint/2010/main" Requires="p14">
+  <mc:AlternateContent xmlns:mc="http://schemas.openxmlformats.org/markup-compatibility/2006" xmlns:p14="http://schemas.microsoft.com/office/powerpoint/2010/main">
+    <mc:Choice Requires="p14">
       <p:transition spd="med" p14:dur="700" advClick="0" advTm="3000">
         <p:fade/>
       </p:transition>
     </mc:Choice>
-    <mc:Fallback>
+    <mc:Fallback xmlns="">
       <p:transition spd="med" advClick="0" advTm="3000">
         <p:fade/>
       </p:transition>

--- a/presentation/ERG3010 Group 10 Presentation.pptx
+++ b/presentation/ERG3010 Group 10 Presentation.pptx
@@ -5,7 +5,7 @@
     <p:sldMasterId id="2147483648" r:id="rId1"/>
   </p:sldMasterIdLst>
   <p:notesMasterIdLst>
-    <p:notesMasterId r:id="rId11"/>
+    <p:notesMasterId r:id="rId12"/>
   </p:notesMasterIdLst>
   <p:sldIdLst>
     <p:sldId id="256" r:id="rId2"/>
@@ -14,9 +14,10 @@
     <p:sldId id="293" r:id="rId5"/>
     <p:sldId id="294" r:id="rId6"/>
     <p:sldId id="289" r:id="rId7"/>
-    <p:sldId id="295" r:id="rId8"/>
-    <p:sldId id="296" r:id="rId9"/>
+    <p:sldId id="297" r:id="rId8"/>
+    <p:sldId id="295" r:id="rId9"/>
     <p:sldId id="286" r:id="rId10"/>
+    <p:sldId id="296" r:id="rId11"/>
   </p:sldIdLst>
   <p:sldSz cx="12190413" cy="6858000"/>
   <p:notesSz cx="6858000" cy="9144000"/>
@@ -567,6 +568,90 @@
 </p:notes>
 </file>
 
+<file path=ppt/notesSlides/notesSlide10.xml><?xml version="1.0" encoding="utf-8"?>
+<p:notes xmlns:a="http://schemas.openxmlformats.org/drawingml/2006/main" xmlns:r="http://schemas.openxmlformats.org/officeDocument/2006/relationships" xmlns:p="http://schemas.openxmlformats.org/presentationml/2006/main">
+  <p:cSld>
+    <p:spTree>
+      <p:nvGrpSpPr>
+        <p:cNvPr id="1" name=""/>
+        <p:cNvGrpSpPr/>
+        <p:nvPr/>
+      </p:nvGrpSpPr>
+      <p:grpSpPr>
+        <a:xfrm>
+          <a:off x="0" y="0"/>
+          <a:ext cx="0" cy="0"/>
+          <a:chOff x="0" y="0"/>
+          <a:chExt cx="0" cy="0"/>
+        </a:xfrm>
+      </p:grpSpPr>
+      <p:sp>
+        <p:nvSpPr>
+          <p:cNvPr id="2" name="幻灯片图像占位符 1"/>
+          <p:cNvSpPr>
+            <a:spLocks noGrp="1" noRot="1" noChangeAspect="1"/>
+          </p:cNvSpPr>
+          <p:nvPr>
+            <p:ph type="sldImg"/>
+          </p:nvPr>
+        </p:nvSpPr>
+        <p:spPr/>
+      </p:sp>
+      <p:sp>
+        <p:nvSpPr>
+          <p:cNvPr id="3" name="备注占位符 2"/>
+          <p:cNvSpPr>
+            <a:spLocks noGrp="1"/>
+          </p:cNvSpPr>
+          <p:nvPr>
+            <p:ph type="body" idx="1"/>
+          </p:nvPr>
+        </p:nvSpPr>
+        <p:spPr/>
+        <p:txBody>
+          <a:bodyPr/>
+          <a:lstStyle/>
+          <a:p>
+            <a:endParaRPr lang="zh-CN" altLang="en-US"/>
+          </a:p>
+        </p:txBody>
+      </p:sp>
+      <p:sp>
+        <p:nvSpPr>
+          <p:cNvPr id="4" name="灯片编号占位符 3"/>
+          <p:cNvSpPr>
+            <a:spLocks noGrp="1"/>
+          </p:cNvSpPr>
+          <p:nvPr>
+            <p:ph type="sldNum" sz="quarter" idx="10"/>
+          </p:nvPr>
+        </p:nvSpPr>
+        <p:spPr/>
+        <p:txBody>
+          <a:bodyPr/>
+          <a:lstStyle/>
+          <a:p>
+            <a:fld id="{6473F681-7291-41D2-A146-1FB28A7F6200}" type="slidenum">
+              <a:rPr lang="zh-CN" altLang="en-US" smtClean="0"/>
+              <a:t>10</a:t>
+            </a:fld>
+            <a:endParaRPr lang="zh-CN" altLang="en-US"/>
+          </a:p>
+        </p:txBody>
+      </p:sp>
+    </p:spTree>
+    <p:extLst>
+      <p:ext uri="{BB962C8B-B14F-4D97-AF65-F5344CB8AC3E}">
+        <p14:creationId xmlns:p14="http://schemas.microsoft.com/office/powerpoint/2010/main" val="2786086841"/>
+      </p:ext>
+    </p:extLst>
+  </p:cSld>
+  <p:clrMapOvr>
+    <a:masterClrMapping/>
+  </p:clrMapOvr>
+</p:notes>
+</file>
+
 <file path=ppt/notesSlides/notesSlide2.xml><?xml version="1.0" encoding="utf-8"?>
 <p:notes xmlns:a="http://schemas.openxmlformats.org/drawingml/2006/main" xmlns:r="http://schemas.openxmlformats.org/officeDocument/2006/relationships" xmlns:p="http://schemas.openxmlformats.org/presentationml/2006/main">
   <p:cSld>
@@ -1061,7 +1146,7 @@
     </p:spTree>
     <p:extLst>
       <p:ext uri="{BB962C8B-B14F-4D97-AF65-F5344CB8AC3E}">
-        <p14:creationId xmlns:p14="http://schemas.microsoft.com/office/powerpoint/2010/main" val="3442217058"/>
+        <p14:creationId xmlns:p14="http://schemas.microsoft.com/office/powerpoint/2010/main" val="2539511412"/>
       </p:ext>
     </p:extLst>
   </p:cSld>
@@ -1145,7 +1230,7 @@
     </p:spTree>
     <p:extLst>
       <p:ext uri="{BB962C8B-B14F-4D97-AF65-F5344CB8AC3E}">
-        <p14:creationId xmlns:p14="http://schemas.microsoft.com/office/powerpoint/2010/main" val="2786086841"/>
+        <p14:creationId xmlns:p14="http://schemas.microsoft.com/office/powerpoint/2010/main" val="3442217058"/>
       </p:ext>
     </p:extLst>
   </p:cSld>
@@ -5468,6 +5553,533 @@
 </p:sld>
 </file>
 
+<file path=ppt/slides/slide10.xml><?xml version="1.0" encoding="utf-8"?>
+<p:sld xmlns:a="http://schemas.openxmlformats.org/drawingml/2006/main" xmlns:r="http://schemas.openxmlformats.org/officeDocument/2006/relationships" xmlns:p="http://schemas.openxmlformats.org/presentationml/2006/main">
+  <p:cSld>
+    <p:spTree>
+      <p:nvGrpSpPr>
+        <p:cNvPr id="1" name=""/>
+        <p:cNvGrpSpPr/>
+        <p:nvPr/>
+      </p:nvGrpSpPr>
+      <p:grpSpPr>
+        <a:xfrm>
+          <a:off x="0" y="0"/>
+          <a:ext cx="0" cy="0"/>
+          <a:chOff x="0" y="0"/>
+          <a:chExt cx="0" cy="0"/>
+        </a:xfrm>
+      </p:grpSpPr>
+      <p:cxnSp>
+        <p:nvCxnSpPr>
+          <p:cNvPr id="2" name="直接连接符 1"/>
+          <p:cNvCxnSpPr/>
+          <p:nvPr/>
+        </p:nvCxnSpPr>
+        <p:spPr>
+          <a:xfrm flipH="1">
+            <a:off x="-194358" y="217178"/>
+            <a:ext cx="777432" cy="653712"/>
+          </a:xfrm>
+          <a:prstGeom prst="line">
+            <a:avLst/>
+          </a:prstGeom>
+          <a:ln w="38100">
+            <a:solidFill>
+              <a:schemeClr val="tx1">
+                <a:lumMod val="85000"/>
+                <a:lumOff val="15000"/>
+              </a:schemeClr>
+            </a:solidFill>
+          </a:ln>
+        </p:spPr>
+        <p:style>
+          <a:lnRef idx="1">
+            <a:schemeClr val="accent1"/>
+          </a:lnRef>
+          <a:fillRef idx="0">
+            <a:schemeClr val="accent1"/>
+          </a:fillRef>
+          <a:effectRef idx="0">
+            <a:schemeClr val="accent1"/>
+          </a:effectRef>
+          <a:fontRef idx="minor">
+            <a:schemeClr val="tx1"/>
+          </a:fontRef>
+        </p:style>
+      </p:cxnSp>
+      <p:cxnSp>
+        <p:nvCxnSpPr>
+          <p:cNvPr id="3" name="直接连接符 2"/>
+          <p:cNvCxnSpPr/>
+          <p:nvPr/>
+        </p:nvCxnSpPr>
+        <p:spPr>
+          <a:xfrm flipH="1">
+            <a:off x="-58057" y="761631"/>
+            <a:ext cx="388716" cy="326856"/>
+          </a:xfrm>
+          <a:prstGeom prst="line">
+            <a:avLst/>
+          </a:prstGeom>
+          <a:ln w="12700">
+            <a:solidFill>
+              <a:srgbClr val="C00000"/>
+            </a:solidFill>
+          </a:ln>
+        </p:spPr>
+        <p:style>
+          <a:lnRef idx="1">
+            <a:schemeClr val="accent1"/>
+          </a:lnRef>
+          <a:fillRef idx="0">
+            <a:schemeClr val="accent1"/>
+          </a:fillRef>
+          <a:effectRef idx="0">
+            <a:schemeClr val="accent1"/>
+          </a:effectRef>
+          <a:fontRef idx="minor">
+            <a:schemeClr val="tx1"/>
+          </a:fontRef>
+        </p:style>
+      </p:cxnSp>
+      <p:sp>
+        <p:nvSpPr>
+          <p:cNvPr id="4" name="矩形 3"/>
+          <p:cNvSpPr/>
+          <p:nvPr/>
+        </p:nvSpPr>
+        <p:spPr>
+          <a:xfrm>
+            <a:off x="694606" y="183740"/>
+            <a:ext cx="1890710" cy="523220"/>
+          </a:xfrm>
+          <a:prstGeom prst="rect">
+            <a:avLst/>
+          </a:prstGeom>
+        </p:spPr>
+        <p:txBody>
+          <a:bodyPr wrap="none">
+            <a:spAutoFit/>
+          </a:bodyPr>
+          <a:lstStyle/>
+          <a:p>
+            <a:r>
+              <a:rPr lang="en-US" altLang="zh-CN" sz="2800" b="1" dirty="0">
+                <a:solidFill>
+                  <a:srgbClr val="C00000"/>
+                </a:solidFill>
+                <a:latin typeface="Calibri" charset="0"/>
+                <a:ea typeface="Calibri" charset="0"/>
+                <a:cs typeface="Calibri" charset="0"/>
+              </a:rPr>
+              <a:t>8</a:t>
+            </a:r>
+            <a:r>
+              <a:rPr lang="en-US" altLang="zh-CN" sz="2800" b="1" dirty="0">
+                <a:latin typeface="Calibri" charset="0"/>
+                <a:ea typeface="Calibri" charset="0"/>
+                <a:cs typeface="Calibri" charset="0"/>
+              </a:rPr>
+              <a:t> Prospects</a:t>
+            </a:r>
+            <a:endParaRPr lang="zh-CN" altLang="en-US" sz="2800" b="1" dirty="0">
+              <a:latin typeface="Calibri" charset="0"/>
+              <a:ea typeface="Calibri" charset="0"/>
+              <a:cs typeface="Calibri" charset="0"/>
+            </a:endParaRPr>
+          </a:p>
+        </p:txBody>
+      </p:sp>
+      <p:sp>
+        <p:nvSpPr>
+          <p:cNvPr id="5" name="左中括号 4"/>
+          <p:cNvSpPr/>
+          <p:nvPr/>
+        </p:nvSpPr>
+        <p:spPr>
+          <a:xfrm>
+            <a:off x="658602" y="202904"/>
+            <a:ext cx="72008" cy="504056"/>
+          </a:xfrm>
+          <a:prstGeom prst="leftBracket">
+            <a:avLst/>
+          </a:prstGeom>
+          <a:ln>
+            <a:solidFill>
+              <a:schemeClr val="tx1"/>
+            </a:solidFill>
+          </a:ln>
+        </p:spPr>
+        <p:style>
+          <a:lnRef idx="1">
+            <a:schemeClr val="accent1"/>
+          </a:lnRef>
+          <a:fillRef idx="0">
+            <a:schemeClr val="accent1"/>
+          </a:fillRef>
+          <a:effectRef idx="0">
+            <a:schemeClr val="accent1"/>
+          </a:effectRef>
+          <a:fontRef idx="minor">
+            <a:schemeClr val="tx1"/>
+          </a:fontRef>
+        </p:style>
+        <p:txBody>
+          <a:bodyPr rtlCol="0" anchor="ctr"/>
+          <a:lstStyle/>
+          <a:p>
+            <a:pPr algn="ctr"/>
+            <a:endParaRPr lang="zh-CN" altLang="en-US"/>
+          </a:p>
+        </p:txBody>
+      </p:sp>
+      <p:sp>
+        <p:nvSpPr>
+          <p:cNvPr id="21" name="等腰三角形 14">
+            <a:extLst>
+              <a:ext uri="{FF2B5EF4-FFF2-40B4-BE49-F238E27FC236}">
+                <a16:creationId xmlns:a16="http://schemas.microsoft.com/office/drawing/2014/main" id="{084C4E86-4FB1-4B16-9071-961FDA7DA73F}"/>
+              </a:ext>
+            </a:extLst>
+          </p:cNvPr>
+          <p:cNvSpPr/>
+          <p:nvPr/>
+        </p:nvSpPr>
+        <p:spPr>
+          <a:xfrm>
+            <a:off x="2588261" y="2225053"/>
+            <a:ext cx="198021" cy="170708"/>
+          </a:xfrm>
+          <a:prstGeom prst="triangle">
+            <a:avLst/>
+          </a:prstGeom>
+          <a:solidFill>
+            <a:srgbClr val="C00000"/>
+          </a:solidFill>
+          <a:ln>
+            <a:noFill/>
+          </a:ln>
+        </p:spPr>
+        <p:style>
+          <a:lnRef idx="2">
+            <a:schemeClr val="accent1">
+              <a:shade val="50000"/>
+            </a:schemeClr>
+          </a:lnRef>
+          <a:fillRef idx="1">
+            <a:schemeClr val="accent1"/>
+          </a:fillRef>
+          <a:effectRef idx="0">
+            <a:schemeClr val="accent1"/>
+          </a:effectRef>
+          <a:fontRef idx="minor">
+            <a:schemeClr val="lt1"/>
+          </a:fontRef>
+        </p:style>
+        <p:txBody>
+          <a:bodyPr rtlCol="0" anchor="ctr"/>
+          <a:lstStyle/>
+          <a:p>
+            <a:pPr algn="ctr"/>
+            <a:endParaRPr lang="zh-CN" altLang="en-US"/>
+          </a:p>
+        </p:txBody>
+      </p:sp>
+      <p:sp>
+        <p:nvSpPr>
+          <p:cNvPr id="22" name="TextBox 15">
+            <a:extLst>
+              <a:ext uri="{FF2B5EF4-FFF2-40B4-BE49-F238E27FC236}">
+                <a16:creationId xmlns:a16="http://schemas.microsoft.com/office/drawing/2014/main" id="{EE8DA1D9-1B6B-4CE7-93EC-672E67CA230C}"/>
+              </a:ext>
+            </a:extLst>
+          </p:cNvPr>
+          <p:cNvSpPr txBox="1"/>
+          <p:nvPr/>
+        </p:nvSpPr>
+        <p:spPr>
+          <a:xfrm>
+            <a:off x="2786282" y="1916832"/>
+            <a:ext cx="8280920" cy="671851"/>
+          </a:xfrm>
+          <a:prstGeom prst="rect">
+            <a:avLst/>
+          </a:prstGeom>
+          <a:noFill/>
+        </p:spPr>
+        <p:txBody>
+          <a:bodyPr wrap="square" rtlCol="0">
+            <a:spAutoFit/>
+          </a:bodyPr>
+          <a:lstStyle/>
+          <a:p>
+            <a:pPr>
+              <a:lnSpc>
+                <a:spcPct val="150000"/>
+              </a:lnSpc>
+            </a:pPr>
+            <a:r>
+              <a:rPr lang="en-US" altLang="zh-CN" sz="2800" b="1" dirty="0">
+                <a:latin typeface="Calibri" charset="0"/>
+                <a:ea typeface="Calibri" charset="0"/>
+                <a:cs typeface="Calibri" charset="0"/>
+              </a:rPr>
+              <a:t>User Page: Sign up; Sign in; Profile  </a:t>
+            </a:r>
+            <a:endParaRPr lang="en-US" altLang="zh-CN" sz="2800" b="1" spc="300" dirty="0">
+              <a:solidFill>
+                <a:schemeClr val="tx1">
+                  <a:lumMod val="65000"/>
+                  <a:lumOff val="35000"/>
+                </a:schemeClr>
+              </a:solidFill>
+              <a:latin typeface="Calibri" charset="0"/>
+              <a:ea typeface="Calibri" charset="0"/>
+              <a:cs typeface="Calibri" charset="0"/>
+            </a:endParaRPr>
+          </a:p>
+        </p:txBody>
+      </p:sp>
+      <p:sp>
+        <p:nvSpPr>
+          <p:cNvPr id="23" name="等腰三角形 14">
+            <a:extLst>
+              <a:ext uri="{FF2B5EF4-FFF2-40B4-BE49-F238E27FC236}">
+                <a16:creationId xmlns:a16="http://schemas.microsoft.com/office/drawing/2014/main" id="{B4963136-93BC-4D52-96F1-A6D92A48BF19}"/>
+              </a:ext>
+            </a:extLst>
+          </p:cNvPr>
+          <p:cNvSpPr/>
+          <p:nvPr/>
+        </p:nvSpPr>
+        <p:spPr>
+          <a:xfrm>
+            <a:off x="2588260" y="3145980"/>
+            <a:ext cx="198021" cy="170708"/>
+          </a:xfrm>
+          <a:prstGeom prst="triangle">
+            <a:avLst/>
+          </a:prstGeom>
+          <a:solidFill>
+            <a:srgbClr val="C00000"/>
+          </a:solidFill>
+          <a:ln>
+            <a:noFill/>
+          </a:ln>
+        </p:spPr>
+        <p:style>
+          <a:lnRef idx="2">
+            <a:schemeClr val="accent1">
+              <a:shade val="50000"/>
+            </a:schemeClr>
+          </a:lnRef>
+          <a:fillRef idx="1">
+            <a:schemeClr val="accent1"/>
+          </a:fillRef>
+          <a:effectRef idx="0">
+            <a:schemeClr val="accent1"/>
+          </a:effectRef>
+          <a:fontRef idx="minor">
+            <a:schemeClr val="lt1"/>
+          </a:fontRef>
+        </p:style>
+        <p:txBody>
+          <a:bodyPr rtlCol="0" anchor="ctr"/>
+          <a:lstStyle/>
+          <a:p>
+            <a:pPr algn="ctr"/>
+            <a:endParaRPr lang="zh-CN" altLang="en-US"/>
+          </a:p>
+        </p:txBody>
+      </p:sp>
+      <p:sp>
+        <p:nvSpPr>
+          <p:cNvPr id="27" name="TextBox 15">
+            <a:extLst>
+              <a:ext uri="{FF2B5EF4-FFF2-40B4-BE49-F238E27FC236}">
+                <a16:creationId xmlns:a16="http://schemas.microsoft.com/office/drawing/2014/main" id="{F12F80A1-CB89-497F-855A-39914ADAC06F}"/>
+              </a:ext>
+            </a:extLst>
+          </p:cNvPr>
+          <p:cNvSpPr txBox="1"/>
+          <p:nvPr/>
+        </p:nvSpPr>
+        <p:spPr>
+          <a:xfrm>
+            <a:off x="2786282" y="2840252"/>
+            <a:ext cx="9361040" cy="671851"/>
+          </a:xfrm>
+          <a:prstGeom prst="rect">
+            <a:avLst/>
+          </a:prstGeom>
+          <a:noFill/>
+        </p:spPr>
+        <p:txBody>
+          <a:bodyPr wrap="square" rtlCol="0">
+            <a:spAutoFit/>
+          </a:bodyPr>
+          <a:lstStyle/>
+          <a:p>
+            <a:pPr>
+              <a:lnSpc>
+                <a:spcPct val="150000"/>
+              </a:lnSpc>
+            </a:pPr>
+            <a:r>
+              <a:rPr lang="en-US" altLang="zh-CN" sz="2800" b="1" dirty="0">
+                <a:latin typeface="Calibri" charset="0"/>
+                <a:ea typeface="Calibri" charset="0"/>
+                <a:cs typeface="Calibri" charset="0"/>
+              </a:rPr>
+              <a:t>Favorites</a:t>
+            </a:r>
+            <a:endParaRPr lang="en-US" altLang="zh-CN" sz="2800" b="1" spc="300" dirty="0">
+              <a:solidFill>
+                <a:schemeClr val="tx1">
+                  <a:lumMod val="65000"/>
+                  <a:lumOff val="35000"/>
+                </a:schemeClr>
+              </a:solidFill>
+              <a:latin typeface="Calibri" charset="0"/>
+              <a:ea typeface="Calibri" charset="0"/>
+              <a:cs typeface="Calibri" charset="0"/>
+            </a:endParaRPr>
+          </a:p>
+        </p:txBody>
+      </p:sp>
+      <p:sp>
+        <p:nvSpPr>
+          <p:cNvPr id="29" name="等腰三角形 14">
+            <a:extLst>
+              <a:ext uri="{FF2B5EF4-FFF2-40B4-BE49-F238E27FC236}">
+                <a16:creationId xmlns:a16="http://schemas.microsoft.com/office/drawing/2014/main" id="{26271CC7-AC87-492A-86E1-1E37EE1BB71B}"/>
+              </a:ext>
+            </a:extLst>
+          </p:cNvPr>
+          <p:cNvSpPr/>
+          <p:nvPr/>
+        </p:nvSpPr>
+        <p:spPr>
+          <a:xfrm>
+            <a:off x="2588259" y="4123559"/>
+            <a:ext cx="198021" cy="170708"/>
+          </a:xfrm>
+          <a:prstGeom prst="triangle">
+            <a:avLst/>
+          </a:prstGeom>
+          <a:solidFill>
+            <a:srgbClr val="C00000"/>
+          </a:solidFill>
+          <a:ln>
+            <a:noFill/>
+          </a:ln>
+        </p:spPr>
+        <p:style>
+          <a:lnRef idx="2">
+            <a:schemeClr val="accent1">
+              <a:shade val="50000"/>
+            </a:schemeClr>
+          </a:lnRef>
+          <a:fillRef idx="1">
+            <a:schemeClr val="accent1"/>
+          </a:fillRef>
+          <a:effectRef idx="0">
+            <a:schemeClr val="accent1"/>
+          </a:effectRef>
+          <a:fontRef idx="minor">
+            <a:schemeClr val="lt1"/>
+          </a:fontRef>
+        </p:style>
+        <p:txBody>
+          <a:bodyPr rtlCol="0" anchor="ctr"/>
+          <a:lstStyle/>
+          <a:p>
+            <a:pPr algn="ctr"/>
+            <a:endParaRPr lang="zh-CN" altLang="en-US"/>
+          </a:p>
+        </p:txBody>
+      </p:sp>
+      <p:sp>
+        <p:nvSpPr>
+          <p:cNvPr id="30" name="TextBox 15">
+            <a:extLst>
+              <a:ext uri="{FF2B5EF4-FFF2-40B4-BE49-F238E27FC236}">
+                <a16:creationId xmlns:a16="http://schemas.microsoft.com/office/drawing/2014/main" id="{F8798897-497B-4B45-9AC0-1AB28B115477}"/>
+              </a:ext>
+            </a:extLst>
+          </p:cNvPr>
+          <p:cNvSpPr txBox="1"/>
+          <p:nvPr/>
+        </p:nvSpPr>
+        <p:spPr>
+          <a:xfrm>
+            <a:off x="2786281" y="3817831"/>
+            <a:ext cx="9361040" cy="671851"/>
+          </a:xfrm>
+          <a:prstGeom prst="rect">
+            <a:avLst/>
+          </a:prstGeom>
+          <a:noFill/>
+        </p:spPr>
+        <p:txBody>
+          <a:bodyPr wrap="square" rtlCol="0">
+            <a:spAutoFit/>
+          </a:bodyPr>
+          <a:lstStyle/>
+          <a:p>
+            <a:pPr>
+              <a:lnSpc>
+                <a:spcPct val="150000"/>
+              </a:lnSpc>
+            </a:pPr>
+            <a:r>
+              <a:rPr lang="en-US" altLang="zh-CN" sz="2800" b="1" dirty="0">
+                <a:latin typeface="Calibri" charset="0"/>
+                <a:ea typeface="Calibri" charset="0"/>
+                <a:cs typeface="Calibri" charset="0"/>
+              </a:rPr>
+              <a:t>Database Real-time Update </a:t>
+            </a:r>
+            <a:endParaRPr lang="en-US" altLang="zh-CN" sz="2800" b="1" spc="300" dirty="0">
+              <a:solidFill>
+                <a:schemeClr val="tx1">
+                  <a:lumMod val="65000"/>
+                  <a:lumOff val="35000"/>
+                </a:schemeClr>
+              </a:solidFill>
+              <a:latin typeface="Calibri" charset="0"/>
+              <a:ea typeface="Calibri" charset="0"/>
+              <a:cs typeface="Calibri" charset="0"/>
+            </a:endParaRPr>
+          </a:p>
+        </p:txBody>
+      </p:sp>
+    </p:spTree>
+    <p:extLst>
+      <p:ext uri="{BB962C8B-B14F-4D97-AF65-F5344CB8AC3E}">
+        <p14:creationId xmlns:p14="http://schemas.microsoft.com/office/powerpoint/2010/main" val="1919552196"/>
+      </p:ext>
+    </p:extLst>
+  </p:cSld>
+  <p:clrMapOvr>
+    <a:masterClrMapping/>
+  </p:clrMapOvr>
+  <mc:AlternateContent xmlns:mc="http://schemas.openxmlformats.org/markup-compatibility/2006">
+    <mc:Choice xmlns:p14="http://schemas.microsoft.com/office/powerpoint/2010/main" Requires="p14">
+      <p:transition spd="med" p14:dur="700" advClick="0" advTm="3000">
+        <p:fade/>
+      </p:transition>
+    </mc:Choice>
+    <mc:Fallback>
+      <p:transition spd="med" advClick="0" advTm="3000">
+        <p:fade/>
+      </p:transition>
+    </mc:Fallback>
+  </mc:AlternateContent>
+</p:sld>
+</file>
+
 <file path=ppt/slides/slide2.xml><?xml version="1.0" encoding="utf-8"?>
 <p:sld xmlns:a="http://schemas.openxmlformats.org/drawingml/2006/main" xmlns:r="http://schemas.openxmlformats.org/officeDocument/2006/relationships" xmlns:p="http://schemas.openxmlformats.org/presentationml/2006/main">
   <p:cSld>
@@ -5909,7 +6521,7 @@
         </p:nvSpPr>
         <p:spPr>
           <a:xfrm>
-            <a:off x="1576705" y="1827296"/>
+            <a:off x="1576705" y="2062984"/>
             <a:ext cx="198021" cy="170708"/>
           </a:xfrm>
           <a:prstGeom prst="triangle">
@@ -5955,7 +6567,7 @@
         </p:nvSpPr>
         <p:spPr>
           <a:xfrm>
-            <a:off x="1774726" y="1519075"/>
+            <a:off x="1774726" y="1754763"/>
             <a:ext cx="8280920" cy="671851"/>
           </a:xfrm>
           <a:prstGeom prst="rect">
@@ -6004,7 +6616,7 @@
         </p:nvSpPr>
         <p:spPr>
           <a:xfrm>
-            <a:off x="1576704" y="2748223"/>
+            <a:off x="1576704" y="2983911"/>
             <a:ext cx="198021" cy="170708"/>
           </a:xfrm>
           <a:prstGeom prst="triangle">
@@ -6050,7 +6662,7 @@
         </p:nvSpPr>
         <p:spPr>
           <a:xfrm>
-            <a:off x="1580476" y="3644161"/>
+            <a:off x="1580476" y="3879849"/>
             <a:ext cx="198021" cy="170708"/>
           </a:xfrm>
           <a:prstGeom prst="triangle">
@@ -6196,7 +6808,7 @@
         </p:nvSpPr>
         <p:spPr>
           <a:xfrm>
-            <a:off x="1774726" y="3341538"/>
+            <a:off x="1774726" y="3577226"/>
             <a:ext cx="9361040" cy="671851"/>
           </a:xfrm>
           <a:prstGeom prst="rect">
@@ -6400,7 +7012,7 @@
         </p:nvSpPr>
         <p:spPr>
           <a:xfrm>
-            <a:off x="1774726" y="2442495"/>
+            <a:off x="1774726" y="2678183"/>
             <a:ext cx="9361040" cy="671851"/>
           </a:xfrm>
           <a:prstGeom prst="rect">
@@ -7063,7 +7675,7 @@
           <p:nvPr>
             <p:extLst>
               <p:ext uri="{D42A27DB-BD31-4B8C-83A1-F6EECF244321}">
-                <p14:modId xmlns:p14="http://schemas.microsoft.com/office/powerpoint/2010/main" val="1468900014"/>
+                <p14:modId xmlns:p14="http://schemas.microsoft.com/office/powerpoint/2010/main" val="2999648062"/>
               </p:ext>
             </p:extLst>
           </p:nvPr>
@@ -7258,7 +7870,7 @@
                       <a:pPr algn="ctr"/>
                       <a:r>
                         <a:rPr lang="en-US" altLang="zh-CN" sz="2000" dirty="0"/>
-                        <a:t>Functions implementation; Back-end. Front- and back-end frame construction </a:t>
+                        <a:t>Web Application by Flask; Back-end; Front- and back-end frame construction </a:t>
                       </a:r>
                       <a:endParaRPr lang="zh-CN" altLang="en-US" sz="2000" dirty="0"/>
                     </a:p>
@@ -7336,7 +7948,7 @@
                       </a:pPr>
                       <a:r>
                         <a:rPr lang="en-US" altLang="zh-CN" sz="2000" dirty="0"/>
-                        <a:t>Functions implementation; Back-end;</a:t>
+                        <a:t>Web Application by Flask; Back-end;</a:t>
                       </a:r>
                       <a:r>
                         <a:rPr lang="zh-CN" altLang="en-US" sz="2000" dirty="0"/>
@@ -9329,8 +9941,8 @@
         </p:nvSpPr>
         <p:spPr>
           <a:xfrm>
-            <a:off x="658602" y="759691"/>
-            <a:ext cx="7335365" cy="1318181"/>
+            <a:off x="658602" y="1058619"/>
+            <a:ext cx="5364596" cy="967957"/>
           </a:xfrm>
           <a:prstGeom prst="rect">
             <a:avLst/>
@@ -9349,14 +9961,14 @@
               </a:lnSpc>
             </a:pPr>
             <a:r>
-              <a:rPr lang="en-US" altLang="zh-CN" sz="2800" b="1" dirty="0">
+              <a:rPr lang="en-US" altLang="zh-CN" sz="2000" b="1" dirty="0">
                 <a:latin typeface="Calibri" charset="0"/>
                 <a:ea typeface="Calibri" charset="0"/>
                 <a:cs typeface="Calibri" charset="0"/>
               </a:rPr>
               <a:t>Our data are crawled from https://sofifa.com/, which is a professional FIFA information website.</a:t>
             </a:r>
-            <a:endParaRPr lang="en-US" altLang="zh-CN" sz="2800" b="1" spc="300" dirty="0">
+            <a:endParaRPr lang="en-US" altLang="zh-CN" sz="2000" b="1" spc="300" dirty="0">
               <a:solidFill>
                 <a:schemeClr val="tx1">
                   <a:lumMod val="65000"/>
@@ -9391,8 +10003,8 @@
         </p:blipFill>
         <p:spPr>
           <a:xfrm>
-            <a:off x="661896" y="2106104"/>
-            <a:ext cx="7621644" cy="4590984"/>
+            <a:off x="730610" y="2492896"/>
+            <a:ext cx="5400000" cy="3252751"/>
           </a:xfrm>
           <a:prstGeom prst="rect">
             <a:avLst/>
@@ -9411,10 +10023,10 @@
       </p:pic>
       <p:pic>
         <p:nvPicPr>
-          <p:cNvPr id="5" name="Picture 4">
+          <p:cNvPr id="7" name="Picture 6">
             <a:extLst>
               <a:ext uri="{FF2B5EF4-FFF2-40B4-BE49-F238E27FC236}">
-                <a16:creationId xmlns:a16="http://schemas.microsoft.com/office/drawing/2014/main" id="{399EAB39-F1EA-4284-9657-14BE20B422FA}"/>
+                <a16:creationId xmlns:a16="http://schemas.microsoft.com/office/drawing/2014/main" id="{40B6858D-D833-4ABD-A61D-CB020E0E65E8}"/>
               </a:ext>
             </a:extLst>
           </p:cNvPr>
@@ -9425,13 +10037,52 @@
         </p:nvPicPr>
         <p:blipFill rotWithShape="1">
           <a:blip r:embed="rId7"/>
-          <a:srcRect l="11015" t="44750" r="60632" b="9045"/>
+          <a:srcRect b="10095"/>
           <a:stretch/>
         </p:blipFill>
         <p:spPr>
           <a:xfrm>
-            <a:off x="8615486" y="2106104"/>
-            <a:ext cx="3456384" cy="3168352"/>
+            <a:off x="6609563" y="141155"/>
+            <a:ext cx="5400000" cy="2730853"/>
+          </a:xfrm>
+          <a:prstGeom prst="rect">
+            <a:avLst/>
+          </a:prstGeom>
+          <a:ln>
+            <a:noFill/>
+          </a:ln>
+          <a:effectLst>
+            <a:outerShdw blurRad="292100" dist="139700" dir="2700000" algn="tl" rotWithShape="0">
+              <a:srgbClr val="333333">
+                <a:alpha val="65000"/>
+              </a:srgbClr>
+            </a:outerShdw>
+          </a:effectLst>
+        </p:spPr>
+      </p:pic>
+      <p:pic>
+        <p:nvPicPr>
+          <p:cNvPr id="8" name="Picture 7">
+            <a:extLst>
+              <a:ext uri="{FF2B5EF4-FFF2-40B4-BE49-F238E27FC236}">
+                <a16:creationId xmlns:a16="http://schemas.microsoft.com/office/drawing/2014/main" id="{94EAF011-B9D6-4E64-9054-39BA47021B4C}"/>
+              </a:ext>
+            </a:extLst>
+          </p:cNvPr>
+          <p:cNvPicPr>
+            <a:picLocks noChangeAspect="1"/>
+          </p:cNvPicPr>
+          <p:nvPr/>
+        </p:nvPicPr>
+        <p:blipFill rotWithShape="1">
+          <a:blip r:embed="rId8"/>
+          <a:srcRect b="5463"/>
+          <a:stretch/>
+        </p:blipFill>
+        <p:spPr>
+          <a:xfrm>
+            <a:off x="6609563" y="3102987"/>
+            <a:ext cx="5400000" cy="2871562"/>
           </a:xfrm>
           <a:prstGeom prst="rect">
             <a:avLst/>
@@ -10139,6 +10790,126 @@
           <a:chExt cx="0" cy="0"/>
         </a:xfrm>
       </p:grpSpPr>
+      <p:grpSp>
+        <p:nvGrpSpPr>
+          <p:cNvPr id="45" name="Group 44">
+            <a:extLst>
+              <a:ext uri="{FF2B5EF4-FFF2-40B4-BE49-F238E27FC236}">
+                <a16:creationId xmlns:a16="http://schemas.microsoft.com/office/drawing/2014/main" id="{98992DF2-03BE-401F-A7FA-71D710BB2909}"/>
+              </a:ext>
+            </a:extLst>
+          </p:cNvPr>
+          <p:cNvGrpSpPr/>
+          <p:nvPr/>
+        </p:nvGrpSpPr>
+        <p:grpSpPr>
+          <a:xfrm>
+            <a:off x="8462019" y="6120730"/>
+            <a:ext cx="2486273" cy="600746"/>
+            <a:chOff x="-1553286" y="437405"/>
+            <a:chExt cx="13825194" cy="3340513"/>
+          </a:xfrm>
+        </p:grpSpPr>
+        <p:pic>
+          <p:nvPicPr>
+            <p:cNvPr id="46" name="Picture 45">
+              <a:extLst>
+                <a:ext uri="{FF2B5EF4-FFF2-40B4-BE49-F238E27FC236}">
+                  <a16:creationId xmlns:a16="http://schemas.microsoft.com/office/drawing/2014/main" id="{7306E99F-5EF1-4B26-AA07-9AD4890ADE0A}"/>
+                </a:ext>
+              </a:extLst>
+            </p:cNvPr>
+            <p:cNvPicPr>
+              <a:picLocks noChangeAspect="1"/>
+            </p:cNvPicPr>
+            <p:nvPr/>
+          </p:nvPicPr>
+          <p:blipFill rotWithShape="1">
+            <a:blip r:embed="rId3">
+              <a:duotone>
+                <a:prstClr val="black"/>
+                <a:schemeClr val="accent2">
+                  <a:tint val="45000"/>
+                  <a:satMod val="400000"/>
+                </a:schemeClr>
+              </a:duotone>
+              <a:extLst>
+                <a:ext uri="{BEBA8EAE-BF5A-486C-A8C5-ECC9F3942E4B}">
+                  <a14:imgProps xmlns:a14="http://schemas.microsoft.com/office/drawing/2010/main">
+                    <a14:imgLayer r:embed="rId4">
+                      <a14:imgEffect>
+                        <a14:artisticLineDrawing/>
+                      </a14:imgEffect>
+                    </a14:imgLayer>
+                  </a14:imgProps>
+                </a:ext>
+              </a:extLst>
+            </a:blip>
+            <a:srcRect r="61314"/>
+            <a:stretch/>
+          </p:blipFill>
+          <p:spPr>
+            <a:xfrm>
+              <a:off x="-1553286" y="437405"/>
+              <a:ext cx="4712862" cy="3314700"/>
+            </a:xfrm>
+            <a:prstGeom prst="rect">
+              <a:avLst/>
+            </a:prstGeom>
+          </p:spPr>
+        </p:pic>
+        <p:pic>
+          <p:nvPicPr>
+            <p:cNvPr id="47" name="Picture 46">
+              <a:extLst>
+                <a:ext uri="{FF2B5EF4-FFF2-40B4-BE49-F238E27FC236}">
+                  <a16:creationId xmlns:a16="http://schemas.microsoft.com/office/drawing/2014/main" id="{D1FA4709-E039-4B9B-9F73-D04EFCA6E92A}"/>
+                </a:ext>
+              </a:extLst>
+            </p:cNvPr>
+            <p:cNvPicPr>
+              <a:picLocks noChangeAspect="1"/>
+            </p:cNvPicPr>
+            <p:nvPr/>
+          </p:nvPicPr>
+          <p:blipFill rotWithShape="1">
+            <a:blip r:embed="rId5">
+              <a:duotone>
+                <a:prstClr val="black"/>
+                <a:schemeClr val="accent2">
+                  <a:tint val="45000"/>
+                  <a:satMod val="400000"/>
+                </a:schemeClr>
+              </a:duotone>
+              <a:extLst>
+                <a:ext uri="{BEBA8EAE-BF5A-486C-A8C5-ECC9F3942E4B}">
+                  <a14:imgProps xmlns:a14="http://schemas.microsoft.com/office/drawing/2010/main">
+                    <a14:imgLayer r:embed="rId4">
+                      <a14:imgEffect>
+                        <a14:artisticLineDrawing/>
+                      </a14:imgEffect>
+                      <a14:imgEffect>
+                        <a14:saturation sat="400000"/>
+                      </a14:imgEffect>
+                    </a14:imgLayer>
+                  </a14:imgProps>
+                </a:ext>
+              </a:extLst>
+            </a:blip>
+            <a:srcRect l="39386"/>
+            <a:stretch/>
+          </p:blipFill>
+          <p:spPr>
+            <a:xfrm>
+              <a:off x="4887479" y="463218"/>
+              <a:ext cx="7384429" cy="3314700"/>
+            </a:xfrm>
+            <a:prstGeom prst="rect">
+              <a:avLst/>
+            </a:prstGeom>
+          </p:spPr>
+        </p:pic>
+      </p:grpSp>
       <p:cxnSp>
         <p:nvCxnSpPr>
           <p:cNvPr id="2" name="直接连接符 1"/>
@@ -10214,14 +10985,344 @@
       </p:cxnSp>
       <p:sp>
         <p:nvSpPr>
-          <p:cNvPr id="4" name="矩形 3"/>
+          <p:cNvPr id="51" name="左中括号 50"/>
+          <p:cNvSpPr/>
+          <p:nvPr/>
+        </p:nvSpPr>
+        <p:spPr>
+          <a:xfrm>
+            <a:off x="658602" y="202904"/>
+            <a:ext cx="72008" cy="504056"/>
+          </a:xfrm>
+          <a:prstGeom prst="leftBracket">
+            <a:avLst/>
+          </a:prstGeom>
+          <a:ln>
+            <a:solidFill>
+              <a:schemeClr val="tx1"/>
+            </a:solidFill>
+          </a:ln>
+        </p:spPr>
+        <p:style>
+          <a:lnRef idx="1">
+            <a:schemeClr val="accent1"/>
+          </a:lnRef>
+          <a:fillRef idx="0">
+            <a:schemeClr val="accent1"/>
+          </a:fillRef>
+          <a:effectRef idx="0">
+            <a:schemeClr val="accent1"/>
+          </a:effectRef>
+          <a:fontRef idx="minor">
+            <a:schemeClr val="tx1"/>
+          </a:fontRef>
+        </p:style>
+        <p:txBody>
+          <a:bodyPr rtlCol="0" anchor="ctr"/>
+          <a:lstStyle/>
+          <a:p>
+            <a:pPr algn="ctr"/>
+            <a:endParaRPr lang="zh-CN" altLang="en-US"/>
+          </a:p>
+        </p:txBody>
+      </p:sp>
+      <p:sp>
+        <p:nvSpPr>
+          <p:cNvPr id="55" name="等腰三角形 14"/>
+          <p:cNvSpPr/>
+          <p:nvPr/>
+        </p:nvSpPr>
+        <p:spPr>
+          <a:xfrm rot="512239">
+            <a:off x="11014880" y="501587"/>
+            <a:ext cx="396044" cy="341417"/>
+          </a:xfrm>
+          <a:prstGeom prst="triangle">
+            <a:avLst/>
+          </a:prstGeom>
+          <a:solidFill>
+            <a:srgbClr val="C00000"/>
+          </a:solidFill>
+          <a:ln>
+            <a:noFill/>
+          </a:ln>
+        </p:spPr>
+        <p:style>
+          <a:lnRef idx="2">
+            <a:schemeClr val="accent1">
+              <a:shade val="50000"/>
+            </a:schemeClr>
+          </a:lnRef>
+          <a:fillRef idx="1">
+            <a:schemeClr val="accent1"/>
+          </a:fillRef>
+          <a:effectRef idx="0">
+            <a:schemeClr val="accent1"/>
+          </a:effectRef>
+          <a:fontRef idx="minor">
+            <a:schemeClr val="lt1"/>
+          </a:fontRef>
+        </p:style>
+        <p:txBody>
+          <a:bodyPr rtlCol="0" anchor="ctr"/>
+          <a:lstStyle/>
+          <a:p>
+            <a:pPr algn="ctr"/>
+            <a:endParaRPr lang="zh-CN" altLang="en-US"/>
+          </a:p>
+        </p:txBody>
+      </p:sp>
+      <p:sp>
+        <p:nvSpPr>
+          <p:cNvPr id="56" name="等腰三角形 20"/>
+          <p:cNvSpPr/>
+          <p:nvPr/>
+        </p:nvSpPr>
+        <p:spPr>
+          <a:xfrm rot="20371609">
+            <a:off x="11666165" y="769672"/>
+            <a:ext cx="198022" cy="170708"/>
+          </a:xfrm>
+          <a:prstGeom prst="triangle">
+            <a:avLst/>
+          </a:prstGeom>
+          <a:solidFill>
+            <a:schemeClr val="tx1">
+              <a:lumMod val="50000"/>
+              <a:lumOff val="50000"/>
+            </a:schemeClr>
+          </a:solidFill>
+          <a:ln>
+            <a:noFill/>
+          </a:ln>
+        </p:spPr>
+        <p:style>
+          <a:lnRef idx="2">
+            <a:schemeClr val="accent1">
+              <a:shade val="50000"/>
+            </a:schemeClr>
+          </a:lnRef>
+          <a:fillRef idx="1">
+            <a:schemeClr val="accent1"/>
+          </a:fillRef>
+          <a:effectRef idx="0">
+            <a:schemeClr val="accent1"/>
+          </a:effectRef>
+          <a:fontRef idx="minor">
+            <a:schemeClr val="lt1"/>
+          </a:fontRef>
+        </p:style>
+        <p:txBody>
+          <a:bodyPr rtlCol="0" anchor="ctr"/>
+          <a:lstStyle/>
+          <a:p>
+            <a:pPr algn="ctr"/>
+            <a:endParaRPr lang="zh-CN" altLang="en-US"/>
+          </a:p>
+        </p:txBody>
+      </p:sp>
+      <p:sp>
+        <p:nvSpPr>
+          <p:cNvPr id="57" name="等腰三角形 25"/>
+          <p:cNvSpPr/>
+          <p:nvPr/>
+        </p:nvSpPr>
+        <p:spPr>
+          <a:xfrm rot="20371609">
+            <a:off x="11656874" y="386127"/>
+            <a:ext cx="266490" cy="196271"/>
+          </a:xfrm>
+          <a:prstGeom prst="triangle">
+            <a:avLst/>
+          </a:prstGeom>
+          <a:solidFill>
+            <a:schemeClr val="tx1">
+              <a:lumMod val="85000"/>
+              <a:lumOff val="15000"/>
+            </a:schemeClr>
+          </a:solidFill>
+          <a:ln>
+            <a:solidFill>
+              <a:schemeClr val="tx1">
+                <a:lumMod val="85000"/>
+                <a:lumOff val="15000"/>
+              </a:schemeClr>
+            </a:solidFill>
+          </a:ln>
+        </p:spPr>
+        <p:style>
+          <a:lnRef idx="2">
+            <a:schemeClr val="accent1">
+              <a:shade val="50000"/>
+            </a:schemeClr>
+          </a:lnRef>
+          <a:fillRef idx="1">
+            <a:schemeClr val="accent1"/>
+          </a:fillRef>
+          <a:effectRef idx="0">
+            <a:schemeClr val="accent1"/>
+          </a:effectRef>
+          <a:fontRef idx="minor">
+            <a:schemeClr val="lt1"/>
+          </a:fontRef>
+        </p:style>
+        <p:txBody>
+          <a:bodyPr rtlCol="0" anchor="ctr"/>
+          <a:lstStyle/>
+          <a:p>
+            <a:pPr algn="ctr"/>
+            <a:endParaRPr lang="zh-CN" altLang="en-US"/>
+          </a:p>
+        </p:txBody>
+      </p:sp>
+      <p:sp>
+        <p:nvSpPr>
+          <p:cNvPr id="58" name="等腰三角形 21"/>
+          <p:cNvSpPr/>
+          <p:nvPr/>
+        </p:nvSpPr>
+        <p:spPr>
+          <a:xfrm rot="20371609">
+            <a:off x="11651785" y="6388798"/>
+            <a:ext cx="266490" cy="196271"/>
+          </a:xfrm>
+          <a:prstGeom prst="triangle">
+            <a:avLst/>
+          </a:prstGeom>
+          <a:solidFill>
+            <a:schemeClr val="tx1">
+              <a:lumMod val="85000"/>
+              <a:lumOff val="15000"/>
+            </a:schemeClr>
+          </a:solidFill>
+          <a:ln>
+            <a:solidFill>
+              <a:schemeClr val="tx1">
+                <a:lumMod val="85000"/>
+                <a:lumOff val="15000"/>
+              </a:schemeClr>
+            </a:solidFill>
+          </a:ln>
+        </p:spPr>
+        <p:style>
+          <a:lnRef idx="2">
+            <a:schemeClr val="accent1">
+              <a:shade val="50000"/>
+            </a:schemeClr>
+          </a:lnRef>
+          <a:fillRef idx="1">
+            <a:schemeClr val="accent1"/>
+          </a:fillRef>
+          <a:effectRef idx="0">
+            <a:schemeClr val="accent1"/>
+          </a:effectRef>
+          <a:fontRef idx="minor">
+            <a:schemeClr val="lt1"/>
+          </a:fontRef>
+        </p:style>
+        <p:txBody>
+          <a:bodyPr rtlCol="0" anchor="ctr"/>
+          <a:lstStyle/>
+          <a:p>
+            <a:pPr algn="ctr"/>
+            <a:endParaRPr lang="zh-CN" altLang="en-US"/>
+          </a:p>
+        </p:txBody>
+      </p:sp>
+      <p:sp>
+        <p:nvSpPr>
+          <p:cNvPr id="59" name="等腰三角形 22"/>
+          <p:cNvSpPr/>
+          <p:nvPr/>
+        </p:nvSpPr>
+        <p:spPr>
+          <a:xfrm rot="3761573">
+            <a:off x="11018553" y="5996989"/>
+            <a:ext cx="741200" cy="508375"/>
+          </a:xfrm>
+          <a:prstGeom prst="triangle">
+            <a:avLst/>
+          </a:prstGeom>
+          <a:solidFill>
+            <a:schemeClr val="accent2">
+              <a:lumMod val="60000"/>
+              <a:lumOff val="40000"/>
+            </a:schemeClr>
+          </a:solidFill>
+          <a:ln>
+            <a:noFill/>
+          </a:ln>
+        </p:spPr>
+        <p:style>
+          <a:lnRef idx="2">
+            <a:schemeClr val="accent1">
+              <a:shade val="50000"/>
+            </a:schemeClr>
+          </a:lnRef>
+          <a:fillRef idx="1">
+            <a:schemeClr val="accent1"/>
+          </a:fillRef>
+          <a:effectRef idx="0">
+            <a:schemeClr val="accent1"/>
+          </a:effectRef>
+          <a:fontRef idx="minor">
+            <a:schemeClr val="lt1"/>
+          </a:fontRef>
+        </p:style>
+        <p:txBody>
+          <a:bodyPr rtlCol="0" anchor="ctr"/>
+          <a:lstStyle/>
+          <a:p>
+            <a:pPr algn="ctr"/>
+            <a:endParaRPr lang="zh-CN" altLang="en-US"/>
+          </a:p>
+        </p:txBody>
+      </p:sp>
+      <p:sp>
+        <p:nvSpPr>
+          <p:cNvPr id="4" name="Slide Number Placeholder 3">
+            <a:extLst>
+              <a:ext uri="{FF2B5EF4-FFF2-40B4-BE49-F238E27FC236}">
+                <a16:creationId xmlns:a16="http://schemas.microsoft.com/office/drawing/2014/main" id="{1268DBC8-D031-42E0-97F4-0C2CDEF6018D}"/>
+              </a:ext>
+            </a:extLst>
+          </p:cNvPr>
+          <p:cNvSpPr>
+            <a:spLocks noGrp="1"/>
+          </p:cNvSpPr>
+          <p:nvPr>
+            <p:ph type="sldNum" sz="quarter" idx="12"/>
+          </p:nvPr>
+        </p:nvSpPr>
+        <p:spPr/>
+        <p:txBody>
+          <a:bodyPr/>
+          <a:lstStyle/>
+          <a:p>
+            <a:fld id="{0C913308-F349-4B6D-A68A-DD1791B4A57B}" type="slidenum">
+              <a:rPr lang="zh-CN" altLang="en-US" smtClean="0"/>
+              <a:t>7</a:t>
+            </a:fld>
+            <a:endParaRPr lang="zh-CN" altLang="en-US"/>
+          </a:p>
+        </p:txBody>
+      </p:sp>
+      <p:sp>
+        <p:nvSpPr>
+          <p:cNvPr id="61" name="矩形 23">
+            <a:extLst>
+              <a:ext uri="{FF2B5EF4-FFF2-40B4-BE49-F238E27FC236}">
+                <a16:creationId xmlns:a16="http://schemas.microsoft.com/office/drawing/2014/main" id="{18DE07CE-7235-4B41-954B-EC9202E75DF2}"/>
+              </a:ext>
+            </a:extLst>
+          </p:cNvPr>
           <p:cNvSpPr/>
           <p:nvPr/>
         </p:nvSpPr>
         <p:spPr>
           <a:xfrm>
             <a:off x="694606" y="183740"/>
-            <a:ext cx="2936445" cy="523220"/>
+            <a:ext cx="1855316" cy="523220"/>
           </a:xfrm>
           <a:prstGeom prst="rect">
             <a:avLst/>
@@ -10250,7 +11351,7 @@
                 <a:ea typeface="Calibri" charset="0"/>
                 <a:cs typeface="Calibri" charset="0"/>
               </a:rPr>
-              <a:t>  Implementation</a:t>
+              <a:t>  Statistics</a:t>
             </a:r>
             <a:endParaRPr lang="zh-CN" altLang="en-US" sz="2800" b="1" dirty="0">
               <a:latin typeface="Calibri" charset="0"/>
@@ -10262,36 +11363,45 @@
       </p:sp>
       <p:sp>
         <p:nvSpPr>
-          <p:cNvPr id="5" name="左中括号 4"/>
+          <p:cNvPr id="16" name="等腰三角形 14">
+            <a:extLst>
+              <a:ext uri="{FF2B5EF4-FFF2-40B4-BE49-F238E27FC236}">
+                <a16:creationId xmlns:a16="http://schemas.microsoft.com/office/drawing/2014/main" id="{B7C8CB76-2E99-4629-8C8B-666F34770858}"/>
+              </a:ext>
+            </a:extLst>
+          </p:cNvPr>
           <p:cNvSpPr/>
           <p:nvPr/>
         </p:nvSpPr>
         <p:spPr>
           <a:xfrm>
-            <a:off x="658602" y="202904"/>
-            <a:ext cx="72008" cy="504056"/>
-          </a:xfrm>
-          <a:prstGeom prst="leftBracket">
-            <a:avLst/>
-          </a:prstGeom>
+            <a:off x="696100" y="2009029"/>
+            <a:ext cx="198021" cy="170708"/>
+          </a:xfrm>
+          <a:prstGeom prst="triangle">
+            <a:avLst/>
+          </a:prstGeom>
+          <a:solidFill>
+            <a:srgbClr val="C00000"/>
+          </a:solidFill>
           <a:ln>
-            <a:solidFill>
-              <a:schemeClr val="tx1"/>
-            </a:solidFill>
+            <a:noFill/>
           </a:ln>
         </p:spPr>
         <p:style>
-          <a:lnRef idx="1">
-            <a:schemeClr val="accent1"/>
+          <a:lnRef idx="2">
+            <a:schemeClr val="accent1">
+              <a:shade val="50000"/>
+            </a:schemeClr>
           </a:lnRef>
-          <a:fillRef idx="0">
+          <a:fillRef idx="1">
             <a:schemeClr val="accent1"/>
           </a:fillRef>
           <a:effectRef idx="0">
             <a:schemeClr val="accent1"/>
           </a:effectRef>
           <a:fontRef idx="minor">
-            <a:schemeClr val="tx1"/>
+            <a:schemeClr val="lt1"/>
           </a:fontRef>
         </p:style>
         <p:txBody>
@@ -10303,136 +11413,22 @@
           </a:p>
         </p:txBody>
       </p:sp>
-      <p:pic>
-        <p:nvPicPr>
-          <p:cNvPr id="7" name="图片 6"/>
-          <p:cNvPicPr>
-            <a:picLocks noChangeAspect="1"/>
-          </p:cNvPicPr>
-          <p:nvPr/>
-        </p:nvPicPr>
-        <p:blipFill>
-          <a:blip r:embed="rId3">
+      <p:sp>
+        <p:nvSpPr>
+          <p:cNvPr id="17" name="TextBox 15">
             <a:extLst>
-              <a:ext uri="{28A0092B-C50C-407E-A947-70E740481C1C}">
-                <a14:useLocalDpi xmlns:a14="http://schemas.microsoft.com/office/drawing/2010/main"/>
+              <a:ext uri="{FF2B5EF4-FFF2-40B4-BE49-F238E27FC236}">
+                <a16:creationId xmlns:a16="http://schemas.microsoft.com/office/drawing/2014/main" id="{E98B7C0D-C156-413D-BBBB-77F346A05FB3}"/>
               </a:ext>
             </a:extLst>
-          </a:blip>
-          <a:stretch>
-            <a:fillRect/>
-          </a:stretch>
-        </p:blipFill>
+          </p:cNvPr>
+          <p:cNvSpPr txBox="1"/>
+          <p:nvPr/>
+        </p:nvSpPr>
         <p:spPr>
           <a:xfrm>
-            <a:off x="1774726" y="4593709"/>
-            <a:ext cx="2786649" cy="1441220"/>
-          </a:xfrm>
-          <a:prstGeom prst="rect">
-            <a:avLst/>
-          </a:prstGeom>
-        </p:spPr>
-      </p:pic>
-      <p:pic>
-        <p:nvPicPr>
-          <p:cNvPr id="9" name="图片 8"/>
-          <p:cNvPicPr>
-            <a:picLocks noChangeAspect="1"/>
-          </p:cNvPicPr>
-          <p:nvPr/>
-        </p:nvPicPr>
-        <p:blipFill>
-          <a:blip r:embed="rId4">
-            <a:extLst>
-              <a:ext uri="{28A0092B-C50C-407E-A947-70E740481C1C}">
-                <a14:useLocalDpi xmlns:a14="http://schemas.microsoft.com/office/drawing/2010/main"/>
-              </a:ext>
-            </a:extLst>
-          </a:blip>
-          <a:stretch>
-            <a:fillRect/>
-          </a:stretch>
-        </p:blipFill>
-        <p:spPr>
-          <a:xfrm>
-            <a:off x="438103" y="1712798"/>
-            <a:ext cx="3600400" cy="1990950"/>
-          </a:xfrm>
-          <a:prstGeom prst="rect">
-            <a:avLst/>
-          </a:prstGeom>
-        </p:spPr>
-      </p:pic>
-      <p:pic>
-        <p:nvPicPr>
-          <p:cNvPr id="10" name="图片 9"/>
-          <p:cNvPicPr>
-            <a:picLocks noChangeAspect="1"/>
-          </p:cNvPicPr>
-          <p:nvPr/>
-        </p:nvPicPr>
-        <p:blipFill>
-          <a:blip r:embed="rId5">
-            <a:extLst>
-              <a:ext uri="{28A0092B-C50C-407E-A947-70E740481C1C}">
-                <a14:useLocalDpi xmlns:a14="http://schemas.microsoft.com/office/drawing/2010/main"/>
-              </a:ext>
-            </a:extLst>
-          </a:blip>
-          <a:stretch>
-            <a:fillRect/>
-          </a:stretch>
-        </p:blipFill>
-        <p:spPr>
-          <a:xfrm>
-            <a:off x="4290282" y="1712798"/>
-            <a:ext cx="2072491" cy="2072491"/>
-          </a:xfrm>
-          <a:prstGeom prst="rect">
-            <a:avLst/>
-          </a:prstGeom>
-        </p:spPr>
-      </p:pic>
-      <p:pic>
-        <p:nvPicPr>
-          <p:cNvPr id="12" name="图片 11"/>
-          <p:cNvPicPr>
-            <a:picLocks noChangeAspect="1"/>
-          </p:cNvPicPr>
-          <p:nvPr/>
-        </p:nvPicPr>
-        <p:blipFill>
-          <a:blip r:embed="rId6">
-            <a:extLst>
-              <a:ext uri="{28A0092B-C50C-407E-A947-70E740481C1C}">
-                <a14:useLocalDpi xmlns:a14="http://schemas.microsoft.com/office/drawing/2010/main"/>
-              </a:ext>
-            </a:extLst>
-          </a:blip>
-          <a:stretch>
-            <a:fillRect/>
-          </a:stretch>
-        </p:blipFill>
-        <p:spPr>
-          <a:xfrm>
-            <a:off x="8890260" y="1900555"/>
-            <a:ext cx="1489381" cy="1489381"/>
-          </a:xfrm>
-          <a:prstGeom prst="rect">
-            <a:avLst/>
-          </a:prstGeom>
-        </p:spPr>
-      </p:pic>
-      <p:sp>
-        <p:nvSpPr>
-          <p:cNvPr id="18" name="TextBox 16"/>
-          <p:cNvSpPr txBox="1"/>
-          <p:nvPr/>
-        </p:nvSpPr>
-        <p:spPr>
-          <a:xfrm>
-            <a:off x="1263799" y="925059"/>
-            <a:ext cx="1798635" cy="461665"/>
+            <a:off x="894121" y="1700808"/>
+            <a:ext cx="8280920" cy="671851"/>
           </a:xfrm>
           <a:prstGeom prst="rect">
             <a:avLst/>
@@ -10445,52 +11441,247 @@
           </a:bodyPr>
           <a:lstStyle/>
           <a:p>
+            <a:pPr>
+              <a:lnSpc>
+                <a:spcPct val="150000"/>
+              </a:lnSpc>
+            </a:pPr>
             <a:r>
-              <a:rPr lang="en-US" altLang="zh-CN" sz="2400" b="1" u="sng" dirty="0">
+              <a:rPr lang="en-US" altLang="zh-CN" sz="2800" b="1" dirty="0">
+                <a:latin typeface="Calibri" charset="0"/>
+                <a:ea typeface="Calibri" charset="0"/>
+                <a:cs typeface="Calibri" charset="0"/>
+              </a:rPr>
+              <a:t>World Map  </a:t>
+            </a:r>
+            <a:endParaRPr lang="en-US" altLang="zh-CN" sz="2800" b="1" spc="300" dirty="0">
+              <a:solidFill>
+                <a:schemeClr val="tx1">
+                  <a:lumMod val="65000"/>
+                  <a:lumOff val="35000"/>
+                </a:schemeClr>
+              </a:solidFill>
+              <a:latin typeface="Calibri" charset="0"/>
+              <a:ea typeface="Calibri" charset="0"/>
+              <a:cs typeface="Calibri" charset="0"/>
+            </a:endParaRPr>
+          </a:p>
+        </p:txBody>
+      </p:sp>
+      <p:sp>
+        <p:nvSpPr>
+          <p:cNvPr id="18" name="等腰三角形 14">
+            <a:extLst>
+              <a:ext uri="{FF2B5EF4-FFF2-40B4-BE49-F238E27FC236}">
+                <a16:creationId xmlns:a16="http://schemas.microsoft.com/office/drawing/2014/main" id="{AEF8D3AC-FAF6-400D-9B96-61D2586E7B27}"/>
+              </a:ext>
+            </a:extLst>
+          </p:cNvPr>
+          <p:cNvSpPr/>
+          <p:nvPr/>
+        </p:nvSpPr>
+        <p:spPr>
+          <a:xfrm>
+            <a:off x="696099" y="2929956"/>
+            <a:ext cx="198021" cy="170708"/>
+          </a:xfrm>
+          <a:prstGeom prst="triangle">
+            <a:avLst/>
+          </a:prstGeom>
+          <a:solidFill>
+            <a:srgbClr val="C00000"/>
+          </a:solidFill>
+          <a:ln>
+            <a:noFill/>
+          </a:ln>
+        </p:spPr>
+        <p:style>
+          <a:lnRef idx="2">
+            <a:schemeClr val="accent1">
+              <a:shade val="50000"/>
+            </a:schemeClr>
+          </a:lnRef>
+          <a:fillRef idx="1">
+            <a:schemeClr val="accent1"/>
+          </a:fillRef>
+          <a:effectRef idx="0">
+            <a:schemeClr val="accent1"/>
+          </a:effectRef>
+          <a:fontRef idx="minor">
+            <a:schemeClr val="lt1"/>
+          </a:fontRef>
+        </p:style>
+        <p:txBody>
+          <a:bodyPr rtlCol="0" anchor="ctr"/>
+          <a:lstStyle/>
+          <a:p>
+            <a:pPr algn="ctr"/>
+            <a:endParaRPr lang="zh-CN" altLang="en-US"/>
+          </a:p>
+        </p:txBody>
+      </p:sp>
+      <p:sp>
+        <p:nvSpPr>
+          <p:cNvPr id="19" name="等腰三角形 14">
+            <a:extLst>
+              <a:ext uri="{FF2B5EF4-FFF2-40B4-BE49-F238E27FC236}">
+                <a16:creationId xmlns:a16="http://schemas.microsoft.com/office/drawing/2014/main" id="{C320F069-712D-4111-A382-BE0BBE446055}"/>
+              </a:ext>
+            </a:extLst>
+          </p:cNvPr>
+          <p:cNvSpPr/>
+          <p:nvPr/>
+        </p:nvSpPr>
+        <p:spPr>
+          <a:xfrm>
+            <a:off x="699871" y="3825894"/>
+            <a:ext cx="198021" cy="170708"/>
+          </a:xfrm>
+          <a:prstGeom prst="triangle">
+            <a:avLst/>
+          </a:prstGeom>
+          <a:solidFill>
+            <a:srgbClr val="C00000"/>
+          </a:solidFill>
+          <a:ln>
+            <a:noFill/>
+          </a:ln>
+        </p:spPr>
+        <p:style>
+          <a:lnRef idx="2">
+            <a:schemeClr val="accent1">
+              <a:shade val="50000"/>
+            </a:schemeClr>
+          </a:lnRef>
+          <a:fillRef idx="1">
+            <a:schemeClr val="accent1"/>
+          </a:fillRef>
+          <a:effectRef idx="0">
+            <a:schemeClr val="accent1"/>
+          </a:effectRef>
+          <a:fontRef idx="minor">
+            <a:schemeClr val="lt1"/>
+          </a:fontRef>
+        </p:style>
+        <p:txBody>
+          <a:bodyPr rtlCol="0" anchor="ctr"/>
+          <a:lstStyle>
+            <a:defPPr>
+              <a:defRPr lang="zh-CN"/>
+            </a:defPPr>
+            <a:lvl1pPr marL="0" algn="l" defTabSz="914400" rtl="0" eaLnBrk="1" latinLnBrk="0" hangingPunct="1">
+              <a:defRPr sz="1800" kern="1200">
                 <a:solidFill>
-                  <a:srgbClr val="FF0000"/>
+                  <a:schemeClr val="lt1"/>
                 </a:solidFill>
-                <a:latin typeface="Calibri" panose="020F0502020204030204" pitchFamily="34" charset="0"/>
-                <a:ea typeface="Mongolian Baiti" charset="-122"/>
-                <a:cs typeface="Calibri" panose="020F0502020204030204" pitchFamily="34" charset="0"/>
-              </a:rPr>
-              <a:t>Front</a:t>
-            </a:r>
-            <a:r>
-              <a:rPr lang="zh-CN" altLang="en-US" sz="2400" b="1" u="sng" dirty="0">
+                <a:latin typeface="+mn-lt"/>
+                <a:ea typeface="+mn-ea"/>
+                <a:cs typeface="+mn-cs"/>
+              </a:defRPr>
+            </a:lvl1pPr>
+            <a:lvl2pPr marL="457200" algn="l" defTabSz="914400" rtl="0" eaLnBrk="1" latinLnBrk="0" hangingPunct="1">
+              <a:defRPr sz="1800" kern="1200">
                 <a:solidFill>
-                  <a:srgbClr val="FF0000"/>
+                  <a:schemeClr val="lt1"/>
                 </a:solidFill>
-                <a:latin typeface="Calibri" panose="020F0502020204030204" pitchFamily="34" charset="0"/>
-                <a:ea typeface="Mongolian Baiti" charset="-122"/>
-                <a:cs typeface="Calibri" panose="020F0502020204030204" pitchFamily="34" charset="0"/>
-              </a:rPr>
-              <a:t> </a:t>
-            </a:r>
-            <a:r>
-              <a:rPr lang="en-US" altLang="zh-CN" sz="2400" b="1" u="sng" dirty="0">
+                <a:latin typeface="+mn-lt"/>
+                <a:ea typeface="+mn-ea"/>
+                <a:cs typeface="+mn-cs"/>
+              </a:defRPr>
+            </a:lvl2pPr>
+            <a:lvl3pPr marL="914400" algn="l" defTabSz="914400" rtl="0" eaLnBrk="1" latinLnBrk="0" hangingPunct="1">
+              <a:defRPr sz="1800" kern="1200">
                 <a:solidFill>
-                  <a:srgbClr val="FF0000"/>
+                  <a:schemeClr val="lt1"/>
                 </a:solidFill>
-                <a:latin typeface="Calibri" panose="020F0502020204030204" pitchFamily="34" charset="0"/>
-                <a:ea typeface="Mongolian Baiti" charset="-122"/>
-                <a:cs typeface="Calibri" panose="020F0502020204030204" pitchFamily="34" charset="0"/>
-              </a:rPr>
-              <a:t>End</a:t>
-            </a:r>
-          </a:p>
-        </p:txBody>
-      </p:sp>
-      <p:sp>
-        <p:nvSpPr>
-          <p:cNvPr id="19" name="TextBox 16"/>
+                <a:latin typeface="+mn-lt"/>
+                <a:ea typeface="+mn-ea"/>
+                <a:cs typeface="+mn-cs"/>
+              </a:defRPr>
+            </a:lvl3pPr>
+            <a:lvl4pPr marL="1371600" algn="l" defTabSz="914400" rtl="0" eaLnBrk="1" latinLnBrk="0" hangingPunct="1">
+              <a:defRPr sz="1800" kern="1200">
+                <a:solidFill>
+                  <a:schemeClr val="lt1"/>
+                </a:solidFill>
+                <a:latin typeface="+mn-lt"/>
+                <a:ea typeface="+mn-ea"/>
+                <a:cs typeface="+mn-cs"/>
+              </a:defRPr>
+            </a:lvl4pPr>
+            <a:lvl5pPr marL="1828800" algn="l" defTabSz="914400" rtl="0" eaLnBrk="1" latinLnBrk="0" hangingPunct="1">
+              <a:defRPr sz="1800" kern="1200">
+                <a:solidFill>
+                  <a:schemeClr val="lt1"/>
+                </a:solidFill>
+                <a:latin typeface="+mn-lt"/>
+                <a:ea typeface="+mn-ea"/>
+                <a:cs typeface="+mn-cs"/>
+              </a:defRPr>
+            </a:lvl5pPr>
+            <a:lvl6pPr marL="2286000" algn="l" defTabSz="914400" rtl="0" eaLnBrk="1" latinLnBrk="0" hangingPunct="1">
+              <a:defRPr sz="1800" kern="1200">
+                <a:solidFill>
+                  <a:schemeClr val="lt1"/>
+                </a:solidFill>
+                <a:latin typeface="+mn-lt"/>
+                <a:ea typeface="+mn-ea"/>
+                <a:cs typeface="+mn-cs"/>
+              </a:defRPr>
+            </a:lvl6pPr>
+            <a:lvl7pPr marL="2743200" algn="l" defTabSz="914400" rtl="0" eaLnBrk="1" latinLnBrk="0" hangingPunct="1">
+              <a:defRPr sz="1800" kern="1200">
+                <a:solidFill>
+                  <a:schemeClr val="lt1"/>
+                </a:solidFill>
+                <a:latin typeface="+mn-lt"/>
+                <a:ea typeface="+mn-ea"/>
+                <a:cs typeface="+mn-cs"/>
+              </a:defRPr>
+            </a:lvl7pPr>
+            <a:lvl8pPr marL="3200400" algn="l" defTabSz="914400" rtl="0" eaLnBrk="1" latinLnBrk="0" hangingPunct="1">
+              <a:defRPr sz="1800" kern="1200">
+                <a:solidFill>
+                  <a:schemeClr val="lt1"/>
+                </a:solidFill>
+                <a:latin typeface="+mn-lt"/>
+                <a:ea typeface="+mn-ea"/>
+                <a:cs typeface="+mn-cs"/>
+              </a:defRPr>
+            </a:lvl8pPr>
+            <a:lvl9pPr marL="3657600" algn="l" defTabSz="914400" rtl="0" eaLnBrk="1" latinLnBrk="0" hangingPunct="1">
+              <a:defRPr sz="1800" kern="1200">
+                <a:solidFill>
+                  <a:schemeClr val="lt1"/>
+                </a:solidFill>
+                <a:latin typeface="+mn-lt"/>
+                <a:ea typeface="+mn-ea"/>
+                <a:cs typeface="+mn-cs"/>
+              </a:defRPr>
+            </a:lvl9pPr>
+          </a:lstStyle>
+          <a:p>
+            <a:pPr algn="ctr"/>
+            <a:endParaRPr lang="zh-CN" altLang="en-US"/>
+          </a:p>
+        </p:txBody>
+      </p:sp>
+      <p:sp>
+        <p:nvSpPr>
+          <p:cNvPr id="20" name="TextBox 15">
+            <a:extLst>
+              <a:ext uri="{FF2B5EF4-FFF2-40B4-BE49-F238E27FC236}">
+                <a16:creationId xmlns:a16="http://schemas.microsoft.com/office/drawing/2014/main" id="{458C9BCD-65E2-4CE3-92A6-719DEECB7F1C}"/>
+              </a:ext>
+            </a:extLst>
+          </p:cNvPr>
           <p:cNvSpPr txBox="1"/>
           <p:nvPr/>
         </p:nvSpPr>
         <p:spPr>
           <a:xfrm>
-            <a:off x="1297693" y="4278201"/>
-            <a:ext cx="1730846" cy="461665"/>
+            <a:off x="894121" y="3523271"/>
+            <a:ext cx="9361040" cy="671851"/>
           </a:xfrm>
           <a:prstGeom prst="rect">
             <a:avLst/>
@@ -10503,77 +11694,295 @@
           </a:bodyPr>
           <a:lstStyle/>
           <a:p>
+            <a:pPr>
+              <a:lnSpc>
+                <a:spcPct val="150000"/>
+              </a:lnSpc>
+            </a:pPr>
             <a:r>
-              <a:rPr lang="en-US" altLang="zh-CN" sz="2400" b="1" u="sng" dirty="0">
-                <a:solidFill>
-                  <a:srgbClr val="FF0000"/>
-                </a:solidFill>
-                <a:latin typeface="Calibri" panose="020F0502020204030204" pitchFamily="34" charset="0"/>
-                <a:ea typeface="Mongolian Baiti" charset="-122"/>
-                <a:cs typeface="Calibri" panose="020F0502020204030204" pitchFamily="34" charset="0"/>
+              <a:rPr lang="en-US" altLang="zh-CN" sz="2800" b="1" dirty="0">
+                <a:latin typeface="Calibri" charset="0"/>
+                <a:ea typeface="Calibri" charset="0"/>
+                <a:cs typeface="Calibri" charset="0"/>
               </a:rPr>
-              <a:t>Back</a:t>
+              <a:t>Percentages</a:t>
             </a:r>
-            <a:r>
-              <a:rPr lang="zh-CN" altLang="en-US" sz="2400" b="1" u="sng" dirty="0">
-                <a:solidFill>
-                  <a:srgbClr val="FF0000"/>
-                </a:solidFill>
-                <a:latin typeface="Calibri" panose="020F0502020204030204" pitchFamily="34" charset="0"/>
-                <a:ea typeface="Mongolian Baiti" charset="-122"/>
-                <a:cs typeface="Calibri" panose="020F0502020204030204" pitchFamily="34" charset="0"/>
-              </a:rPr>
-              <a:t> </a:t>
-            </a:r>
-            <a:r>
-              <a:rPr lang="en-US" altLang="zh-CN" sz="2400" b="1" u="sng" dirty="0">
-                <a:solidFill>
-                  <a:srgbClr val="FF0000"/>
-                </a:solidFill>
-                <a:latin typeface="Calibri" panose="020F0502020204030204" pitchFamily="34" charset="0"/>
-                <a:ea typeface="Mongolian Baiti" charset="-122"/>
-                <a:cs typeface="Calibri" panose="020F0502020204030204" pitchFamily="34" charset="0"/>
-              </a:rPr>
-              <a:t>End</a:t>
-            </a:r>
-          </a:p>
-        </p:txBody>
-      </p:sp>
-      <p:sp>
-        <p:nvSpPr>
-          <p:cNvPr id="6" name="Slide Number Placeholder 5">
+            <a:endParaRPr lang="en-US" altLang="zh-CN" sz="2800" b="1" spc="300" dirty="0">
+              <a:solidFill>
+                <a:schemeClr val="tx1">
+                  <a:lumMod val="65000"/>
+                  <a:lumOff val="35000"/>
+                </a:schemeClr>
+              </a:solidFill>
+              <a:latin typeface="Calibri" charset="0"/>
+              <a:ea typeface="Calibri" charset="0"/>
+              <a:cs typeface="Calibri" charset="0"/>
+            </a:endParaRPr>
+          </a:p>
+        </p:txBody>
+      </p:sp>
+      <p:sp>
+        <p:nvSpPr>
+          <p:cNvPr id="21" name="TextBox 15">
             <a:extLst>
               <a:ext uri="{FF2B5EF4-FFF2-40B4-BE49-F238E27FC236}">
-                <a16:creationId xmlns:a16="http://schemas.microsoft.com/office/drawing/2014/main" id="{5121E37C-A1B9-48F4-B45E-F2CBDC306A55}"/>
+                <a16:creationId xmlns:a16="http://schemas.microsoft.com/office/drawing/2014/main" id="{B9FEEA3E-4C77-4E0F-9D63-76315A2BA8C0}"/>
               </a:ext>
             </a:extLst>
           </p:cNvPr>
-          <p:cNvSpPr>
-            <a:spLocks noGrp="1"/>
-          </p:cNvSpPr>
-          <p:nvPr>
-            <p:ph type="sldNum" sz="quarter" idx="12"/>
-          </p:nvPr>
-        </p:nvSpPr>
-        <p:spPr/>
-        <p:txBody>
-          <a:bodyPr/>
-          <a:lstStyle/>
-          <a:p>
-            <a:fld id="{0C913308-F349-4B6D-A68A-DD1791B4A57B}" type="slidenum">
-              <a:rPr lang="zh-CN" altLang="en-US" smtClean="0"/>
-              <a:t>7</a:t>
-            </a:fld>
+          <p:cNvSpPr txBox="1"/>
+          <p:nvPr/>
+        </p:nvSpPr>
+        <p:spPr>
+          <a:xfrm>
+            <a:off x="894121" y="2624228"/>
+            <a:ext cx="9361040" cy="671851"/>
+          </a:xfrm>
+          <a:prstGeom prst="rect">
+            <a:avLst/>
+          </a:prstGeom>
+          <a:noFill/>
+        </p:spPr>
+        <p:txBody>
+          <a:bodyPr wrap="square" rtlCol="0">
+            <a:spAutoFit/>
+          </a:bodyPr>
+          <a:lstStyle/>
+          <a:p>
+            <a:pPr>
+              <a:lnSpc>
+                <a:spcPct val="150000"/>
+              </a:lnSpc>
+            </a:pPr>
+            <a:r>
+              <a:rPr lang="en-US" altLang="zh-CN" sz="2800" b="1" dirty="0">
+                <a:latin typeface="Calibri" charset="0"/>
+                <a:ea typeface="Calibri" charset="0"/>
+                <a:cs typeface="Calibri" charset="0"/>
+              </a:rPr>
+              <a:t>Top Players</a:t>
+            </a:r>
+            <a:endParaRPr lang="en-US" altLang="zh-CN" sz="2800" b="1" spc="300" dirty="0">
+              <a:solidFill>
+                <a:schemeClr val="tx1">
+                  <a:lumMod val="65000"/>
+                  <a:lumOff val="35000"/>
+                </a:schemeClr>
+              </a:solidFill>
+              <a:latin typeface="Calibri" charset="0"/>
+              <a:ea typeface="Calibri" charset="0"/>
+              <a:cs typeface="Calibri" charset="0"/>
+            </a:endParaRPr>
+          </a:p>
+        </p:txBody>
+      </p:sp>
+      <p:sp>
+        <p:nvSpPr>
+          <p:cNvPr id="22" name="等腰三角形 14">
+            <a:extLst>
+              <a:ext uri="{FF2B5EF4-FFF2-40B4-BE49-F238E27FC236}">
+                <a16:creationId xmlns:a16="http://schemas.microsoft.com/office/drawing/2014/main" id="{129002D4-84C8-41BD-AF45-35DD15742973}"/>
+              </a:ext>
+            </a:extLst>
+          </p:cNvPr>
+          <p:cNvSpPr/>
+          <p:nvPr/>
+        </p:nvSpPr>
+        <p:spPr>
+          <a:xfrm>
+            <a:off x="699870" y="4751651"/>
+            <a:ext cx="198021" cy="170708"/>
+          </a:xfrm>
+          <a:prstGeom prst="triangle">
+            <a:avLst/>
+          </a:prstGeom>
+          <a:solidFill>
+            <a:srgbClr val="C00000"/>
+          </a:solidFill>
+          <a:ln>
+            <a:noFill/>
+          </a:ln>
+        </p:spPr>
+        <p:style>
+          <a:lnRef idx="2">
+            <a:schemeClr val="accent1">
+              <a:shade val="50000"/>
+            </a:schemeClr>
+          </a:lnRef>
+          <a:fillRef idx="1">
+            <a:schemeClr val="accent1"/>
+          </a:fillRef>
+          <a:effectRef idx="0">
+            <a:schemeClr val="accent1"/>
+          </a:effectRef>
+          <a:fontRef idx="minor">
+            <a:schemeClr val="lt1"/>
+          </a:fontRef>
+        </p:style>
+        <p:txBody>
+          <a:bodyPr rtlCol="0" anchor="ctr"/>
+          <a:lstStyle>
+            <a:defPPr>
+              <a:defRPr lang="zh-CN"/>
+            </a:defPPr>
+            <a:lvl1pPr marL="0" algn="l" defTabSz="914400" rtl="0" eaLnBrk="1" latinLnBrk="0" hangingPunct="1">
+              <a:defRPr sz="1800" kern="1200">
+                <a:solidFill>
+                  <a:schemeClr val="lt1"/>
+                </a:solidFill>
+                <a:latin typeface="+mn-lt"/>
+                <a:ea typeface="+mn-ea"/>
+                <a:cs typeface="+mn-cs"/>
+              </a:defRPr>
+            </a:lvl1pPr>
+            <a:lvl2pPr marL="457200" algn="l" defTabSz="914400" rtl="0" eaLnBrk="1" latinLnBrk="0" hangingPunct="1">
+              <a:defRPr sz="1800" kern="1200">
+                <a:solidFill>
+                  <a:schemeClr val="lt1"/>
+                </a:solidFill>
+                <a:latin typeface="+mn-lt"/>
+                <a:ea typeface="+mn-ea"/>
+                <a:cs typeface="+mn-cs"/>
+              </a:defRPr>
+            </a:lvl2pPr>
+            <a:lvl3pPr marL="914400" algn="l" defTabSz="914400" rtl="0" eaLnBrk="1" latinLnBrk="0" hangingPunct="1">
+              <a:defRPr sz="1800" kern="1200">
+                <a:solidFill>
+                  <a:schemeClr val="lt1"/>
+                </a:solidFill>
+                <a:latin typeface="+mn-lt"/>
+                <a:ea typeface="+mn-ea"/>
+                <a:cs typeface="+mn-cs"/>
+              </a:defRPr>
+            </a:lvl3pPr>
+            <a:lvl4pPr marL="1371600" algn="l" defTabSz="914400" rtl="0" eaLnBrk="1" latinLnBrk="0" hangingPunct="1">
+              <a:defRPr sz="1800" kern="1200">
+                <a:solidFill>
+                  <a:schemeClr val="lt1"/>
+                </a:solidFill>
+                <a:latin typeface="+mn-lt"/>
+                <a:ea typeface="+mn-ea"/>
+                <a:cs typeface="+mn-cs"/>
+              </a:defRPr>
+            </a:lvl4pPr>
+            <a:lvl5pPr marL="1828800" algn="l" defTabSz="914400" rtl="0" eaLnBrk="1" latinLnBrk="0" hangingPunct="1">
+              <a:defRPr sz="1800" kern="1200">
+                <a:solidFill>
+                  <a:schemeClr val="lt1"/>
+                </a:solidFill>
+                <a:latin typeface="+mn-lt"/>
+                <a:ea typeface="+mn-ea"/>
+                <a:cs typeface="+mn-cs"/>
+              </a:defRPr>
+            </a:lvl5pPr>
+            <a:lvl6pPr marL="2286000" algn="l" defTabSz="914400" rtl="0" eaLnBrk="1" latinLnBrk="0" hangingPunct="1">
+              <a:defRPr sz="1800" kern="1200">
+                <a:solidFill>
+                  <a:schemeClr val="lt1"/>
+                </a:solidFill>
+                <a:latin typeface="+mn-lt"/>
+                <a:ea typeface="+mn-ea"/>
+                <a:cs typeface="+mn-cs"/>
+              </a:defRPr>
+            </a:lvl6pPr>
+            <a:lvl7pPr marL="2743200" algn="l" defTabSz="914400" rtl="0" eaLnBrk="1" latinLnBrk="0" hangingPunct="1">
+              <a:defRPr sz="1800" kern="1200">
+                <a:solidFill>
+                  <a:schemeClr val="lt1"/>
+                </a:solidFill>
+                <a:latin typeface="+mn-lt"/>
+                <a:ea typeface="+mn-ea"/>
+                <a:cs typeface="+mn-cs"/>
+              </a:defRPr>
+            </a:lvl7pPr>
+            <a:lvl8pPr marL="3200400" algn="l" defTabSz="914400" rtl="0" eaLnBrk="1" latinLnBrk="0" hangingPunct="1">
+              <a:defRPr sz="1800" kern="1200">
+                <a:solidFill>
+                  <a:schemeClr val="lt1"/>
+                </a:solidFill>
+                <a:latin typeface="+mn-lt"/>
+                <a:ea typeface="+mn-ea"/>
+                <a:cs typeface="+mn-cs"/>
+              </a:defRPr>
+            </a:lvl8pPr>
+            <a:lvl9pPr marL="3657600" algn="l" defTabSz="914400" rtl="0" eaLnBrk="1" latinLnBrk="0" hangingPunct="1">
+              <a:defRPr sz="1800" kern="1200">
+                <a:solidFill>
+                  <a:schemeClr val="lt1"/>
+                </a:solidFill>
+                <a:latin typeface="+mn-lt"/>
+                <a:ea typeface="+mn-ea"/>
+                <a:cs typeface="+mn-cs"/>
+              </a:defRPr>
+            </a:lvl9pPr>
+          </a:lstStyle>
+          <a:p>
+            <a:pPr algn="ctr"/>
             <a:endParaRPr lang="zh-CN" altLang="en-US"/>
+          </a:p>
+        </p:txBody>
+      </p:sp>
+      <p:sp>
+        <p:nvSpPr>
+          <p:cNvPr id="23" name="TextBox 15">
+            <a:extLst>
+              <a:ext uri="{FF2B5EF4-FFF2-40B4-BE49-F238E27FC236}">
+                <a16:creationId xmlns:a16="http://schemas.microsoft.com/office/drawing/2014/main" id="{2CD61A2C-6EDC-44F4-B96C-06AFC25D9F4C}"/>
+              </a:ext>
+            </a:extLst>
+          </p:cNvPr>
+          <p:cNvSpPr txBox="1"/>
+          <p:nvPr/>
+        </p:nvSpPr>
+        <p:spPr>
+          <a:xfrm>
+            <a:off x="894120" y="4449028"/>
+            <a:ext cx="9361040" cy="671851"/>
+          </a:xfrm>
+          <a:prstGeom prst="rect">
+            <a:avLst/>
+          </a:prstGeom>
+          <a:noFill/>
+        </p:spPr>
+        <p:txBody>
+          <a:bodyPr wrap="square" rtlCol="0">
+            <a:spAutoFit/>
+          </a:bodyPr>
+          <a:lstStyle/>
+          <a:p>
+            <a:pPr>
+              <a:lnSpc>
+                <a:spcPct val="150000"/>
+              </a:lnSpc>
+            </a:pPr>
+            <a:r>
+              <a:rPr lang="en-US" altLang="zh-CN" sz="2800" b="1" dirty="0">
+                <a:latin typeface="Calibri" charset="0"/>
+                <a:ea typeface="Calibri" charset="0"/>
+                <a:cs typeface="Calibri" charset="0"/>
+              </a:rPr>
+              <a:t>Team Formation</a:t>
+            </a:r>
+            <a:endParaRPr lang="en-US" altLang="zh-CN" sz="2800" b="1" spc="300" dirty="0">
+              <a:solidFill>
+                <a:schemeClr val="tx1">
+                  <a:lumMod val="65000"/>
+                  <a:lumOff val="35000"/>
+                </a:schemeClr>
+              </a:solidFill>
+              <a:latin typeface="Calibri" charset="0"/>
+              <a:ea typeface="Calibri" charset="0"/>
+              <a:cs typeface="Calibri" charset="0"/>
+            </a:endParaRPr>
           </a:p>
         </p:txBody>
       </p:sp>
       <p:pic>
         <p:nvPicPr>
-          <p:cNvPr id="14" name="Picture 13">
+          <p:cNvPr id="6" name="Picture 5">
             <a:extLst>
               <a:ext uri="{FF2B5EF4-FFF2-40B4-BE49-F238E27FC236}">
-                <a16:creationId xmlns:a16="http://schemas.microsoft.com/office/drawing/2014/main" id="{3C168A37-B329-46DB-8379-62A806932DED}"/>
+                <a16:creationId xmlns:a16="http://schemas.microsoft.com/office/drawing/2014/main" id="{62361B2B-166E-46C8-8FA6-16D6F4229188}"/>
               </a:ext>
             </a:extLst>
           </p:cNvPr>
@@ -10582,74 +11991,37 @@
           </p:cNvPicPr>
           <p:nvPr/>
         </p:nvPicPr>
-        <p:blipFill>
-          <a:blip r:embed="rId7"/>
-          <a:stretch>
-            <a:fillRect/>
-          </a:stretch>
+        <p:blipFill rotWithShape="1">
+          <a:blip r:embed="rId6"/>
+          <a:srcRect l="22828" t="23807" r="5000" b="19546"/>
+          <a:stretch/>
         </p:blipFill>
         <p:spPr>
           <a:xfrm>
-            <a:off x="10618451" y="1939620"/>
-            <a:ext cx="1540386" cy="1489380"/>
+            <a:off x="3566043" y="374701"/>
+            <a:ext cx="5399731" cy="2383951"/>
           </a:xfrm>
           <a:prstGeom prst="rect">
             <a:avLst/>
           </a:prstGeom>
+          <a:ln>
+            <a:noFill/>
+          </a:ln>
+          <a:effectLst>
+            <a:outerShdw blurRad="292100" dist="139700" dir="2700000" algn="tl" rotWithShape="0">
+              <a:srgbClr val="333333">
+                <a:alpha val="65000"/>
+              </a:srgbClr>
+            </a:outerShdw>
+          </a:effectLst>
         </p:spPr>
       </p:pic>
-      <p:sp>
-        <p:nvSpPr>
-          <p:cNvPr id="20" name="Rectangle 19">
+      <p:pic>
+        <p:nvPicPr>
+          <p:cNvPr id="7" name="Picture 6">
             <a:extLst>
               <a:ext uri="{FF2B5EF4-FFF2-40B4-BE49-F238E27FC236}">
-                <a16:creationId xmlns:a16="http://schemas.microsoft.com/office/drawing/2014/main" id="{7C311262-3A3A-4004-9B0D-8E2FB3DE6CF0}"/>
-              </a:ext>
-            </a:extLst>
-          </p:cNvPr>
-          <p:cNvSpPr/>
-          <p:nvPr/>
-        </p:nvSpPr>
-        <p:spPr>
-          <a:xfrm>
-            <a:off x="5495530" y="3244334"/>
-            <a:ext cx="1197764" cy="369332"/>
-          </a:xfrm>
-          <a:prstGeom prst="rect">
-            <a:avLst/>
-          </a:prstGeom>
-        </p:spPr>
-        <p:txBody>
-          <a:bodyPr wrap="none">
-            <a:spAutoFit/>
-          </a:bodyPr>
-          <a:lstStyle/>
-          <a:p>
-            <a:r>
-              <a:rPr lang="en-US" altLang="zh-CN" dirty="0">
-                <a:solidFill>
-                  <a:srgbClr val="EEFFFF"/>
-                </a:solidFill>
-                <a:latin typeface="Consolas" panose="020B0609020204030204" pitchFamily="49" charset="0"/>
-              </a:rPr>
-              <a:t>Overview</a:t>
-            </a:r>
-            <a:endParaRPr lang="en-US" altLang="zh-CN" b="0" dirty="0">
-              <a:solidFill>
-                <a:srgbClr val="EEFFFF"/>
-              </a:solidFill>
-              <a:effectLst/>
-              <a:latin typeface="Consolas" panose="020B0609020204030204" pitchFamily="49" charset="0"/>
-            </a:endParaRPr>
-          </a:p>
-        </p:txBody>
-      </p:sp>
-      <p:pic>
-        <p:nvPicPr>
-          <p:cNvPr id="15" name="Picture 14">
-            <a:extLst>
-              <a:ext uri="{FF2B5EF4-FFF2-40B4-BE49-F238E27FC236}">
-                <a16:creationId xmlns:a16="http://schemas.microsoft.com/office/drawing/2014/main" id="{57E1D987-0C21-4D01-A50F-B6D4E83CD3A7}"/>
+                <a16:creationId xmlns:a16="http://schemas.microsoft.com/office/drawing/2014/main" id="{B818A706-E922-4B29-964E-D5AF3F65618F}"/>
               </a:ext>
             </a:extLst>
           </p:cNvPr>
@@ -10658,36 +12030,37 @@
           </p:cNvPicPr>
           <p:nvPr/>
         </p:nvPicPr>
-        <p:blipFill>
-          <a:blip r:embed="rId8">
-            <a:duotone>
-              <a:schemeClr val="accent4">
-                <a:shade val="45000"/>
-                <a:satMod val="135000"/>
-              </a:schemeClr>
-              <a:prstClr val="white"/>
-            </a:duotone>
-          </a:blip>
-          <a:stretch>
-            <a:fillRect/>
-          </a:stretch>
+        <p:blipFill rotWithShape="1">
+          <a:blip r:embed="rId7"/>
+          <a:srcRect l="23323" t="16496" r="46796" b="27728"/>
+          <a:stretch/>
         </p:blipFill>
         <p:spPr>
           <a:xfrm>
-            <a:off x="6390204" y="1560623"/>
-            <a:ext cx="2143125" cy="2143125"/>
+            <a:off x="9075135" y="374701"/>
+            <a:ext cx="2880320" cy="3024337"/>
           </a:xfrm>
           <a:prstGeom prst="rect">
             <a:avLst/>
           </a:prstGeom>
+          <a:ln>
+            <a:noFill/>
+          </a:ln>
+          <a:effectLst>
+            <a:outerShdw blurRad="292100" dist="139700" dir="2700000" algn="tl" rotWithShape="0">
+              <a:srgbClr val="333333">
+                <a:alpha val="65000"/>
+              </a:srgbClr>
+            </a:outerShdw>
+          </a:effectLst>
         </p:spPr>
       </p:pic>
       <p:pic>
         <p:nvPicPr>
-          <p:cNvPr id="26" name="Picture 25">
+          <p:cNvPr id="8" name="Picture 7">
             <a:extLst>
               <a:ext uri="{FF2B5EF4-FFF2-40B4-BE49-F238E27FC236}">
-                <a16:creationId xmlns:a16="http://schemas.microsoft.com/office/drawing/2014/main" id="{21E04C83-3266-4FAD-92B7-03F94D6498C2}"/>
+                <a16:creationId xmlns:a16="http://schemas.microsoft.com/office/drawing/2014/main" id="{AAD46432-E236-4055-97B8-BE1DB02784FC}"/>
               </a:ext>
             </a:extLst>
           </p:cNvPr>
@@ -10696,28 +12069,37 @@
           </p:cNvPicPr>
           <p:nvPr/>
         </p:nvPicPr>
-        <p:blipFill>
-          <a:blip r:embed="rId9"/>
-          <a:stretch>
-            <a:fillRect/>
-          </a:stretch>
+        <p:blipFill rotWithShape="1">
+          <a:blip r:embed="rId8"/>
+          <a:srcRect l="23304" t="26897" r="48934" b="23746"/>
+          <a:stretch/>
         </p:blipFill>
         <p:spPr>
           <a:xfrm>
-            <a:off x="5038408" y="3703748"/>
-            <a:ext cx="3810000" cy="3810000"/>
+            <a:off x="3547988" y="2908151"/>
+            <a:ext cx="2981049" cy="2981050"/>
           </a:xfrm>
           <a:prstGeom prst="rect">
             <a:avLst/>
           </a:prstGeom>
+          <a:ln>
+            <a:noFill/>
+          </a:ln>
+          <a:effectLst>
+            <a:outerShdw blurRad="292100" dist="139700" dir="2700000" algn="tl" rotWithShape="0">
+              <a:srgbClr val="333333">
+                <a:alpha val="65000"/>
+              </a:srgbClr>
+            </a:outerShdw>
+          </a:effectLst>
         </p:spPr>
       </p:pic>
       <p:pic>
         <p:nvPicPr>
-          <p:cNvPr id="28" name="Picture 27">
+          <p:cNvPr id="10" name="Picture 9">
             <a:extLst>
               <a:ext uri="{FF2B5EF4-FFF2-40B4-BE49-F238E27FC236}">
-                <a16:creationId xmlns:a16="http://schemas.microsoft.com/office/drawing/2014/main" id="{458A9F36-6DDB-41C7-81BB-105F61828009}"/>
+                <a16:creationId xmlns:a16="http://schemas.microsoft.com/office/drawing/2014/main" id="{61CACFC1-1639-4B2C-A3F4-4285B8FC31C8}"/>
               </a:ext>
             </a:extLst>
           </p:cNvPr>
@@ -10726,26 +12108,35 @@
           </p:cNvPicPr>
           <p:nvPr/>
         </p:nvPicPr>
-        <p:blipFill>
-          <a:blip r:embed="rId10"/>
-          <a:stretch>
-            <a:fillRect/>
-          </a:stretch>
+        <p:blipFill rotWithShape="1">
+          <a:blip r:embed="rId9"/>
+          <a:srcRect l="22828" t="30361" r="5094" b="17883"/>
+          <a:stretch/>
         </p:blipFill>
         <p:spPr>
           <a:xfrm>
-            <a:off x="9191550" y="4739866"/>
-            <a:ext cx="2656954" cy="1487894"/>
+            <a:off x="6731147" y="3810136"/>
+            <a:ext cx="5224308" cy="2110112"/>
           </a:xfrm>
           <a:prstGeom prst="rect">
             <a:avLst/>
           </a:prstGeom>
+          <a:ln>
+            <a:noFill/>
+          </a:ln>
+          <a:effectLst>
+            <a:outerShdw blurRad="292100" dist="139700" dir="2700000" algn="tl" rotWithShape="0">
+              <a:srgbClr val="333333">
+                <a:alpha val="65000"/>
+              </a:srgbClr>
+            </a:outerShdw>
+          </a:effectLst>
         </p:spPr>
       </p:pic>
     </p:spTree>
     <p:extLst>
       <p:ext uri="{BB962C8B-B14F-4D97-AF65-F5344CB8AC3E}">
-        <p14:creationId xmlns:p14="http://schemas.microsoft.com/office/powerpoint/2010/main" val="456907042"/>
+        <p14:creationId xmlns:p14="http://schemas.microsoft.com/office/powerpoint/2010/main" val="3686908636"/>
       </p:ext>
     </p:extLst>
   </p:cSld>
@@ -10866,7 +12257,7 @@
         <p:spPr>
           <a:xfrm>
             <a:off x="694606" y="183740"/>
-            <a:ext cx="1890710" cy="523220"/>
+            <a:ext cx="2936445" cy="523220"/>
           </a:xfrm>
           <a:prstGeom prst="rect">
             <a:avLst/>
@@ -10887,7 +12278,7 @@
                 <a:ea typeface="Calibri" charset="0"/>
                 <a:cs typeface="Calibri" charset="0"/>
               </a:rPr>
-              <a:t>8</a:t>
+              <a:t>7</a:t>
             </a:r>
             <a:r>
               <a:rPr lang="en-US" altLang="zh-CN" sz="2800" b="1" dirty="0">
@@ -10895,7 +12286,7 @@
                 <a:ea typeface="Calibri" charset="0"/>
                 <a:cs typeface="Calibri" charset="0"/>
               </a:rPr>
-              <a:t> Prospects</a:t>
+              <a:t>  Implementation</a:t>
             </a:r>
             <a:endParaRPr lang="zh-CN" altLang="en-US" sz="2800" b="1" dirty="0">
               <a:latin typeface="Calibri" charset="0"/>
@@ -10948,12 +12339,307 @@
           </a:p>
         </p:txBody>
       </p:sp>
-      <p:sp>
-        <p:nvSpPr>
-          <p:cNvPr id="21" name="等腰三角形 14">
+      <p:pic>
+        <p:nvPicPr>
+          <p:cNvPr id="7" name="图片 6"/>
+          <p:cNvPicPr>
+            <a:picLocks noChangeAspect="1"/>
+          </p:cNvPicPr>
+          <p:nvPr/>
+        </p:nvPicPr>
+        <p:blipFill>
+          <a:blip r:embed="rId3">
+            <a:extLst>
+              <a:ext uri="{28A0092B-C50C-407E-A947-70E740481C1C}">
+                <a14:useLocalDpi xmlns:a14="http://schemas.microsoft.com/office/drawing/2010/main"/>
+              </a:ext>
+            </a:extLst>
+          </a:blip>
+          <a:stretch>
+            <a:fillRect/>
+          </a:stretch>
+        </p:blipFill>
+        <p:spPr>
+          <a:xfrm>
+            <a:off x="1774726" y="4593709"/>
+            <a:ext cx="2786649" cy="1441220"/>
+          </a:xfrm>
+          <a:prstGeom prst="rect">
+            <a:avLst/>
+          </a:prstGeom>
+        </p:spPr>
+      </p:pic>
+      <p:pic>
+        <p:nvPicPr>
+          <p:cNvPr id="9" name="图片 8"/>
+          <p:cNvPicPr>
+            <a:picLocks noChangeAspect="1"/>
+          </p:cNvPicPr>
+          <p:nvPr/>
+        </p:nvPicPr>
+        <p:blipFill>
+          <a:blip r:embed="rId4">
+            <a:extLst>
+              <a:ext uri="{28A0092B-C50C-407E-A947-70E740481C1C}">
+                <a14:useLocalDpi xmlns:a14="http://schemas.microsoft.com/office/drawing/2010/main"/>
+              </a:ext>
+            </a:extLst>
+          </a:blip>
+          <a:stretch>
+            <a:fillRect/>
+          </a:stretch>
+        </p:blipFill>
+        <p:spPr>
+          <a:xfrm>
+            <a:off x="438103" y="1712798"/>
+            <a:ext cx="3600400" cy="1990950"/>
+          </a:xfrm>
+          <a:prstGeom prst="rect">
+            <a:avLst/>
+          </a:prstGeom>
+        </p:spPr>
+      </p:pic>
+      <p:pic>
+        <p:nvPicPr>
+          <p:cNvPr id="10" name="图片 9"/>
+          <p:cNvPicPr>
+            <a:picLocks noChangeAspect="1"/>
+          </p:cNvPicPr>
+          <p:nvPr/>
+        </p:nvPicPr>
+        <p:blipFill>
+          <a:blip r:embed="rId5">
+            <a:extLst>
+              <a:ext uri="{28A0092B-C50C-407E-A947-70E740481C1C}">
+                <a14:useLocalDpi xmlns:a14="http://schemas.microsoft.com/office/drawing/2010/main"/>
+              </a:ext>
+            </a:extLst>
+          </a:blip>
+          <a:stretch>
+            <a:fillRect/>
+          </a:stretch>
+        </p:blipFill>
+        <p:spPr>
+          <a:xfrm>
+            <a:off x="4290282" y="1712798"/>
+            <a:ext cx="2072491" cy="2072491"/>
+          </a:xfrm>
+          <a:prstGeom prst="rect">
+            <a:avLst/>
+          </a:prstGeom>
+        </p:spPr>
+      </p:pic>
+      <p:pic>
+        <p:nvPicPr>
+          <p:cNvPr id="12" name="图片 11"/>
+          <p:cNvPicPr>
+            <a:picLocks noChangeAspect="1"/>
+          </p:cNvPicPr>
+          <p:nvPr/>
+        </p:nvPicPr>
+        <p:blipFill>
+          <a:blip r:embed="rId6">
+            <a:extLst>
+              <a:ext uri="{28A0092B-C50C-407E-A947-70E740481C1C}">
+                <a14:useLocalDpi xmlns:a14="http://schemas.microsoft.com/office/drawing/2010/main"/>
+              </a:ext>
+            </a:extLst>
+          </a:blip>
+          <a:stretch>
+            <a:fillRect/>
+          </a:stretch>
+        </p:blipFill>
+        <p:spPr>
+          <a:xfrm>
+            <a:off x="8890260" y="1900555"/>
+            <a:ext cx="1489381" cy="1489381"/>
+          </a:xfrm>
+          <a:prstGeom prst="rect">
+            <a:avLst/>
+          </a:prstGeom>
+        </p:spPr>
+      </p:pic>
+      <p:sp>
+        <p:nvSpPr>
+          <p:cNvPr id="18" name="TextBox 16"/>
+          <p:cNvSpPr txBox="1"/>
+          <p:nvPr/>
+        </p:nvSpPr>
+        <p:spPr>
+          <a:xfrm>
+            <a:off x="1263799" y="925059"/>
+            <a:ext cx="1798635" cy="461665"/>
+          </a:xfrm>
+          <a:prstGeom prst="rect">
+            <a:avLst/>
+          </a:prstGeom>
+          <a:noFill/>
+        </p:spPr>
+        <p:txBody>
+          <a:bodyPr wrap="square" rtlCol="0">
+            <a:spAutoFit/>
+          </a:bodyPr>
+          <a:lstStyle/>
+          <a:p>
+            <a:r>
+              <a:rPr lang="en-US" altLang="zh-CN" sz="2400" b="1" u="sng" dirty="0">
+                <a:solidFill>
+                  <a:srgbClr val="FF0000"/>
+                </a:solidFill>
+                <a:latin typeface="Calibri" panose="020F0502020204030204" pitchFamily="34" charset="0"/>
+                <a:ea typeface="Mongolian Baiti" charset="-122"/>
+                <a:cs typeface="Calibri" panose="020F0502020204030204" pitchFamily="34" charset="0"/>
+              </a:rPr>
+              <a:t>Front</a:t>
+            </a:r>
+            <a:r>
+              <a:rPr lang="zh-CN" altLang="en-US" sz="2400" b="1" u="sng" dirty="0">
+                <a:solidFill>
+                  <a:srgbClr val="FF0000"/>
+                </a:solidFill>
+                <a:latin typeface="Calibri" panose="020F0502020204030204" pitchFamily="34" charset="0"/>
+                <a:ea typeface="Mongolian Baiti" charset="-122"/>
+                <a:cs typeface="Calibri" panose="020F0502020204030204" pitchFamily="34" charset="0"/>
+              </a:rPr>
+              <a:t> </a:t>
+            </a:r>
+            <a:r>
+              <a:rPr lang="en-US" altLang="zh-CN" sz="2400" b="1" u="sng" dirty="0">
+                <a:solidFill>
+                  <a:srgbClr val="FF0000"/>
+                </a:solidFill>
+                <a:latin typeface="Calibri" panose="020F0502020204030204" pitchFamily="34" charset="0"/>
+                <a:ea typeface="Mongolian Baiti" charset="-122"/>
+                <a:cs typeface="Calibri" panose="020F0502020204030204" pitchFamily="34" charset="0"/>
+              </a:rPr>
+              <a:t>End</a:t>
+            </a:r>
+          </a:p>
+        </p:txBody>
+      </p:sp>
+      <p:sp>
+        <p:nvSpPr>
+          <p:cNvPr id="19" name="TextBox 16"/>
+          <p:cNvSpPr txBox="1"/>
+          <p:nvPr/>
+        </p:nvSpPr>
+        <p:spPr>
+          <a:xfrm>
+            <a:off x="1297693" y="4278201"/>
+            <a:ext cx="1730846" cy="461665"/>
+          </a:xfrm>
+          <a:prstGeom prst="rect">
+            <a:avLst/>
+          </a:prstGeom>
+          <a:noFill/>
+        </p:spPr>
+        <p:txBody>
+          <a:bodyPr wrap="square" rtlCol="0">
+            <a:spAutoFit/>
+          </a:bodyPr>
+          <a:lstStyle/>
+          <a:p>
+            <a:r>
+              <a:rPr lang="en-US" altLang="zh-CN" sz="2400" b="1" u="sng" dirty="0">
+                <a:solidFill>
+                  <a:srgbClr val="FF0000"/>
+                </a:solidFill>
+                <a:latin typeface="Calibri" panose="020F0502020204030204" pitchFamily="34" charset="0"/>
+                <a:ea typeface="Mongolian Baiti" charset="-122"/>
+                <a:cs typeface="Calibri" panose="020F0502020204030204" pitchFamily="34" charset="0"/>
+              </a:rPr>
+              <a:t>Back</a:t>
+            </a:r>
+            <a:r>
+              <a:rPr lang="zh-CN" altLang="en-US" sz="2400" b="1" u="sng" dirty="0">
+                <a:solidFill>
+                  <a:srgbClr val="FF0000"/>
+                </a:solidFill>
+                <a:latin typeface="Calibri" panose="020F0502020204030204" pitchFamily="34" charset="0"/>
+                <a:ea typeface="Mongolian Baiti" charset="-122"/>
+                <a:cs typeface="Calibri" panose="020F0502020204030204" pitchFamily="34" charset="0"/>
+              </a:rPr>
+              <a:t> </a:t>
+            </a:r>
+            <a:r>
+              <a:rPr lang="en-US" altLang="zh-CN" sz="2400" b="1" u="sng" dirty="0">
+                <a:solidFill>
+                  <a:srgbClr val="FF0000"/>
+                </a:solidFill>
+                <a:latin typeface="Calibri" panose="020F0502020204030204" pitchFamily="34" charset="0"/>
+                <a:ea typeface="Mongolian Baiti" charset="-122"/>
+                <a:cs typeface="Calibri" panose="020F0502020204030204" pitchFamily="34" charset="0"/>
+              </a:rPr>
+              <a:t>End</a:t>
+            </a:r>
+          </a:p>
+        </p:txBody>
+      </p:sp>
+      <p:sp>
+        <p:nvSpPr>
+          <p:cNvPr id="6" name="Slide Number Placeholder 5">
             <a:extLst>
               <a:ext uri="{FF2B5EF4-FFF2-40B4-BE49-F238E27FC236}">
-                <a16:creationId xmlns:a16="http://schemas.microsoft.com/office/drawing/2014/main" id="{084C4E86-4FB1-4B16-9071-961FDA7DA73F}"/>
+                <a16:creationId xmlns:a16="http://schemas.microsoft.com/office/drawing/2014/main" id="{5121E37C-A1B9-48F4-B45E-F2CBDC306A55}"/>
+              </a:ext>
+            </a:extLst>
+          </p:cNvPr>
+          <p:cNvSpPr>
+            <a:spLocks noGrp="1"/>
+          </p:cNvSpPr>
+          <p:nvPr>
+            <p:ph type="sldNum" sz="quarter" idx="12"/>
+          </p:nvPr>
+        </p:nvSpPr>
+        <p:spPr/>
+        <p:txBody>
+          <a:bodyPr/>
+          <a:lstStyle/>
+          <a:p>
+            <a:fld id="{0C913308-F349-4B6D-A68A-DD1791B4A57B}" type="slidenum">
+              <a:rPr lang="zh-CN" altLang="en-US" smtClean="0"/>
+              <a:t>8</a:t>
+            </a:fld>
+            <a:endParaRPr lang="zh-CN" altLang="en-US"/>
+          </a:p>
+        </p:txBody>
+      </p:sp>
+      <p:pic>
+        <p:nvPicPr>
+          <p:cNvPr id="14" name="Picture 13">
+            <a:extLst>
+              <a:ext uri="{FF2B5EF4-FFF2-40B4-BE49-F238E27FC236}">
+                <a16:creationId xmlns:a16="http://schemas.microsoft.com/office/drawing/2014/main" id="{3C168A37-B329-46DB-8379-62A806932DED}"/>
+              </a:ext>
+            </a:extLst>
+          </p:cNvPr>
+          <p:cNvPicPr>
+            <a:picLocks noChangeAspect="1"/>
+          </p:cNvPicPr>
+          <p:nvPr/>
+        </p:nvPicPr>
+        <p:blipFill>
+          <a:blip r:embed="rId7"/>
+          <a:stretch>
+            <a:fillRect/>
+          </a:stretch>
+        </p:blipFill>
+        <p:spPr>
+          <a:xfrm>
+            <a:off x="10618451" y="1939620"/>
+            <a:ext cx="1540386" cy="1489380"/>
+          </a:xfrm>
+          <a:prstGeom prst="rect">
+            <a:avLst/>
+          </a:prstGeom>
+        </p:spPr>
+      </p:pic>
+      <p:sp>
+        <p:nvSpPr>
+          <p:cNvPr id="20" name="Rectangle 19">
+            <a:extLst>
+              <a:ext uri="{FF2B5EF4-FFF2-40B4-BE49-F238E27FC236}">
+                <a16:creationId xmlns:a16="http://schemas.microsoft.com/office/drawing/2014/main" id="{7C311262-3A3A-4004-9B0D-8E2FB3DE6CF0}"/>
               </a:ext>
             </a:extLst>
           </p:cNvPr>
@@ -10962,210 +12648,140 @@
         </p:nvSpPr>
         <p:spPr>
           <a:xfrm>
-            <a:off x="2800841" y="2729109"/>
-            <a:ext cx="198021" cy="170708"/>
-          </a:xfrm>
-          <a:prstGeom prst="triangle">
-            <a:avLst/>
-          </a:prstGeom>
-          <a:solidFill>
-            <a:srgbClr val="C00000"/>
-          </a:solidFill>
-          <a:ln>
-            <a:noFill/>
-          </a:ln>
-        </p:spPr>
-        <p:style>
-          <a:lnRef idx="2">
-            <a:schemeClr val="accent1">
-              <a:shade val="50000"/>
-            </a:schemeClr>
-          </a:lnRef>
-          <a:fillRef idx="1">
-            <a:schemeClr val="accent1"/>
-          </a:fillRef>
-          <a:effectRef idx="0">
-            <a:schemeClr val="accent1"/>
-          </a:effectRef>
-          <a:fontRef idx="minor">
-            <a:schemeClr val="lt1"/>
-          </a:fontRef>
-        </p:style>
-        <p:txBody>
-          <a:bodyPr rtlCol="0" anchor="ctr"/>
-          <a:lstStyle/>
-          <a:p>
-            <a:pPr algn="ctr"/>
-            <a:endParaRPr lang="zh-CN" altLang="en-US"/>
-          </a:p>
-        </p:txBody>
-      </p:sp>
-      <p:sp>
-        <p:nvSpPr>
-          <p:cNvPr id="22" name="TextBox 15">
+            <a:off x="5495530" y="3244334"/>
+            <a:ext cx="1197764" cy="369332"/>
+          </a:xfrm>
+          <a:prstGeom prst="rect">
+            <a:avLst/>
+          </a:prstGeom>
+        </p:spPr>
+        <p:txBody>
+          <a:bodyPr wrap="none">
+            <a:spAutoFit/>
+          </a:bodyPr>
+          <a:lstStyle/>
+          <a:p>
+            <a:r>
+              <a:rPr lang="en-US" altLang="zh-CN" dirty="0">
+                <a:solidFill>
+                  <a:srgbClr val="EEFFFF"/>
+                </a:solidFill>
+                <a:latin typeface="Consolas" panose="020B0609020204030204" pitchFamily="49" charset="0"/>
+              </a:rPr>
+              <a:t>Overview</a:t>
+            </a:r>
+            <a:endParaRPr lang="en-US" altLang="zh-CN" b="0" dirty="0">
+              <a:solidFill>
+                <a:srgbClr val="EEFFFF"/>
+              </a:solidFill>
+              <a:effectLst/>
+              <a:latin typeface="Consolas" panose="020B0609020204030204" pitchFamily="49" charset="0"/>
+            </a:endParaRPr>
+          </a:p>
+        </p:txBody>
+      </p:sp>
+      <p:pic>
+        <p:nvPicPr>
+          <p:cNvPr id="15" name="Picture 14">
             <a:extLst>
               <a:ext uri="{FF2B5EF4-FFF2-40B4-BE49-F238E27FC236}">
-                <a16:creationId xmlns:a16="http://schemas.microsoft.com/office/drawing/2014/main" id="{EE8DA1D9-1B6B-4CE7-93EC-672E67CA230C}"/>
+                <a16:creationId xmlns:a16="http://schemas.microsoft.com/office/drawing/2014/main" id="{57E1D987-0C21-4D01-A50F-B6D4E83CD3A7}"/>
               </a:ext>
             </a:extLst>
           </p:cNvPr>
-          <p:cNvSpPr txBox="1"/>
-          <p:nvPr/>
-        </p:nvSpPr>
+          <p:cNvPicPr>
+            <a:picLocks noChangeAspect="1"/>
+          </p:cNvPicPr>
+          <p:nvPr/>
+        </p:nvPicPr>
+        <p:blipFill>
+          <a:blip r:embed="rId8">
+            <a:duotone>
+              <a:schemeClr val="accent4">
+                <a:shade val="45000"/>
+                <a:satMod val="135000"/>
+              </a:schemeClr>
+              <a:prstClr val="white"/>
+            </a:duotone>
+          </a:blip>
+          <a:stretch>
+            <a:fillRect/>
+          </a:stretch>
+        </p:blipFill>
         <p:spPr>
           <a:xfrm>
-            <a:off x="2998862" y="2420888"/>
-            <a:ext cx="8280920" cy="671851"/>
+            <a:off x="6390204" y="1560623"/>
+            <a:ext cx="2143125" cy="2143125"/>
           </a:xfrm>
           <a:prstGeom prst="rect">
             <a:avLst/>
           </a:prstGeom>
-          <a:noFill/>
-        </p:spPr>
-        <p:txBody>
-          <a:bodyPr wrap="square" rtlCol="0">
-            <a:spAutoFit/>
-          </a:bodyPr>
-          <a:lstStyle/>
-          <a:p>
-            <a:pPr>
-              <a:lnSpc>
-                <a:spcPct val="150000"/>
-              </a:lnSpc>
-            </a:pPr>
-            <a:r>
-              <a:rPr lang="en-US" altLang="zh-CN" sz="2800" b="1" dirty="0">
-                <a:latin typeface="Calibri" charset="0"/>
-                <a:ea typeface="Calibri" charset="0"/>
-                <a:cs typeface="Calibri" charset="0"/>
-              </a:rPr>
-              <a:t>User Page: Sign up; Sign in; Profile  </a:t>
-            </a:r>
-            <a:endParaRPr lang="en-US" altLang="zh-CN" sz="2800" b="1" spc="300" dirty="0">
-              <a:solidFill>
-                <a:schemeClr val="tx1">
-                  <a:lumMod val="65000"/>
-                  <a:lumOff val="35000"/>
-                </a:schemeClr>
-              </a:solidFill>
-              <a:latin typeface="Calibri" charset="0"/>
-              <a:ea typeface="Calibri" charset="0"/>
-              <a:cs typeface="Calibri" charset="0"/>
-            </a:endParaRPr>
-          </a:p>
-        </p:txBody>
-      </p:sp>
-      <p:sp>
-        <p:nvSpPr>
-          <p:cNvPr id="23" name="等腰三角形 14">
+        </p:spPr>
+      </p:pic>
+      <p:pic>
+        <p:nvPicPr>
+          <p:cNvPr id="26" name="Picture 25">
             <a:extLst>
               <a:ext uri="{FF2B5EF4-FFF2-40B4-BE49-F238E27FC236}">
-                <a16:creationId xmlns:a16="http://schemas.microsoft.com/office/drawing/2014/main" id="{B4963136-93BC-4D52-96F1-A6D92A48BF19}"/>
+                <a16:creationId xmlns:a16="http://schemas.microsoft.com/office/drawing/2014/main" id="{21E04C83-3266-4FAD-92B7-03F94D6498C2}"/>
               </a:ext>
             </a:extLst>
           </p:cNvPr>
-          <p:cNvSpPr/>
-          <p:nvPr/>
-        </p:nvSpPr>
+          <p:cNvPicPr>
+            <a:picLocks noChangeAspect="1"/>
+          </p:cNvPicPr>
+          <p:nvPr/>
+        </p:nvPicPr>
+        <p:blipFill>
+          <a:blip r:embed="rId9"/>
+          <a:stretch>
+            <a:fillRect/>
+          </a:stretch>
+        </p:blipFill>
         <p:spPr>
           <a:xfrm>
-            <a:off x="2800840" y="3650036"/>
-            <a:ext cx="198021" cy="170708"/>
-          </a:xfrm>
-          <a:prstGeom prst="triangle">
-            <a:avLst/>
-          </a:prstGeom>
-          <a:solidFill>
-            <a:srgbClr val="C00000"/>
-          </a:solidFill>
-          <a:ln>
-            <a:noFill/>
-          </a:ln>
-        </p:spPr>
-        <p:style>
-          <a:lnRef idx="2">
-            <a:schemeClr val="accent1">
-              <a:shade val="50000"/>
-            </a:schemeClr>
-          </a:lnRef>
-          <a:fillRef idx="1">
-            <a:schemeClr val="accent1"/>
-          </a:fillRef>
-          <a:effectRef idx="0">
-            <a:schemeClr val="accent1"/>
-          </a:effectRef>
-          <a:fontRef idx="minor">
-            <a:schemeClr val="lt1"/>
-          </a:fontRef>
-        </p:style>
-        <p:txBody>
-          <a:bodyPr rtlCol="0" anchor="ctr"/>
-          <a:lstStyle/>
-          <a:p>
-            <a:pPr algn="ctr"/>
-            <a:endParaRPr lang="zh-CN" altLang="en-US"/>
-          </a:p>
-        </p:txBody>
-      </p:sp>
-      <p:sp>
-        <p:nvSpPr>
-          <p:cNvPr id="27" name="TextBox 15">
+            <a:off x="5038408" y="3703748"/>
+            <a:ext cx="3810000" cy="3810000"/>
+          </a:xfrm>
+          <a:prstGeom prst="rect">
+            <a:avLst/>
+          </a:prstGeom>
+        </p:spPr>
+      </p:pic>
+      <p:pic>
+        <p:nvPicPr>
+          <p:cNvPr id="28" name="Picture 27">
             <a:extLst>
               <a:ext uri="{FF2B5EF4-FFF2-40B4-BE49-F238E27FC236}">
-                <a16:creationId xmlns:a16="http://schemas.microsoft.com/office/drawing/2014/main" id="{F12F80A1-CB89-497F-855A-39914ADAC06F}"/>
+                <a16:creationId xmlns:a16="http://schemas.microsoft.com/office/drawing/2014/main" id="{458A9F36-6DDB-41C7-81BB-105F61828009}"/>
               </a:ext>
             </a:extLst>
           </p:cNvPr>
-          <p:cNvSpPr txBox="1"/>
-          <p:nvPr/>
-        </p:nvSpPr>
+          <p:cNvPicPr>
+            <a:picLocks noChangeAspect="1"/>
+          </p:cNvPicPr>
+          <p:nvPr/>
+        </p:nvPicPr>
+        <p:blipFill>
+          <a:blip r:embed="rId10"/>
+          <a:stretch>
+            <a:fillRect/>
+          </a:stretch>
+        </p:blipFill>
         <p:spPr>
           <a:xfrm>
-            <a:off x="2998862" y="3344308"/>
-            <a:ext cx="9361040" cy="671851"/>
+            <a:off x="9191550" y="4739866"/>
+            <a:ext cx="2656954" cy="1487894"/>
           </a:xfrm>
           <a:prstGeom prst="rect">
             <a:avLst/>
           </a:prstGeom>
-          <a:noFill/>
-        </p:spPr>
-        <p:txBody>
-          <a:bodyPr wrap="square" rtlCol="0">
-            <a:spAutoFit/>
-          </a:bodyPr>
-          <a:lstStyle/>
-          <a:p>
-            <a:pPr>
-              <a:lnSpc>
-                <a:spcPct val="150000"/>
-              </a:lnSpc>
-            </a:pPr>
-            <a:r>
-              <a:rPr lang="en-US" altLang="zh-CN" sz="2800" b="1" dirty="0">
-                <a:latin typeface="Calibri" charset="0"/>
-                <a:ea typeface="Calibri" charset="0"/>
-                <a:cs typeface="Calibri" charset="0"/>
-              </a:rPr>
-              <a:t>Favorites</a:t>
-            </a:r>
-            <a:endParaRPr lang="en-US" altLang="zh-CN" sz="2800" b="1" spc="300" dirty="0">
-              <a:solidFill>
-                <a:schemeClr val="tx1">
-                  <a:lumMod val="65000"/>
-                  <a:lumOff val="35000"/>
-                </a:schemeClr>
-              </a:solidFill>
-              <a:latin typeface="Calibri" charset="0"/>
-              <a:ea typeface="Calibri" charset="0"/>
-              <a:cs typeface="Calibri" charset="0"/>
-            </a:endParaRPr>
-          </a:p>
-        </p:txBody>
-      </p:sp>
+        </p:spPr>
+      </p:pic>
     </p:spTree>
     <p:extLst>
       <p:ext uri="{BB962C8B-B14F-4D97-AF65-F5344CB8AC3E}">
-        <p14:creationId xmlns:p14="http://schemas.microsoft.com/office/powerpoint/2010/main" val="1919552196"/>
+        <p14:creationId xmlns:p14="http://schemas.microsoft.com/office/powerpoint/2010/main" val="456907042"/>
       </p:ext>
     </p:extLst>
   </p:cSld>

--- a/presentation/ERG3010 Group 10 Presentation.pptx
+++ b/presentation/ERG3010 Group 10 Presentation.pptx
@@ -217,7 +217,7 @@
           <a:p>
             <a:fld id="{181B3BF1-4A3C-4696-9796-DA8D9610C879}" type="datetimeFigureOut">
               <a:rPr lang="zh-CN" altLang="en-US" smtClean="0"/>
-              <a:t>2019/12/7</a:t>
+              <a:t>2019/12/8</a:t>
             </a:fld>
             <a:endParaRPr lang="zh-CN" altLang="en-US"/>
           </a:p>
@@ -1503,7 +1503,7 @@
           <a:p>
             <a:fld id="{B6315B6B-D624-4206-99FC-7A562C5CBE5A}" type="datetime1">
               <a:rPr lang="zh-CN" altLang="en-US" smtClean="0"/>
-              <a:t>2019/12/7</a:t>
+              <a:t>2019/12/8</a:t>
             </a:fld>
             <a:endParaRPr lang="zh-CN" altLang="en-US"/>
           </a:p>
@@ -1678,7 +1678,7 @@
           <a:p>
             <a:fld id="{5AADB964-6AA2-48FE-BC08-521762BB4235}" type="datetime1">
               <a:rPr lang="zh-CN" altLang="en-US" smtClean="0"/>
-              <a:t>2019/12/7</a:t>
+              <a:t>2019/12/8</a:t>
             </a:fld>
             <a:endParaRPr lang="zh-CN" altLang="en-US"/>
           </a:p>
@@ -1863,7 +1863,7 @@
           <a:p>
             <a:fld id="{B6E1A1F9-2A30-4C1B-A58D-9C0DAA9E340F}" type="datetime1">
               <a:rPr lang="zh-CN" altLang="en-US" smtClean="0"/>
-              <a:t>2019/12/7</a:t>
+              <a:t>2019/12/8</a:t>
             </a:fld>
             <a:endParaRPr lang="zh-CN" altLang="en-US"/>
           </a:p>
@@ -2038,7 +2038,7 @@
           <a:p>
             <a:fld id="{A0709147-3A8A-4263-AD13-ED165A071101}" type="datetime1">
               <a:rPr lang="zh-CN" altLang="en-US" smtClean="0"/>
-              <a:t>2019/12/7</a:t>
+              <a:t>2019/12/8</a:t>
             </a:fld>
             <a:endParaRPr lang="zh-CN" altLang="en-US"/>
           </a:p>
@@ -2290,7 +2290,7 @@
           <a:p>
             <a:fld id="{F70359E9-CA46-4932-BCA0-A38C9BC1F88B}" type="datetime1">
               <a:rPr lang="zh-CN" altLang="en-US" smtClean="0"/>
-              <a:t>2019/12/7</a:t>
+              <a:t>2019/12/8</a:t>
             </a:fld>
             <a:endParaRPr lang="zh-CN" altLang="en-US"/>
           </a:p>
@@ -2582,7 +2582,7 @@
           <a:p>
             <a:fld id="{A20812E8-D766-4E30-87D6-D7CD1DCF9B38}" type="datetime1">
               <a:rPr lang="zh-CN" altLang="en-US" smtClean="0"/>
-              <a:t>2019/12/7</a:t>
+              <a:t>2019/12/8</a:t>
             </a:fld>
             <a:endParaRPr lang="zh-CN" altLang="en-US"/>
           </a:p>
@@ -3008,7 +3008,7 @@
           <a:p>
             <a:fld id="{05A8E46D-A945-439F-84F0-0B1C846DCCC9}" type="datetime1">
               <a:rPr lang="zh-CN" altLang="en-US" smtClean="0"/>
-              <a:t>2019/12/7</a:t>
+              <a:t>2019/12/8</a:t>
             </a:fld>
             <a:endParaRPr lang="zh-CN" altLang="en-US"/>
           </a:p>
@@ -3132,7 +3132,7 @@
           <a:p>
             <a:fld id="{AA69B525-1073-447B-8036-7222B05F5A09}" type="datetime1">
               <a:rPr lang="zh-CN" altLang="en-US" smtClean="0"/>
-              <a:t>2019/12/7</a:t>
+              <a:t>2019/12/8</a:t>
             </a:fld>
             <a:endParaRPr lang="zh-CN" altLang="en-US"/>
           </a:p>
@@ -3234,7 +3234,7 @@
           <a:p>
             <a:fld id="{67D341EA-D6F8-44B2-B782-EB5AC09B6B20}" type="datetime1">
               <a:rPr lang="zh-CN" altLang="en-US" smtClean="0"/>
-              <a:t>2019/12/7</a:t>
+              <a:t>2019/12/8</a:t>
             </a:fld>
             <a:endParaRPr lang="zh-CN" altLang="en-US"/>
           </a:p>
@@ -3516,7 +3516,7 @@
           <a:p>
             <a:fld id="{6E4AC9F0-993D-40F4-BE54-09DE8DD33D0A}" type="datetime1">
               <a:rPr lang="zh-CN" altLang="en-US" smtClean="0"/>
-              <a:t>2019/12/7</a:t>
+              <a:t>2019/12/8</a:t>
             </a:fld>
             <a:endParaRPr lang="zh-CN" altLang="en-US"/>
           </a:p>
@@ -3775,7 +3775,7 @@
           <a:p>
             <a:fld id="{3A7FBECF-2BF8-4FD0-B416-6C45D2840FA5}" type="datetime1">
               <a:rPr lang="zh-CN" altLang="en-US" smtClean="0"/>
-              <a:t>2019/12/7</a:t>
+              <a:t>2019/12/8</a:t>
             </a:fld>
             <a:endParaRPr lang="zh-CN" altLang="en-US"/>
           </a:p>
@@ -3993,7 +3993,7 @@
           <a:p>
             <a:fld id="{C4945E73-E9A7-42D5-A164-E88DFAB7F6BE}" type="datetime1">
               <a:rPr lang="zh-CN" altLang="en-US" smtClean="0"/>
-              <a:t>2019/12/7</a:t>
+              <a:t>2019/12/8</a:t>
             </a:fld>
             <a:endParaRPr lang="zh-CN" altLang="en-US"/>
           </a:p>
@@ -5531,13 +5531,13 @@
   <p:clrMapOvr>
     <a:masterClrMapping/>
   </p:clrMapOvr>
-  <mc:AlternateContent xmlns:mc="http://schemas.openxmlformats.org/markup-compatibility/2006">
-    <mc:Choice xmlns:p14="http://schemas.microsoft.com/office/powerpoint/2010/main" Requires="p14">
+  <mc:AlternateContent xmlns:mc="http://schemas.openxmlformats.org/markup-compatibility/2006" xmlns:p14="http://schemas.microsoft.com/office/powerpoint/2010/main">
+    <mc:Choice Requires="p14">
       <p:transition spd="med" p14:dur="700" advClick="0" advTm="6355">
         <p:fade/>
       </p:transition>
     </mc:Choice>
-    <mc:Fallback>
+    <mc:Fallback xmlns="">
       <p:transition spd="med" advClick="0" advTm="6355">
         <p:fade/>
       </p:transition>
@@ -6065,13 +6065,13 @@
   <p:clrMapOvr>
     <a:masterClrMapping/>
   </p:clrMapOvr>
-  <mc:AlternateContent xmlns:mc="http://schemas.openxmlformats.org/markup-compatibility/2006">
-    <mc:Choice xmlns:p14="http://schemas.microsoft.com/office/powerpoint/2010/main" Requires="p14">
+  <mc:AlternateContent xmlns:mc="http://schemas.openxmlformats.org/markup-compatibility/2006" xmlns:p14="http://schemas.microsoft.com/office/powerpoint/2010/main">
+    <mc:Choice Requires="p14">
       <p:transition spd="med" p14:dur="700" advClick="0" advTm="3000">
         <p:fade/>
       </p:transition>
     </mc:Choice>
-    <mc:Fallback>
+    <mc:Fallback xmlns="">
       <p:transition spd="med" advClick="0" advTm="3000">
         <p:fade/>
       </p:transition>
@@ -7063,13 +7063,13 @@
   <p:clrMapOvr>
     <a:masterClrMapping/>
   </p:clrMapOvr>
-  <mc:AlternateContent xmlns:mc="http://schemas.openxmlformats.org/markup-compatibility/2006">
-    <mc:Choice xmlns:p14="http://schemas.microsoft.com/office/powerpoint/2010/main" Requires="p14">
+  <mc:AlternateContent xmlns:mc="http://schemas.openxmlformats.org/markup-compatibility/2006" xmlns:p14="http://schemas.microsoft.com/office/powerpoint/2010/main">
+    <mc:Choice Requires="p14">
       <p:transition spd="med" p14:dur="700" advClick="0" advTm="3000">
         <p:fade/>
       </p:transition>
     </mc:Choice>
-    <mc:Fallback>
+    <mc:Fallback xmlns="">
       <p:transition spd="med" advClick="0" advTm="3000">
         <p:fade/>
       </p:transition>
@@ -7675,7 +7675,7 @@
           <p:nvPr>
             <p:extLst>
               <p:ext uri="{D42A27DB-BD31-4B8C-83A1-F6EECF244321}">
-                <p14:modId xmlns:p14="http://schemas.microsoft.com/office/powerpoint/2010/main" val="2999648062"/>
+                <p14:modId xmlns:p14="http://schemas.microsoft.com/office/powerpoint/2010/main" val="3800015592"/>
               </p:ext>
             </p:extLst>
           </p:nvPr>
@@ -7807,7 +7807,15 @@
                       <a:pPr algn="ctr"/>
                       <a:r>
                         <a:rPr lang="en-US" altLang="zh-CN" sz="2000" dirty="0"/>
-                        <a:t>Web interface design; Front-end. Front- and back-end frame construction </a:t>
+                        <a:t>Front-end</a:t>
+                      </a:r>
+                      <a:r>
+                        <a:rPr lang="zh-CN" altLang="en-US" sz="2000" dirty="0"/>
+                        <a:t> </a:t>
+                      </a:r>
+                      <a:r>
+                        <a:rPr lang="en-US" altLang="zh-CN" sz="2000" dirty="0"/>
+                        <a:t>Web Interface Design; Front- and Back-end Frame Construction </a:t>
                       </a:r>
                       <a:endParaRPr lang="zh-CN" altLang="en-US" sz="2000" dirty="0"/>
                     </a:p>
@@ -7870,7 +7878,23 @@
                       <a:pPr algn="ctr"/>
                       <a:r>
                         <a:rPr lang="en-US" altLang="zh-CN" sz="2000" dirty="0"/>
-                        <a:t>Web Application by Flask; Back-end; Front- and back-end frame construction </a:t>
+                        <a:t>Web Application by Flask; Back-end</a:t>
+                      </a:r>
+                      <a:r>
+                        <a:rPr lang="zh-CN" altLang="en-US" sz="2000" dirty="0"/>
+                        <a:t> </a:t>
+                      </a:r>
+                      <a:r>
+                        <a:rPr lang="en-US" altLang="zh-CN" sz="2000" dirty="0"/>
+                        <a:t>Functions</a:t>
+                      </a:r>
+                      <a:r>
+                        <a:rPr lang="zh-CN" altLang="en-US" sz="2000" dirty="0"/>
+                        <a:t> </a:t>
+                      </a:r>
+                      <a:r>
+                        <a:rPr lang="en-US" altLang="zh-CN" sz="2000" dirty="0"/>
+                        <a:t>Implementation</a:t>
                       </a:r>
                       <a:endParaRPr lang="zh-CN" altLang="en-US" sz="2000" dirty="0"/>
                     </a:p>
@@ -7948,7 +7972,7 @@
                       </a:pPr>
                       <a:r>
                         <a:rPr lang="en-US" altLang="zh-CN" sz="2000" dirty="0"/>
-                        <a:t>Web Application by Flask; Back-end;</a:t>
+                        <a:t>Web Application by Flask; Back-end</a:t>
                       </a:r>
                       <a:r>
                         <a:rPr lang="zh-CN" altLang="en-US" sz="2000" dirty="0"/>
@@ -7956,7 +7980,31 @@
                       </a:r>
                       <a:r>
                         <a:rPr lang="en-US" altLang="zh-CN" sz="2000" dirty="0"/>
-                        <a:t>Assisting Front-end</a:t>
+                        <a:t>Functions</a:t>
+                      </a:r>
+                      <a:r>
+                        <a:rPr lang="zh-CN" altLang="en-US" sz="2000" dirty="0"/>
+                        <a:t> </a:t>
+                      </a:r>
+                      <a:r>
+                        <a:rPr lang="en-US" altLang="zh-CN" sz="2000" dirty="0"/>
+                        <a:t>Implementation;</a:t>
+                      </a:r>
+                      <a:r>
+                        <a:rPr lang="zh-CN" altLang="en-US" sz="2000" dirty="0"/>
+                        <a:t> </a:t>
+                      </a:r>
+                      <a:r>
+                        <a:rPr lang="en-US" altLang="zh-CN" sz="2000" dirty="0"/>
+                        <a:t>Front- and Back-end</a:t>
+                      </a:r>
+                      <a:r>
+                        <a:rPr lang="zh-CN" altLang="en-US" sz="2000" dirty="0"/>
+                        <a:t> </a:t>
+                      </a:r>
+                      <a:r>
+                        <a:rPr lang="en-US" altLang="zh-CN" sz="2000" dirty="0"/>
+                        <a:t>Frame Construction </a:t>
                       </a:r>
                       <a:endParaRPr lang="zh-CN" altLang="en-US" sz="2000" dirty="0"/>
                     </a:p>
@@ -8018,7 +8066,15 @@
                       <a:pPr algn="ctr"/>
                       <a:r>
                         <a:rPr lang="en-US" altLang="zh-CN" sz="2000" dirty="0"/>
-                        <a:t>Data collection and preprocessing; Database construction; Assisting Front-end</a:t>
+                        <a:t>Data Collection and Preprocessing; Database Construction; Front-end</a:t>
+                      </a:r>
+                      <a:r>
+                        <a:rPr lang="zh-CN" altLang="en-US" sz="2000" dirty="0"/>
+                        <a:t> </a:t>
+                      </a:r>
+                      <a:r>
+                        <a:rPr lang="en-US" altLang="zh-CN" sz="2000" dirty="0"/>
+                        <a:t>Web Interface Design</a:t>
                       </a:r>
                       <a:endParaRPr lang="zh-CN" altLang="en-US" sz="2000" dirty="0"/>
                     </a:p>
@@ -8079,8 +8135,36 @@
                     <a:p>
                       <a:pPr algn="ctr"/>
                       <a:r>
+                        <a:rPr lang="en-US" altLang="zh-CN" sz="2000"/>
+                        <a:t>Schema Design</a:t>
+                      </a:r>
+                      <a:r>
                         <a:rPr lang="en-US" altLang="zh-CN" sz="2000" dirty="0"/>
-                        <a:t>Schema design; Data analysis and visualization; Assisting Front-end; PPT Preparation</a:t>
+                        <a:t>; </a:t>
+                      </a:r>
+                      <a:r>
+                        <a:rPr lang="en-US" altLang="zh-CN" sz="2000"/>
+                        <a:t>Data Analysis and Visualization</a:t>
+                      </a:r>
+                      <a:r>
+                        <a:rPr lang="en-US" altLang="zh-CN" sz="2000" dirty="0"/>
+                        <a:t>; Machine</a:t>
+                      </a:r>
+                      <a:r>
+                        <a:rPr lang="zh-CN" altLang="en-US" sz="2000" dirty="0"/>
+                        <a:t> </a:t>
+                      </a:r>
+                      <a:r>
+                        <a:rPr lang="en-US" altLang="zh-CN" sz="2000" dirty="0"/>
+                        <a:t>Learning</a:t>
+                      </a:r>
+                      <a:r>
+                        <a:rPr lang="zh-CN" altLang="en-US" sz="2000" dirty="0"/>
+                        <a:t> </a:t>
+                      </a:r>
+                      <a:r>
+                        <a:rPr lang="en-US" altLang="zh-CN" sz="2000" dirty="0"/>
+                        <a:t>Implementation; PPT Preparation</a:t>
                       </a:r>
                       <a:endParaRPr lang="zh-CN" altLang="en-US" sz="2000" dirty="0"/>
                     </a:p>
@@ -8107,13 +8191,13 @@
   <p:clrMapOvr>
     <a:masterClrMapping/>
   </p:clrMapOvr>
-  <mc:AlternateContent xmlns:mc="http://schemas.openxmlformats.org/markup-compatibility/2006">
-    <mc:Choice xmlns:p14="http://schemas.microsoft.com/office/powerpoint/2010/main" Requires="p14">
+  <mc:AlternateContent xmlns:mc="http://schemas.openxmlformats.org/markup-compatibility/2006" xmlns:p14="http://schemas.microsoft.com/office/powerpoint/2010/main">
+    <mc:Choice Requires="p14">
       <p:transition spd="med" p14:dur="700" advClick="0" advTm="3000">
         <p:fade/>
       </p:transition>
     </mc:Choice>
-    <mc:Fallback>
+    <mc:Fallback xmlns="">
       <p:transition spd="med" advClick="0" advTm="3000">
         <p:fade/>
       </p:transition>
@@ -9330,13 +9414,13 @@
   <p:clrMapOvr>
     <a:masterClrMapping/>
   </p:clrMapOvr>
-  <mc:AlternateContent xmlns:mc="http://schemas.openxmlformats.org/markup-compatibility/2006">
-    <mc:Choice xmlns:p14="http://schemas.microsoft.com/office/powerpoint/2010/main" Requires="p14">
+  <mc:AlternateContent xmlns:mc="http://schemas.openxmlformats.org/markup-compatibility/2006" xmlns:p14="http://schemas.microsoft.com/office/powerpoint/2010/main">
+    <mc:Choice Requires="p14">
       <p:transition spd="med" p14:dur="700" advClick="0" advTm="3000">
         <p:fade/>
       </p:transition>
     </mc:Choice>
-    <mc:Fallback>
+    <mc:Fallback xmlns="">
       <p:transition spd="med" advClick="0" advTm="3000">
         <p:fade/>
       </p:transition>
@@ -10109,13 +10193,13 @@
   <p:clrMapOvr>
     <a:masterClrMapping/>
   </p:clrMapOvr>
-  <mc:AlternateContent xmlns:mc="http://schemas.openxmlformats.org/markup-compatibility/2006">
-    <mc:Choice xmlns:p14="http://schemas.microsoft.com/office/powerpoint/2010/main" Requires="p14">
+  <mc:AlternateContent xmlns:mc="http://schemas.openxmlformats.org/markup-compatibility/2006" xmlns:p14="http://schemas.microsoft.com/office/powerpoint/2010/main">
+    <mc:Choice Requires="p14">
       <p:transition spd="med" p14:dur="700" advClick="0" advTm="3000">
         <p:fade/>
       </p:transition>
     </mc:Choice>
-    <mc:Fallback>
+    <mc:Fallback xmlns="">
       <p:transition spd="med" advClick="0" advTm="3000">
         <p:fade/>
       </p:transition>
@@ -10758,13 +10842,13 @@
   <p:clrMapOvr>
     <a:masterClrMapping/>
   </p:clrMapOvr>
-  <mc:AlternateContent xmlns:mc="http://schemas.openxmlformats.org/markup-compatibility/2006">
-    <mc:Choice xmlns:p14="http://schemas.microsoft.com/office/powerpoint/2010/main" Requires="p14">
+  <mc:AlternateContent xmlns:mc="http://schemas.openxmlformats.org/markup-compatibility/2006" xmlns:p14="http://schemas.microsoft.com/office/powerpoint/2010/main">
+    <mc:Choice Requires="p14">
       <p:transition spd="med" p14:dur="700" advClick="0" advTm="3000">
         <p:fade/>
       </p:transition>
     </mc:Choice>
-    <mc:Fallback>
+    <mc:Fallback xmlns="">
       <p:transition spd="med" advClick="0" advTm="3000">
         <p:fade/>
       </p:transition>
@@ -12143,13 +12227,13 @@
   <p:clrMapOvr>
     <a:masterClrMapping/>
   </p:clrMapOvr>
-  <mc:AlternateContent xmlns:mc="http://schemas.openxmlformats.org/markup-compatibility/2006">
-    <mc:Choice xmlns:p14="http://schemas.microsoft.com/office/powerpoint/2010/main" Requires="p14">
+  <mc:AlternateContent xmlns:mc="http://schemas.openxmlformats.org/markup-compatibility/2006" xmlns:p14="http://schemas.microsoft.com/office/powerpoint/2010/main">
+    <mc:Choice Requires="p14">
       <p:transition spd="med" p14:dur="700" advClick="0" advTm="3000">
         <p:fade/>
       </p:transition>
     </mc:Choice>
-    <mc:Fallback>
+    <mc:Fallback xmlns="">
       <p:transition spd="med" advClick="0" advTm="3000">
         <p:fade/>
       </p:transition>
@@ -12788,13 +12872,13 @@
   <p:clrMapOvr>
     <a:masterClrMapping/>
   </p:clrMapOvr>
-  <mc:AlternateContent xmlns:mc="http://schemas.openxmlformats.org/markup-compatibility/2006">
-    <mc:Choice xmlns:p14="http://schemas.microsoft.com/office/powerpoint/2010/main" Requires="p14">
+  <mc:AlternateContent xmlns:mc="http://schemas.openxmlformats.org/markup-compatibility/2006" xmlns:p14="http://schemas.microsoft.com/office/powerpoint/2010/main">
+    <mc:Choice Requires="p14">
       <p:transition spd="med" p14:dur="700" advClick="0" advTm="3000">
         <p:fade/>
       </p:transition>
     </mc:Choice>
-    <mc:Fallback>
+    <mc:Fallback xmlns="">
       <p:transition spd="med" advClick="0" advTm="3000">
         <p:fade/>
       </p:transition>
@@ -13534,13 +13618,13 @@
   <p:clrMapOvr>
     <a:masterClrMapping/>
   </p:clrMapOvr>
-  <mc:AlternateContent xmlns:mc="http://schemas.openxmlformats.org/markup-compatibility/2006">
-    <mc:Choice xmlns:p14="http://schemas.microsoft.com/office/powerpoint/2010/main" Requires="p14">
+  <mc:AlternateContent xmlns:mc="http://schemas.openxmlformats.org/markup-compatibility/2006" xmlns:p14="http://schemas.microsoft.com/office/powerpoint/2010/main">
+    <mc:Choice Requires="p14">
       <p:transition spd="med" p14:dur="700" advClick="0" advTm="3000">
         <p:fade/>
       </p:transition>
     </mc:Choice>
-    <mc:Fallback>
+    <mc:Fallback xmlns="">
       <p:transition spd="med" advClick="0" advTm="3000">
         <p:fade/>
       </p:transition>

--- a/presentation/ERG3010 Group 10 Presentation.pptx
+++ b/presentation/ERG3010 Group 10 Presentation.pptx
@@ -7675,7 +7675,7 @@
           <p:nvPr>
             <p:extLst>
               <p:ext uri="{D42A27DB-BD31-4B8C-83A1-F6EECF244321}">
-                <p14:modId xmlns:p14="http://schemas.microsoft.com/office/powerpoint/2010/main" val="3800015592"/>
+                <p14:modId xmlns:p14="http://schemas.microsoft.com/office/powerpoint/2010/main" val="951701103"/>
               </p:ext>
             </p:extLst>
           </p:nvPr>
@@ -7894,7 +7894,23 @@
                       </a:r>
                       <a:r>
                         <a:rPr lang="en-US" altLang="zh-CN" sz="2000" dirty="0"/>
-                        <a:t>Implementation</a:t>
+                        <a:t>Implementation;</a:t>
+                      </a:r>
+                      <a:r>
+                        <a:rPr lang="zh-CN" altLang="en-US" sz="2000" dirty="0"/>
+                        <a:t> </a:t>
+                      </a:r>
+                      <a:r>
+                        <a:rPr lang="en-US" altLang="zh-CN" sz="2000" dirty="0"/>
+                        <a:t>Front- and Back-end</a:t>
+                      </a:r>
+                      <a:r>
+                        <a:rPr lang="zh-CN" altLang="en-US" sz="2000" dirty="0"/>
+                        <a:t> </a:t>
+                      </a:r>
+                      <a:r>
+                        <a:rPr lang="en-US" altLang="zh-CN" sz="2000" dirty="0"/>
+                        <a:t>Frame Construction </a:t>
                       </a:r>
                       <a:endParaRPr lang="zh-CN" altLang="en-US" sz="2000" dirty="0"/>
                     </a:p>
@@ -7996,7 +8012,7 @@
                       </a:r>
                       <a:r>
                         <a:rPr lang="en-US" altLang="zh-CN" sz="2000" dirty="0"/>
-                        <a:t>Front- and Back-end</a:t>
+                        <a:t>Front-end</a:t>
                       </a:r>
                       <a:r>
                         <a:rPr lang="zh-CN" altLang="en-US" sz="2000" dirty="0"/>
@@ -8004,7 +8020,7 @@
                       </a:r>
                       <a:r>
                         <a:rPr lang="en-US" altLang="zh-CN" sz="2000" dirty="0"/>
-                        <a:t>Frame Construction </a:t>
+                        <a:t>Web Interface Design</a:t>
                       </a:r>
                       <a:endParaRPr lang="zh-CN" altLang="en-US" sz="2000" dirty="0"/>
                     </a:p>
@@ -8135,20 +8151,8 @@
                     <a:p>
                       <a:pPr algn="ctr"/>
                       <a:r>
-                        <a:rPr lang="en-US" altLang="zh-CN" sz="2000"/>
-                        <a:t>Schema Design</a:t>
-                      </a:r>
-                      <a:r>
                         <a:rPr lang="en-US" altLang="zh-CN" sz="2000" dirty="0"/>
-                        <a:t>; </a:t>
-                      </a:r>
-                      <a:r>
-                        <a:rPr lang="en-US" altLang="zh-CN" sz="2000"/>
-                        <a:t>Data Analysis and Visualization</a:t>
-                      </a:r>
-                      <a:r>
-                        <a:rPr lang="en-US" altLang="zh-CN" sz="2000" dirty="0"/>
-                        <a:t>; Machine</a:t>
+                        <a:t>Schema Design; Data Analysis and Visualization; Machine</a:t>
                       </a:r>
                       <a:r>
                         <a:rPr lang="zh-CN" altLang="en-US" sz="2000" dirty="0"/>
